--- a/9.Deep_learning/class_10_Text_Nltk_Spacy.pptx
+++ b/9.Deep_learning/class_10_Text_Nltk_Spacy.pptx
@@ -5,36 +5,33 @@
     <p:sldMasterId id="2147483648" r:id="rId1"/>
   </p:sldMasterIdLst>
   <p:notesMasterIdLst>
-    <p:notesMasterId r:id="rId30"/>
+    <p:notesMasterId r:id="rId27"/>
   </p:notesMasterIdLst>
   <p:sldIdLst>
     <p:sldId id="276" r:id="rId3"/>
-    <p:sldId id="399" r:id="rId4"/>
-    <p:sldId id="277" r:id="rId5"/>
-    <p:sldId id="278" r:id="rId6"/>
-    <p:sldId id="262" r:id="rId7"/>
-    <p:sldId id="389" r:id="rId8"/>
-    <p:sldId id="342" r:id="rId9"/>
-    <p:sldId id="391" r:id="rId10"/>
-    <p:sldId id="260" r:id="rId11"/>
-    <p:sldId id="283" r:id="rId12"/>
-    <p:sldId id="271" r:id="rId13"/>
-    <p:sldId id="400" r:id="rId14"/>
-    <p:sldId id="395" r:id="rId15"/>
-    <p:sldId id="398" r:id="rId16"/>
-    <p:sldId id="392" r:id="rId17"/>
-    <p:sldId id="401" r:id="rId18"/>
-    <p:sldId id="396" r:id="rId19"/>
-    <p:sldId id="402" r:id="rId20"/>
-    <p:sldId id="393" r:id="rId21"/>
-    <p:sldId id="272" r:id="rId22"/>
-    <p:sldId id="403" r:id="rId23"/>
-    <p:sldId id="394" r:id="rId24"/>
-    <p:sldId id="397" r:id="rId25"/>
-    <p:sldId id="404" r:id="rId26"/>
-    <p:sldId id="407" r:id="rId27"/>
-    <p:sldId id="406" r:id="rId28"/>
-    <p:sldId id="405" r:id="rId29"/>
+    <p:sldId id="277" r:id="rId4"/>
+    <p:sldId id="278" r:id="rId5"/>
+    <p:sldId id="399" r:id="rId6"/>
+    <p:sldId id="391" r:id="rId7"/>
+    <p:sldId id="260" r:id="rId8"/>
+    <p:sldId id="283" r:id="rId9"/>
+    <p:sldId id="271" r:id="rId10"/>
+    <p:sldId id="400" r:id="rId11"/>
+    <p:sldId id="395" r:id="rId12"/>
+    <p:sldId id="398" r:id="rId13"/>
+    <p:sldId id="392" r:id="rId14"/>
+    <p:sldId id="401" r:id="rId15"/>
+    <p:sldId id="396" r:id="rId16"/>
+    <p:sldId id="402" r:id="rId17"/>
+    <p:sldId id="393" r:id="rId18"/>
+    <p:sldId id="272" r:id="rId19"/>
+    <p:sldId id="403" r:id="rId20"/>
+    <p:sldId id="394" r:id="rId21"/>
+    <p:sldId id="397" r:id="rId22"/>
+    <p:sldId id="404" r:id="rId23"/>
+    <p:sldId id="407" r:id="rId24"/>
+    <p:sldId id="406" r:id="rId25"/>
+    <p:sldId id="405" r:id="rId26"/>
   </p:sldIdLst>
   <p:sldSz cx="12192000" cy="6858000"/>
   <p:notesSz cx="6858000" cy="9144000"/>
@@ -3498,245 +3495,41 @@
         <p:nvPr/>
       </p:nvGrpSpPr>
       <p:grpSpPr/>
-      <p:pic>
-        <p:nvPicPr>
-          <p:cNvPr id="4" name="Picture 3"/>
-          <p:cNvPicPr/>
+      <p:sp>
+        <p:nvSpPr>
+          <p:cNvPr id="2" name="Text Box 1"/>
+          <p:cNvSpPr txBox="1"/>
           <p:nvPr/>
-        </p:nvPicPr>
-        <p:blipFill>
-          <a:blip r:embed="rId1"/>
-          <a:stretch>
-            <a:fillRect/>
-          </a:stretch>
-        </p:blipFill>
-        <p:spPr>
-          <a:xfrm>
-            <a:off x="5799455" y="3391535"/>
-            <a:ext cx="6313805" cy="3466465"/>
+        </p:nvSpPr>
+        <p:spPr>
+          <a:xfrm>
+            <a:off x="728980" y="220980"/>
+            <a:ext cx="10231755" cy="3588385"/>
           </a:xfrm>
           <a:prstGeom prst="rect">
             <a:avLst/>
           </a:prstGeom>
         </p:spPr>
-      </p:pic>
-      <p:sp>
-        <p:nvSpPr>
-          <p:cNvPr id="2" name="Text Box 1"/>
-          <p:cNvSpPr txBox="1"/>
-          <p:nvPr/>
-        </p:nvSpPr>
-        <p:spPr>
-          <a:xfrm>
-            <a:off x="250190" y="391160"/>
-            <a:ext cx="6096000" cy="3907790"/>
-          </a:xfrm>
-          <a:prstGeom prst="rect">
-            <a:avLst/>
-          </a:prstGeom>
-          <a:noFill/>
-        </p:spPr>
-        <p:txBody>
-          <a:bodyPr wrap="square" rtlCol="0" anchor="t">
-            <a:spAutoFit/>
+        <p:txBody>
+          <a:bodyPr>
+            <a:noAutofit/>
           </a:bodyPr>
           <a:p>
-            <a:pPr indent="0">
-              <a:buFont typeface="Arial" panose="020B0604020202020204"/>
-              <a:buNone/>
-            </a:pPr>
-            <a:r>
-              <a:rPr sz="2400" b="1">
-                <a:solidFill>
-                  <a:srgbClr val="FF0000"/>
-                </a:solidFill>
-                <a:effectLst>
-                  <a:outerShdw blurRad="38100" dist="38100" dir="2700000" algn="tl">
-                    <a:srgbClr val="000000">
-                      <a:alpha val="43137"/>
-                    </a:srgbClr>
-                  </a:outerShdw>
-                </a:effectLst>
-                <a:sym typeface="+mn-ea"/>
-              </a:rPr>
-              <a:t>Types of Perceptron Models:</a:t>
-            </a:r>
-            <a:endParaRPr sz="2400" b="1">
-              <a:solidFill>
-                <a:srgbClr val="FF0000"/>
-              </a:solidFill>
-              <a:effectLst>
-                <a:outerShdw blurRad="38100" dist="38100" dir="2700000" algn="tl">
-                  <a:srgbClr val="000000">
-                    <a:alpha val="43137"/>
-                  </a:srgbClr>
-                </a:outerShdw>
-              </a:effectLst>
-              <a:sym typeface="+mn-ea"/>
-            </a:endParaRPr>
-          </a:p>
-          <a:p>
-            <a:pPr indent="0">
-              <a:buFont typeface="Arial" panose="020B0604020202020204"/>
-              <a:buNone/>
-            </a:pPr>
-            <a:endParaRPr sz="2400" b="1">
-              <a:solidFill>
-                <a:srgbClr val="FF0000"/>
-              </a:solidFill>
-              <a:effectLst>
-                <a:outerShdw blurRad="38100" dist="38100" dir="2700000" algn="tl">
-                  <a:srgbClr val="000000">
-                    <a:alpha val="43137"/>
-                  </a:srgbClr>
-                </a:outerShdw>
-              </a:effectLst>
-            </a:endParaRPr>
-          </a:p>
-          <a:p>
-            <a:pPr lvl="1">
-              <a:buFont typeface="Arial" panose="020B0604020202020204"/>
-              <a:buChar char="◦"/>
-            </a:pPr>
-            <a:r>
-              <a:rPr sz="2000" b="1">
-                <a:sym typeface="+mn-ea"/>
-              </a:rPr>
-              <a:t>Single-layer perceptron</a:t>
-            </a:r>
-            <a:r>
-              <a:rPr sz="2000">
-                <a:sym typeface="+mn-ea"/>
-              </a:rPr>
-              <a:t>: Can only solve linearly separable problems.</a:t>
-            </a:r>
-            <a:br>
-              <a:rPr sz="2000">
-                <a:sym typeface="+mn-ea"/>
-              </a:rPr>
-            </a:br>
-            <a:endParaRPr sz="2000">
-              <a:sym typeface="+mn-ea"/>
-            </a:endParaRPr>
-          </a:p>
-          <a:p>
-            <a:pPr lvl="1">
-              <a:buFont typeface="Arial" panose="020B0604020202020204"/>
-              <a:buChar char="◦"/>
-            </a:pPr>
-            <a:endParaRPr sz="2000">
-              <a:sym typeface="+mn-ea"/>
-            </a:endParaRPr>
-          </a:p>
-          <a:p>
-            <a:pPr lvl="1">
-              <a:buFont typeface="Arial" panose="020B0604020202020204"/>
-              <a:buChar char="◦"/>
-            </a:pPr>
-            <a:endParaRPr sz="2000">
-              <a:sym typeface="+mn-ea"/>
-            </a:endParaRPr>
-          </a:p>
-          <a:p>
-            <a:pPr lvl="1">
-              <a:buFont typeface="Arial" panose="020B0604020202020204"/>
-              <a:buChar char="◦"/>
-            </a:pPr>
-            <a:endParaRPr sz="2000">
-              <a:sym typeface="+mn-ea"/>
-            </a:endParaRPr>
-          </a:p>
-          <a:p>
-            <a:pPr lvl="1">
-              <a:buFont typeface="Arial" panose="020B0604020202020204"/>
-              <a:buChar char="◦"/>
-            </a:pPr>
-            <a:endParaRPr sz="2000">
-              <a:sym typeface="+mn-ea"/>
-            </a:endParaRPr>
-          </a:p>
-          <a:p>
-            <a:pPr lvl="1">
-              <a:buFont typeface="Arial" panose="020B0604020202020204"/>
-              <a:buChar char="◦"/>
-            </a:pPr>
-            <a:endParaRPr sz="2000"/>
-          </a:p>
-          <a:p>
-            <a:pPr lvl="1">
-              <a:buFont typeface="Arial" panose="020B0604020202020204"/>
-              <a:buChar char="◦"/>
-            </a:pPr>
-            <a:r>
-              <a:rPr sz="2000" b="1">
-                <a:sym typeface="+mn-ea"/>
-              </a:rPr>
-              <a:t>Multi-layer perceptron (MLP):</a:t>
-            </a:r>
-            <a:r>
-              <a:rPr sz="2000">
-                <a:sym typeface="+mn-ea"/>
-              </a:rPr>
-              <a:t> Can solve non-linear problems using multiple layers.</a:t>
-            </a:r>
-            <a:endParaRPr lang="en-US" sz="2000">
-              <a:sym typeface="+mn-ea"/>
-            </a:endParaRPr>
-          </a:p>
-        </p:txBody>
-      </p:sp>
-      <p:pic>
-        <p:nvPicPr>
-          <p:cNvPr id="5" name="Picture 4"/>
-          <p:cNvPicPr/>
-          <p:nvPr/>
-        </p:nvPicPr>
-        <p:blipFill>
-          <a:blip r:embed="rId2"/>
-          <a:srcRect l="16227" t="19455" r="15667" b="20687"/>
-          <a:stretch>
-            <a:fillRect/>
-          </a:stretch>
-        </p:blipFill>
-        <p:spPr>
-          <a:xfrm>
-            <a:off x="6572250" y="-70485"/>
-            <a:ext cx="5031105" cy="3305175"/>
-          </a:xfrm>
-          <a:prstGeom prst="rect">
-            <a:avLst/>
-          </a:prstGeom>
-        </p:spPr>
-      </p:pic>
-      <p:sp>
-        <p:nvSpPr>
-          <p:cNvPr id="3" name="Text Box 2"/>
-          <p:cNvSpPr txBox="1"/>
-          <p:nvPr/>
-        </p:nvSpPr>
-        <p:spPr>
-          <a:xfrm>
-            <a:off x="347980" y="4417695"/>
-            <a:ext cx="5080000" cy="2287270"/>
-          </a:xfrm>
-          <a:prstGeom prst="rect">
-            <a:avLst/>
-          </a:prstGeom>
-        </p:spPr>
-        <p:txBody>
-          <a:bodyPr>
-            <a:spAutoFit/>
-          </a:bodyPr>
-          <a:p>
             <a:pPr marL="0" indent="0">
+              <a:lnSpc>
+                <a:spcPct val="130000"/>
+              </a:lnSpc>
+              <a:spcBef>
+                <a:spcPct val="0"/>
+              </a:spcBef>
               <a:spcAft>
-                <a:spcPct val="60000"/>
+                <a:spcPct val="0"/>
               </a:spcAft>
             </a:pPr>
             <a:r>
               <a:rPr b="1" i="0">
                 <a:solidFill>
-                  <a:srgbClr val="C00000"/>
+                  <a:srgbClr val="334960"/>
                 </a:solidFill>
                 <a:effectLst>
                   <a:outerShdw blurRad="38100" dist="38100" dir="2700000" algn="tl">
@@ -3746,128 +3539,241 @@
                   </a:outerShdw>
                 </a:effectLst>
                 <a:latin typeface="Arial" panose="020B0604020202020204" pitchFamily="34" charset="0"/>
-                <a:ea typeface="Manrope"/>
+                <a:ea typeface="work-sans-regular"/>
                 <a:cs typeface="Arial" panose="020B0604020202020204" pitchFamily="34" charset="0"/>
               </a:rPr>
-              <a:t>Neural Networks Architecture:</a:t>
-            </a:r>
-            <a:r>
-              <a:rPr sz="1600" b="0" i="0">
-                <a:latin typeface="Manrope"/>
-                <a:ea typeface="Manrope"/>
-              </a:rPr>
-              <a:t> </a:t>
-            </a:r>
-            <a:endParaRPr sz="1600" b="0" i="0">
-              <a:latin typeface="Manrope"/>
-              <a:ea typeface="Manrope"/>
+              <a:t>If we mathematically represent it contains the following terms:</a:t>
+            </a:r>
+            <a:endParaRPr b="1" i="0">
+              <a:solidFill>
+                <a:srgbClr val="334960"/>
+              </a:solidFill>
+              <a:effectLst>
+                <a:outerShdw blurRad="38100" dist="38100" dir="2700000" algn="tl">
+                  <a:srgbClr val="000000">
+                    <a:alpha val="43137"/>
+                  </a:srgbClr>
+                </a:outerShdw>
+              </a:effectLst>
+              <a:latin typeface="Arial" panose="020B0604020202020204" pitchFamily="34" charset="0"/>
+              <a:ea typeface="work-sans-regular"/>
+              <a:cs typeface="Arial" panose="020B0604020202020204" pitchFamily="34" charset="0"/>
             </a:endParaRPr>
           </a:p>
           <a:p>
-            <a:pPr marL="0" indent="0"/>
+            <a:pPr marL="0" indent="0">
+              <a:lnSpc>
+                <a:spcPct val="130000"/>
+              </a:lnSpc>
+              <a:spcBef>
+                <a:spcPct val="0"/>
+              </a:spcBef>
+              <a:spcAft>
+                <a:spcPct val="0"/>
+              </a:spcAft>
+            </a:pPr>
+            <a:endParaRPr b="1" i="0">
+              <a:solidFill>
+                <a:srgbClr val="334960"/>
+              </a:solidFill>
+              <a:effectLst>
+                <a:outerShdw blurRad="38100" dist="38100" dir="2700000" algn="tl">
+                  <a:srgbClr val="000000">
+                    <a:alpha val="43137"/>
+                  </a:srgbClr>
+                </a:outerShdw>
+              </a:effectLst>
+              <a:latin typeface="Arial" panose="020B0604020202020204" pitchFamily="34" charset="0"/>
+              <a:ea typeface="work-sans-regular"/>
+              <a:cs typeface="Arial" panose="020B0604020202020204" pitchFamily="34" charset="0"/>
+            </a:endParaRPr>
+          </a:p>
+          <a:p>
+            <a:pPr marL="558800" lvl="1" indent="0" algn="just">
+              <a:lnSpc>
+                <a:spcPct val="130000"/>
+              </a:lnSpc>
+              <a:spcBef>
+                <a:spcPts val="200"/>
+              </a:spcBef>
+              <a:spcAft>
+                <a:spcPct val="0"/>
+              </a:spcAft>
+              <a:buFont typeface="Arial" panose="020B0604020202020204"/>
+              <a:buChar char="•"/>
+            </a:pPr>
             <a:r>
               <a:rPr b="0" i="0">
                 <a:solidFill>
-                  <a:srgbClr val="292929"/>
+                  <a:srgbClr val="334960"/>
                 </a:solidFill>
-                <a:latin typeface="Inter"/>
-                <a:ea typeface="Inter"/>
+                <a:latin typeface="Arial" panose="020B0604020202020204" pitchFamily="34" charset="0"/>
+                <a:ea typeface="work-sans-regular"/>
+                <a:cs typeface="Arial" panose="020B0604020202020204" pitchFamily="34" charset="0"/>
               </a:rPr>
-              <a:t>the basic elements of the network's architecture. </a:t>
+              <a:t>NLP: NLP (Natural Language Processing) is in charge of processes such as decisions and actions.</a:t>
             </a:r>
             <a:endParaRPr b="0" i="0">
               <a:solidFill>
-                <a:srgbClr val="292929"/>
+                <a:srgbClr val="334960"/>
               </a:solidFill>
-              <a:latin typeface="Inter"/>
-              <a:ea typeface="Inter"/>
+              <a:latin typeface="Arial" panose="020B0604020202020204" pitchFamily="34" charset="0"/>
+              <a:ea typeface="work-sans-regular"/>
+              <a:cs typeface="Arial" panose="020B0604020202020204" pitchFamily="34" charset="0"/>
             </a:endParaRPr>
           </a:p>
           <a:p>
-            <a:pPr marL="0" indent="0"/>
-            <a:r>
-              <a:rPr b="1" i="0">
-                <a:solidFill>
-                  <a:srgbClr val="292929"/>
-                </a:solidFill>
-                <a:latin typeface="Inter"/>
-                <a:ea typeface="Inter"/>
-              </a:rPr>
-              <a:t> made of three core layers:</a:t>
-            </a:r>
-            <a:endParaRPr b="1" i="0">
-              <a:solidFill>
-                <a:srgbClr val="292929"/>
-              </a:solidFill>
-              <a:latin typeface="Inter"/>
-              <a:ea typeface="Inter"/>
-            </a:endParaRPr>
-          </a:p>
-          <a:p>
-            <a:pPr marL="0" indent="0">
-              <a:buAutoNum type="arabicPeriod"/>
+            <a:pPr marL="558800" lvl="1" indent="0" algn="just">
+              <a:lnSpc>
+                <a:spcPct val="130000"/>
+              </a:lnSpc>
+              <a:spcBef>
+                <a:spcPts val="200"/>
+              </a:spcBef>
+              <a:spcAft>
+                <a:spcPct val="0"/>
+              </a:spcAft>
+              <a:buFont typeface="Arial" panose="020B0604020202020204"/>
+              <a:buChar char="•"/>
             </a:pPr>
             <a:r>
               <a:rPr b="0" i="0">
                 <a:solidFill>
-                  <a:srgbClr val="292929"/>
+                  <a:srgbClr val="334960"/>
                 </a:solidFill>
-                <a:latin typeface="Inter"/>
-                <a:ea typeface="Inter"/>
+                <a:latin typeface="Arial" panose="020B0604020202020204" pitchFamily="34" charset="0"/>
+                <a:ea typeface="work-sans-regular"/>
+                <a:cs typeface="Arial" panose="020B0604020202020204" pitchFamily="34" charset="0"/>
               </a:rPr>
-              <a:t>Input layer</a:t>
+              <a:t>NLU: NLU (</a:t>
+            </a:r>
+            <a:r>
+              <a:rPr b="0" i="0">
+                <a:solidFill>
+                  <a:srgbClr val="1860D3"/>
+                </a:solidFill>
+                <a:latin typeface="Arial" panose="020B0604020202020204" pitchFamily="34" charset="0"/>
+                <a:ea typeface="work-sans-regular"/>
+                <a:cs typeface="Arial" panose="020B0604020202020204" pitchFamily="34" charset="0"/>
+                <a:hlinkClick r:id="rId1"/>
+              </a:rPr>
+              <a:t>Natural Language Understanding</a:t>
+            </a:r>
+            <a:r>
+              <a:rPr b="0" i="0">
+                <a:solidFill>
+                  <a:srgbClr val="334960"/>
+                </a:solidFill>
+                <a:latin typeface="Arial" panose="020B0604020202020204" pitchFamily="34" charset="0"/>
+                <a:ea typeface="work-sans-regular"/>
+                <a:cs typeface="Arial" panose="020B0604020202020204" pitchFamily="34" charset="0"/>
+              </a:rPr>
+              <a:t>) understands the meaning of the text.</a:t>
             </a:r>
             <a:endParaRPr b="0" i="0">
               <a:solidFill>
-                <a:srgbClr val="292929"/>
+                <a:srgbClr val="334960"/>
               </a:solidFill>
-              <a:latin typeface="Inter"/>
-              <a:ea typeface="Inter"/>
+              <a:latin typeface="Arial" panose="020B0604020202020204" pitchFamily="34" charset="0"/>
+              <a:ea typeface="work-sans-regular"/>
+              <a:cs typeface="Arial" panose="020B0604020202020204" pitchFamily="34" charset="0"/>
             </a:endParaRPr>
           </a:p>
           <a:p>
-            <a:pPr marL="0" indent="0">
-              <a:buAutoNum type="arabicPeriod"/>
+            <a:pPr marL="558800" lvl="1" indent="0" algn="just">
+              <a:lnSpc>
+                <a:spcPct val="130000"/>
+              </a:lnSpc>
+              <a:spcBef>
+                <a:spcPts val="200"/>
+              </a:spcBef>
+              <a:spcAft>
+                <a:spcPct val="0"/>
+              </a:spcAft>
+              <a:buFont typeface="Arial" panose="020B0604020202020204"/>
+              <a:buChar char="•"/>
             </a:pPr>
             <a:r>
               <a:rPr b="0" i="0">
                 <a:solidFill>
-                  <a:srgbClr val="292929"/>
+                  <a:srgbClr val="334960"/>
                 </a:solidFill>
-                <a:latin typeface="Inter"/>
-                <a:ea typeface="Inter"/>
+                <a:latin typeface="Arial" panose="020B0604020202020204" pitchFamily="34" charset="0"/>
+                <a:ea typeface="work-sans-regular"/>
+                <a:cs typeface="Arial" panose="020B0604020202020204" pitchFamily="34" charset="0"/>
               </a:rPr>
-              <a:t>Hidden layers </a:t>
+              <a:t>NLG: NLG (Natural Language Generation) creates the human language text from the structured data that the system generates to answer.</a:t>
             </a:r>
             <a:endParaRPr b="0" i="0">
               <a:solidFill>
-                <a:srgbClr val="292929"/>
+                <a:srgbClr val="334960"/>
               </a:solidFill>
-              <a:latin typeface="Inter"/>
-              <a:ea typeface="Inter"/>
+              <a:latin typeface="Arial" panose="020B0604020202020204" pitchFamily="34" charset="0"/>
+              <a:ea typeface="work-sans-regular"/>
+              <a:cs typeface="Arial" panose="020B0604020202020204" pitchFamily="34" charset="0"/>
             </a:endParaRPr>
           </a:p>
-          <a:p>
-            <a:pPr marL="0" indent="0">
-              <a:buAutoNum type="arabicPeriod"/>
-            </a:pPr>
-            <a:r>
-              <a:rPr b="0" i="0">
-                <a:solidFill>
-                  <a:srgbClr val="292929"/>
-                </a:solidFill>
-                <a:latin typeface="Inter"/>
-                <a:ea typeface="Inter"/>
-              </a:rPr>
-              <a:t>Output layer </a:t>
-            </a:r>
-            <a:endParaRPr b="0" i="0">
-              <a:solidFill>
-                <a:srgbClr val="292929"/>
-              </a:solidFill>
-              <a:latin typeface="Inter"/>
-              <a:ea typeface="Inter"/>
-            </a:endParaRPr>
+        </p:txBody>
+      </p:sp>
+      <p:sp>
+        <p:nvSpPr>
+          <p:cNvPr id="3" name="Text Box 2"/>
+          <p:cNvSpPr txBox="1"/>
+          <p:nvPr/>
+        </p:nvSpPr>
+        <p:spPr>
+          <a:xfrm>
+            <a:off x="728980" y="6111240"/>
+            <a:ext cx="8198485" cy="368300"/>
+          </a:xfrm>
+          <a:prstGeom prst="rect">
+            <a:avLst/>
+          </a:prstGeom>
+          <a:noFill/>
+        </p:spPr>
+        <p:txBody>
+          <a:bodyPr wrap="square" rtlCol="0" anchor="t">
+            <a:spAutoFit/>
+          </a:bodyPr>
+          <a:p>
+            <a:r>
+              <a:rPr lang="en-US" altLang="en-US"/>
+              <a:t>https://www.xenonstack.com/blog/natural-language-processing</a:t>
+            </a:r>
+            <a:endParaRPr lang="en-US"/>
+          </a:p>
+        </p:txBody>
+      </p:sp>
+      <p:sp>
+        <p:nvSpPr>
+          <p:cNvPr id="4" name="Text Box 3"/>
+          <p:cNvSpPr txBox="1"/>
+          <p:nvPr/>
+        </p:nvSpPr>
+        <p:spPr>
+          <a:xfrm>
+            <a:off x="728980" y="5650230"/>
+            <a:ext cx="6096000" cy="368300"/>
+          </a:xfrm>
+          <a:prstGeom prst="rect">
+            <a:avLst/>
+          </a:prstGeom>
+          <a:noFill/>
+        </p:spPr>
+        <p:txBody>
+          <a:bodyPr wrap="square" rtlCol="0" anchor="t">
+            <a:spAutoFit/>
+          </a:bodyPr>
+          <a:p>
+            <a:r>
+              <a:rPr lang="en-US" altLang="en-US"/>
+              <a:t>https://www.tpointtech.com/nlp</a:t>
+            </a:r>
+            <a:r>
+              <a:rPr lang="en-IN" altLang="en-US"/>
+              <a:t>   --&gt; History</a:t>
+            </a:r>
+            <a:endParaRPr lang="en-IN" altLang="en-US"/>
           </a:p>
         </p:txBody>
       </p:sp>
@@ -3897,8 +3803,8 @@
         </p:nvSpPr>
         <p:spPr>
           <a:xfrm>
-            <a:off x="2818130" y="1256665"/>
-            <a:ext cx="6096000" cy="768350"/>
+            <a:off x="4076065" y="89535"/>
+            <a:ext cx="7352665" cy="368300"/>
           </a:xfrm>
           <a:prstGeom prst="rect">
             <a:avLst/>
@@ -3911,199 +3817,16 @@
           </a:bodyPr>
           <a:p>
             <a:r>
-              <a:rPr lang="en-IN" altLang="en-US" sz="4400" b="1">
-                <a:solidFill>
-                  <a:srgbClr val="FF0000"/>
-                </a:solidFill>
-                <a:effectLst>
-                  <a:outerShdw blurRad="38100" dist="38100" dir="2700000" algn="tl">
-                    <a:srgbClr val="000000">
-                      <a:alpha val="43137"/>
-                    </a:srgbClr>
-                  </a:outerShdw>
-                </a:effectLst>
-                <a:sym typeface="+mn-ea"/>
-              </a:rPr>
-              <a:t>What we Learn in NLP</a:t>
-            </a:r>
-            <a:endParaRPr lang="en-IN" altLang="en-US" sz="4400" b="1">
-              <a:solidFill>
-                <a:srgbClr val="FF0000"/>
-              </a:solidFill>
-              <a:effectLst>
-                <a:outerShdw blurRad="38100" dist="38100" dir="2700000" algn="tl">
-                  <a:srgbClr val="000000">
-                    <a:alpha val="43137"/>
-                  </a:srgbClr>
-                </a:outerShdw>
-              </a:effectLst>
-              <a:sym typeface="+mn-ea"/>
-            </a:endParaRPr>
-          </a:p>
-        </p:txBody>
-      </p:sp>
-      <p:sp>
-        <p:nvSpPr>
-          <p:cNvPr id="3" name="Text Box 2"/>
-          <p:cNvSpPr txBox="1"/>
-          <p:nvPr/>
-        </p:nvSpPr>
-        <p:spPr>
-          <a:xfrm>
-            <a:off x="3361055" y="2236470"/>
-            <a:ext cx="4599940" cy="4246245"/>
-          </a:xfrm>
-          <a:prstGeom prst="rect">
-            <a:avLst/>
-          </a:prstGeom>
-          <a:noFill/>
-        </p:spPr>
-        <p:txBody>
-          <a:bodyPr wrap="square" rtlCol="0">
-            <a:spAutoFit/>
-          </a:bodyPr>
-          <a:p>
-            <a:r>
-              <a:rPr lang="en-IN" altLang="en-US"/>
-              <a:t>Word embedding</a:t>
-            </a:r>
-            <a:endParaRPr lang="en-IN" altLang="en-US"/>
-          </a:p>
-          <a:p>
-            <a:r>
-              <a:rPr lang="en-IN" altLang="en-US"/>
-              <a:t>Word2vac</a:t>
-            </a:r>
-            <a:endParaRPr lang="en-IN" altLang="en-US"/>
-          </a:p>
-          <a:p>
-            <a:r>
-              <a:rPr lang="en-IN" altLang="en-US"/>
-              <a:t>Rnn </a:t>
-            </a:r>
-            <a:endParaRPr lang="en-IN" altLang="en-US"/>
-          </a:p>
-          <a:p>
-            <a:r>
-              <a:rPr lang="en-IN" altLang="en-US"/>
-              <a:t>LSTM</a:t>
-            </a:r>
-            <a:endParaRPr lang="en-IN" altLang="en-US"/>
-          </a:p>
-          <a:p>
-            <a:r>
-              <a:rPr lang="en-IN" altLang="en-US"/>
-              <a:t>GRU</a:t>
-            </a:r>
-            <a:endParaRPr lang="en-IN" altLang="en-US"/>
-          </a:p>
-          <a:p>
-            <a:r>
-              <a:rPr lang="en-IN" altLang="en-US"/>
-              <a:t>encoder decoder</a:t>
-            </a:r>
-            <a:endParaRPr lang="en-IN" altLang="en-US"/>
-          </a:p>
-          <a:p>
-            <a:r>
-              <a:rPr lang="en-IN" altLang="en-US"/>
-              <a:t>attentions</a:t>
-            </a:r>
-            <a:endParaRPr lang="en-IN" altLang="en-US"/>
-          </a:p>
-          <a:p>
-            <a:r>
-              <a:rPr lang="en-IN" altLang="en-US"/>
-              <a:t>self attentions</a:t>
-            </a:r>
-            <a:endParaRPr lang="en-IN" altLang="en-US"/>
-          </a:p>
-          <a:p>
-            <a:r>
-              <a:rPr lang="en-IN" altLang="en-US"/>
-              <a:t>transformer</a:t>
-            </a:r>
-            <a:endParaRPr lang="en-IN" altLang="en-US"/>
-          </a:p>
-          <a:p>
-            <a:r>
-              <a:rPr lang="en-IN" altLang="en-US"/>
-              <a:t>BERT &amp; GPT</a:t>
-            </a:r>
-            <a:endParaRPr lang="en-IN" altLang="en-US"/>
-          </a:p>
-          <a:p>
-            <a:endParaRPr lang="en-IN" altLang="en-US"/>
-          </a:p>
-          <a:p>
-            <a:r>
-              <a:rPr lang="en-IN" altLang="en-US"/>
-              <a:t>Introduction of Prompt Engineering</a:t>
-            </a:r>
-            <a:endParaRPr lang="en-IN" altLang="en-US"/>
-          </a:p>
-          <a:p>
-            <a:r>
-              <a:rPr lang="en-IN" altLang="en-US"/>
-              <a:t>Genrative AI</a:t>
-            </a:r>
-            <a:endParaRPr lang="en-IN" altLang="en-US"/>
-          </a:p>
-          <a:p>
-            <a:r>
-              <a:rPr lang="en-IN" altLang="en-US"/>
-              <a:t>LLM</a:t>
-            </a:r>
-            <a:endParaRPr lang="en-IN" altLang="en-US"/>
-          </a:p>
-          <a:p>
-            <a:r>
-              <a:rPr lang="en-IN" altLang="en-US"/>
-              <a:t>AGENT AI</a:t>
-            </a:r>
-            <a:endParaRPr lang="en-IN" altLang="en-US"/>
-          </a:p>
-        </p:txBody>
-      </p:sp>
-      <p:sp>
-        <p:nvSpPr>
-          <p:cNvPr id="4" name="Text Box 3"/>
-          <p:cNvSpPr txBox="1"/>
-          <p:nvPr/>
-        </p:nvSpPr>
-        <p:spPr>
-          <a:xfrm>
-            <a:off x="9289415" y="6044565"/>
-            <a:ext cx="2487930" cy="645160"/>
-          </a:xfrm>
-          <a:prstGeom prst="rect">
-            <a:avLst/>
-          </a:prstGeom>
-          <a:noFill/>
-        </p:spPr>
-        <p:txBody>
-          <a:bodyPr wrap="square" rtlCol="0">
-            <a:spAutoFit/>
-          </a:bodyPr>
-          <a:p>
-            <a:r>
-              <a:rPr lang="en-IN" altLang="en-US"/>
-              <a:t>NLTK</a:t>
-            </a:r>
-            <a:endParaRPr lang="en-IN" altLang="en-US"/>
-          </a:p>
-          <a:p>
-            <a:r>
-              <a:rPr lang="en-IN" altLang="en-US"/>
-              <a:t>SPACY</a:t>
-            </a:r>
-            <a:endParaRPr lang="en-IN" altLang="en-US"/>
+              <a:rPr lang="en-US" altLang="en-US"/>
+              <a:t>https://www.jaroeducation.com/blog/nlp-for-business-communications/</a:t>
+            </a:r>
+            <a:endParaRPr lang="en-US"/>
           </a:p>
         </p:txBody>
       </p:sp>
       <p:pic>
         <p:nvPicPr>
-          <p:cNvPr id="6" name="Picture 5"/>
+          <p:cNvPr id="3" name="Picture 2"/>
           <p:cNvPicPr/>
           <p:nvPr/>
         </p:nvPicPr>
@@ -4115,8 +3838,59 @@
         </p:blipFill>
         <p:spPr>
           <a:xfrm>
-            <a:off x="7814945" y="1872615"/>
-            <a:ext cx="4189730" cy="3691255"/>
+            <a:off x="0" y="541020"/>
+            <a:ext cx="8299450" cy="5236210"/>
+          </a:xfrm>
+          <a:prstGeom prst="rect">
+            <a:avLst/>
+          </a:prstGeom>
+        </p:spPr>
+      </p:pic>
+      <p:sp>
+        <p:nvSpPr>
+          <p:cNvPr id="4" name="Text Box 3"/>
+          <p:cNvSpPr txBox="1"/>
+          <p:nvPr/>
+        </p:nvSpPr>
+        <p:spPr>
+          <a:xfrm>
+            <a:off x="1448435" y="6036310"/>
+            <a:ext cx="6096000" cy="368300"/>
+          </a:xfrm>
+          <a:prstGeom prst="rect">
+            <a:avLst/>
+          </a:prstGeom>
+          <a:noFill/>
+        </p:spPr>
+        <p:txBody>
+          <a:bodyPr wrap="square" rtlCol="0" anchor="t">
+            <a:spAutoFit/>
+          </a:bodyPr>
+          <a:p>
+            <a:r>
+              <a:rPr lang="en-US" altLang="en-US"/>
+              <a:t>https://appinventiv.com/blog/nlp-in-healthcare/</a:t>
+            </a:r>
+            <a:endParaRPr lang="en-US"/>
+          </a:p>
+        </p:txBody>
+      </p:sp>
+      <p:pic>
+        <p:nvPicPr>
+          <p:cNvPr id="6" name="Picture 5"/>
+          <p:cNvPicPr/>
+          <p:nvPr/>
+        </p:nvPicPr>
+        <p:blipFill>
+          <a:blip r:embed="rId2"/>
+          <a:stretch>
+            <a:fillRect/>
+          </a:stretch>
+        </p:blipFill>
+        <p:spPr>
+          <a:xfrm>
+            <a:off x="7316470" y="853440"/>
+            <a:ext cx="4725670" cy="5908040"/>
           </a:xfrm>
           <a:prstGeom prst="rect">
             <a:avLst/>
@@ -4155,14 +3929,43 @@
         </p:blipFill>
         <p:spPr>
           <a:xfrm>
-            <a:off x="2556510" y="654050"/>
-            <a:ext cx="6777990" cy="6013450"/>
+            <a:off x="895985" y="639445"/>
+            <a:ext cx="9024620" cy="5187315"/>
           </a:xfrm>
           <a:prstGeom prst="rect">
             <a:avLst/>
           </a:prstGeom>
         </p:spPr>
       </p:pic>
+      <p:sp>
+        <p:nvSpPr>
+          <p:cNvPr id="3" name="Text Box 2"/>
+          <p:cNvSpPr txBox="1"/>
+          <p:nvPr/>
+        </p:nvSpPr>
+        <p:spPr>
+          <a:xfrm>
+            <a:off x="895985" y="5951220"/>
+            <a:ext cx="9272270" cy="368300"/>
+          </a:xfrm>
+          <a:prstGeom prst="rect">
+            <a:avLst/>
+          </a:prstGeom>
+          <a:noFill/>
+        </p:spPr>
+        <p:txBody>
+          <a:bodyPr wrap="square" rtlCol="0" anchor="t">
+            <a:spAutoFit/>
+          </a:bodyPr>
+          <a:p>
+            <a:r>
+              <a:rPr lang="en-US" altLang="en-US"/>
+              <a:t>https://www.jaroeducation.com/blog/nlp-for-business-communications/</a:t>
+            </a:r>
+            <a:endParaRPr lang="en-US"/>
+          </a:p>
+        </p:txBody>
+      </p:sp>
     </p:spTree>
   </p:cSld>
   <p:clrMapOvr>
@@ -4181,236 +3984,28 @@
         <p:nvPr/>
       </p:nvGrpSpPr>
       <p:grpSpPr/>
-      <p:sp>
-        <p:nvSpPr>
-          <p:cNvPr id="2" name="Text Box 1"/>
-          <p:cNvSpPr txBox="1"/>
+      <p:pic>
+        <p:nvPicPr>
+          <p:cNvPr id="2" name="Picture 1"/>
+          <p:cNvPicPr/>
           <p:nvPr/>
-        </p:nvSpPr>
-        <p:spPr>
-          <a:xfrm>
-            <a:off x="1602740" y="806450"/>
-            <a:ext cx="7033260" cy="3588385"/>
+        </p:nvPicPr>
+        <p:blipFill>
+          <a:blip r:embed="rId1"/>
+          <a:stretch>
+            <a:fillRect/>
+          </a:stretch>
+        </p:blipFill>
+        <p:spPr>
+          <a:xfrm>
+            <a:off x="2349500" y="565150"/>
+            <a:ext cx="6802755" cy="5242560"/>
           </a:xfrm>
           <a:prstGeom prst="rect">
             <a:avLst/>
           </a:prstGeom>
         </p:spPr>
-        <p:txBody>
-          <a:bodyPr>
-            <a:noAutofit/>
-          </a:bodyPr>
-          <a:p>
-            <a:pPr marL="0" indent="0">
-              <a:lnSpc>
-                <a:spcPct val="130000"/>
-              </a:lnSpc>
-              <a:spcBef>
-                <a:spcPct val="0"/>
-              </a:spcBef>
-              <a:spcAft>
-                <a:spcPct val="0"/>
-              </a:spcAft>
-            </a:pPr>
-            <a:r>
-              <a:rPr sz="1600" b="0" i="0">
-                <a:solidFill>
-                  <a:srgbClr val="334960"/>
-                </a:solidFill>
-                <a:latin typeface="work-sans-regular"/>
-                <a:ea typeface="work-sans-regular"/>
-              </a:rPr>
-              <a:t>If we mathematically represent it contains the following terms:</a:t>
-            </a:r>
-            <a:endParaRPr sz="1600" b="0" i="0">
-              <a:solidFill>
-                <a:srgbClr val="334960"/>
-              </a:solidFill>
-              <a:latin typeface="work-sans-regular"/>
-              <a:ea typeface="work-sans-regular"/>
-            </a:endParaRPr>
-          </a:p>
-          <a:p>
-            <a:pPr marL="101600" indent="0" algn="just">
-              <a:lnSpc>
-                <a:spcPct val="130000"/>
-              </a:lnSpc>
-              <a:spcBef>
-                <a:spcPts val="200"/>
-              </a:spcBef>
-              <a:spcAft>
-                <a:spcPct val="0"/>
-              </a:spcAft>
-              <a:buFont typeface="Arial" panose="020B0604020202020204"/>
-              <a:buChar char="•"/>
-            </a:pPr>
-            <a:r>
-              <a:rPr sz="1600" b="0" i="0">
-                <a:solidFill>
-                  <a:srgbClr val="334960"/>
-                </a:solidFill>
-                <a:latin typeface="work-sans-regular"/>
-                <a:ea typeface="work-sans-regular"/>
-              </a:rPr>
-              <a:t>NLP: NLP (Natural Language Processing) is in charge of processes such as decisions and actions.</a:t>
-            </a:r>
-            <a:endParaRPr sz="1600" b="0" i="0">
-              <a:solidFill>
-                <a:srgbClr val="334960"/>
-              </a:solidFill>
-              <a:latin typeface="work-sans-regular"/>
-              <a:ea typeface="work-sans-regular"/>
-            </a:endParaRPr>
-          </a:p>
-          <a:p>
-            <a:pPr marL="101600" indent="0" algn="just">
-              <a:lnSpc>
-                <a:spcPct val="130000"/>
-              </a:lnSpc>
-              <a:spcBef>
-                <a:spcPts val="200"/>
-              </a:spcBef>
-              <a:spcAft>
-                <a:spcPct val="0"/>
-              </a:spcAft>
-              <a:buFont typeface="Arial" panose="020B0604020202020204"/>
-              <a:buChar char="•"/>
-            </a:pPr>
-            <a:r>
-              <a:rPr sz="1600" b="0" i="0">
-                <a:solidFill>
-                  <a:srgbClr val="334960"/>
-                </a:solidFill>
-                <a:latin typeface="work-sans-regular"/>
-                <a:ea typeface="work-sans-regular"/>
-              </a:rPr>
-              <a:t>NLU: NLU (</a:t>
-            </a:r>
-            <a:r>
-              <a:rPr sz="1600" b="0" i="0">
-                <a:solidFill>
-                  <a:srgbClr val="1860D3"/>
-                </a:solidFill>
-                <a:latin typeface="work-sans-regular"/>
-                <a:ea typeface="work-sans-regular"/>
-                <a:hlinkClick r:id="rId1"/>
-              </a:rPr>
-              <a:t>Natural Language Understanding</a:t>
-            </a:r>
-            <a:r>
-              <a:rPr sz="1600" b="0" i="0">
-                <a:solidFill>
-                  <a:srgbClr val="334960"/>
-                </a:solidFill>
-                <a:latin typeface="work-sans-regular"/>
-                <a:ea typeface="work-sans-regular"/>
-              </a:rPr>
-              <a:t>) understands the meaning of the text.</a:t>
-            </a:r>
-            <a:endParaRPr sz="1600" b="0" i="0">
-              <a:solidFill>
-                <a:srgbClr val="334960"/>
-              </a:solidFill>
-              <a:latin typeface="work-sans-regular"/>
-              <a:ea typeface="work-sans-regular"/>
-            </a:endParaRPr>
-          </a:p>
-          <a:p>
-            <a:pPr marL="101600" indent="0" algn="just">
-              <a:lnSpc>
-                <a:spcPct val="130000"/>
-              </a:lnSpc>
-              <a:spcBef>
-                <a:spcPts val="200"/>
-              </a:spcBef>
-              <a:spcAft>
-                <a:spcPct val="0"/>
-              </a:spcAft>
-              <a:buFont typeface="Arial" panose="020B0604020202020204"/>
-              <a:buChar char="•"/>
-            </a:pPr>
-            <a:r>
-              <a:rPr sz="1600" b="0" i="0">
-                <a:solidFill>
-                  <a:srgbClr val="334960"/>
-                </a:solidFill>
-                <a:latin typeface="work-sans-regular"/>
-                <a:ea typeface="work-sans-regular"/>
-              </a:rPr>
-              <a:t>NLG: NLG (Natural Language Generation) creates the human language text from the structured data that the system generates to answer.</a:t>
-            </a:r>
-            <a:endParaRPr sz="1600" b="0" i="0">
-              <a:solidFill>
-                <a:srgbClr val="334960"/>
-              </a:solidFill>
-              <a:latin typeface="work-sans-regular"/>
-              <a:ea typeface="work-sans-regular"/>
-            </a:endParaRPr>
-          </a:p>
-        </p:txBody>
-      </p:sp>
-      <p:sp>
-        <p:nvSpPr>
-          <p:cNvPr id="3" name="Text Box 2"/>
-          <p:cNvSpPr txBox="1"/>
-          <p:nvPr/>
-        </p:nvSpPr>
-        <p:spPr>
-          <a:xfrm>
-            <a:off x="728980" y="6111240"/>
-            <a:ext cx="8198485" cy="368300"/>
-          </a:xfrm>
-          <a:prstGeom prst="rect">
-            <a:avLst/>
-          </a:prstGeom>
-          <a:noFill/>
-        </p:spPr>
-        <p:txBody>
-          <a:bodyPr wrap="square" rtlCol="0" anchor="t">
-            <a:spAutoFit/>
-          </a:bodyPr>
-          <a:p>
-            <a:r>
-              <a:rPr lang="en-US" altLang="en-US"/>
-              <a:t>https://www.xenonstack.com/blog/natural-language-processing</a:t>
-            </a:r>
-            <a:endParaRPr lang="en-US"/>
-          </a:p>
-        </p:txBody>
-      </p:sp>
-      <p:sp>
-        <p:nvSpPr>
-          <p:cNvPr id="4" name="Text Box 3"/>
-          <p:cNvSpPr txBox="1"/>
-          <p:nvPr/>
-        </p:nvSpPr>
-        <p:spPr>
-          <a:xfrm>
-            <a:off x="1528445" y="433705"/>
-            <a:ext cx="6096000" cy="368300"/>
-          </a:xfrm>
-          <a:prstGeom prst="rect">
-            <a:avLst/>
-          </a:prstGeom>
-          <a:noFill/>
-        </p:spPr>
-        <p:txBody>
-          <a:bodyPr wrap="square" rtlCol="0" anchor="t">
-            <a:spAutoFit/>
-          </a:bodyPr>
-          <a:p>
-            <a:r>
-              <a:rPr lang="en-US" altLang="en-US"/>
-              <a:t>https://www.tpointtech.com/nlp</a:t>
-            </a:r>
-            <a:r>
-              <a:rPr lang="en-IN" altLang="en-US"/>
-              <a:t>   --&gt; History</a:t>
-            </a:r>
-            <a:endParaRPr lang="en-IN" altLang="en-US"/>
-          </a:p>
-        </p:txBody>
-      </p:sp>
+      </p:pic>
     </p:spTree>
   </p:cSld>
   <p:clrMapOvr>
@@ -4429,38 +4024,9 @@
         <p:nvPr/>
       </p:nvGrpSpPr>
       <p:grpSpPr/>
-      <p:sp>
-        <p:nvSpPr>
-          <p:cNvPr id="2" name="Text Box 1"/>
-          <p:cNvSpPr txBox="1"/>
-          <p:nvPr/>
-        </p:nvSpPr>
-        <p:spPr>
-          <a:xfrm>
-            <a:off x="4076065" y="89535"/>
-            <a:ext cx="7352665" cy="368300"/>
-          </a:xfrm>
-          <a:prstGeom prst="rect">
-            <a:avLst/>
-          </a:prstGeom>
-          <a:noFill/>
-        </p:spPr>
-        <p:txBody>
-          <a:bodyPr wrap="square" rtlCol="0" anchor="t">
-            <a:spAutoFit/>
-          </a:bodyPr>
-          <a:p>
-            <a:r>
-              <a:rPr lang="en-US" altLang="en-US"/>
-              <a:t>https://www.jaroeducation.com/blog/nlp-for-business-communications/</a:t>
-            </a:r>
-            <a:endParaRPr lang="en-US"/>
-          </a:p>
-        </p:txBody>
-      </p:sp>
       <p:pic>
         <p:nvPicPr>
-          <p:cNvPr id="3" name="Picture 2"/>
+          <p:cNvPr id="2" name="Picture 1"/>
           <p:cNvPicPr/>
           <p:nvPr/>
         </p:nvPicPr>
@@ -4472,59 +4038,8 @@
         </p:blipFill>
         <p:spPr>
           <a:xfrm>
-            <a:off x="0" y="541020"/>
-            <a:ext cx="8299450" cy="5236210"/>
-          </a:xfrm>
-          <a:prstGeom prst="rect">
-            <a:avLst/>
-          </a:prstGeom>
-        </p:spPr>
-      </p:pic>
-      <p:sp>
-        <p:nvSpPr>
-          <p:cNvPr id="4" name="Text Box 3"/>
-          <p:cNvSpPr txBox="1"/>
-          <p:nvPr/>
-        </p:nvSpPr>
-        <p:spPr>
-          <a:xfrm>
-            <a:off x="1448435" y="6036310"/>
-            <a:ext cx="6096000" cy="368300"/>
-          </a:xfrm>
-          <a:prstGeom prst="rect">
-            <a:avLst/>
-          </a:prstGeom>
-          <a:noFill/>
-        </p:spPr>
-        <p:txBody>
-          <a:bodyPr wrap="square" rtlCol="0" anchor="t">
-            <a:spAutoFit/>
-          </a:bodyPr>
-          <a:p>
-            <a:r>
-              <a:rPr lang="en-US" altLang="en-US"/>
-              <a:t>https://appinventiv.com/blog/nlp-in-healthcare/</a:t>
-            </a:r>
-            <a:endParaRPr lang="en-US"/>
-          </a:p>
-        </p:txBody>
-      </p:sp>
-      <p:pic>
-        <p:nvPicPr>
-          <p:cNvPr id="6" name="Picture 5"/>
-          <p:cNvPicPr/>
-          <p:nvPr/>
-        </p:nvPicPr>
-        <p:blipFill>
-          <a:blip r:embed="rId2"/>
-          <a:stretch>
-            <a:fillRect/>
-          </a:stretch>
-        </p:blipFill>
-        <p:spPr>
-          <a:xfrm>
-            <a:off x="7316470" y="853440"/>
-            <a:ext cx="4725670" cy="5908040"/>
+            <a:off x="-190500" y="-190500"/>
+            <a:ext cx="12192000" cy="6858000"/>
           </a:xfrm>
           <a:prstGeom prst="rect">
             <a:avLst/>
@@ -4563,8 +4078,8 @@
         </p:blipFill>
         <p:spPr>
           <a:xfrm>
-            <a:off x="895985" y="639445"/>
-            <a:ext cx="9024620" cy="5187315"/>
+            <a:off x="292735" y="312420"/>
+            <a:ext cx="10333990" cy="5738495"/>
           </a:xfrm>
           <a:prstGeom prst="rect">
             <a:avLst/>
@@ -4579,8 +4094,8 @@
         </p:nvSpPr>
         <p:spPr>
           <a:xfrm>
-            <a:off x="895985" y="5951220"/>
-            <a:ext cx="9272270" cy="368300"/>
+            <a:off x="1939925" y="6050915"/>
+            <a:ext cx="8198485" cy="368300"/>
           </a:xfrm>
           <a:prstGeom prst="rect">
             <a:avLst/>
@@ -4594,7 +4109,7 @@
           <a:p>
             <a:r>
               <a:rPr lang="en-US" altLang="en-US"/>
-              <a:t>https://www.jaroeducation.com/blog/nlp-for-business-communications/</a:t>
+              <a:t>https://mobidev.biz/blog/natural-language-processing-nlp-use-cases-business</a:t>
             </a:r>
             <a:endParaRPr lang="en-US"/>
           </a:p>
@@ -4618,28 +4133,328 @@
         <p:nvPr/>
       </p:nvGrpSpPr>
       <p:grpSpPr/>
-      <p:pic>
-        <p:nvPicPr>
-          <p:cNvPr id="2" name="Picture 1"/>
-          <p:cNvPicPr/>
+      <p:sp>
+        <p:nvSpPr>
+          <p:cNvPr id="2" name="Text Box 1"/>
+          <p:cNvSpPr txBox="1"/>
           <p:nvPr/>
-        </p:nvPicPr>
-        <p:blipFill>
-          <a:blip r:embed="rId1"/>
-          <a:stretch>
-            <a:fillRect/>
-          </a:stretch>
-        </p:blipFill>
-        <p:spPr>
-          <a:xfrm>
-            <a:off x="2349500" y="565150"/>
-            <a:ext cx="6802755" cy="5242560"/>
+        </p:nvSpPr>
+        <p:spPr>
+          <a:xfrm>
+            <a:off x="700405" y="309880"/>
+            <a:ext cx="8594090" cy="3607435"/>
           </a:xfrm>
           <a:prstGeom prst="rect">
             <a:avLst/>
           </a:prstGeom>
         </p:spPr>
-      </p:pic>
+        <p:txBody>
+          <a:bodyPr wrap="square">
+            <a:spAutoFit/>
+          </a:bodyPr>
+          <a:p>
+            <a:pPr marL="0" indent="0"/>
+            <a:r>
+              <a:rPr sz="2000" b="1" i="0">
+                <a:solidFill>
+                  <a:srgbClr val="FF0000"/>
+                </a:solidFill>
+                <a:latin typeface="Arial" panose="020B0604020202020204" pitchFamily="34" charset="0"/>
+                <a:ea typeface="poppins"/>
+                <a:cs typeface="Arial" panose="020B0604020202020204" pitchFamily="34" charset="0"/>
+              </a:rPr>
+              <a:t>What are the 4 types of NLP?</a:t>
+            </a:r>
+            <a:endParaRPr sz="2000" b="1" i="0">
+              <a:solidFill>
+                <a:srgbClr val="FF0000"/>
+              </a:solidFill>
+              <a:latin typeface="Arial" panose="020B0604020202020204" pitchFamily="34" charset="0"/>
+              <a:ea typeface="poppins"/>
+              <a:cs typeface="Arial" panose="020B0604020202020204" pitchFamily="34" charset="0"/>
+            </a:endParaRPr>
+          </a:p>
+          <a:p>
+            <a:pPr marL="0" indent="0"/>
+            <a:endParaRPr sz="2000" b="1" i="0">
+              <a:solidFill>
+                <a:srgbClr val="FF0000"/>
+              </a:solidFill>
+              <a:latin typeface="Arial" panose="020B0604020202020204" pitchFamily="34" charset="0"/>
+              <a:ea typeface="poppins"/>
+              <a:cs typeface="Arial" panose="020B0604020202020204" pitchFamily="34" charset="0"/>
+            </a:endParaRPr>
+          </a:p>
+          <a:p>
+            <a:pPr marL="0" indent="0">
+              <a:spcBef>
+                <a:spcPct val="0"/>
+              </a:spcBef>
+              <a:spcAft>
+                <a:spcPts val="1500"/>
+              </a:spcAft>
+            </a:pPr>
+            <a:r>
+              <a:rPr sz="1600" b="0" i="0">
+                <a:solidFill>
+                  <a:srgbClr val="333333"/>
+                </a:solidFill>
+                <a:latin typeface="Arial" panose="020B0604020202020204" pitchFamily="34" charset="0"/>
+                <a:ea typeface="poppins"/>
+                <a:cs typeface="Arial" panose="020B0604020202020204" pitchFamily="34" charset="0"/>
+              </a:rPr>
+              <a:t>NLP techniques can be broadly categorized into these four types:</a:t>
+            </a:r>
+            <a:endParaRPr sz="1600" b="0" i="0">
+              <a:solidFill>
+                <a:srgbClr val="333333"/>
+              </a:solidFill>
+              <a:latin typeface="Arial" panose="020B0604020202020204" pitchFamily="34" charset="0"/>
+              <a:ea typeface="poppins"/>
+              <a:cs typeface="Arial" panose="020B0604020202020204" pitchFamily="34" charset="0"/>
+            </a:endParaRPr>
+          </a:p>
+          <a:p>
+            <a:pPr marL="133350" lvl="1" indent="0">
+              <a:spcBef>
+                <a:spcPct val="0"/>
+              </a:spcBef>
+              <a:spcAft>
+                <a:spcPct val="0"/>
+              </a:spcAft>
+              <a:buFont typeface="Arial" panose="020B0604020202020204"/>
+              <a:buChar char="◦"/>
+            </a:pPr>
+            <a:r>
+              <a:rPr sz="1600" b="1" i="0">
+                <a:solidFill>
+                  <a:srgbClr val="333333"/>
+                </a:solidFill>
+                <a:latin typeface="Arial" panose="020B0604020202020204" pitchFamily="34" charset="0"/>
+                <a:ea typeface="poppins"/>
+                <a:cs typeface="Arial" panose="020B0604020202020204" pitchFamily="34" charset="0"/>
+              </a:rPr>
+              <a:t>Morphological Processing:</a:t>
+            </a:r>
+            <a:r>
+              <a:rPr sz="1600" b="0" i="0">
+                <a:solidFill>
+                  <a:srgbClr val="333333"/>
+                </a:solidFill>
+                <a:latin typeface="Arial" panose="020B0604020202020204" pitchFamily="34" charset="0"/>
+                <a:ea typeface="poppins"/>
+                <a:cs typeface="Arial" panose="020B0604020202020204" pitchFamily="34" charset="0"/>
+              </a:rPr>
+              <a:t> Focuses on analyzing the structure of words, including prefixes and suffixes.</a:t>
+            </a:r>
+            <a:endParaRPr sz="1600" b="0" i="0">
+              <a:solidFill>
+                <a:srgbClr val="333333"/>
+              </a:solidFill>
+              <a:latin typeface="Arial" panose="020B0604020202020204" pitchFamily="34" charset="0"/>
+              <a:ea typeface="poppins"/>
+              <a:cs typeface="Arial" panose="020B0604020202020204" pitchFamily="34" charset="0"/>
+            </a:endParaRPr>
+          </a:p>
+          <a:p>
+            <a:pPr marL="133350" lvl="1" indent="0">
+              <a:spcBef>
+                <a:spcPct val="0"/>
+              </a:spcBef>
+              <a:spcAft>
+                <a:spcPct val="0"/>
+              </a:spcAft>
+              <a:buFont typeface="Arial" panose="020B0604020202020204"/>
+              <a:buNone/>
+            </a:pPr>
+            <a:endParaRPr sz="1600" b="0" i="0">
+              <a:solidFill>
+                <a:srgbClr val="333333"/>
+              </a:solidFill>
+              <a:latin typeface="Arial" panose="020B0604020202020204" pitchFamily="34" charset="0"/>
+              <a:ea typeface="poppins"/>
+              <a:cs typeface="Arial" panose="020B0604020202020204" pitchFamily="34" charset="0"/>
+            </a:endParaRPr>
+          </a:p>
+          <a:p>
+            <a:pPr marL="133350" lvl="1" indent="0">
+              <a:spcBef>
+                <a:spcPct val="0"/>
+              </a:spcBef>
+              <a:spcAft>
+                <a:spcPct val="0"/>
+              </a:spcAft>
+              <a:buFont typeface="Arial" panose="020B0604020202020204"/>
+              <a:buChar char="◦"/>
+            </a:pPr>
+            <a:r>
+              <a:rPr sz="1600" b="1" i="0">
+                <a:solidFill>
+                  <a:srgbClr val="333333"/>
+                </a:solidFill>
+                <a:latin typeface="Arial" panose="020B0604020202020204" pitchFamily="34" charset="0"/>
+                <a:ea typeface="poppins"/>
+                <a:cs typeface="Arial" panose="020B0604020202020204" pitchFamily="34" charset="0"/>
+              </a:rPr>
+              <a:t>Syntactic Analysis:</a:t>
+            </a:r>
+            <a:r>
+              <a:rPr sz="1600" b="0" i="0">
+                <a:solidFill>
+                  <a:srgbClr val="333333"/>
+                </a:solidFill>
+                <a:latin typeface="Arial" panose="020B0604020202020204" pitchFamily="34" charset="0"/>
+                <a:ea typeface="poppins"/>
+                <a:cs typeface="Arial" panose="020B0604020202020204" pitchFamily="34" charset="0"/>
+              </a:rPr>
+              <a:t> Examines sentence structure to ensure grammatical correctness.</a:t>
+            </a:r>
+            <a:endParaRPr sz="1600" b="0" i="0">
+              <a:solidFill>
+                <a:srgbClr val="333333"/>
+              </a:solidFill>
+              <a:latin typeface="Arial" panose="020B0604020202020204" pitchFamily="34" charset="0"/>
+              <a:ea typeface="poppins"/>
+              <a:cs typeface="Arial" panose="020B0604020202020204" pitchFamily="34" charset="0"/>
+            </a:endParaRPr>
+          </a:p>
+          <a:p>
+            <a:pPr marL="133350" lvl="1" indent="0">
+              <a:spcBef>
+                <a:spcPct val="0"/>
+              </a:spcBef>
+              <a:spcAft>
+                <a:spcPct val="0"/>
+              </a:spcAft>
+              <a:buFont typeface="Arial" panose="020B0604020202020204"/>
+              <a:buNone/>
+            </a:pPr>
+            <a:endParaRPr sz="1600" b="0" i="0">
+              <a:solidFill>
+                <a:srgbClr val="333333"/>
+              </a:solidFill>
+              <a:latin typeface="Arial" panose="020B0604020202020204" pitchFamily="34" charset="0"/>
+              <a:ea typeface="poppins"/>
+              <a:cs typeface="Arial" panose="020B0604020202020204" pitchFamily="34" charset="0"/>
+            </a:endParaRPr>
+          </a:p>
+          <a:p>
+            <a:pPr marL="133350" lvl="1" indent="0">
+              <a:spcBef>
+                <a:spcPct val="0"/>
+              </a:spcBef>
+              <a:spcAft>
+                <a:spcPct val="0"/>
+              </a:spcAft>
+              <a:buFont typeface="Arial" panose="020B0604020202020204"/>
+              <a:buChar char="◦"/>
+            </a:pPr>
+            <a:r>
+              <a:rPr sz="1600" b="1" i="0">
+                <a:solidFill>
+                  <a:srgbClr val="333333"/>
+                </a:solidFill>
+                <a:latin typeface="Arial" panose="020B0604020202020204" pitchFamily="34" charset="0"/>
+                <a:ea typeface="poppins"/>
+                <a:cs typeface="Arial" panose="020B0604020202020204" pitchFamily="34" charset="0"/>
+              </a:rPr>
+              <a:t>Semantic Analysis:</a:t>
+            </a:r>
+            <a:r>
+              <a:rPr sz="1600" b="0" i="0">
+                <a:solidFill>
+                  <a:srgbClr val="333333"/>
+                </a:solidFill>
+                <a:latin typeface="Arial" panose="020B0604020202020204" pitchFamily="34" charset="0"/>
+                <a:ea typeface="poppins"/>
+                <a:cs typeface="Arial" panose="020B0604020202020204" pitchFamily="34" charset="0"/>
+              </a:rPr>
+              <a:t> Studies meaning in text or speech, including context and word relationships</a:t>
+            </a:r>
+            <a:r>
+              <a:rPr lang="en-US" sz="1600" b="0" i="0">
+                <a:solidFill>
+                  <a:srgbClr val="333333"/>
+                </a:solidFill>
+                <a:latin typeface="Arial" panose="020B0604020202020204" pitchFamily="34" charset="0"/>
+                <a:ea typeface="poppins"/>
+                <a:cs typeface="Arial" panose="020B0604020202020204" pitchFamily="34" charset="0"/>
+              </a:rPr>
+              <a:t>.</a:t>
+            </a:r>
+            <a:endParaRPr lang="en-US" sz="1600" b="0" i="0">
+              <a:solidFill>
+                <a:srgbClr val="333333"/>
+              </a:solidFill>
+              <a:latin typeface="Arial" panose="020B0604020202020204" pitchFamily="34" charset="0"/>
+              <a:ea typeface="poppins"/>
+              <a:cs typeface="Arial" panose="020B0604020202020204" pitchFamily="34" charset="0"/>
+            </a:endParaRPr>
+          </a:p>
+          <a:p>
+            <a:pPr marL="133350" lvl="1" indent="0">
+              <a:spcBef>
+                <a:spcPct val="0"/>
+              </a:spcBef>
+              <a:spcAft>
+                <a:spcPct val="0"/>
+              </a:spcAft>
+              <a:buFont typeface="Arial" panose="020B0604020202020204"/>
+              <a:buNone/>
+            </a:pPr>
+            <a:endParaRPr sz="1600" b="0" i="0">
+              <a:solidFill>
+                <a:srgbClr val="333333"/>
+              </a:solidFill>
+              <a:latin typeface="Arial" panose="020B0604020202020204" pitchFamily="34" charset="0"/>
+              <a:ea typeface="poppins"/>
+              <a:cs typeface="Arial" panose="020B0604020202020204" pitchFamily="34" charset="0"/>
+            </a:endParaRPr>
+          </a:p>
+          <a:p>
+            <a:pPr marL="133350" lvl="1" indent="0">
+              <a:spcBef>
+                <a:spcPct val="0"/>
+              </a:spcBef>
+              <a:spcAft>
+                <a:spcPct val="0"/>
+              </a:spcAft>
+              <a:buFont typeface="Arial" panose="020B0604020202020204"/>
+              <a:buChar char="◦"/>
+            </a:pPr>
+            <a:r>
+              <a:rPr sz="1600" b="1" i="0">
+                <a:solidFill>
+                  <a:srgbClr val="333333"/>
+                </a:solidFill>
+                <a:latin typeface="Arial" panose="020B0604020202020204" pitchFamily="34" charset="0"/>
+                <a:ea typeface="poppins"/>
+                <a:cs typeface="Arial" panose="020B0604020202020204" pitchFamily="34" charset="0"/>
+              </a:rPr>
+              <a:t>Pragmatic Analysis:</a:t>
+            </a:r>
+            <a:r>
+              <a:rPr sz="1600" b="0" i="0">
+                <a:solidFill>
+                  <a:srgbClr val="333333"/>
+                </a:solidFill>
+                <a:latin typeface="Arial" panose="020B0604020202020204" pitchFamily="34" charset="0"/>
+                <a:ea typeface="poppins"/>
+                <a:cs typeface="Arial" panose="020B0604020202020204" pitchFamily="34" charset="0"/>
+              </a:rPr>
+              <a:t> Looks at the intended meaning behind words, considering tone, culture, and situational context.</a:t>
+            </a:r>
+            <a:endParaRPr sz="1600" b="0" i="0">
+              <a:solidFill>
+                <a:srgbClr val="333333"/>
+              </a:solidFill>
+              <a:latin typeface="Arial" panose="020B0604020202020204" pitchFamily="34" charset="0"/>
+              <a:ea typeface="poppins"/>
+              <a:cs typeface="Arial" panose="020B0604020202020204" pitchFamily="34" charset="0"/>
+            </a:endParaRPr>
+          </a:p>
+        </p:txBody>
+      </p:sp>
     </p:spTree>
   </p:cSld>
   <p:clrMapOvr>
@@ -4672,8 +4487,8 @@
         </p:blipFill>
         <p:spPr>
           <a:xfrm>
-            <a:off x="-190500" y="-190500"/>
-            <a:ext cx="12192000" cy="6858000"/>
+            <a:off x="1111250" y="139700"/>
+            <a:ext cx="9587865" cy="6527800"/>
           </a:xfrm>
           <a:prstGeom prst="rect">
             <a:avLst/>
@@ -4689,6 +4504,123 @@
 </file>
 
 <file path=ppt/slides/slide18.xml><?xml version="1.0" encoding="utf-8"?>
+<p:sld xmlns:a="http://schemas.openxmlformats.org/drawingml/2006/main" xmlns:r="http://schemas.openxmlformats.org/officeDocument/2006/relationships" xmlns:p="http://schemas.openxmlformats.org/presentationml/2006/main">
+  <p:cSld>
+    <p:spTree>
+      <p:nvGrpSpPr>
+        <p:cNvPr id="1" name=""/>
+        <p:cNvGrpSpPr/>
+        <p:nvPr/>
+      </p:nvGrpSpPr>
+      <p:grpSpPr/>
+      <p:sp>
+        <p:nvSpPr>
+          <p:cNvPr id="2" name="Text Box 1"/>
+          <p:cNvSpPr txBox="1"/>
+          <p:nvPr/>
+        </p:nvSpPr>
+        <p:spPr>
+          <a:xfrm>
+            <a:off x="229235" y="94298"/>
+            <a:ext cx="5080000" cy="368300"/>
+          </a:xfrm>
+          <a:prstGeom prst="rect">
+            <a:avLst/>
+          </a:prstGeom>
+        </p:spPr>
+        <p:txBody>
+          <a:bodyPr>
+            <a:spAutoFit/>
+          </a:bodyPr>
+          <a:p>
+            <a:pPr marL="0" indent="0">
+              <a:spcBef>
+                <a:spcPct val="0"/>
+              </a:spcBef>
+              <a:spcAft>
+                <a:spcPts val="700"/>
+              </a:spcAft>
+            </a:pPr>
+            <a:r>
+              <a:rPr b="1" i="0">
+                <a:solidFill>
+                  <a:srgbClr val="111111"/>
+                </a:solidFill>
+                <a:latin typeface="poppins"/>
+                <a:ea typeface="poppins"/>
+              </a:rPr>
+              <a:t>Full Life Cycle of NLP Models</a:t>
+            </a:r>
+            <a:endParaRPr b="1" i="0">
+              <a:solidFill>
+                <a:srgbClr val="111111"/>
+              </a:solidFill>
+              <a:latin typeface="poppins"/>
+              <a:ea typeface="poppins"/>
+            </a:endParaRPr>
+          </a:p>
+        </p:txBody>
+      </p:sp>
+      <p:pic>
+        <p:nvPicPr>
+          <p:cNvPr id="3" name="Picture 2"/>
+          <p:cNvPicPr/>
+          <p:nvPr/>
+        </p:nvPicPr>
+        <p:blipFill>
+          <a:blip r:embed="rId1"/>
+          <a:stretch>
+            <a:fillRect/>
+          </a:stretch>
+        </p:blipFill>
+        <p:spPr>
+          <a:xfrm>
+            <a:off x="229235" y="462915"/>
+            <a:ext cx="11163300" cy="5931535"/>
+          </a:xfrm>
+          <a:prstGeom prst="rect">
+            <a:avLst/>
+          </a:prstGeom>
+        </p:spPr>
+      </p:pic>
+      <p:sp>
+        <p:nvSpPr>
+          <p:cNvPr id="4" name="Text Box 3"/>
+          <p:cNvSpPr txBox="1"/>
+          <p:nvPr/>
+        </p:nvSpPr>
+        <p:spPr>
+          <a:xfrm>
+            <a:off x="466090" y="6395085"/>
+            <a:ext cx="6096000" cy="368300"/>
+          </a:xfrm>
+          <a:prstGeom prst="rect">
+            <a:avLst/>
+          </a:prstGeom>
+          <a:noFill/>
+        </p:spPr>
+        <p:txBody>
+          <a:bodyPr wrap="square" rtlCol="0" anchor="t">
+            <a:spAutoFit/>
+          </a:bodyPr>
+          <a:p>
+            <a:r>
+              <a:rPr lang="en-US" altLang="en-US"/>
+              <a:t>https://hyperight.com/full-life-cycle-of-nlp-models/</a:t>
+            </a:r>
+            <a:endParaRPr lang="en-US"/>
+          </a:p>
+        </p:txBody>
+      </p:sp>
+    </p:spTree>
+  </p:cSld>
+  <p:clrMapOvr>
+    <a:masterClrMapping/>
+  </p:clrMapOvr>
+</p:sld>
+</file>
+
+<file path=ppt/slides/slide19.xml><?xml version="1.0" encoding="utf-8"?>
 <p:sld xmlns:a="http://schemas.openxmlformats.org/drawingml/2006/main" xmlns:r="http://schemas.openxmlformats.org/officeDocument/2006/relationships" xmlns:p="http://schemas.openxmlformats.org/presentationml/2006/main">
   <p:cSld>
     <p:spTree>
@@ -4712,285 +4644,14 @@
         </p:blipFill>
         <p:spPr>
           <a:xfrm>
-            <a:off x="292735" y="312420"/>
-            <a:ext cx="10333990" cy="5738495"/>
+            <a:off x="572770" y="0"/>
+            <a:ext cx="11233785" cy="6858000"/>
           </a:xfrm>
           <a:prstGeom prst="rect">
             <a:avLst/>
           </a:prstGeom>
         </p:spPr>
       </p:pic>
-      <p:sp>
-        <p:nvSpPr>
-          <p:cNvPr id="3" name="Text Box 2"/>
-          <p:cNvSpPr txBox="1"/>
-          <p:nvPr/>
-        </p:nvSpPr>
-        <p:spPr>
-          <a:xfrm>
-            <a:off x="1939925" y="6050915"/>
-            <a:ext cx="8198485" cy="368300"/>
-          </a:xfrm>
-          <a:prstGeom prst="rect">
-            <a:avLst/>
-          </a:prstGeom>
-          <a:noFill/>
-        </p:spPr>
-        <p:txBody>
-          <a:bodyPr wrap="square" rtlCol="0" anchor="t">
-            <a:spAutoFit/>
-          </a:bodyPr>
-          <a:p>
-            <a:r>
-              <a:rPr lang="en-US" altLang="en-US"/>
-              <a:t>https://mobidev.biz/blog/natural-language-processing-nlp-use-cases-business</a:t>
-            </a:r>
-            <a:endParaRPr lang="en-US"/>
-          </a:p>
-        </p:txBody>
-      </p:sp>
-    </p:spTree>
-  </p:cSld>
-  <p:clrMapOvr>
-    <a:masterClrMapping/>
-  </p:clrMapOvr>
-</p:sld>
-</file>
-
-<file path=ppt/slides/slide19.xml><?xml version="1.0" encoding="utf-8"?>
-<p:sld xmlns:a="http://schemas.openxmlformats.org/drawingml/2006/main" xmlns:r="http://schemas.openxmlformats.org/officeDocument/2006/relationships" xmlns:p="http://schemas.openxmlformats.org/presentationml/2006/main">
-  <p:cSld>
-    <p:spTree>
-      <p:nvGrpSpPr>
-        <p:cNvPr id="1" name=""/>
-        <p:cNvGrpSpPr/>
-        <p:nvPr/>
-      </p:nvGrpSpPr>
-      <p:grpSpPr/>
-      <p:sp>
-        <p:nvSpPr>
-          <p:cNvPr id="2" name="Text Box 1"/>
-          <p:cNvSpPr txBox="1"/>
-          <p:nvPr/>
-        </p:nvSpPr>
-        <p:spPr>
-          <a:xfrm>
-            <a:off x="1076960" y="1564005"/>
-            <a:ext cx="7559040" cy="2745740"/>
-          </a:xfrm>
-          <a:prstGeom prst="rect">
-            <a:avLst/>
-          </a:prstGeom>
-        </p:spPr>
-        <p:txBody>
-          <a:bodyPr wrap="square">
-            <a:spAutoFit/>
-          </a:bodyPr>
-          <a:p>
-            <a:pPr marL="0" indent="0"/>
-            <a:r>
-              <a:rPr sz="1600" b="0" i="0">
-                <a:solidFill>
-                  <a:srgbClr val="22222F"/>
-                </a:solidFill>
-                <a:latin typeface="poppins"/>
-                <a:ea typeface="poppins"/>
-              </a:rPr>
-              <a:t>What are the 4 types of NLP?</a:t>
-            </a:r>
-            <a:endParaRPr sz="1600" b="0" i="0">
-              <a:solidFill>
-                <a:srgbClr val="22222F"/>
-              </a:solidFill>
-              <a:latin typeface="poppins"/>
-              <a:ea typeface="poppins"/>
-            </a:endParaRPr>
-          </a:p>
-          <a:p>
-            <a:pPr marL="0" indent="0">
-              <a:spcBef>
-                <a:spcPct val="0"/>
-              </a:spcBef>
-              <a:spcAft>
-                <a:spcPts val="1500"/>
-              </a:spcAft>
-            </a:pPr>
-            <a:r>
-              <a:rPr sz="1600" b="0" i="0">
-                <a:solidFill>
-                  <a:srgbClr val="333333"/>
-                </a:solidFill>
-                <a:latin typeface="poppins"/>
-                <a:ea typeface="poppins"/>
-              </a:rPr>
-              <a:t>NLP techniques can be broadly categorized into these four types:</a:t>
-            </a:r>
-            <a:endParaRPr sz="1600" b="0" i="0">
-              <a:solidFill>
-                <a:srgbClr val="333333"/>
-              </a:solidFill>
-              <a:latin typeface="poppins"/>
-              <a:ea typeface="poppins"/>
-            </a:endParaRPr>
-          </a:p>
-          <a:p>
-            <a:pPr marL="133350" lvl="1" indent="0">
-              <a:spcBef>
-                <a:spcPct val="0"/>
-              </a:spcBef>
-              <a:spcAft>
-                <a:spcPct val="0"/>
-              </a:spcAft>
-              <a:buFont typeface="Arial" panose="020B0604020202020204"/>
-              <a:buChar char="◦"/>
-            </a:pPr>
-            <a:r>
-              <a:rPr sz="1600" b="1" i="0">
-                <a:solidFill>
-                  <a:srgbClr val="333333"/>
-                </a:solidFill>
-                <a:latin typeface="poppins"/>
-                <a:ea typeface="poppins"/>
-              </a:rPr>
-              <a:t>Morphological Processing:</a:t>
-            </a:r>
-            <a:r>
-              <a:rPr sz="1600" b="0" i="0">
-                <a:solidFill>
-                  <a:srgbClr val="333333"/>
-                </a:solidFill>
-                <a:latin typeface="poppins"/>
-                <a:ea typeface="poppins"/>
-              </a:rPr>
-              <a:t> Focuses on analyzing the structure of words, including prefixes and suffixes.</a:t>
-            </a:r>
-            <a:endParaRPr sz="1600" b="0" i="0">
-              <a:solidFill>
-                <a:srgbClr val="333333"/>
-              </a:solidFill>
-              <a:latin typeface="poppins"/>
-              <a:ea typeface="poppins"/>
-            </a:endParaRPr>
-          </a:p>
-          <a:p>
-            <a:pPr marL="133350" lvl="1" indent="0">
-              <a:spcBef>
-                <a:spcPct val="0"/>
-              </a:spcBef>
-              <a:spcAft>
-                <a:spcPct val="0"/>
-              </a:spcAft>
-              <a:buFont typeface="Arial" panose="020B0604020202020204"/>
-              <a:buChar char="◦"/>
-            </a:pPr>
-            <a:r>
-              <a:rPr sz="1600" b="1" i="0">
-                <a:solidFill>
-                  <a:srgbClr val="333333"/>
-                </a:solidFill>
-                <a:latin typeface="poppins"/>
-                <a:ea typeface="poppins"/>
-              </a:rPr>
-              <a:t>Syntactic Analysis:</a:t>
-            </a:r>
-            <a:r>
-              <a:rPr sz="1600" b="0" i="0">
-                <a:solidFill>
-                  <a:srgbClr val="333333"/>
-                </a:solidFill>
-                <a:latin typeface="poppins"/>
-                <a:ea typeface="poppins"/>
-              </a:rPr>
-              <a:t> Examines sentence structure to ensure grammatical correctness.</a:t>
-            </a:r>
-            <a:endParaRPr sz="1600" b="0" i="0">
-              <a:solidFill>
-                <a:srgbClr val="333333"/>
-              </a:solidFill>
-              <a:latin typeface="poppins"/>
-              <a:ea typeface="poppins"/>
-            </a:endParaRPr>
-          </a:p>
-          <a:p>
-            <a:pPr marL="133350" lvl="1" indent="0">
-              <a:spcBef>
-                <a:spcPct val="0"/>
-              </a:spcBef>
-              <a:spcAft>
-                <a:spcPct val="0"/>
-              </a:spcAft>
-              <a:buFont typeface="Arial" panose="020B0604020202020204"/>
-              <a:buChar char="◦"/>
-            </a:pPr>
-            <a:r>
-              <a:rPr sz="1600" b="1" i="0">
-                <a:solidFill>
-                  <a:srgbClr val="333333"/>
-                </a:solidFill>
-                <a:latin typeface="poppins"/>
-                <a:ea typeface="poppins"/>
-              </a:rPr>
-              <a:t>Semantic Analysis:</a:t>
-            </a:r>
-            <a:r>
-              <a:rPr sz="1600" b="0" i="0">
-                <a:solidFill>
-                  <a:srgbClr val="333333"/>
-                </a:solidFill>
-                <a:latin typeface="poppins"/>
-                <a:ea typeface="poppins"/>
-              </a:rPr>
-              <a:t> Studies meaning in text or speech, including context and word relationships.</a:t>
-            </a:r>
-            <a:endParaRPr sz="1600" b="0" i="0">
-              <a:solidFill>
-                <a:srgbClr val="333333"/>
-              </a:solidFill>
-              <a:latin typeface="poppins"/>
-              <a:ea typeface="poppins"/>
-            </a:endParaRPr>
-          </a:p>
-          <a:p>
-            <a:pPr marL="133350" lvl="1" indent="0">
-              <a:spcBef>
-                <a:spcPct val="0"/>
-              </a:spcBef>
-              <a:spcAft>
-                <a:spcPct val="0"/>
-              </a:spcAft>
-              <a:buFont typeface="Arial" panose="020B0604020202020204"/>
-              <a:buChar char="◦"/>
-            </a:pPr>
-            <a:r>
-              <a:rPr sz="1600" b="1" i="0">
-                <a:solidFill>
-                  <a:srgbClr val="333333"/>
-                </a:solidFill>
-                <a:latin typeface="poppins"/>
-                <a:ea typeface="poppins"/>
-              </a:rPr>
-              <a:t>Pragmatic Analysis:</a:t>
-            </a:r>
-            <a:r>
-              <a:rPr sz="1600" b="0" i="0">
-                <a:solidFill>
-                  <a:srgbClr val="333333"/>
-                </a:solidFill>
-                <a:latin typeface="poppins"/>
-                <a:ea typeface="poppins"/>
-              </a:rPr>
-              <a:t> Looks at the intended meaning behind words, considering tone, culture, and situational context.</a:t>
-            </a:r>
-            <a:endParaRPr sz="1600" b="0" i="0">
-              <a:solidFill>
-                <a:srgbClr val="333333"/>
-              </a:solidFill>
-              <a:latin typeface="poppins"/>
-              <a:ea typeface="poppins"/>
-            </a:endParaRPr>
-          </a:p>
-        </p:txBody>
-      </p:sp>
     </p:spTree>
   </p:cSld>
   <p:clrMapOvr>
@@ -5011,7 +4672,7 @@
       <p:grpSpPr/>
       <p:pic>
         <p:nvPicPr>
-          <p:cNvPr id="7" name="Picture 6"/>
+          <p:cNvPr id="4" name="Picture 3"/>
           <p:cNvPicPr/>
           <p:nvPr/>
         </p:nvPicPr>
@@ -5023,54 +4684,59 @@
         </p:blipFill>
         <p:spPr>
           <a:xfrm>
-            <a:off x="617288" y="0"/>
-            <a:ext cx="10290675" cy="6858000"/>
+            <a:off x="238760" y="0"/>
+            <a:ext cx="5855970" cy="4417060"/>
           </a:xfrm>
           <a:prstGeom prst="rect">
             <a:avLst/>
           </a:prstGeom>
         </p:spPr>
       </p:pic>
+      <p:sp>
+        <p:nvSpPr>
+          <p:cNvPr id="5" name="Text Box 4"/>
+          <p:cNvSpPr txBox="1"/>
+          <p:nvPr/>
+        </p:nvSpPr>
+        <p:spPr>
+          <a:xfrm>
+            <a:off x="238760" y="6318250"/>
+            <a:ext cx="6096000" cy="368300"/>
+          </a:xfrm>
+          <a:prstGeom prst="rect">
+            <a:avLst/>
+          </a:prstGeom>
+          <a:noFill/>
+        </p:spPr>
+        <p:txBody>
+          <a:bodyPr wrap="square" rtlCol="0" anchor="t">
+            <a:spAutoFit/>
+          </a:bodyPr>
+          <a:p>
+            <a:r>
+              <a:rPr lang="en-US" altLang="en-US"/>
+              <a:t>https://ellow.io/components-of-ai/</a:t>
+            </a:r>
+            <a:endParaRPr lang="en-US"/>
+          </a:p>
+        </p:txBody>
+      </p:sp>
       <p:pic>
         <p:nvPicPr>
-          <p:cNvPr id="8" name="Picture 7"/>
+          <p:cNvPr id="6" name="Picture 5"/>
           <p:cNvPicPr/>
           <p:nvPr/>
         </p:nvPicPr>
         <p:blipFill>
-          <a:blip r:embed="rId1"/>
-          <a:srcRect l="49445" t="48028" r="46446" b="42148"/>
+          <a:blip r:embed="rId2"/>
           <a:stretch>
             <a:fillRect/>
           </a:stretch>
         </p:blipFill>
         <p:spPr>
           <a:xfrm>
-            <a:off x="6188710" y="3282315"/>
-            <a:ext cx="422910" cy="673735"/>
-          </a:xfrm>
-          <a:prstGeom prst="rect">
-            <a:avLst/>
-          </a:prstGeom>
-        </p:spPr>
-      </p:pic>
-      <p:pic>
-        <p:nvPicPr>
-          <p:cNvPr id="9" name="Picture 8"/>
-          <p:cNvPicPr/>
-          <p:nvPr/>
-        </p:nvPicPr>
-        <p:blipFill>
-          <a:blip r:embed="rId1"/>
-          <a:srcRect l="53289" t="46940" r="42281" b="43088"/>
-          <a:stretch>
-            <a:fillRect/>
-          </a:stretch>
-        </p:blipFill>
-        <p:spPr>
-          <a:xfrm>
-            <a:off x="5671185" y="3217545"/>
-            <a:ext cx="455930" cy="683895"/>
+            <a:off x="6477000" y="2571750"/>
+            <a:ext cx="5715000" cy="4286250"/>
           </a:xfrm>
           <a:prstGeom prst="rect">
             <a:avLst/>
@@ -5095,6 +4761,58 @@
         <p:nvPr/>
       </p:nvGrpSpPr>
       <p:grpSpPr/>
+      <p:sp>
+        <p:nvSpPr>
+          <p:cNvPr id="3" name="Text Box 2"/>
+          <p:cNvSpPr txBox="1"/>
+          <p:nvPr/>
+        </p:nvSpPr>
+        <p:spPr>
+          <a:xfrm>
+            <a:off x="114300" y="4433570"/>
+            <a:ext cx="5430520" cy="645160"/>
+          </a:xfrm>
+          <a:prstGeom prst="rect">
+            <a:avLst/>
+          </a:prstGeom>
+          <a:noFill/>
+        </p:spPr>
+        <p:txBody>
+          <a:bodyPr wrap="square" rtlCol="0" anchor="t">
+            <a:spAutoFit/>
+          </a:bodyPr>
+          <a:p>
+            <a:r>
+              <a:rPr lang="en-US" altLang="en-US"/>
+              <a:t>https://spotintelligence.com/2024/01/29/natural-language-processing-nlp-tools/</a:t>
+            </a:r>
+            <a:endParaRPr lang="en-US"/>
+          </a:p>
+        </p:txBody>
+      </p:sp>
+      <p:pic>
+        <p:nvPicPr>
+          <p:cNvPr id="4" name="Picture 3"/>
+          <p:cNvPicPr/>
+          <p:nvPr/>
+        </p:nvPicPr>
+        <p:blipFill>
+          <a:blip r:embed="rId1"/>
+          <a:srcRect l="8089" r="11546"/>
+          <a:stretch>
+            <a:fillRect/>
+          </a:stretch>
+        </p:blipFill>
+        <p:spPr>
+          <a:xfrm>
+            <a:off x="6936740" y="795655"/>
+            <a:ext cx="5255260" cy="4711065"/>
+          </a:xfrm>
+          <a:prstGeom prst="rect">
+            <a:avLst/>
+          </a:prstGeom>
+        </p:spPr>
+      </p:pic>
       <p:pic>
         <p:nvPicPr>
           <p:cNvPr id="2" name="Picture 1"/>
@@ -5102,21 +4820,50 @@
           <p:nvPr/>
         </p:nvPicPr>
         <p:blipFill>
-          <a:blip r:embed="rId1"/>
+          <a:blip r:embed="rId2"/>
           <a:stretch>
             <a:fillRect/>
           </a:stretch>
         </p:blipFill>
         <p:spPr>
           <a:xfrm>
-            <a:off x="1111250" y="139700"/>
-            <a:ext cx="9587865" cy="6527800"/>
+            <a:off x="197485" y="598170"/>
+            <a:ext cx="6502400" cy="3657600"/>
           </a:xfrm>
           <a:prstGeom prst="rect">
             <a:avLst/>
           </a:prstGeom>
         </p:spPr>
       </p:pic>
+      <p:sp>
+        <p:nvSpPr>
+          <p:cNvPr id="5" name="Text Box 4"/>
+          <p:cNvSpPr txBox="1"/>
+          <p:nvPr/>
+        </p:nvSpPr>
+        <p:spPr>
+          <a:xfrm>
+            <a:off x="7109460" y="5506720"/>
+            <a:ext cx="5082540" cy="645160"/>
+          </a:xfrm>
+          <a:prstGeom prst="rect">
+            <a:avLst/>
+          </a:prstGeom>
+          <a:noFill/>
+        </p:spPr>
+        <p:txBody>
+          <a:bodyPr wrap="square" rtlCol="0" anchor="t">
+            <a:spAutoFit/>
+          </a:bodyPr>
+          <a:p>
+            <a:r>
+              <a:rPr lang="en-US" altLang="en-US"/>
+              <a:t>https://www.turing.com/kb/which-language-is-useful-for-nlp-and-why</a:t>
+            </a:r>
+            <a:endParaRPr lang="en-US"/>
+          </a:p>
+        </p:txBody>
+      </p:sp>
     </p:spTree>
   </p:cSld>
   <p:clrMapOvr>
@@ -5143,43 +4890,24 @@
         </p:nvSpPr>
         <p:spPr>
           <a:xfrm>
-            <a:off x="229235" y="94298"/>
-            <a:ext cx="5080000" cy="368300"/>
+            <a:off x="2008505" y="6489700"/>
+            <a:ext cx="8986520" cy="368300"/>
           </a:xfrm>
           <a:prstGeom prst="rect">
             <a:avLst/>
           </a:prstGeom>
-        </p:spPr>
-        <p:txBody>
-          <a:bodyPr>
+          <a:noFill/>
+        </p:spPr>
+        <p:txBody>
+          <a:bodyPr wrap="square" rtlCol="0" anchor="t">
             <a:spAutoFit/>
           </a:bodyPr>
           <a:p>
-            <a:pPr marL="0" indent="0">
-              <a:spcBef>
-                <a:spcPct val="0"/>
-              </a:spcBef>
-              <a:spcAft>
-                <a:spcPts val="700"/>
-              </a:spcAft>
-            </a:pPr>
-            <a:r>
-              <a:rPr b="1" i="0">
-                <a:solidFill>
-                  <a:srgbClr val="111111"/>
-                </a:solidFill>
-                <a:latin typeface="poppins"/>
-                <a:ea typeface="poppins"/>
-              </a:rPr>
-              <a:t>Full Life Cycle of NLP Models</a:t>
-            </a:r>
-            <a:endParaRPr b="1" i="0">
-              <a:solidFill>
-                <a:srgbClr val="111111"/>
-              </a:solidFill>
-              <a:latin typeface="poppins"/>
-              <a:ea typeface="poppins"/>
-            </a:endParaRPr>
+            <a:r>
+              <a:rPr lang="en-US" altLang="en-US"/>
+              <a:t>https://www.freelancermap.com/blog/what-does-nlp-engineer-do/</a:t>
+            </a:r>
+            <a:endParaRPr lang="en-US"/>
           </a:p>
         </p:txBody>
       </p:sp>
@@ -5197,43 +4925,14 @@
         </p:blipFill>
         <p:spPr>
           <a:xfrm>
-            <a:off x="229235" y="462915"/>
-            <a:ext cx="11163300" cy="5931535"/>
+            <a:off x="1297940" y="208915"/>
+            <a:ext cx="8778875" cy="5532120"/>
           </a:xfrm>
           <a:prstGeom prst="rect">
             <a:avLst/>
           </a:prstGeom>
         </p:spPr>
       </p:pic>
-      <p:sp>
-        <p:nvSpPr>
-          <p:cNvPr id="4" name="Text Box 3"/>
-          <p:cNvSpPr txBox="1"/>
-          <p:nvPr/>
-        </p:nvSpPr>
-        <p:spPr>
-          <a:xfrm>
-            <a:off x="466090" y="6395085"/>
-            <a:ext cx="6096000" cy="368300"/>
-          </a:xfrm>
-          <a:prstGeom prst="rect">
-            <a:avLst/>
-          </a:prstGeom>
-          <a:noFill/>
-        </p:spPr>
-        <p:txBody>
-          <a:bodyPr wrap="square" rtlCol="0" anchor="t">
-            <a:spAutoFit/>
-          </a:bodyPr>
-          <a:p>
-            <a:r>
-              <a:rPr lang="en-US" altLang="en-US"/>
-              <a:t>https://hyperight.com/full-life-cycle-of-nlp-models/</a:t>
-            </a:r>
-            <a:endParaRPr lang="en-US"/>
-          </a:p>
-        </p:txBody>
-      </p:sp>
     </p:spTree>
   </p:cSld>
   <p:clrMapOvr>
@@ -5266,14 +4965,43 @@
         </p:blipFill>
         <p:spPr>
           <a:xfrm>
-            <a:off x="0" y="0"/>
-            <a:ext cx="5715000" cy="3175000"/>
+            <a:off x="1562735" y="255905"/>
+            <a:ext cx="9066530" cy="5829300"/>
           </a:xfrm>
           <a:prstGeom prst="rect">
             <a:avLst/>
           </a:prstGeom>
         </p:spPr>
       </p:pic>
+      <p:sp>
+        <p:nvSpPr>
+          <p:cNvPr id="3" name="Text Box 2"/>
+          <p:cNvSpPr txBox="1"/>
+          <p:nvPr/>
+        </p:nvSpPr>
+        <p:spPr>
+          <a:xfrm>
+            <a:off x="2099310" y="6212840"/>
+            <a:ext cx="8529955" cy="368300"/>
+          </a:xfrm>
+          <a:prstGeom prst="rect">
+            <a:avLst/>
+          </a:prstGeom>
+          <a:noFill/>
+        </p:spPr>
+        <p:txBody>
+          <a:bodyPr wrap="square" rtlCol="0" anchor="t">
+            <a:spAutoFit/>
+          </a:bodyPr>
+          <a:p>
+            <a:r>
+              <a:rPr lang="en-US" altLang="en-US"/>
+              <a:t>https://www.geeksforgeeks.org/natural-language-processing-nlp-job-roles/</a:t>
+            </a:r>
+            <a:endParaRPr lang="en-US"/>
+          </a:p>
+        </p:txBody>
+      </p:sp>
     </p:spTree>
   </p:cSld>
   <p:clrMapOvr>
@@ -5294,14 +5022,14 @@
       <p:grpSpPr/>
       <p:sp>
         <p:nvSpPr>
-          <p:cNvPr id="3" name="Text Box 2"/>
+          <p:cNvPr id="2" name="Text Box 1"/>
           <p:cNvSpPr txBox="1"/>
           <p:nvPr/>
         </p:nvSpPr>
         <p:spPr>
           <a:xfrm>
-            <a:off x="114300" y="4433570"/>
-            <a:ext cx="5430520" cy="645160"/>
+            <a:off x="217805" y="683895"/>
+            <a:ext cx="6096000" cy="368300"/>
           </a:xfrm>
           <a:prstGeom prst="rect">
             <a:avLst/>
@@ -5315,7 +5043,7 @@
           <a:p>
             <a:r>
               <a:rPr lang="en-US" altLang="en-US"/>
-              <a:t>https://spotintelligence.com/2024/01/29/natural-language-processing-nlp-tools/</a:t>
+              <a:t>https://routemobile.com/blog/how-do-nlp-chatbots-work/</a:t>
             </a:r>
             <a:endParaRPr lang="en-US"/>
           </a:p>
@@ -5323,21 +5051,20 @@
       </p:sp>
       <p:pic>
         <p:nvPicPr>
-          <p:cNvPr id="4" name="Picture 3"/>
+          <p:cNvPr id="3" name="Picture 2"/>
           <p:cNvPicPr/>
           <p:nvPr/>
         </p:nvPicPr>
         <p:blipFill>
           <a:blip r:embed="rId1"/>
-          <a:srcRect l="8089" r="11546"/>
           <a:stretch>
             <a:fillRect/>
           </a:stretch>
         </p:blipFill>
         <p:spPr>
           <a:xfrm>
-            <a:off x="6936740" y="795655"/>
-            <a:ext cx="5255260" cy="4711065"/>
+            <a:off x="217805" y="1314768"/>
+            <a:ext cx="5715000" cy="2867025"/>
           </a:xfrm>
           <a:prstGeom prst="rect">
             <a:avLst/>
@@ -5346,20 +5073,21 @@
       </p:pic>
       <p:pic>
         <p:nvPicPr>
-          <p:cNvPr id="2" name="Picture 1"/>
+          <p:cNvPr id="5" name="Picture 4"/>
           <p:cNvPicPr/>
           <p:nvPr/>
         </p:nvPicPr>
         <p:blipFill>
           <a:blip r:embed="rId2"/>
+          <a:srcRect l="18296" r="15613"/>
           <a:stretch>
             <a:fillRect/>
           </a:stretch>
         </p:blipFill>
         <p:spPr>
           <a:xfrm>
-            <a:off x="197485" y="598170"/>
-            <a:ext cx="6502400" cy="3657600"/>
+            <a:off x="6314440" y="1191260"/>
+            <a:ext cx="5810885" cy="4940935"/>
           </a:xfrm>
           <a:prstGeom prst="rect">
             <a:avLst/>
@@ -5368,14 +5096,14 @@
       </p:pic>
       <p:sp>
         <p:nvSpPr>
-          <p:cNvPr id="5" name="Text Box 4"/>
+          <p:cNvPr id="6" name="Text Box 5"/>
           <p:cNvSpPr txBox="1"/>
           <p:nvPr/>
         </p:nvSpPr>
         <p:spPr>
           <a:xfrm>
-            <a:off x="7109460" y="5506720"/>
-            <a:ext cx="5082540" cy="645160"/>
+            <a:off x="5932805" y="6132195"/>
+            <a:ext cx="6096000" cy="645160"/>
           </a:xfrm>
           <a:prstGeom prst="rect">
             <a:avLst/>
@@ -5389,7 +5117,7 @@
           <a:p>
             <a:r>
               <a:rPr lang="en-US" altLang="en-US"/>
-              <a:t>https://www.turing.com/kb/which-language-is-useful-for-nlp-and-why</a:t>
+              <a:t>https://dac.digital/5-practical-applications-of-nlp-in-audio-processing/</a:t>
             </a:r>
             <a:endParaRPr lang="en-US"/>
           </a:p>
@@ -5421,8 +5149,8 @@
         </p:nvSpPr>
         <p:spPr>
           <a:xfrm>
-            <a:off x="2008505" y="6489700"/>
-            <a:ext cx="8986520" cy="368300"/>
+            <a:off x="3048000" y="3244850"/>
+            <a:ext cx="6096000" cy="368300"/>
           </a:xfrm>
           <a:prstGeom prst="rect">
             <a:avLst/>
@@ -5436,9 +5164,721 @@
           <a:p>
             <a:r>
               <a:rPr lang="en-US" altLang="en-US"/>
-              <a:t>https://www.freelancermap.com/blog/what-does-nlp-engineer-do/</a:t>
-            </a:r>
-            <a:endParaRPr lang="en-US"/>
+              <a:t>https://analyticsindiamag.com/topics/nlp-vs-llm/</a:t>
+            </a:r>
+            <a:endParaRPr lang="en-US"/>
+          </a:p>
+        </p:txBody>
+      </p:sp>
+    </p:spTree>
+  </p:cSld>
+  <p:clrMapOvr>
+    <a:masterClrMapping/>
+  </p:clrMapOvr>
+</p:sld>
+</file>
+
+<file path=ppt/slides/slide3.xml><?xml version="1.0" encoding="utf-8"?>
+<p:sld xmlns:a="http://schemas.openxmlformats.org/drawingml/2006/main" xmlns:r="http://schemas.openxmlformats.org/officeDocument/2006/relationships" xmlns:p="http://schemas.openxmlformats.org/presentationml/2006/main">
+  <p:cSld>
+    <p:spTree>
+      <p:nvGrpSpPr>
+        <p:cNvPr id="1" name=""/>
+        <p:cNvGrpSpPr/>
+        <p:nvPr/>
+      </p:nvGrpSpPr>
+      <p:grpSpPr/>
+      <p:sp>
+        <p:nvSpPr>
+          <p:cNvPr id="3" name="Text Box 2"/>
+          <p:cNvSpPr txBox="1"/>
+          <p:nvPr/>
+        </p:nvSpPr>
+        <p:spPr>
+          <a:xfrm>
+            <a:off x="0" y="0"/>
+            <a:ext cx="3968750" cy="1445260"/>
+          </a:xfrm>
+          <a:prstGeom prst="rect">
+            <a:avLst/>
+          </a:prstGeom>
+          <a:noFill/>
+        </p:spPr>
+        <p:txBody>
+          <a:bodyPr wrap="square" rtlCol="0">
+            <a:spAutoFit/>
+          </a:bodyPr>
+          <a:p>
+            <a:r>
+              <a:rPr lang="en-US" sz="4400" b="1">
+                <a:solidFill>
+                  <a:srgbClr val="FF0000"/>
+                </a:solidFill>
+                <a:effectLst>
+                  <a:outerShdw blurRad="38100" dist="38100" dir="2700000" algn="tl">
+                    <a:srgbClr val="000000">
+                      <a:alpha val="43137"/>
+                    </a:srgbClr>
+                  </a:outerShdw>
+                </a:effectLst>
+              </a:rPr>
+              <a:t>Algorithms and models </a:t>
+            </a:r>
+            <a:endParaRPr lang="en-US" sz="4400" b="1">
+              <a:solidFill>
+                <a:srgbClr val="FF0000"/>
+              </a:solidFill>
+              <a:effectLst>
+                <a:outerShdw blurRad="38100" dist="38100" dir="2700000" algn="tl">
+                  <a:srgbClr val="000000">
+                    <a:alpha val="43137"/>
+                  </a:srgbClr>
+                </a:outerShdw>
+              </a:effectLst>
+            </a:endParaRPr>
+          </a:p>
+        </p:txBody>
+      </p:sp>
+      <p:pic>
+        <p:nvPicPr>
+          <p:cNvPr id="4" name="Picture 3"/>
+          <p:cNvPicPr/>
+          <p:nvPr/>
+        </p:nvPicPr>
+        <p:blipFill>
+          <a:blip r:embed="rId1"/>
+          <a:srcRect t="7325"/>
+          <a:stretch>
+            <a:fillRect/>
+          </a:stretch>
+        </p:blipFill>
+        <p:spPr>
+          <a:xfrm>
+            <a:off x="3968115" y="635"/>
+            <a:ext cx="8507095" cy="6858000"/>
+          </a:xfrm>
+          <a:prstGeom prst="rect">
+            <a:avLst/>
+          </a:prstGeom>
+        </p:spPr>
+      </p:pic>
+      <p:pic>
+        <p:nvPicPr>
+          <p:cNvPr id="2" name="Picture 1"/>
+          <p:cNvPicPr/>
+          <p:nvPr/>
+        </p:nvPicPr>
+        <p:blipFill>
+          <a:blip r:embed="rId2"/>
+          <a:stretch>
+            <a:fillRect/>
+          </a:stretch>
+        </p:blipFill>
+        <p:spPr>
+          <a:xfrm>
+            <a:off x="-247650" y="2246630"/>
+            <a:ext cx="5125085" cy="4774565"/>
+          </a:xfrm>
+          <a:prstGeom prst="rect">
+            <a:avLst/>
+          </a:prstGeom>
+        </p:spPr>
+      </p:pic>
+    </p:spTree>
+  </p:cSld>
+  <p:clrMapOvr>
+    <a:masterClrMapping/>
+  </p:clrMapOvr>
+</p:sld>
+</file>
+
+<file path=ppt/slides/slide4.xml><?xml version="1.0" encoding="utf-8"?>
+<p:sld xmlns:a="http://schemas.openxmlformats.org/drawingml/2006/main" xmlns:r="http://schemas.openxmlformats.org/officeDocument/2006/relationships" xmlns:p="http://schemas.openxmlformats.org/presentationml/2006/main">
+  <p:cSld>
+    <p:spTree>
+      <p:nvGrpSpPr>
+        <p:cNvPr id="1" name=""/>
+        <p:cNvGrpSpPr/>
+        <p:nvPr/>
+      </p:nvGrpSpPr>
+      <p:grpSpPr/>
+      <p:pic>
+        <p:nvPicPr>
+          <p:cNvPr id="7" name="Picture 6"/>
+          <p:cNvPicPr/>
+          <p:nvPr/>
+        </p:nvPicPr>
+        <p:blipFill>
+          <a:blip r:embed="rId1"/>
+          <a:stretch>
+            <a:fillRect/>
+          </a:stretch>
+        </p:blipFill>
+        <p:spPr>
+          <a:xfrm>
+            <a:off x="617288" y="0"/>
+            <a:ext cx="10290675" cy="6858000"/>
+          </a:xfrm>
+          <a:prstGeom prst="rect">
+            <a:avLst/>
+          </a:prstGeom>
+        </p:spPr>
+      </p:pic>
+      <p:pic>
+        <p:nvPicPr>
+          <p:cNvPr id="8" name="Picture 7"/>
+          <p:cNvPicPr/>
+          <p:nvPr/>
+        </p:nvPicPr>
+        <p:blipFill>
+          <a:blip r:embed="rId1"/>
+          <a:srcRect l="49445" t="48028" r="46446" b="42148"/>
+          <a:stretch>
+            <a:fillRect/>
+          </a:stretch>
+        </p:blipFill>
+        <p:spPr>
+          <a:xfrm>
+            <a:off x="6188710" y="3282315"/>
+            <a:ext cx="422910" cy="673735"/>
+          </a:xfrm>
+          <a:prstGeom prst="rect">
+            <a:avLst/>
+          </a:prstGeom>
+        </p:spPr>
+      </p:pic>
+      <p:pic>
+        <p:nvPicPr>
+          <p:cNvPr id="9" name="Picture 8"/>
+          <p:cNvPicPr/>
+          <p:nvPr/>
+        </p:nvPicPr>
+        <p:blipFill>
+          <a:blip r:embed="rId1"/>
+          <a:srcRect l="53289" t="46940" r="42281" b="43088"/>
+          <a:stretch>
+            <a:fillRect/>
+          </a:stretch>
+        </p:blipFill>
+        <p:spPr>
+          <a:xfrm>
+            <a:off x="5671185" y="3217545"/>
+            <a:ext cx="455930" cy="683895"/>
+          </a:xfrm>
+          <a:prstGeom prst="rect">
+            <a:avLst/>
+          </a:prstGeom>
+        </p:spPr>
+      </p:pic>
+    </p:spTree>
+  </p:cSld>
+  <p:clrMapOvr>
+    <a:masterClrMapping/>
+  </p:clrMapOvr>
+</p:sld>
+</file>
+
+<file path=ppt/slides/slide5.xml><?xml version="1.0" encoding="utf-8"?>
+<p:sld xmlns:a="http://schemas.openxmlformats.org/drawingml/2006/main" xmlns:r="http://schemas.openxmlformats.org/officeDocument/2006/relationships" xmlns:p="http://schemas.openxmlformats.org/presentationml/2006/main">
+  <p:cSld>
+    <p:spTree>
+      <p:nvGrpSpPr>
+        <p:cNvPr id="1" name=""/>
+        <p:cNvGrpSpPr/>
+        <p:nvPr/>
+      </p:nvGrpSpPr>
+      <p:grpSpPr/>
+      <p:sp>
+        <p:nvSpPr>
+          <p:cNvPr id="2" name="Text Box 1"/>
+          <p:cNvSpPr txBox="1"/>
+          <p:nvPr/>
+        </p:nvSpPr>
+        <p:spPr>
+          <a:xfrm>
+            <a:off x="2671445" y="556895"/>
+            <a:ext cx="6096000" cy="768350"/>
+          </a:xfrm>
+          <a:prstGeom prst="rect">
+            <a:avLst/>
+          </a:prstGeom>
+          <a:noFill/>
+        </p:spPr>
+        <p:txBody>
+          <a:bodyPr wrap="square" rtlCol="0" anchor="t">
+            <a:spAutoFit/>
+          </a:bodyPr>
+          <a:p>
+            <a:r>
+              <a:rPr lang="en-IN" altLang="en-US" sz="4400" b="1">
+                <a:solidFill>
+                  <a:srgbClr val="FF0000"/>
+                </a:solidFill>
+                <a:effectLst>
+                  <a:outerShdw blurRad="38100" dist="38100" dir="2700000" algn="tl">
+                    <a:srgbClr val="000000">
+                      <a:alpha val="43137"/>
+                    </a:srgbClr>
+                  </a:outerShdw>
+                </a:effectLst>
+                <a:sym typeface="+mn-ea"/>
+              </a:rPr>
+              <a:t>Before Learn NLP</a:t>
+            </a:r>
+            <a:endParaRPr lang="en-IN" altLang="en-US" sz="4400" b="1">
+              <a:solidFill>
+                <a:srgbClr val="FF0000"/>
+              </a:solidFill>
+              <a:effectLst>
+                <a:outerShdw blurRad="38100" dist="38100" dir="2700000" algn="tl">
+                  <a:srgbClr val="000000">
+                    <a:alpha val="43137"/>
+                  </a:srgbClr>
+                </a:outerShdw>
+              </a:effectLst>
+              <a:sym typeface="+mn-ea"/>
+            </a:endParaRPr>
+          </a:p>
+        </p:txBody>
+      </p:sp>
+      <p:sp>
+        <p:nvSpPr>
+          <p:cNvPr id="3" name="Text Box 2"/>
+          <p:cNvSpPr txBox="1"/>
+          <p:nvPr/>
+        </p:nvSpPr>
+        <p:spPr>
+          <a:xfrm>
+            <a:off x="3486785" y="1430020"/>
+            <a:ext cx="5757545" cy="4325620"/>
+          </a:xfrm>
+          <a:prstGeom prst="rect">
+            <a:avLst/>
+          </a:prstGeom>
+          <a:noFill/>
+        </p:spPr>
+        <p:txBody>
+          <a:bodyPr wrap="square" rtlCol="0">
+            <a:spAutoFit/>
+          </a:bodyPr>
+          <a:p>
+            <a:r>
+              <a:rPr lang="en-IN" altLang="en-US" sz="2400"/>
+              <a:t>Machine Learning</a:t>
+            </a:r>
+            <a:endParaRPr lang="en-IN" altLang="en-US" sz="2400"/>
+          </a:p>
+          <a:p>
+            <a:r>
+              <a:rPr lang="en-IN" altLang="en-US" sz="2400"/>
+              <a:t>Deep Learning</a:t>
+            </a:r>
+            <a:endParaRPr lang="en-IN" altLang="en-US" sz="2400"/>
+          </a:p>
+          <a:p>
+            <a:pPr marL="0" indent="0">
+              <a:spcBef>
+                <a:spcPts val="1000"/>
+              </a:spcBef>
+              <a:spcAft>
+                <a:spcPts val="500"/>
+              </a:spcAft>
+            </a:pPr>
+            <a:r>
+              <a:rPr sz="2400" b="1">
+                <a:solidFill>
+                  <a:srgbClr val="001D35"/>
+                </a:solidFill>
+                <a:latin typeface="Arial" panose="020B0604020202020204" pitchFamily="34" charset="0"/>
+                <a:ea typeface="Google Sans"/>
+                <a:cs typeface="Arial" panose="020B0604020202020204" pitchFamily="34" charset="0"/>
+                <a:sym typeface="+mn-ea"/>
+              </a:rPr>
+              <a:t>1.</a:t>
+            </a:r>
+            <a:r>
+              <a:rPr b="1">
+                <a:solidFill>
+                  <a:srgbClr val="001D35"/>
+                </a:solidFill>
+                <a:latin typeface="Arial" panose="020B0604020202020204" pitchFamily="34" charset="0"/>
+                <a:ea typeface="Google Sans"/>
+                <a:cs typeface="Arial" panose="020B0604020202020204" pitchFamily="34" charset="0"/>
+                <a:sym typeface="+mn-ea"/>
+              </a:rPr>
+              <a:t> Fundamentals of Neural Networks:</a:t>
+            </a:r>
+            <a:endParaRPr b="1" i="0">
+              <a:solidFill>
+                <a:srgbClr val="001D35"/>
+              </a:solidFill>
+              <a:latin typeface="Arial" panose="020B0604020202020204" pitchFamily="34" charset="0"/>
+              <a:ea typeface="Google Sans"/>
+              <a:cs typeface="Arial" panose="020B0604020202020204" pitchFamily="34" charset="0"/>
+            </a:endParaRPr>
+          </a:p>
+          <a:p>
+            <a:pPr marL="457200" lvl="1" indent="0">
+              <a:spcBef>
+                <a:spcPct val="0"/>
+              </a:spcBef>
+              <a:spcAft>
+                <a:spcPts val="400"/>
+              </a:spcAft>
+              <a:buFont typeface="Arial" panose="020B0604020202020204"/>
+              <a:buChar char="•"/>
+            </a:pPr>
+            <a:r>
+              <a:rPr>
+                <a:solidFill>
+                  <a:srgbClr val="001D35"/>
+                </a:solidFill>
+                <a:latin typeface="Arial" panose="020B0604020202020204" pitchFamily="34" charset="0"/>
+                <a:ea typeface="Google Sans"/>
+                <a:cs typeface="Arial" panose="020B0604020202020204" pitchFamily="34" charset="0"/>
+                <a:sym typeface="+mn-ea"/>
+              </a:rPr>
+              <a:t>Introduction to Artificial Neural Networks (ANNs)</a:t>
+            </a:r>
+            <a:endParaRPr b="0" i="0">
+              <a:solidFill>
+                <a:srgbClr val="001D35"/>
+              </a:solidFill>
+              <a:latin typeface="Arial" panose="020B0604020202020204" pitchFamily="34" charset="0"/>
+              <a:ea typeface="Google Sans"/>
+              <a:cs typeface="Arial" panose="020B0604020202020204" pitchFamily="34" charset="0"/>
+            </a:endParaRPr>
+          </a:p>
+          <a:p>
+            <a:pPr marL="457200" lvl="1" indent="0">
+              <a:spcBef>
+                <a:spcPct val="0"/>
+              </a:spcBef>
+              <a:spcAft>
+                <a:spcPts val="400"/>
+              </a:spcAft>
+              <a:buFont typeface="Arial" panose="020B0604020202020204"/>
+              <a:buChar char="•"/>
+            </a:pPr>
+            <a:r>
+              <a:rPr>
+                <a:solidFill>
+                  <a:srgbClr val="001D35"/>
+                </a:solidFill>
+                <a:latin typeface="Arial" panose="020B0604020202020204" pitchFamily="34" charset="0"/>
+                <a:ea typeface="Google Sans"/>
+                <a:cs typeface="Arial" panose="020B0604020202020204" pitchFamily="34" charset="0"/>
+                <a:sym typeface="+mn-ea"/>
+              </a:rPr>
+              <a:t>Perceptron model</a:t>
+            </a:r>
+            <a:endParaRPr b="0" i="0">
+              <a:solidFill>
+                <a:srgbClr val="001D35"/>
+              </a:solidFill>
+              <a:latin typeface="Arial" panose="020B0604020202020204" pitchFamily="34" charset="0"/>
+              <a:ea typeface="Google Sans"/>
+              <a:cs typeface="Arial" panose="020B0604020202020204" pitchFamily="34" charset="0"/>
+            </a:endParaRPr>
+          </a:p>
+          <a:p>
+            <a:pPr marL="457200" lvl="1" indent="0">
+              <a:spcBef>
+                <a:spcPct val="0"/>
+              </a:spcBef>
+              <a:spcAft>
+                <a:spcPts val="400"/>
+              </a:spcAft>
+              <a:buFont typeface="Arial" panose="020B0604020202020204"/>
+              <a:buChar char="•"/>
+            </a:pPr>
+            <a:r>
+              <a:rPr>
+                <a:solidFill>
+                  <a:srgbClr val="001D35"/>
+                </a:solidFill>
+                <a:latin typeface="Arial" panose="020B0604020202020204" pitchFamily="34" charset="0"/>
+                <a:ea typeface="Google Sans"/>
+                <a:cs typeface="Arial" panose="020B0604020202020204" pitchFamily="34" charset="0"/>
+                <a:sym typeface="+mn-ea"/>
+              </a:rPr>
+              <a:t>Activation functions (sigmoid, ReLU, tanh)</a:t>
+            </a:r>
+            <a:endParaRPr b="0" i="0">
+              <a:solidFill>
+                <a:srgbClr val="001D35"/>
+              </a:solidFill>
+              <a:latin typeface="Arial" panose="020B0604020202020204" pitchFamily="34" charset="0"/>
+              <a:ea typeface="Google Sans"/>
+              <a:cs typeface="Arial" panose="020B0604020202020204" pitchFamily="34" charset="0"/>
+            </a:endParaRPr>
+          </a:p>
+          <a:p>
+            <a:pPr marL="457200" lvl="1" indent="0">
+              <a:spcBef>
+                <a:spcPct val="0"/>
+              </a:spcBef>
+              <a:spcAft>
+                <a:spcPts val="400"/>
+              </a:spcAft>
+              <a:buFont typeface="Arial" panose="020B0604020202020204"/>
+              <a:buChar char="•"/>
+            </a:pPr>
+            <a:r>
+              <a:rPr>
+                <a:solidFill>
+                  <a:srgbClr val="001D35"/>
+                </a:solidFill>
+                <a:latin typeface="Arial" panose="020B0604020202020204" pitchFamily="34" charset="0"/>
+                <a:ea typeface="Google Sans"/>
+                <a:cs typeface="Arial" panose="020B0604020202020204" pitchFamily="34" charset="0"/>
+                <a:sym typeface="+mn-ea"/>
+              </a:rPr>
+              <a:t>Backpropagation algorithm</a:t>
+            </a:r>
+            <a:endParaRPr>
+              <a:solidFill>
+                <a:srgbClr val="001D35"/>
+              </a:solidFill>
+              <a:latin typeface="Arial" panose="020B0604020202020204" pitchFamily="34" charset="0"/>
+              <a:ea typeface="Google Sans"/>
+              <a:cs typeface="Arial" panose="020B0604020202020204" pitchFamily="34" charset="0"/>
+              <a:sym typeface="+mn-ea"/>
+            </a:endParaRPr>
+          </a:p>
+          <a:p>
+            <a:pPr marL="457200" lvl="1" indent="0">
+              <a:spcBef>
+                <a:spcPct val="0"/>
+              </a:spcBef>
+              <a:spcAft>
+                <a:spcPts val="400"/>
+              </a:spcAft>
+              <a:buFont typeface="Arial" panose="020B0604020202020204"/>
+              <a:buChar char="•"/>
+            </a:pPr>
+            <a:r>
+              <a:rPr lang="en-IN">
+                <a:solidFill>
+                  <a:srgbClr val="001D35"/>
+                </a:solidFill>
+                <a:latin typeface="Arial" panose="020B0604020202020204" pitchFamily="34" charset="0"/>
+                <a:ea typeface="Google Sans"/>
+                <a:cs typeface="Arial" panose="020B0604020202020204" pitchFamily="34" charset="0"/>
+                <a:sym typeface="+mn-ea"/>
+              </a:rPr>
+              <a:t>Loss Functions</a:t>
+            </a:r>
+            <a:endParaRPr b="0" i="0">
+              <a:solidFill>
+                <a:srgbClr val="001D35"/>
+              </a:solidFill>
+              <a:latin typeface="Arial" panose="020B0604020202020204" pitchFamily="34" charset="0"/>
+              <a:ea typeface="Google Sans"/>
+              <a:cs typeface="Arial" panose="020B0604020202020204" pitchFamily="34" charset="0"/>
+            </a:endParaRPr>
+          </a:p>
+          <a:p>
+            <a:pPr marL="457200" lvl="1" indent="0">
+              <a:spcBef>
+                <a:spcPct val="0"/>
+              </a:spcBef>
+              <a:spcAft>
+                <a:spcPct val="0"/>
+              </a:spcAft>
+              <a:buFont typeface="Arial" panose="020B0604020202020204"/>
+              <a:buChar char="•"/>
+            </a:pPr>
+            <a:r>
+              <a:rPr>
+                <a:solidFill>
+                  <a:srgbClr val="001D35"/>
+                </a:solidFill>
+                <a:latin typeface="Arial" panose="020B0604020202020204" pitchFamily="34" charset="0"/>
+                <a:ea typeface="Google Sans"/>
+                <a:cs typeface="Arial" panose="020B0604020202020204" pitchFamily="34" charset="0"/>
+                <a:sym typeface="+mn-ea"/>
+              </a:rPr>
+              <a:t>Gradient descent optimization </a:t>
+            </a:r>
+            <a:endParaRPr>
+              <a:solidFill>
+                <a:srgbClr val="001D35"/>
+              </a:solidFill>
+              <a:latin typeface="Arial" panose="020B0604020202020204" pitchFamily="34" charset="0"/>
+              <a:ea typeface="Google Sans"/>
+              <a:cs typeface="Arial" panose="020B0604020202020204" pitchFamily="34" charset="0"/>
+              <a:sym typeface="+mn-ea"/>
+            </a:endParaRPr>
+          </a:p>
+          <a:p>
+            <a:pPr marL="457200" lvl="1" indent="0">
+              <a:spcBef>
+                <a:spcPct val="0"/>
+              </a:spcBef>
+              <a:spcAft>
+                <a:spcPct val="0"/>
+              </a:spcAft>
+              <a:buFont typeface="Arial" panose="020B0604020202020204"/>
+              <a:buChar char="•"/>
+            </a:pPr>
+            <a:endParaRPr b="0" i="0">
+              <a:solidFill>
+                <a:srgbClr val="001D35"/>
+              </a:solidFill>
+              <a:latin typeface="Arial" panose="020B0604020202020204" pitchFamily="34" charset="0"/>
+              <a:ea typeface="Google Sans"/>
+              <a:cs typeface="Arial" panose="020B0604020202020204" pitchFamily="34" charset="0"/>
+            </a:endParaRPr>
+          </a:p>
+          <a:p>
+            <a:pPr indent="457200"/>
+            <a:endParaRPr lang="en-IN" altLang="en-US" sz="2400"/>
+          </a:p>
+          <a:p>
+            <a:endParaRPr lang="en-IN" altLang="en-US" sz="2400"/>
+          </a:p>
+        </p:txBody>
+      </p:sp>
+    </p:spTree>
+  </p:cSld>
+  <p:clrMapOvr>
+    <a:masterClrMapping/>
+  </p:clrMapOvr>
+</p:sld>
+</file>
+
+<file path=ppt/slides/slide6.xml><?xml version="1.0" encoding="utf-8"?>
+<p:sld xmlns:a="http://schemas.openxmlformats.org/drawingml/2006/main" xmlns:r="http://schemas.openxmlformats.org/officeDocument/2006/relationships" xmlns:p="http://schemas.openxmlformats.org/presentationml/2006/main">
+  <p:cSld>
+    <p:spTree>
+      <p:nvGrpSpPr>
+        <p:cNvPr id="1" name=""/>
+        <p:cNvGrpSpPr/>
+        <p:nvPr/>
+      </p:nvGrpSpPr>
+      <p:grpSpPr/>
+      <p:sp>
+        <p:nvSpPr>
+          <p:cNvPr id="2" name="Text Box 1"/>
+          <p:cNvSpPr txBox="1"/>
+          <p:nvPr/>
+        </p:nvSpPr>
+        <p:spPr>
+          <a:xfrm>
+            <a:off x="151765" y="3507740"/>
+            <a:ext cx="5568315" cy="3350260"/>
+          </a:xfrm>
+          <a:prstGeom prst="rect">
+            <a:avLst/>
+          </a:prstGeom>
+        </p:spPr>
+        <p:txBody>
+          <a:bodyPr wrap="square">
+            <a:noAutofit/>
+          </a:bodyPr>
+          <a:p>
+            <a:r>
+              <a:rPr b="1">
+                <a:solidFill>
+                  <a:srgbClr val="FF0000"/>
+                </a:solidFill>
+                <a:effectLst>
+                  <a:outerShdw blurRad="38100" dist="38100" dir="2700000" algn="tl">
+                    <a:srgbClr val="000000">
+                      <a:alpha val="43137"/>
+                    </a:srgbClr>
+                  </a:outerShdw>
+                </a:effectLst>
+              </a:rPr>
+              <a:t>Perceptron Model</a:t>
+            </a:r>
+            <a:endParaRPr b="1">
+              <a:solidFill>
+                <a:srgbClr val="FF0000"/>
+              </a:solidFill>
+              <a:effectLst>
+                <a:outerShdw blurRad="38100" dist="38100" dir="2700000" algn="tl">
+                  <a:srgbClr val="000000">
+                    <a:alpha val="43137"/>
+                  </a:srgbClr>
+                </a:outerShdw>
+              </a:effectLst>
+            </a:endParaRPr>
+          </a:p>
+          <a:p>
+            <a:r>
+              <a:t>The perceptron is the simplest form of an artificial neural network and serves as the building block of more advanced models.</a:t>
+            </a:r>
+          </a:p>
+          <a:p>
+            <a:pPr>
+              <a:buFont typeface="Arial" panose="020B0604020202020204"/>
+              <a:buChar char="•"/>
+            </a:pPr>
+            <a:r>
+              <a:rPr b="1"/>
+              <a:t>Components of a Perceptron:</a:t>
+            </a:r>
+            <a:endParaRPr b="1"/>
+          </a:p>
+          <a:p>
+            <a:pPr lvl="1">
+              <a:buFont typeface="Arial" panose="020B0604020202020204"/>
+              <a:buChar char="◦"/>
+            </a:pPr>
+            <a:r>
+              <a:rPr b="1"/>
+              <a:t>Inputs</a:t>
+            </a:r>
+            <a:r>
+              <a:t>: Feature values from the dataset.</a:t>
+            </a:r>
+          </a:p>
+          <a:p>
+            <a:pPr lvl="1">
+              <a:buFont typeface="Arial" panose="020B0604020202020204"/>
+              <a:buChar char="◦"/>
+            </a:pPr>
+            <a:r>
+              <a:rPr b="1"/>
+              <a:t>Weights</a:t>
+            </a:r>
+            <a:r>
+              <a:t>: Assigned to each input to signify importance.</a:t>
+            </a:r>
+          </a:p>
+          <a:p>
+            <a:pPr lvl="1">
+              <a:buFont typeface="Arial" panose="020B0604020202020204"/>
+              <a:buChar char="◦"/>
+            </a:pPr>
+            <a:r>
+              <a:rPr b="1"/>
+              <a:t>Summation </a:t>
+            </a:r>
+            <a:r>
+              <a:t>Function: Computes the weighted sum of inputs.</a:t>
+            </a:r>
+          </a:p>
+          <a:p>
+            <a:pPr lvl="1">
+              <a:buFont typeface="Arial" panose="020B0604020202020204"/>
+              <a:buChar char="◦"/>
+            </a:pPr>
+            <a:r>
+              <a:rPr b="1"/>
+              <a:t>Activation Function</a:t>
+            </a:r>
+            <a:r>
+              <a:t>: Applies a threshold to determine output.</a:t>
+            </a:r>
+          </a:p>
+          <a:p>
+            <a:pPr indent="0">
+              <a:buFont typeface="Arial" panose="020B0604020202020204"/>
+              <a:buNone/>
+            </a:pPr>
           </a:p>
         </p:txBody>
       </p:sp>
@@ -5456,8 +5896,919 @@
         </p:blipFill>
         <p:spPr>
           <a:xfrm>
-            <a:off x="1297940" y="208915"/>
-            <a:ext cx="8778875" cy="5532120"/>
+            <a:off x="5619750" y="100965"/>
+            <a:ext cx="6424930" cy="5667375"/>
+          </a:xfrm>
+          <a:prstGeom prst="rect">
+            <a:avLst/>
+          </a:prstGeom>
+        </p:spPr>
+      </p:pic>
+      <p:sp>
+        <p:nvSpPr>
+          <p:cNvPr id="4" name="Text Box 3"/>
+          <p:cNvSpPr txBox="1"/>
+          <p:nvPr/>
+        </p:nvSpPr>
+        <p:spPr>
+          <a:xfrm>
+            <a:off x="5443855" y="6250305"/>
+            <a:ext cx="6096000" cy="368300"/>
+          </a:xfrm>
+          <a:prstGeom prst="rect">
+            <a:avLst/>
+          </a:prstGeom>
+          <a:noFill/>
+        </p:spPr>
+        <p:txBody>
+          <a:bodyPr wrap="square" rtlCol="0" anchor="t">
+            <a:spAutoFit/>
+          </a:bodyPr>
+          <a:p>
+            <a:r>
+              <a:rPr lang="en-US" altLang="en-US"/>
+              <a:t>https://s.mriquestions.com/what-is-a-neural-network.html</a:t>
+            </a:r>
+            <a:endParaRPr lang="en-US"/>
+          </a:p>
+        </p:txBody>
+      </p:sp>
+      <p:sp>
+        <p:nvSpPr>
+          <p:cNvPr id="6" name="Text Box 5"/>
+          <p:cNvSpPr txBox="1"/>
+          <p:nvPr/>
+        </p:nvSpPr>
+        <p:spPr>
+          <a:xfrm>
+            <a:off x="151765" y="100965"/>
+            <a:ext cx="5772785" cy="3307715"/>
+          </a:xfrm>
+          <a:prstGeom prst="rect">
+            <a:avLst/>
+          </a:prstGeom>
+        </p:spPr>
+        <p:txBody>
+          <a:bodyPr wrap="square">
+            <a:spAutoFit/>
+          </a:bodyPr>
+          <a:p>
+            <a:r>
+              <a:rPr sz="2900" b="1">
+                <a:solidFill>
+                  <a:srgbClr val="231F20"/>
+                </a:solidFill>
+                <a:latin typeface="RctvjbXddlcgHrcvdjHelveticaNeueLTStd-BdCn"/>
+                <a:ea typeface="RctvjbXddlcgHrcvdjHelveticaNeueLTStd-BdCn"/>
+              </a:rPr>
+              <a:t>Artificial Neural Network </a:t>
+            </a:r>
+            <a:endParaRPr sz="2900" b="1">
+              <a:solidFill>
+                <a:srgbClr val="231F20"/>
+              </a:solidFill>
+              <a:latin typeface="RctvjbXddlcgHrcvdjHelveticaNeueLTStd-BdCn"/>
+              <a:ea typeface="RctvjbXddlcgHrcvdjHelveticaNeueLTStd-BdCn"/>
+            </a:endParaRPr>
+          </a:p>
+          <a:p>
+            <a:pPr algn="just"/>
+            <a:r>
+              <a:rPr sz="2000">
+                <a:solidFill>
+                  <a:srgbClr val="231F20"/>
+                </a:solidFill>
+                <a:ea typeface="QkdyncPgkddySjtfmrUtopiaStd"/>
+                <a:cs typeface="+mn-lt"/>
+              </a:rPr>
+              <a:t>An </a:t>
+            </a:r>
+            <a:r>
+              <a:rPr sz="2000" i="1">
+                <a:solidFill>
+                  <a:srgbClr val="231F20"/>
+                </a:solidFill>
+                <a:ea typeface="CtdhkhGrqdxpFqrrvlUtopiaStd-Italic"/>
+                <a:cs typeface="+mn-lt"/>
+              </a:rPr>
+              <a:t>artificial neural network</a:t>
+            </a:r>
+            <a:r>
+              <a:rPr sz="2000">
+                <a:solidFill>
+                  <a:srgbClr val="231F20"/>
+                </a:solidFill>
+                <a:ea typeface="QkdyncPgkddySjtfmrUtopiaStd"/>
+                <a:cs typeface="+mn-lt"/>
+              </a:rPr>
+              <a:t> (ANN) is a</a:t>
+            </a:r>
+            <a:r>
+              <a:rPr lang="en-US" sz="2000">
+                <a:solidFill>
+                  <a:srgbClr val="231F20"/>
+                </a:solidFill>
+                <a:ea typeface="QkdyncPgkddySjtfmrUtopiaStd"/>
+                <a:cs typeface="+mn-lt"/>
+              </a:rPr>
+              <a:t> </a:t>
+            </a:r>
+            <a:r>
+              <a:rPr sz="2000">
+                <a:solidFill>
+                  <a:srgbClr val="231F20"/>
+                </a:solidFill>
+                <a:ea typeface="QkdyncPgkddySjtfmrUtopiaStd"/>
+                <a:cs typeface="+mn-lt"/>
+              </a:rPr>
+              <a:t>computational network (a system of nodes and the interconnection between nodes) inspired by biological neural networks, which are the complex networks of neurons in human brains (see Figure). </a:t>
+            </a:r>
+            <a:endParaRPr sz="2000">
+              <a:solidFill>
+                <a:srgbClr val="231F20"/>
+              </a:solidFill>
+              <a:ea typeface="QkdyncPgkddySjtfmrUtopiaStd"/>
+              <a:cs typeface="+mn-lt"/>
+            </a:endParaRPr>
+          </a:p>
+          <a:p>
+            <a:pPr algn="just"/>
+            <a:endParaRPr sz="2000">
+              <a:solidFill>
+                <a:srgbClr val="231F20"/>
+              </a:solidFill>
+              <a:ea typeface="QkdyncPgkddySjtfmrUtopiaStd"/>
+              <a:cs typeface="+mn-lt"/>
+            </a:endParaRPr>
+          </a:p>
+          <a:p>
+            <a:pPr algn="just"/>
+            <a:r>
+              <a:rPr sz="2000">
+                <a:solidFill>
+                  <a:srgbClr val="231F20"/>
+                </a:solidFill>
+                <a:ea typeface="QkdyncPgkddySjtfmrUtopiaStd"/>
+                <a:cs typeface="+mn-lt"/>
+              </a:rPr>
+              <a:t>The nodes created in the ANN are supposedly programmed to behave like actual neurons, and hence they are artificial neurons.</a:t>
+            </a:r>
+            <a:endParaRPr sz="2000">
+              <a:solidFill>
+                <a:srgbClr val="231F20"/>
+              </a:solidFill>
+              <a:ea typeface="QkdyncPgkddySjtfmrUtopiaStd"/>
+              <a:cs typeface="+mn-lt"/>
+            </a:endParaRPr>
+          </a:p>
+        </p:txBody>
+      </p:sp>
+      <p:sp>
+        <p:nvSpPr>
+          <p:cNvPr id="5" name="Text Box 4"/>
+          <p:cNvSpPr txBox="1"/>
+          <p:nvPr/>
+        </p:nvSpPr>
+        <p:spPr>
+          <a:xfrm>
+            <a:off x="8919210" y="2422525"/>
+            <a:ext cx="3273425" cy="1168400"/>
+          </a:xfrm>
+          <a:prstGeom prst="rect">
+            <a:avLst/>
+          </a:prstGeom>
+        </p:spPr>
+        <p:txBody>
+          <a:bodyPr wrap="square">
+            <a:spAutoFit/>
+          </a:bodyPr>
+          <a:p>
+            <a:pPr marL="25400" indent="0"/>
+            <a:r>
+              <a:rPr sz="1400" b="0" i="0">
+                <a:solidFill>
+                  <a:srgbClr val="000000"/>
+                </a:solidFill>
+                <a:latin typeface="Calibri" panose="020F0502020204030204" charset="0"/>
+                <a:ea typeface="Rubik"/>
+                <a:cs typeface="Calibri" panose="020F0502020204030204" charset="0"/>
+              </a:rPr>
+              <a:t>The Perceptron was invented in 1957 by Frank Rosenblatt at the Cornell Aeronautics Laboratory. Based on the first concepts of artificial neurons, he proposed the “</a:t>
+            </a:r>
+            <a:r>
+              <a:rPr sz="1400" b="0" i="1">
+                <a:solidFill>
+                  <a:srgbClr val="000000"/>
+                </a:solidFill>
+                <a:latin typeface="Calibri" panose="020F0502020204030204" charset="0"/>
+                <a:ea typeface="Rubik"/>
+                <a:cs typeface="Calibri" panose="020F0502020204030204" charset="0"/>
+              </a:rPr>
+              <a:t>Perceptron learning rule</a:t>
+            </a:r>
+            <a:r>
+              <a:rPr sz="1400" b="0" i="0">
+                <a:solidFill>
+                  <a:srgbClr val="000000"/>
+                </a:solidFill>
+                <a:latin typeface="Calibri" panose="020F0502020204030204" charset="0"/>
+                <a:ea typeface="Rubik"/>
+                <a:cs typeface="Calibri" panose="020F0502020204030204" charset="0"/>
+              </a:rPr>
+              <a:t>“.</a:t>
+            </a:r>
+            <a:endParaRPr sz="1400" b="0" i="0">
+              <a:solidFill>
+                <a:srgbClr val="000000"/>
+              </a:solidFill>
+              <a:latin typeface="Calibri" panose="020F0502020204030204" charset="0"/>
+              <a:ea typeface="Rubik"/>
+              <a:cs typeface="Calibri" panose="020F0502020204030204" charset="0"/>
+            </a:endParaRPr>
+          </a:p>
+        </p:txBody>
+      </p:sp>
+      <p:sp>
+        <p:nvSpPr>
+          <p:cNvPr id="7" name="Text Box 6"/>
+          <p:cNvSpPr txBox="1"/>
+          <p:nvPr/>
+        </p:nvSpPr>
+        <p:spPr>
+          <a:xfrm>
+            <a:off x="5619750" y="5855970"/>
+            <a:ext cx="6896100" cy="368300"/>
+          </a:xfrm>
+          <a:prstGeom prst="rect">
+            <a:avLst/>
+          </a:prstGeom>
+          <a:noFill/>
+        </p:spPr>
+        <p:txBody>
+          <a:bodyPr wrap="square" rtlCol="0" anchor="t">
+            <a:spAutoFit/>
+          </a:bodyPr>
+          <a:p>
+            <a:r>
+              <a:rPr lang="en-US" altLang="en-US"/>
+              <a:t>https://www.geeksforgeeks.org/neural-networks-a-beginners-guide/</a:t>
+            </a:r>
+            <a:endParaRPr lang="en-US"/>
+          </a:p>
+        </p:txBody>
+      </p:sp>
+    </p:spTree>
+  </p:cSld>
+  <p:clrMapOvr>
+    <a:masterClrMapping/>
+  </p:clrMapOvr>
+</p:sld>
+</file>
+
+<file path=ppt/slides/slide7.xml><?xml version="1.0" encoding="utf-8"?>
+<p:sld xmlns:a="http://schemas.openxmlformats.org/drawingml/2006/main" xmlns:r="http://schemas.openxmlformats.org/officeDocument/2006/relationships" xmlns:p="http://schemas.openxmlformats.org/presentationml/2006/main">
+  <p:cSld>
+    <p:spTree>
+      <p:nvGrpSpPr>
+        <p:cNvPr id="1" name=""/>
+        <p:cNvGrpSpPr/>
+        <p:nvPr/>
+      </p:nvGrpSpPr>
+      <p:grpSpPr/>
+      <p:pic>
+        <p:nvPicPr>
+          <p:cNvPr id="4" name="Picture 3"/>
+          <p:cNvPicPr/>
+          <p:nvPr/>
+        </p:nvPicPr>
+        <p:blipFill>
+          <a:blip r:embed="rId1"/>
+          <a:stretch>
+            <a:fillRect/>
+          </a:stretch>
+        </p:blipFill>
+        <p:spPr>
+          <a:xfrm>
+            <a:off x="5799455" y="3391535"/>
+            <a:ext cx="6313805" cy="3466465"/>
+          </a:xfrm>
+          <a:prstGeom prst="rect">
+            <a:avLst/>
+          </a:prstGeom>
+        </p:spPr>
+      </p:pic>
+      <p:sp>
+        <p:nvSpPr>
+          <p:cNvPr id="2" name="Text Box 1"/>
+          <p:cNvSpPr txBox="1"/>
+          <p:nvPr/>
+        </p:nvSpPr>
+        <p:spPr>
+          <a:xfrm>
+            <a:off x="250190" y="391160"/>
+            <a:ext cx="6096000" cy="3907790"/>
+          </a:xfrm>
+          <a:prstGeom prst="rect">
+            <a:avLst/>
+          </a:prstGeom>
+          <a:noFill/>
+        </p:spPr>
+        <p:txBody>
+          <a:bodyPr wrap="square" rtlCol="0" anchor="t">
+            <a:spAutoFit/>
+          </a:bodyPr>
+          <a:p>
+            <a:pPr indent="0">
+              <a:buFont typeface="Arial" panose="020B0604020202020204"/>
+              <a:buNone/>
+            </a:pPr>
+            <a:r>
+              <a:rPr sz="2400" b="1">
+                <a:solidFill>
+                  <a:srgbClr val="FF0000"/>
+                </a:solidFill>
+                <a:effectLst>
+                  <a:outerShdw blurRad="38100" dist="38100" dir="2700000" algn="tl">
+                    <a:srgbClr val="000000">
+                      <a:alpha val="43137"/>
+                    </a:srgbClr>
+                  </a:outerShdw>
+                </a:effectLst>
+                <a:sym typeface="+mn-ea"/>
+              </a:rPr>
+              <a:t>Types of Perceptron Models:</a:t>
+            </a:r>
+            <a:endParaRPr sz="2400" b="1">
+              <a:solidFill>
+                <a:srgbClr val="FF0000"/>
+              </a:solidFill>
+              <a:effectLst>
+                <a:outerShdw blurRad="38100" dist="38100" dir="2700000" algn="tl">
+                  <a:srgbClr val="000000">
+                    <a:alpha val="43137"/>
+                  </a:srgbClr>
+                </a:outerShdw>
+              </a:effectLst>
+              <a:sym typeface="+mn-ea"/>
+            </a:endParaRPr>
+          </a:p>
+          <a:p>
+            <a:pPr indent="0">
+              <a:buFont typeface="Arial" panose="020B0604020202020204"/>
+              <a:buNone/>
+            </a:pPr>
+            <a:endParaRPr sz="2400" b="1">
+              <a:solidFill>
+                <a:srgbClr val="FF0000"/>
+              </a:solidFill>
+              <a:effectLst>
+                <a:outerShdw blurRad="38100" dist="38100" dir="2700000" algn="tl">
+                  <a:srgbClr val="000000">
+                    <a:alpha val="43137"/>
+                  </a:srgbClr>
+                </a:outerShdw>
+              </a:effectLst>
+            </a:endParaRPr>
+          </a:p>
+          <a:p>
+            <a:pPr lvl="1">
+              <a:buFont typeface="Arial" panose="020B0604020202020204"/>
+              <a:buChar char="◦"/>
+            </a:pPr>
+            <a:r>
+              <a:rPr sz="2000" b="1">
+                <a:sym typeface="+mn-ea"/>
+              </a:rPr>
+              <a:t>Single-layer perceptron</a:t>
+            </a:r>
+            <a:r>
+              <a:rPr sz="2000">
+                <a:sym typeface="+mn-ea"/>
+              </a:rPr>
+              <a:t>: Can only solve linearly separable problems.</a:t>
+            </a:r>
+            <a:br>
+              <a:rPr sz="2000">
+                <a:sym typeface="+mn-ea"/>
+              </a:rPr>
+            </a:br>
+            <a:endParaRPr sz="2000">
+              <a:sym typeface="+mn-ea"/>
+            </a:endParaRPr>
+          </a:p>
+          <a:p>
+            <a:pPr lvl="1">
+              <a:buFont typeface="Arial" panose="020B0604020202020204"/>
+              <a:buChar char="◦"/>
+            </a:pPr>
+            <a:endParaRPr sz="2000">
+              <a:sym typeface="+mn-ea"/>
+            </a:endParaRPr>
+          </a:p>
+          <a:p>
+            <a:pPr lvl="1">
+              <a:buFont typeface="Arial" panose="020B0604020202020204"/>
+              <a:buChar char="◦"/>
+            </a:pPr>
+            <a:endParaRPr sz="2000">
+              <a:sym typeface="+mn-ea"/>
+            </a:endParaRPr>
+          </a:p>
+          <a:p>
+            <a:pPr lvl="1">
+              <a:buFont typeface="Arial" panose="020B0604020202020204"/>
+              <a:buChar char="◦"/>
+            </a:pPr>
+            <a:endParaRPr sz="2000">
+              <a:sym typeface="+mn-ea"/>
+            </a:endParaRPr>
+          </a:p>
+          <a:p>
+            <a:pPr lvl="1">
+              <a:buFont typeface="Arial" panose="020B0604020202020204"/>
+              <a:buChar char="◦"/>
+            </a:pPr>
+            <a:endParaRPr sz="2000">
+              <a:sym typeface="+mn-ea"/>
+            </a:endParaRPr>
+          </a:p>
+          <a:p>
+            <a:pPr lvl="1">
+              <a:buFont typeface="Arial" panose="020B0604020202020204"/>
+              <a:buChar char="◦"/>
+            </a:pPr>
+            <a:endParaRPr sz="2000"/>
+          </a:p>
+          <a:p>
+            <a:pPr lvl="1">
+              <a:buFont typeface="Arial" panose="020B0604020202020204"/>
+              <a:buChar char="◦"/>
+            </a:pPr>
+            <a:r>
+              <a:rPr sz="2000" b="1">
+                <a:sym typeface="+mn-ea"/>
+              </a:rPr>
+              <a:t>Multi-layer perceptron (MLP):</a:t>
+            </a:r>
+            <a:r>
+              <a:rPr sz="2000">
+                <a:sym typeface="+mn-ea"/>
+              </a:rPr>
+              <a:t> Can solve non-linear problems using multiple layers.</a:t>
+            </a:r>
+            <a:endParaRPr lang="en-US" sz="2000">
+              <a:sym typeface="+mn-ea"/>
+            </a:endParaRPr>
+          </a:p>
+        </p:txBody>
+      </p:sp>
+      <p:pic>
+        <p:nvPicPr>
+          <p:cNvPr id="5" name="Picture 4"/>
+          <p:cNvPicPr/>
+          <p:nvPr/>
+        </p:nvPicPr>
+        <p:blipFill>
+          <a:blip r:embed="rId2"/>
+          <a:srcRect l="16227" t="19455" r="15667" b="20687"/>
+          <a:stretch>
+            <a:fillRect/>
+          </a:stretch>
+        </p:blipFill>
+        <p:spPr>
+          <a:xfrm>
+            <a:off x="6572250" y="-70485"/>
+            <a:ext cx="5031105" cy="3305175"/>
+          </a:xfrm>
+          <a:prstGeom prst="rect">
+            <a:avLst/>
+          </a:prstGeom>
+        </p:spPr>
+      </p:pic>
+      <p:sp>
+        <p:nvSpPr>
+          <p:cNvPr id="3" name="Text Box 2"/>
+          <p:cNvSpPr txBox="1"/>
+          <p:nvPr/>
+        </p:nvSpPr>
+        <p:spPr>
+          <a:xfrm>
+            <a:off x="347980" y="4417695"/>
+            <a:ext cx="5080000" cy="2287270"/>
+          </a:xfrm>
+          <a:prstGeom prst="rect">
+            <a:avLst/>
+          </a:prstGeom>
+        </p:spPr>
+        <p:txBody>
+          <a:bodyPr>
+            <a:spAutoFit/>
+          </a:bodyPr>
+          <a:p>
+            <a:pPr marL="0" indent="0">
+              <a:spcAft>
+                <a:spcPct val="60000"/>
+              </a:spcAft>
+            </a:pPr>
+            <a:r>
+              <a:rPr b="1" i="0">
+                <a:solidFill>
+                  <a:srgbClr val="C00000"/>
+                </a:solidFill>
+                <a:effectLst>
+                  <a:outerShdw blurRad="38100" dist="38100" dir="2700000" algn="tl">
+                    <a:srgbClr val="000000">
+                      <a:alpha val="43137"/>
+                    </a:srgbClr>
+                  </a:outerShdw>
+                </a:effectLst>
+                <a:latin typeface="Arial" panose="020B0604020202020204" pitchFamily="34" charset="0"/>
+                <a:ea typeface="Manrope"/>
+                <a:cs typeface="Arial" panose="020B0604020202020204" pitchFamily="34" charset="0"/>
+              </a:rPr>
+              <a:t>Neural Networks Architecture:</a:t>
+            </a:r>
+            <a:r>
+              <a:rPr sz="1600" b="0" i="0">
+                <a:latin typeface="Manrope"/>
+                <a:ea typeface="Manrope"/>
+              </a:rPr>
+              <a:t> </a:t>
+            </a:r>
+            <a:endParaRPr sz="1600" b="0" i="0">
+              <a:latin typeface="Manrope"/>
+              <a:ea typeface="Manrope"/>
+            </a:endParaRPr>
+          </a:p>
+          <a:p>
+            <a:pPr marL="0" indent="0"/>
+            <a:r>
+              <a:rPr b="0" i="0">
+                <a:solidFill>
+                  <a:srgbClr val="292929"/>
+                </a:solidFill>
+                <a:latin typeface="Inter"/>
+                <a:ea typeface="Inter"/>
+              </a:rPr>
+              <a:t>the basic elements of the network's architecture. </a:t>
+            </a:r>
+            <a:endParaRPr b="0" i="0">
+              <a:solidFill>
+                <a:srgbClr val="292929"/>
+              </a:solidFill>
+              <a:latin typeface="Inter"/>
+              <a:ea typeface="Inter"/>
+            </a:endParaRPr>
+          </a:p>
+          <a:p>
+            <a:pPr marL="0" indent="0"/>
+            <a:r>
+              <a:rPr b="1" i="0">
+                <a:solidFill>
+                  <a:srgbClr val="292929"/>
+                </a:solidFill>
+                <a:latin typeface="Inter"/>
+                <a:ea typeface="Inter"/>
+              </a:rPr>
+              <a:t> made of three core layers:</a:t>
+            </a:r>
+            <a:endParaRPr b="1" i="0">
+              <a:solidFill>
+                <a:srgbClr val="292929"/>
+              </a:solidFill>
+              <a:latin typeface="Inter"/>
+              <a:ea typeface="Inter"/>
+            </a:endParaRPr>
+          </a:p>
+          <a:p>
+            <a:pPr marL="0" indent="0">
+              <a:buAutoNum type="arabicPeriod"/>
+            </a:pPr>
+            <a:r>
+              <a:rPr b="0" i="0">
+                <a:solidFill>
+                  <a:srgbClr val="292929"/>
+                </a:solidFill>
+                <a:latin typeface="Inter"/>
+                <a:ea typeface="Inter"/>
+              </a:rPr>
+              <a:t>Input layer</a:t>
+            </a:r>
+            <a:endParaRPr b="0" i="0">
+              <a:solidFill>
+                <a:srgbClr val="292929"/>
+              </a:solidFill>
+              <a:latin typeface="Inter"/>
+              <a:ea typeface="Inter"/>
+            </a:endParaRPr>
+          </a:p>
+          <a:p>
+            <a:pPr marL="0" indent="0">
+              <a:buAutoNum type="arabicPeriod"/>
+            </a:pPr>
+            <a:r>
+              <a:rPr b="0" i="0">
+                <a:solidFill>
+                  <a:srgbClr val="292929"/>
+                </a:solidFill>
+                <a:latin typeface="Inter"/>
+                <a:ea typeface="Inter"/>
+              </a:rPr>
+              <a:t>Hidden layers </a:t>
+            </a:r>
+            <a:endParaRPr b="0" i="0">
+              <a:solidFill>
+                <a:srgbClr val="292929"/>
+              </a:solidFill>
+              <a:latin typeface="Inter"/>
+              <a:ea typeface="Inter"/>
+            </a:endParaRPr>
+          </a:p>
+          <a:p>
+            <a:pPr marL="0" indent="0">
+              <a:buAutoNum type="arabicPeriod"/>
+            </a:pPr>
+            <a:r>
+              <a:rPr b="0" i="0">
+                <a:solidFill>
+                  <a:srgbClr val="292929"/>
+                </a:solidFill>
+                <a:latin typeface="Inter"/>
+                <a:ea typeface="Inter"/>
+              </a:rPr>
+              <a:t>Output layer </a:t>
+            </a:r>
+            <a:endParaRPr b="0" i="0">
+              <a:solidFill>
+                <a:srgbClr val="292929"/>
+              </a:solidFill>
+              <a:latin typeface="Inter"/>
+              <a:ea typeface="Inter"/>
+            </a:endParaRPr>
+          </a:p>
+        </p:txBody>
+      </p:sp>
+    </p:spTree>
+  </p:cSld>
+  <p:clrMapOvr>
+    <a:masterClrMapping/>
+  </p:clrMapOvr>
+</p:sld>
+</file>
+
+<file path=ppt/slides/slide8.xml><?xml version="1.0" encoding="utf-8"?>
+<p:sld xmlns:a="http://schemas.openxmlformats.org/drawingml/2006/main" xmlns:r="http://schemas.openxmlformats.org/officeDocument/2006/relationships" xmlns:p="http://schemas.openxmlformats.org/presentationml/2006/main">
+  <p:cSld>
+    <p:spTree>
+      <p:nvGrpSpPr>
+        <p:cNvPr id="1" name=""/>
+        <p:cNvGrpSpPr/>
+        <p:nvPr/>
+      </p:nvGrpSpPr>
+      <p:grpSpPr/>
+      <p:sp>
+        <p:nvSpPr>
+          <p:cNvPr id="2" name="Text Box 1"/>
+          <p:cNvSpPr txBox="1"/>
+          <p:nvPr/>
+        </p:nvSpPr>
+        <p:spPr>
+          <a:xfrm>
+            <a:off x="580390" y="190500"/>
+            <a:ext cx="6096000" cy="768350"/>
+          </a:xfrm>
+          <a:prstGeom prst="rect">
+            <a:avLst/>
+          </a:prstGeom>
+          <a:noFill/>
+        </p:spPr>
+        <p:txBody>
+          <a:bodyPr wrap="square" rtlCol="0" anchor="t">
+            <a:spAutoFit/>
+          </a:bodyPr>
+          <a:p>
+            <a:r>
+              <a:rPr lang="en-IN" altLang="en-US" sz="4400" b="1">
+                <a:solidFill>
+                  <a:srgbClr val="FF0000"/>
+                </a:solidFill>
+                <a:effectLst>
+                  <a:outerShdw blurRad="38100" dist="38100" dir="2700000" algn="tl">
+                    <a:srgbClr val="000000">
+                      <a:alpha val="43137"/>
+                    </a:srgbClr>
+                  </a:outerShdw>
+                </a:effectLst>
+                <a:sym typeface="+mn-ea"/>
+              </a:rPr>
+              <a:t>What we Learn in NLP</a:t>
+            </a:r>
+            <a:endParaRPr lang="en-IN" altLang="en-US" sz="4400" b="1">
+              <a:solidFill>
+                <a:srgbClr val="FF0000"/>
+              </a:solidFill>
+              <a:effectLst>
+                <a:outerShdw blurRad="38100" dist="38100" dir="2700000" algn="tl">
+                  <a:srgbClr val="000000">
+                    <a:alpha val="43137"/>
+                  </a:srgbClr>
+                </a:outerShdw>
+              </a:effectLst>
+              <a:sym typeface="+mn-ea"/>
+            </a:endParaRPr>
+          </a:p>
+        </p:txBody>
+      </p:sp>
+      <p:sp>
+        <p:nvSpPr>
+          <p:cNvPr id="3" name="Text Box 2"/>
+          <p:cNvSpPr txBox="1"/>
+          <p:nvPr/>
+        </p:nvSpPr>
+        <p:spPr>
+          <a:xfrm>
+            <a:off x="998220" y="958850"/>
+            <a:ext cx="4599940" cy="4246245"/>
+          </a:xfrm>
+          <a:prstGeom prst="rect">
+            <a:avLst/>
+          </a:prstGeom>
+          <a:noFill/>
+        </p:spPr>
+        <p:txBody>
+          <a:bodyPr wrap="square" rtlCol="0">
+            <a:spAutoFit/>
+          </a:bodyPr>
+          <a:p>
+            <a:r>
+              <a:rPr lang="en-IN" altLang="en-US"/>
+              <a:t>Word embedding</a:t>
+            </a:r>
+            <a:endParaRPr lang="en-IN" altLang="en-US"/>
+          </a:p>
+          <a:p>
+            <a:r>
+              <a:rPr lang="en-IN" altLang="en-US"/>
+              <a:t>Word2vac</a:t>
+            </a:r>
+            <a:endParaRPr lang="en-IN" altLang="en-US"/>
+          </a:p>
+          <a:p>
+            <a:r>
+              <a:rPr lang="en-IN" altLang="en-US"/>
+              <a:t>Rnn </a:t>
+            </a:r>
+            <a:endParaRPr lang="en-IN" altLang="en-US"/>
+          </a:p>
+          <a:p>
+            <a:r>
+              <a:rPr lang="en-IN" altLang="en-US"/>
+              <a:t>LSTM</a:t>
+            </a:r>
+            <a:endParaRPr lang="en-IN" altLang="en-US"/>
+          </a:p>
+          <a:p>
+            <a:r>
+              <a:rPr lang="en-IN" altLang="en-US"/>
+              <a:t>GRU</a:t>
+            </a:r>
+            <a:endParaRPr lang="en-IN" altLang="en-US"/>
+          </a:p>
+          <a:p>
+            <a:r>
+              <a:rPr lang="en-IN" altLang="en-US"/>
+              <a:t>encoder decoder</a:t>
+            </a:r>
+            <a:endParaRPr lang="en-IN" altLang="en-US"/>
+          </a:p>
+          <a:p>
+            <a:r>
+              <a:rPr lang="en-IN" altLang="en-US"/>
+              <a:t>attentions</a:t>
+            </a:r>
+            <a:endParaRPr lang="en-IN" altLang="en-US"/>
+          </a:p>
+          <a:p>
+            <a:r>
+              <a:rPr lang="en-IN" altLang="en-US"/>
+              <a:t>self attentions</a:t>
+            </a:r>
+            <a:endParaRPr lang="en-IN" altLang="en-US"/>
+          </a:p>
+          <a:p>
+            <a:r>
+              <a:rPr lang="en-IN" altLang="en-US"/>
+              <a:t>transformer</a:t>
+            </a:r>
+            <a:endParaRPr lang="en-IN" altLang="en-US"/>
+          </a:p>
+          <a:p>
+            <a:r>
+              <a:rPr lang="en-IN" altLang="en-US"/>
+              <a:t>BERT &amp; GPT</a:t>
+            </a:r>
+            <a:endParaRPr lang="en-IN" altLang="en-US"/>
+          </a:p>
+          <a:p>
+            <a:endParaRPr lang="en-IN" altLang="en-US"/>
+          </a:p>
+          <a:p>
+            <a:r>
+              <a:rPr lang="en-IN" altLang="en-US"/>
+              <a:t>Introduction of Prompt Engineering</a:t>
+            </a:r>
+            <a:endParaRPr lang="en-IN" altLang="en-US"/>
+          </a:p>
+          <a:p>
+            <a:r>
+              <a:rPr lang="en-IN" altLang="en-US"/>
+              <a:t>Genrative AI</a:t>
+            </a:r>
+            <a:endParaRPr lang="en-IN" altLang="en-US"/>
+          </a:p>
+          <a:p>
+            <a:r>
+              <a:rPr lang="en-IN" altLang="en-US"/>
+              <a:t>LLM</a:t>
+            </a:r>
+            <a:endParaRPr lang="en-IN" altLang="en-US"/>
+          </a:p>
+          <a:p>
+            <a:r>
+              <a:rPr lang="en-IN" altLang="en-US"/>
+              <a:t>AGENT AI</a:t>
+            </a:r>
+            <a:endParaRPr lang="en-IN" altLang="en-US"/>
+          </a:p>
+        </p:txBody>
+      </p:sp>
+      <p:sp>
+        <p:nvSpPr>
+          <p:cNvPr id="4" name="Text Box 3"/>
+          <p:cNvSpPr txBox="1"/>
+          <p:nvPr/>
+        </p:nvSpPr>
+        <p:spPr>
+          <a:xfrm>
+            <a:off x="1134110" y="5615940"/>
+            <a:ext cx="2487930" cy="922020"/>
+          </a:xfrm>
+          <a:prstGeom prst="rect">
+            <a:avLst/>
+          </a:prstGeom>
+          <a:noFill/>
+        </p:spPr>
+        <p:txBody>
+          <a:bodyPr wrap="square" rtlCol="0">
+            <a:spAutoFit/>
+          </a:bodyPr>
+          <a:p>
+            <a:r>
+              <a:rPr lang="en-US" altLang="en-IN" b="1"/>
+              <a:t>Libraries</a:t>
+            </a:r>
+            <a:endParaRPr lang="en-IN" altLang="en-US"/>
+          </a:p>
+          <a:p>
+            <a:pPr marL="742950" lvl="1" indent="-285750">
+              <a:buFont typeface="Arial" panose="020B0604020202020204" pitchFamily="34" charset="0"/>
+              <a:buChar char="•"/>
+            </a:pPr>
+            <a:r>
+              <a:rPr lang="en-IN" altLang="en-US"/>
+              <a:t>NLTK</a:t>
+            </a:r>
+            <a:endParaRPr lang="en-IN" altLang="en-US"/>
+          </a:p>
+          <a:p>
+            <a:pPr marL="742950" lvl="1" indent="-285750">
+              <a:buFont typeface="Arial" panose="020B0604020202020204" pitchFamily="34" charset="0"/>
+              <a:buChar char="•"/>
+            </a:pPr>
+            <a:r>
+              <a:rPr lang="en-IN" altLang="en-US"/>
+              <a:t>SPACY</a:t>
+            </a:r>
+            <a:endParaRPr lang="en-IN" altLang="en-US"/>
+          </a:p>
+        </p:txBody>
+      </p:sp>
+      <p:pic>
+        <p:nvPicPr>
+          <p:cNvPr id="6" name="Picture 5"/>
+          <p:cNvPicPr/>
+          <p:nvPr/>
+        </p:nvPicPr>
+        <p:blipFill>
+          <a:blip r:embed="rId1"/>
+          <a:stretch>
+            <a:fillRect/>
+          </a:stretch>
+        </p:blipFill>
+        <p:spPr>
+          <a:xfrm>
+            <a:off x="6842760" y="1360170"/>
+            <a:ext cx="4189730" cy="3691255"/>
           </a:xfrm>
           <a:prstGeom prst="rect">
             <a:avLst/>
@@ -5472,7 +6823,7 @@
 </p:sld>
 </file>
 
-<file path=ppt/slides/slide25.xml><?xml version="1.0" encoding="utf-8"?>
+<file path=ppt/slides/slide9.xml><?xml version="1.0" encoding="utf-8"?>
 <p:sld xmlns:a="http://schemas.openxmlformats.org/drawingml/2006/main" xmlns:r="http://schemas.openxmlformats.org/officeDocument/2006/relationships" xmlns:p="http://schemas.openxmlformats.org/presentationml/2006/main">
   <p:cSld>
     <p:spTree>
@@ -5496,2823 +6847,14 @@
         </p:blipFill>
         <p:spPr>
           <a:xfrm>
-            <a:off x="1562735" y="255905"/>
-            <a:ext cx="9066530" cy="5829300"/>
+            <a:off x="2556510" y="654050"/>
+            <a:ext cx="6777990" cy="6013450"/>
           </a:xfrm>
           <a:prstGeom prst="rect">
             <a:avLst/>
           </a:prstGeom>
         </p:spPr>
       </p:pic>
-      <p:sp>
-        <p:nvSpPr>
-          <p:cNvPr id="3" name="Text Box 2"/>
-          <p:cNvSpPr txBox="1"/>
-          <p:nvPr/>
-        </p:nvSpPr>
-        <p:spPr>
-          <a:xfrm>
-            <a:off x="2099310" y="6212840"/>
-            <a:ext cx="8529955" cy="368300"/>
-          </a:xfrm>
-          <a:prstGeom prst="rect">
-            <a:avLst/>
-          </a:prstGeom>
-          <a:noFill/>
-        </p:spPr>
-        <p:txBody>
-          <a:bodyPr wrap="square" rtlCol="0" anchor="t">
-            <a:spAutoFit/>
-          </a:bodyPr>
-          <a:p>
-            <a:r>
-              <a:rPr lang="en-US" altLang="en-US"/>
-              <a:t>https://www.geeksforgeeks.org/natural-language-processing-nlp-job-roles/</a:t>
-            </a:r>
-            <a:endParaRPr lang="en-US"/>
-          </a:p>
-        </p:txBody>
-      </p:sp>
-    </p:spTree>
-  </p:cSld>
-  <p:clrMapOvr>
-    <a:masterClrMapping/>
-  </p:clrMapOvr>
-</p:sld>
-</file>
-
-<file path=ppt/slides/slide26.xml><?xml version="1.0" encoding="utf-8"?>
-<p:sld xmlns:a="http://schemas.openxmlformats.org/drawingml/2006/main" xmlns:r="http://schemas.openxmlformats.org/officeDocument/2006/relationships" xmlns:p="http://schemas.openxmlformats.org/presentationml/2006/main">
-  <p:cSld>
-    <p:spTree>
-      <p:nvGrpSpPr>
-        <p:cNvPr id="1" name=""/>
-        <p:cNvGrpSpPr/>
-        <p:nvPr/>
-      </p:nvGrpSpPr>
-      <p:grpSpPr/>
-      <p:sp>
-        <p:nvSpPr>
-          <p:cNvPr id="2" name="Text Box 1"/>
-          <p:cNvSpPr txBox="1"/>
-          <p:nvPr/>
-        </p:nvSpPr>
-        <p:spPr>
-          <a:xfrm>
-            <a:off x="217805" y="683895"/>
-            <a:ext cx="6096000" cy="368300"/>
-          </a:xfrm>
-          <a:prstGeom prst="rect">
-            <a:avLst/>
-          </a:prstGeom>
-          <a:noFill/>
-        </p:spPr>
-        <p:txBody>
-          <a:bodyPr wrap="square" rtlCol="0" anchor="t">
-            <a:spAutoFit/>
-          </a:bodyPr>
-          <a:p>
-            <a:r>
-              <a:rPr lang="en-US" altLang="en-US"/>
-              <a:t>https://routemobile.com/blog/how-do-nlp-chatbots-work/</a:t>
-            </a:r>
-            <a:endParaRPr lang="en-US"/>
-          </a:p>
-        </p:txBody>
-      </p:sp>
-      <p:pic>
-        <p:nvPicPr>
-          <p:cNvPr id="3" name="Picture 2"/>
-          <p:cNvPicPr/>
-          <p:nvPr/>
-        </p:nvPicPr>
-        <p:blipFill>
-          <a:blip r:embed="rId1"/>
-          <a:stretch>
-            <a:fillRect/>
-          </a:stretch>
-        </p:blipFill>
-        <p:spPr>
-          <a:xfrm>
-            <a:off x="217805" y="1314768"/>
-            <a:ext cx="5715000" cy="2867025"/>
-          </a:xfrm>
-          <a:prstGeom prst="rect">
-            <a:avLst/>
-          </a:prstGeom>
-        </p:spPr>
-      </p:pic>
-      <p:pic>
-        <p:nvPicPr>
-          <p:cNvPr id="5" name="Picture 4"/>
-          <p:cNvPicPr/>
-          <p:nvPr/>
-        </p:nvPicPr>
-        <p:blipFill>
-          <a:blip r:embed="rId2"/>
-          <a:srcRect l="18296" r="15613"/>
-          <a:stretch>
-            <a:fillRect/>
-          </a:stretch>
-        </p:blipFill>
-        <p:spPr>
-          <a:xfrm>
-            <a:off x="6314440" y="1191260"/>
-            <a:ext cx="5810885" cy="4940935"/>
-          </a:xfrm>
-          <a:prstGeom prst="rect">
-            <a:avLst/>
-          </a:prstGeom>
-        </p:spPr>
-      </p:pic>
-      <p:sp>
-        <p:nvSpPr>
-          <p:cNvPr id="6" name="Text Box 5"/>
-          <p:cNvSpPr txBox="1"/>
-          <p:nvPr/>
-        </p:nvSpPr>
-        <p:spPr>
-          <a:xfrm>
-            <a:off x="5932805" y="6132195"/>
-            <a:ext cx="6096000" cy="645160"/>
-          </a:xfrm>
-          <a:prstGeom prst="rect">
-            <a:avLst/>
-          </a:prstGeom>
-          <a:noFill/>
-        </p:spPr>
-        <p:txBody>
-          <a:bodyPr wrap="square" rtlCol="0" anchor="t">
-            <a:spAutoFit/>
-          </a:bodyPr>
-          <a:p>
-            <a:r>
-              <a:rPr lang="en-US" altLang="en-US"/>
-              <a:t>https://dac.digital/5-practical-applications-of-nlp-in-audio-processing/</a:t>
-            </a:r>
-            <a:endParaRPr lang="en-US"/>
-          </a:p>
-        </p:txBody>
-      </p:sp>
-    </p:spTree>
-  </p:cSld>
-  <p:clrMapOvr>
-    <a:masterClrMapping/>
-  </p:clrMapOvr>
-</p:sld>
-</file>
-
-<file path=ppt/slides/slide27.xml><?xml version="1.0" encoding="utf-8"?>
-<p:sld xmlns:a="http://schemas.openxmlformats.org/drawingml/2006/main" xmlns:r="http://schemas.openxmlformats.org/officeDocument/2006/relationships" xmlns:p="http://schemas.openxmlformats.org/presentationml/2006/main">
-  <p:cSld>
-    <p:spTree>
-      <p:nvGrpSpPr>
-        <p:cNvPr id="1" name=""/>
-        <p:cNvGrpSpPr/>
-        <p:nvPr/>
-      </p:nvGrpSpPr>
-      <p:grpSpPr/>
-      <p:sp>
-        <p:nvSpPr>
-          <p:cNvPr id="2" name="Text Box 1"/>
-          <p:cNvSpPr txBox="1"/>
-          <p:nvPr/>
-        </p:nvSpPr>
-        <p:spPr>
-          <a:xfrm>
-            <a:off x="3048000" y="3244850"/>
-            <a:ext cx="6096000" cy="368300"/>
-          </a:xfrm>
-          <a:prstGeom prst="rect">
-            <a:avLst/>
-          </a:prstGeom>
-          <a:noFill/>
-        </p:spPr>
-        <p:txBody>
-          <a:bodyPr wrap="square" rtlCol="0" anchor="t">
-            <a:spAutoFit/>
-          </a:bodyPr>
-          <a:p>
-            <a:r>
-              <a:rPr lang="en-US" altLang="en-US"/>
-              <a:t>https://analyticsindiamag.com/topics/nlp-vs-llm/</a:t>
-            </a:r>
-            <a:endParaRPr lang="en-US"/>
-          </a:p>
-        </p:txBody>
-      </p:sp>
-    </p:spTree>
-  </p:cSld>
-  <p:clrMapOvr>
-    <a:masterClrMapping/>
-  </p:clrMapOvr>
-</p:sld>
-</file>
-
-<file path=ppt/slides/slide3.xml><?xml version="1.0" encoding="utf-8"?>
-<p:sld xmlns:a="http://schemas.openxmlformats.org/drawingml/2006/main" xmlns:r="http://schemas.openxmlformats.org/officeDocument/2006/relationships" xmlns:p="http://schemas.openxmlformats.org/presentationml/2006/main">
-  <p:cSld>
-    <p:spTree>
-      <p:nvGrpSpPr>
-        <p:cNvPr id="1" name=""/>
-        <p:cNvGrpSpPr/>
-        <p:nvPr/>
-      </p:nvGrpSpPr>
-      <p:grpSpPr/>
-      <p:pic>
-        <p:nvPicPr>
-          <p:cNvPr id="4" name="Picture 3"/>
-          <p:cNvPicPr/>
-          <p:nvPr/>
-        </p:nvPicPr>
-        <p:blipFill>
-          <a:blip r:embed="rId1"/>
-          <a:stretch>
-            <a:fillRect/>
-          </a:stretch>
-        </p:blipFill>
-        <p:spPr>
-          <a:xfrm>
-            <a:off x="238760" y="0"/>
-            <a:ext cx="5855970" cy="4417060"/>
-          </a:xfrm>
-          <a:prstGeom prst="rect">
-            <a:avLst/>
-          </a:prstGeom>
-        </p:spPr>
-      </p:pic>
-      <p:sp>
-        <p:nvSpPr>
-          <p:cNvPr id="5" name="Text Box 4"/>
-          <p:cNvSpPr txBox="1"/>
-          <p:nvPr/>
-        </p:nvSpPr>
-        <p:spPr>
-          <a:xfrm>
-            <a:off x="238760" y="6318250"/>
-            <a:ext cx="6096000" cy="368300"/>
-          </a:xfrm>
-          <a:prstGeom prst="rect">
-            <a:avLst/>
-          </a:prstGeom>
-          <a:noFill/>
-        </p:spPr>
-        <p:txBody>
-          <a:bodyPr wrap="square" rtlCol="0" anchor="t">
-            <a:spAutoFit/>
-          </a:bodyPr>
-          <a:p>
-            <a:r>
-              <a:rPr lang="en-US" altLang="en-US"/>
-              <a:t>https://ellow.io/components-of-ai/</a:t>
-            </a:r>
-            <a:endParaRPr lang="en-US"/>
-          </a:p>
-        </p:txBody>
-      </p:sp>
-      <p:pic>
-        <p:nvPicPr>
-          <p:cNvPr id="6" name="Picture 5"/>
-          <p:cNvPicPr/>
-          <p:nvPr/>
-        </p:nvPicPr>
-        <p:blipFill>
-          <a:blip r:embed="rId2"/>
-          <a:stretch>
-            <a:fillRect/>
-          </a:stretch>
-        </p:blipFill>
-        <p:spPr>
-          <a:xfrm>
-            <a:off x="6477000" y="2571750"/>
-            <a:ext cx="5715000" cy="4286250"/>
-          </a:xfrm>
-          <a:prstGeom prst="rect">
-            <a:avLst/>
-          </a:prstGeom>
-        </p:spPr>
-      </p:pic>
-    </p:spTree>
-  </p:cSld>
-  <p:clrMapOvr>
-    <a:masterClrMapping/>
-  </p:clrMapOvr>
-</p:sld>
-</file>
-
-<file path=ppt/slides/slide4.xml><?xml version="1.0" encoding="utf-8"?>
-<p:sld xmlns:a="http://schemas.openxmlformats.org/drawingml/2006/main" xmlns:r="http://schemas.openxmlformats.org/officeDocument/2006/relationships" xmlns:p="http://schemas.openxmlformats.org/presentationml/2006/main">
-  <p:cSld>
-    <p:spTree>
-      <p:nvGrpSpPr>
-        <p:cNvPr id="1" name=""/>
-        <p:cNvGrpSpPr/>
-        <p:nvPr/>
-      </p:nvGrpSpPr>
-      <p:grpSpPr/>
-      <p:sp>
-        <p:nvSpPr>
-          <p:cNvPr id="3" name="Text Box 2"/>
-          <p:cNvSpPr txBox="1"/>
-          <p:nvPr/>
-        </p:nvSpPr>
-        <p:spPr>
-          <a:xfrm>
-            <a:off x="0" y="0"/>
-            <a:ext cx="3968750" cy="1445260"/>
-          </a:xfrm>
-          <a:prstGeom prst="rect">
-            <a:avLst/>
-          </a:prstGeom>
-          <a:noFill/>
-        </p:spPr>
-        <p:txBody>
-          <a:bodyPr wrap="square" rtlCol="0">
-            <a:spAutoFit/>
-          </a:bodyPr>
-          <a:p>
-            <a:r>
-              <a:rPr lang="en-US" sz="4400" b="1">
-                <a:solidFill>
-                  <a:srgbClr val="FF0000"/>
-                </a:solidFill>
-                <a:effectLst>
-                  <a:outerShdw blurRad="38100" dist="38100" dir="2700000" algn="tl">
-                    <a:srgbClr val="000000">
-                      <a:alpha val="43137"/>
-                    </a:srgbClr>
-                  </a:outerShdw>
-                </a:effectLst>
-              </a:rPr>
-              <a:t>Algorithms and models </a:t>
-            </a:r>
-            <a:endParaRPr lang="en-US" sz="4400" b="1">
-              <a:solidFill>
-                <a:srgbClr val="FF0000"/>
-              </a:solidFill>
-              <a:effectLst>
-                <a:outerShdw blurRad="38100" dist="38100" dir="2700000" algn="tl">
-                  <a:srgbClr val="000000">
-                    <a:alpha val="43137"/>
-                  </a:srgbClr>
-                </a:outerShdw>
-              </a:effectLst>
-            </a:endParaRPr>
-          </a:p>
-        </p:txBody>
-      </p:sp>
-      <p:pic>
-        <p:nvPicPr>
-          <p:cNvPr id="4" name="Picture 3"/>
-          <p:cNvPicPr/>
-          <p:nvPr/>
-        </p:nvPicPr>
-        <p:blipFill>
-          <a:blip r:embed="rId1"/>
-          <a:srcRect t="7325"/>
-          <a:stretch>
-            <a:fillRect/>
-          </a:stretch>
-        </p:blipFill>
-        <p:spPr>
-          <a:xfrm>
-            <a:off x="3968115" y="635"/>
-            <a:ext cx="8507095" cy="6858000"/>
-          </a:xfrm>
-          <a:prstGeom prst="rect">
-            <a:avLst/>
-          </a:prstGeom>
-        </p:spPr>
-      </p:pic>
-      <p:pic>
-        <p:nvPicPr>
-          <p:cNvPr id="2" name="Picture 1"/>
-          <p:cNvPicPr/>
-          <p:nvPr/>
-        </p:nvPicPr>
-        <p:blipFill>
-          <a:blip r:embed="rId2"/>
-          <a:stretch>
-            <a:fillRect/>
-          </a:stretch>
-        </p:blipFill>
-        <p:spPr>
-          <a:xfrm>
-            <a:off x="-247650" y="2246630"/>
-            <a:ext cx="5125085" cy="4774565"/>
-          </a:xfrm>
-          <a:prstGeom prst="rect">
-            <a:avLst/>
-          </a:prstGeom>
-        </p:spPr>
-      </p:pic>
-    </p:spTree>
-  </p:cSld>
-  <p:clrMapOvr>
-    <a:masterClrMapping/>
-  </p:clrMapOvr>
-</p:sld>
-</file>
-
-<file path=ppt/slides/slide5.xml><?xml version="1.0" encoding="utf-8"?>
-<p:sld xmlns:a="http://schemas.openxmlformats.org/drawingml/2006/main" xmlns:r="http://schemas.openxmlformats.org/officeDocument/2006/relationships" xmlns:p="http://schemas.openxmlformats.org/presentationml/2006/main">
-  <p:cSld>
-    <p:spTree>
-      <p:nvGrpSpPr>
-        <p:cNvPr id="1" name=""/>
-        <p:cNvGrpSpPr/>
-        <p:nvPr/>
-      </p:nvGrpSpPr>
-      <p:grpSpPr/>
-      <p:sp>
-        <p:nvSpPr>
-          <p:cNvPr id="2" name="Text Box 1"/>
-          <p:cNvSpPr txBox="1"/>
-          <p:nvPr/>
-        </p:nvSpPr>
-        <p:spPr>
-          <a:xfrm>
-            <a:off x="219075" y="170180"/>
-            <a:ext cx="10690860" cy="2430145"/>
-          </a:xfrm>
-          <a:prstGeom prst="rect">
-            <a:avLst/>
-          </a:prstGeom>
-        </p:spPr>
-        <p:txBody>
-          <a:bodyPr wrap="square">
-            <a:spAutoFit/>
-          </a:bodyPr>
-          <a:p>
-            <a:r>
-              <a:rPr sz="2400" b="1">
-                <a:solidFill>
-                  <a:srgbClr val="FF0000"/>
-                </a:solidFill>
-              </a:rPr>
-              <a:t>Conventional AI vs Generative AI (GenAI)</a:t>
-            </a:r>
-            <a:endParaRPr sz="2400" b="1">
-              <a:solidFill>
-                <a:srgbClr val="FF0000"/>
-              </a:solidFill>
-            </a:endParaRPr>
-          </a:p>
-          <a:p>
-            <a:pPr>
-              <a:buAutoNum type="arabicPeriod"/>
-            </a:pPr>
-            <a:r>
-              <a:rPr sz="1600" b="1">
-                <a:solidFill>
-                  <a:srgbClr val="FF0000"/>
-                </a:solidFill>
-              </a:rPr>
-              <a:t>Conventional AI:</a:t>
-            </a:r>
-            <a:endParaRPr sz="1600" b="1">
-              <a:solidFill>
-                <a:srgbClr val="FF0000"/>
-              </a:solidFill>
-            </a:endParaRPr>
-          </a:p>
-          <a:p>
-            <a:pPr lvl="1">
-              <a:buFont typeface="Arial" panose="020B0604020202020204"/>
-              <a:buChar char="◦"/>
-            </a:pPr>
-            <a:r>
-              <a:rPr sz="1600"/>
-              <a:t>Focuses on classification, prediction, and rule-based decision-making.</a:t>
-            </a:r>
-            <a:endParaRPr sz="1600"/>
-          </a:p>
-          <a:p>
-            <a:pPr lvl="1">
-              <a:buFont typeface="Arial" panose="020B0604020202020204"/>
-              <a:buChar char="◦"/>
-            </a:pPr>
-            <a:r>
-              <a:rPr sz="1600"/>
-              <a:t>Uses structured datasets for training.</a:t>
-            </a:r>
-            <a:endParaRPr sz="1600"/>
-          </a:p>
-          <a:p>
-            <a:pPr lvl="1">
-              <a:buFont typeface="Arial" panose="020B0604020202020204"/>
-              <a:buChar char="◦"/>
-            </a:pPr>
-            <a:r>
-              <a:rPr sz="1600"/>
-              <a:t>Examples: Spam filters, customer service chatbots, recommendation engines.</a:t>
-            </a:r>
-            <a:endParaRPr sz="1600"/>
-          </a:p>
-          <a:p>
-            <a:pPr>
-              <a:buAutoNum type="arabicPeriod"/>
-            </a:pPr>
-            <a:r>
-              <a:rPr sz="1600" b="1">
-                <a:solidFill>
-                  <a:srgbClr val="FF0000"/>
-                </a:solidFill>
-              </a:rPr>
-              <a:t>Generative AI (GenAI):</a:t>
-            </a:r>
-            <a:endParaRPr sz="1600" b="1">
-              <a:solidFill>
-                <a:srgbClr val="FF0000"/>
-              </a:solidFill>
-            </a:endParaRPr>
-          </a:p>
-          <a:p>
-            <a:pPr lvl="1">
-              <a:buFont typeface="Arial" panose="020B0604020202020204"/>
-              <a:buChar char="◦"/>
-            </a:pPr>
-            <a:r>
-              <a:rPr sz="1600"/>
-              <a:t>A type of AI that creates new content, such as text, images, and music.</a:t>
-            </a:r>
-            <a:endParaRPr sz="1600"/>
-          </a:p>
-          <a:p>
-            <a:pPr lvl="1">
-              <a:buFont typeface="Arial" panose="020B0604020202020204"/>
-              <a:buChar char="◦"/>
-            </a:pPr>
-            <a:r>
-              <a:rPr sz="1600"/>
-              <a:t>Uses models like GANs (Generative Adversarial Networks) and transformers (e.g., GPT, DALL-E).</a:t>
-            </a:r>
-            <a:endParaRPr sz="1600"/>
-          </a:p>
-          <a:p>
-            <a:pPr lvl="1">
-              <a:buFont typeface="Arial" panose="020B0604020202020204"/>
-              <a:buChar char="◦"/>
-            </a:pPr>
-            <a:r>
-              <a:rPr sz="1600"/>
-              <a:t>Examples: AI-generated art, chat-based content generation, and text-to-image synthesis.</a:t>
-            </a:r>
-            <a:endParaRPr sz="1600"/>
-          </a:p>
-        </p:txBody>
-      </p:sp>
-      <p:sp>
-        <p:nvSpPr>
-          <p:cNvPr id="3" name="Text Box 2"/>
-          <p:cNvSpPr txBox="1"/>
-          <p:nvPr/>
-        </p:nvSpPr>
-        <p:spPr>
-          <a:xfrm>
-            <a:off x="358140" y="2741295"/>
-            <a:ext cx="8935720" cy="4030980"/>
-          </a:xfrm>
-          <a:prstGeom prst="rect">
-            <a:avLst/>
-          </a:prstGeom>
-        </p:spPr>
-        <p:txBody>
-          <a:bodyPr wrap="square">
-            <a:spAutoFit/>
-          </a:bodyPr>
-          <a:p>
-            <a:r>
-              <a:rPr sz="3600" b="1">
-                <a:solidFill>
-                  <a:srgbClr val="FF0000"/>
-                </a:solidFill>
-                <a:effectLst>
-                  <a:outerShdw blurRad="38100" dist="38100" dir="2700000" algn="tl">
-                    <a:srgbClr val="000000">
-                      <a:alpha val="43137"/>
-                    </a:srgbClr>
-                  </a:outerShdw>
-                </a:effectLst>
-              </a:rPr>
-              <a:t>Future of AI</a:t>
-            </a:r>
-            <a:endParaRPr sz="3600" b="1">
-              <a:solidFill>
-                <a:srgbClr val="FF0000"/>
-              </a:solidFill>
-              <a:effectLst>
-                <a:outerShdw blurRad="38100" dist="38100" dir="2700000" algn="tl">
-                  <a:srgbClr val="000000">
-                    <a:alpha val="43137"/>
-                  </a:srgbClr>
-                </a:outerShdw>
-              </a:effectLst>
-            </a:endParaRPr>
-          </a:p>
-          <a:p>
-            <a:r>
-              <a:rPr sz="2000"/>
-              <a:t>The future of AI is expected to bring significant advancements and challenges:</a:t>
-            </a:r>
-            <a:endParaRPr sz="2000"/>
-          </a:p>
-          <a:p>
-            <a:pPr>
-              <a:buFont typeface="Arial" panose="020B0604020202020204"/>
-              <a:buChar char="•"/>
-            </a:pPr>
-            <a:r>
-              <a:rPr sz="2000" b="1"/>
-              <a:t>AI-Augmented Creativity:</a:t>
-            </a:r>
-            <a:r>
-              <a:rPr sz="2000"/>
-              <a:t> More sophisticated generative models for content creation.</a:t>
-            </a:r>
-            <a:endParaRPr sz="2000"/>
-          </a:p>
-          <a:p>
-            <a:pPr>
-              <a:buFont typeface="Arial" panose="020B0604020202020204"/>
-              <a:buChar char="•"/>
-            </a:pPr>
-            <a:r>
-              <a:rPr sz="2000" b="1"/>
-              <a:t>Explainable AI (XAI):</a:t>
-            </a:r>
-            <a:r>
-              <a:rPr sz="2000"/>
-              <a:t> Enhancing transparency and trust in AI decision-making.</a:t>
-            </a:r>
-            <a:endParaRPr sz="2000"/>
-          </a:p>
-          <a:p>
-            <a:pPr>
-              <a:buFont typeface="Arial" panose="020B0604020202020204"/>
-              <a:buChar char="•"/>
-            </a:pPr>
-            <a:r>
-              <a:rPr sz="2000" b="1"/>
-              <a:t>Ethical AI Development: </a:t>
-            </a:r>
-            <a:r>
-              <a:rPr sz="2000"/>
-              <a:t>Addressing biases, privacy concerns, and responsible AI use.</a:t>
-            </a:r>
-            <a:endParaRPr sz="2000"/>
-          </a:p>
-          <a:p>
-            <a:pPr>
-              <a:buFont typeface="Arial" panose="020B0604020202020204"/>
-              <a:buChar char="•"/>
-            </a:pPr>
-            <a:r>
-              <a:rPr sz="2000" b="1"/>
-              <a:t>AI in Edge Computing:</a:t>
-            </a:r>
-            <a:r>
-              <a:rPr sz="2000"/>
-              <a:t> Deployment of AI models on edge devices for real-time processing.</a:t>
-            </a:r>
-            <a:endParaRPr sz="2000"/>
-          </a:p>
-          <a:p>
-            <a:pPr>
-              <a:buFont typeface="Arial" panose="020B0604020202020204"/>
-              <a:buChar char="•"/>
-            </a:pPr>
-            <a:r>
-              <a:rPr sz="2000" b="1"/>
-              <a:t>Superintelligence and AGI: </a:t>
-            </a:r>
-            <a:r>
-              <a:rPr sz="2000"/>
-              <a:t>Theoretical advancements toward artificial general intelligence (AGI) with human-like reasoning capabilities.</a:t>
-            </a:r>
-            <a:endParaRPr sz="2000"/>
-          </a:p>
-          <a:p>
-            <a:r>
-              <a:rPr sz="2000"/>
-              <a:t>AI continues to evolve, driving innovation and transforming industries worldwide.</a:t>
-            </a:r>
-            <a:endParaRPr sz="2000"/>
-          </a:p>
-        </p:txBody>
-      </p:sp>
-    </p:spTree>
-  </p:cSld>
-  <p:clrMapOvr>
-    <a:masterClrMapping/>
-  </p:clrMapOvr>
-</p:sld>
-</file>
-
-<file path=ppt/slides/slide6.xml><?xml version="1.0" encoding="utf-8"?>
-<p:sld xmlns:a="http://schemas.openxmlformats.org/drawingml/2006/main" xmlns:r="http://schemas.openxmlformats.org/officeDocument/2006/relationships" xmlns:p="http://schemas.openxmlformats.org/presentationml/2006/main">
-  <p:cSld>
-    <p:spTree>
-      <p:nvGrpSpPr>
-        <p:cNvPr id="1" name=""/>
-        <p:cNvGrpSpPr/>
-        <p:nvPr/>
-      </p:nvGrpSpPr>
-      <p:grpSpPr/>
-      <p:pic>
-        <p:nvPicPr>
-          <p:cNvPr id="4" name="Picture 3"/>
-          <p:cNvPicPr/>
-          <p:nvPr/>
-        </p:nvPicPr>
-        <p:blipFill>
-          <a:blip r:embed="rId1"/>
-          <a:srcRect t="4407" b="5046"/>
-          <a:stretch>
-            <a:fillRect/>
-          </a:stretch>
-        </p:blipFill>
-        <p:spPr>
-          <a:xfrm>
-            <a:off x="671195" y="82550"/>
-            <a:ext cx="9066530" cy="6776085"/>
-          </a:xfrm>
-          <a:prstGeom prst="rect">
-            <a:avLst/>
-          </a:prstGeom>
-        </p:spPr>
-      </p:pic>
-    </p:spTree>
-  </p:cSld>
-  <p:clrMapOvr>
-    <a:masterClrMapping/>
-  </p:clrMapOvr>
-</p:sld>
-</file>
-
-<file path=ppt/slides/slide7.xml><?xml version="1.0" encoding="utf-8"?>
-<p:sld xmlns:a="http://schemas.openxmlformats.org/drawingml/2006/main" xmlns:r="http://schemas.openxmlformats.org/officeDocument/2006/relationships" xmlns:p="http://schemas.openxmlformats.org/presentationml/2006/main">
-  <p:cSld>
-    <p:spTree>
-      <p:nvGrpSpPr>
-        <p:cNvPr id="1" name=""/>
-        <p:cNvGrpSpPr/>
-        <p:nvPr/>
-      </p:nvGrpSpPr>
-      <p:grpSpPr/>
-      <p:sp>
-        <p:nvSpPr>
-          <p:cNvPr id="2" name="Text Box 1"/>
-          <p:cNvSpPr txBox="1"/>
-          <p:nvPr/>
-        </p:nvSpPr>
-        <p:spPr>
-          <a:xfrm>
-            <a:off x="4911090" y="84455"/>
-            <a:ext cx="7347585" cy="6773545"/>
-          </a:xfrm>
-          <a:prstGeom prst="rect">
-            <a:avLst/>
-          </a:prstGeom>
-        </p:spPr>
-        <p:txBody>
-          <a:bodyPr wrap="square">
-            <a:spAutoFit/>
-          </a:bodyPr>
-          <a:p>
-            <a:pPr marL="0" indent="0">
-              <a:spcBef>
-                <a:spcPts val="1000"/>
-              </a:spcBef>
-              <a:spcAft>
-                <a:spcPts val="500"/>
-              </a:spcAft>
-            </a:pPr>
-            <a:r>
-              <a:rPr sz="1600" b="1" i="0">
-                <a:solidFill>
-                  <a:srgbClr val="001D35"/>
-                </a:solidFill>
-                <a:latin typeface="Arial" panose="020B0604020202020204" pitchFamily="34" charset="0"/>
-                <a:ea typeface="Google Sans"/>
-                <a:cs typeface="Arial" panose="020B0604020202020204" pitchFamily="34" charset="0"/>
-              </a:rPr>
-              <a:t>5. Applications of Deep Learning:</a:t>
-            </a:r>
-            <a:endParaRPr sz="1600" b="1" i="0">
-              <a:solidFill>
-                <a:srgbClr val="001D35"/>
-              </a:solidFill>
-              <a:latin typeface="Arial" panose="020B0604020202020204" pitchFamily="34" charset="0"/>
-              <a:ea typeface="Google Sans"/>
-              <a:cs typeface="Arial" panose="020B0604020202020204" pitchFamily="34" charset="0"/>
-            </a:endParaRPr>
-          </a:p>
-          <a:p>
-            <a:pPr marL="457200" lvl="1" indent="0">
-              <a:spcBef>
-                <a:spcPct val="0"/>
-              </a:spcBef>
-              <a:spcAft>
-                <a:spcPts val="400"/>
-              </a:spcAft>
-              <a:buFont typeface="Arial" panose="020B0604020202020204"/>
-              <a:buChar char="•"/>
-            </a:pPr>
-            <a:r>
-              <a:rPr sz="1600" b="1" i="0">
-                <a:solidFill>
-                  <a:srgbClr val="001D35"/>
-                </a:solidFill>
-                <a:latin typeface="Arial" panose="020B0604020202020204" pitchFamily="34" charset="0"/>
-                <a:ea typeface="Google Sans"/>
-                <a:cs typeface="Arial" panose="020B0604020202020204" pitchFamily="34" charset="0"/>
-              </a:rPr>
-              <a:t>Computer Vision</a:t>
-            </a:r>
-            <a:endParaRPr sz="1600" b="1" i="0">
-              <a:solidFill>
-                <a:srgbClr val="001D35"/>
-              </a:solidFill>
-              <a:latin typeface="Arial" panose="020B0604020202020204" pitchFamily="34" charset="0"/>
-              <a:ea typeface="Google Sans"/>
-              <a:cs typeface="Arial" panose="020B0604020202020204" pitchFamily="34" charset="0"/>
-            </a:endParaRPr>
-          </a:p>
-          <a:p>
-            <a:pPr lvl="2" indent="0">
-              <a:spcBef>
-                <a:spcPct val="0"/>
-              </a:spcBef>
-              <a:spcAft>
-                <a:spcPts val="400"/>
-              </a:spcAft>
-              <a:buFont typeface="Arial" panose="020B0604020202020204"/>
-              <a:buChar char="◦"/>
-            </a:pPr>
-            <a:r>
-              <a:rPr sz="1600" b="0" i="0">
-                <a:solidFill>
-                  <a:srgbClr val="001D35"/>
-                </a:solidFill>
-                <a:latin typeface="Arial" panose="020B0604020202020204" pitchFamily="34" charset="0"/>
-                <a:ea typeface="Google Sans"/>
-                <a:cs typeface="Arial" panose="020B0604020202020204" pitchFamily="34" charset="0"/>
-              </a:rPr>
-              <a:t>Image classification</a:t>
-            </a:r>
-            <a:endParaRPr sz="1600" b="0" i="0">
-              <a:solidFill>
-                <a:srgbClr val="001D35"/>
-              </a:solidFill>
-              <a:latin typeface="Arial" panose="020B0604020202020204" pitchFamily="34" charset="0"/>
-              <a:ea typeface="Google Sans"/>
-              <a:cs typeface="Arial" panose="020B0604020202020204" pitchFamily="34" charset="0"/>
-            </a:endParaRPr>
-          </a:p>
-          <a:p>
-            <a:pPr lvl="2" indent="0">
-              <a:spcBef>
-                <a:spcPct val="0"/>
-              </a:spcBef>
-              <a:spcAft>
-                <a:spcPts val="400"/>
-              </a:spcAft>
-              <a:buFont typeface="Arial" panose="020B0604020202020204"/>
-              <a:buChar char="◦"/>
-            </a:pPr>
-            <a:r>
-              <a:rPr sz="1600" b="0" i="0">
-                <a:solidFill>
-                  <a:srgbClr val="001D35"/>
-                </a:solidFill>
-                <a:latin typeface="Arial" panose="020B0604020202020204" pitchFamily="34" charset="0"/>
-                <a:ea typeface="Google Sans"/>
-                <a:cs typeface="Arial" panose="020B0604020202020204" pitchFamily="34" charset="0"/>
-              </a:rPr>
-              <a:t>Object detection</a:t>
-            </a:r>
-            <a:endParaRPr sz="1600" b="0" i="0">
-              <a:solidFill>
-                <a:srgbClr val="001D35"/>
-              </a:solidFill>
-              <a:latin typeface="Arial" panose="020B0604020202020204" pitchFamily="34" charset="0"/>
-              <a:ea typeface="Google Sans"/>
-              <a:cs typeface="Arial" panose="020B0604020202020204" pitchFamily="34" charset="0"/>
-            </a:endParaRPr>
-          </a:p>
-          <a:p>
-            <a:pPr lvl="2" indent="0">
-              <a:spcBef>
-                <a:spcPct val="0"/>
-              </a:spcBef>
-              <a:spcAft>
-                <a:spcPct val="0"/>
-              </a:spcAft>
-              <a:buFont typeface="Arial" panose="020B0604020202020204"/>
-              <a:buChar char="◦"/>
-            </a:pPr>
-            <a:r>
-              <a:rPr sz="1600" b="0" i="0">
-                <a:solidFill>
-                  <a:srgbClr val="001D35"/>
-                </a:solidFill>
-                <a:latin typeface="Arial" panose="020B0604020202020204" pitchFamily="34" charset="0"/>
-                <a:ea typeface="Google Sans"/>
-                <a:cs typeface="Arial" panose="020B0604020202020204" pitchFamily="34" charset="0"/>
-              </a:rPr>
-              <a:t>Image segmentation</a:t>
-            </a:r>
-            <a:endParaRPr sz="1600" b="0" i="0">
-              <a:solidFill>
-                <a:srgbClr val="001D35"/>
-              </a:solidFill>
-              <a:latin typeface="Arial" panose="020B0604020202020204" pitchFamily="34" charset="0"/>
-              <a:ea typeface="Google Sans"/>
-              <a:cs typeface="Arial" panose="020B0604020202020204" pitchFamily="34" charset="0"/>
-            </a:endParaRPr>
-          </a:p>
-          <a:p>
-            <a:pPr marL="457200" lvl="1" indent="0">
-              <a:spcBef>
-                <a:spcPct val="0"/>
-              </a:spcBef>
-              <a:spcAft>
-                <a:spcPts val="400"/>
-              </a:spcAft>
-              <a:buFont typeface="Arial" panose="020B0604020202020204"/>
-              <a:buChar char="•"/>
-            </a:pPr>
-            <a:r>
-              <a:rPr sz="1600" b="1" i="0">
-                <a:solidFill>
-                  <a:srgbClr val="001D35"/>
-                </a:solidFill>
-                <a:latin typeface="Arial" panose="020B0604020202020204" pitchFamily="34" charset="0"/>
-                <a:ea typeface="Google Sans"/>
-                <a:cs typeface="Arial" panose="020B0604020202020204" pitchFamily="34" charset="0"/>
-              </a:rPr>
-              <a:t>Natural Language Processing (NLP)</a:t>
-            </a:r>
-            <a:endParaRPr sz="1600" b="1" i="0">
-              <a:solidFill>
-                <a:srgbClr val="001D35"/>
-              </a:solidFill>
-              <a:latin typeface="Arial" panose="020B0604020202020204" pitchFamily="34" charset="0"/>
-              <a:ea typeface="Google Sans"/>
-              <a:cs typeface="Arial" panose="020B0604020202020204" pitchFamily="34" charset="0"/>
-            </a:endParaRPr>
-          </a:p>
-          <a:p>
-            <a:pPr lvl="2" indent="0">
-              <a:spcBef>
-                <a:spcPct val="0"/>
-              </a:spcBef>
-              <a:spcAft>
-                <a:spcPts val="400"/>
-              </a:spcAft>
-              <a:buFont typeface="Arial" panose="020B0604020202020204"/>
-              <a:buChar char="◦"/>
-            </a:pPr>
-            <a:r>
-              <a:rPr sz="1600" b="0" i="0">
-                <a:solidFill>
-                  <a:srgbClr val="001D35"/>
-                </a:solidFill>
-                <a:latin typeface="Arial" panose="020B0604020202020204" pitchFamily="34" charset="0"/>
-                <a:ea typeface="Google Sans"/>
-                <a:cs typeface="Arial" panose="020B0604020202020204" pitchFamily="34" charset="0"/>
-              </a:rPr>
-              <a:t>Text classification</a:t>
-            </a:r>
-            <a:endParaRPr sz="1600" b="0" i="0">
-              <a:solidFill>
-                <a:srgbClr val="001D35"/>
-              </a:solidFill>
-              <a:latin typeface="Arial" panose="020B0604020202020204" pitchFamily="34" charset="0"/>
-              <a:ea typeface="Google Sans"/>
-              <a:cs typeface="Arial" panose="020B0604020202020204" pitchFamily="34" charset="0"/>
-            </a:endParaRPr>
-          </a:p>
-          <a:p>
-            <a:pPr lvl="2" indent="0">
-              <a:spcBef>
-                <a:spcPct val="0"/>
-              </a:spcBef>
-              <a:spcAft>
-                <a:spcPts val="400"/>
-              </a:spcAft>
-              <a:buFont typeface="Arial" panose="020B0604020202020204"/>
-              <a:buChar char="◦"/>
-            </a:pPr>
-            <a:r>
-              <a:rPr sz="1600" b="0" i="0">
-                <a:solidFill>
-                  <a:srgbClr val="001D35"/>
-                </a:solidFill>
-                <a:latin typeface="Arial" panose="020B0604020202020204" pitchFamily="34" charset="0"/>
-                <a:ea typeface="Google Sans"/>
-                <a:cs typeface="Arial" panose="020B0604020202020204" pitchFamily="34" charset="0"/>
-              </a:rPr>
-              <a:t>Sentiment analysis</a:t>
-            </a:r>
-            <a:endParaRPr sz="1600" b="0" i="0">
-              <a:solidFill>
-                <a:srgbClr val="001D35"/>
-              </a:solidFill>
-              <a:latin typeface="Arial" panose="020B0604020202020204" pitchFamily="34" charset="0"/>
-              <a:ea typeface="Google Sans"/>
-              <a:cs typeface="Arial" panose="020B0604020202020204" pitchFamily="34" charset="0"/>
-            </a:endParaRPr>
-          </a:p>
-          <a:p>
-            <a:pPr lvl="2" indent="0">
-              <a:spcBef>
-                <a:spcPct val="0"/>
-              </a:spcBef>
-              <a:spcAft>
-                <a:spcPct val="0"/>
-              </a:spcAft>
-              <a:buFont typeface="Arial" panose="020B0604020202020204"/>
-              <a:buChar char="◦"/>
-            </a:pPr>
-            <a:r>
-              <a:rPr sz="1600" b="0" i="0">
-                <a:solidFill>
-                  <a:srgbClr val="001D35"/>
-                </a:solidFill>
-                <a:latin typeface="Arial" panose="020B0604020202020204" pitchFamily="34" charset="0"/>
-                <a:ea typeface="Google Sans"/>
-                <a:cs typeface="Arial" panose="020B0604020202020204" pitchFamily="34" charset="0"/>
-              </a:rPr>
-              <a:t>Machine translation</a:t>
-            </a:r>
-            <a:endParaRPr sz="1600" b="0" i="0">
-              <a:solidFill>
-                <a:srgbClr val="001D35"/>
-              </a:solidFill>
-              <a:latin typeface="Arial" panose="020B0604020202020204" pitchFamily="34" charset="0"/>
-              <a:ea typeface="Google Sans"/>
-              <a:cs typeface="Arial" panose="020B0604020202020204" pitchFamily="34" charset="0"/>
-            </a:endParaRPr>
-          </a:p>
-          <a:p>
-            <a:pPr marL="457200" lvl="1" indent="0">
-              <a:spcBef>
-                <a:spcPct val="0"/>
-              </a:spcBef>
-              <a:spcAft>
-                <a:spcPts val="400"/>
-              </a:spcAft>
-              <a:buFont typeface="Arial" panose="020B0604020202020204"/>
-              <a:buChar char="•"/>
-            </a:pPr>
-            <a:r>
-              <a:rPr sz="1600" b="1" i="0">
-                <a:solidFill>
-                  <a:srgbClr val="001D35"/>
-                </a:solidFill>
-                <a:latin typeface="Arial" panose="020B0604020202020204" pitchFamily="34" charset="0"/>
-                <a:ea typeface="Google Sans"/>
-                <a:cs typeface="Arial" panose="020B0604020202020204" pitchFamily="34" charset="0"/>
-              </a:rPr>
-              <a:t>Speech Recognition</a:t>
-            </a:r>
-            <a:endParaRPr sz="1600" b="1" i="0">
-              <a:solidFill>
-                <a:srgbClr val="001D35"/>
-              </a:solidFill>
-              <a:latin typeface="Arial" panose="020B0604020202020204" pitchFamily="34" charset="0"/>
-              <a:ea typeface="Google Sans"/>
-              <a:cs typeface="Arial" panose="020B0604020202020204" pitchFamily="34" charset="0"/>
-            </a:endParaRPr>
-          </a:p>
-          <a:p>
-            <a:pPr marL="457200" lvl="1" indent="0">
-              <a:spcBef>
-                <a:spcPct val="0"/>
-              </a:spcBef>
-              <a:spcAft>
-                <a:spcPct val="0"/>
-              </a:spcAft>
-              <a:buFont typeface="Arial" panose="020B0604020202020204"/>
-              <a:buChar char="•"/>
-            </a:pPr>
-            <a:r>
-              <a:rPr sz="1600" b="1" i="0">
-                <a:solidFill>
-                  <a:srgbClr val="001D35"/>
-                </a:solidFill>
-                <a:latin typeface="Arial" panose="020B0604020202020204" pitchFamily="34" charset="0"/>
-                <a:ea typeface="Google Sans"/>
-                <a:cs typeface="Arial" panose="020B0604020202020204" pitchFamily="34" charset="0"/>
-              </a:rPr>
-              <a:t>Time Series Analysis </a:t>
-            </a:r>
-            <a:endParaRPr sz="1600" b="1" i="0">
-              <a:solidFill>
-                <a:srgbClr val="001D35"/>
-              </a:solidFill>
-              <a:latin typeface="Arial" panose="020B0604020202020204" pitchFamily="34" charset="0"/>
-              <a:ea typeface="Google Sans"/>
-              <a:cs typeface="Arial" panose="020B0604020202020204" pitchFamily="34" charset="0"/>
-            </a:endParaRPr>
-          </a:p>
-          <a:p>
-            <a:pPr marL="0" indent="0">
-              <a:lnSpc>
-                <a:spcPct val="90000"/>
-              </a:lnSpc>
-              <a:spcBef>
-                <a:spcPts val="1000"/>
-              </a:spcBef>
-              <a:spcAft>
-                <a:spcPts val="500"/>
-              </a:spcAft>
-            </a:pPr>
-            <a:r>
-              <a:rPr sz="1600" b="1" i="0">
-                <a:solidFill>
-                  <a:srgbClr val="001D35"/>
-                </a:solidFill>
-                <a:latin typeface="Arial" panose="020B0604020202020204" pitchFamily="34" charset="0"/>
-                <a:ea typeface="Google Sans"/>
-                <a:cs typeface="Arial" panose="020B0604020202020204" pitchFamily="34" charset="0"/>
-              </a:rPr>
-              <a:t>6. Ethical Considerations:</a:t>
-            </a:r>
-            <a:endParaRPr sz="1600" b="1" i="0">
-              <a:solidFill>
-                <a:srgbClr val="001D35"/>
-              </a:solidFill>
-              <a:latin typeface="Arial" panose="020B0604020202020204" pitchFamily="34" charset="0"/>
-              <a:ea typeface="Google Sans"/>
-              <a:cs typeface="Arial" panose="020B0604020202020204" pitchFamily="34" charset="0"/>
-            </a:endParaRPr>
-          </a:p>
-          <a:p>
-            <a:pPr marL="0" indent="0">
-              <a:lnSpc>
-                <a:spcPct val="70000"/>
-              </a:lnSpc>
-              <a:spcBef>
-                <a:spcPts val="500"/>
-              </a:spcBef>
-              <a:spcAft>
-                <a:spcPts val="1000"/>
-              </a:spcAft>
-            </a:pPr>
-            <a:r>
-              <a:rPr sz="1600" b="0" i="0">
-                <a:solidFill>
-                  <a:srgbClr val="001D35"/>
-                </a:solidFill>
-                <a:latin typeface="Arial" panose="020B0604020202020204" pitchFamily="34" charset="0"/>
-                <a:ea typeface="Google Sans"/>
-                <a:cs typeface="Arial" panose="020B0604020202020204" pitchFamily="34" charset="0"/>
-              </a:rPr>
-              <a:t>Bias in data and models, Privacy concerns, Explainability and interpretability, and Responsible AI practices. </a:t>
-            </a:r>
-            <a:endParaRPr sz="1600" b="0" i="0">
-              <a:solidFill>
-                <a:srgbClr val="001D35"/>
-              </a:solidFill>
-              <a:latin typeface="Arial" panose="020B0604020202020204" pitchFamily="34" charset="0"/>
-              <a:ea typeface="Google Sans"/>
-              <a:cs typeface="Arial" panose="020B0604020202020204" pitchFamily="34" charset="0"/>
-            </a:endParaRPr>
-          </a:p>
-          <a:p>
-            <a:pPr marL="0" indent="0">
-              <a:lnSpc>
-                <a:spcPct val="70000"/>
-              </a:lnSpc>
-              <a:spcBef>
-                <a:spcPts val="1000"/>
-              </a:spcBef>
-              <a:spcAft>
-                <a:spcPts val="500"/>
-              </a:spcAft>
-            </a:pPr>
-            <a:r>
-              <a:rPr sz="1600" b="1" i="0">
-                <a:solidFill>
-                  <a:srgbClr val="001D35"/>
-                </a:solidFill>
-                <a:latin typeface="Arial" panose="020B0604020202020204" pitchFamily="34" charset="0"/>
-                <a:ea typeface="Google Sans"/>
-                <a:cs typeface="Arial" panose="020B0604020202020204" pitchFamily="34" charset="0"/>
-              </a:rPr>
-              <a:t>Important Points to Consider:</a:t>
-            </a:r>
-            <a:endParaRPr sz="1600" b="1" i="0">
-              <a:solidFill>
-                <a:srgbClr val="001D35"/>
-              </a:solidFill>
-              <a:latin typeface="Arial" panose="020B0604020202020204" pitchFamily="34" charset="0"/>
-              <a:ea typeface="Google Sans"/>
-              <a:cs typeface="Arial" panose="020B0604020202020204" pitchFamily="34" charset="0"/>
-            </a:endParaRPr>
-          </a:p>
-          <a:p>
-            <a:pPr marL="0" indent="0">
-              <a:spcBef>
-                <a:spcPct val="0"/>
-              </a:spcBef>
-              <a:spcAft>
-                <a:spcPts val="400"/>
-              </a:spcAft>
-              <a:buFont typeface="Arial" panose="020B0604020202020204"/>
-              <a:buChar char="•"/>
-            </a:pPr>
-            <a:r>
-              <a:rPr sz="1600" b="1" i="0">
-                <a:solidFill>
-                  <a:srgbClr val="001D35"/>
-                </a:solidFill>
-                <a:latin typeface="Arial" panose="020B0604020202020204" pitchFamily="34" charset="0"/>
-                <a:ea typeface="Google Sans"/>
-                <a:cs typeface="Arial" panose="020B0604020202020204" pitchFamily="34" charset="0"/>
-              </a:rPr>
-              <a:t>Prerequisites:</a:t>
-            </a:r>
-            <a:endParaRPr sz="1600" b="1" i="0">
-              <a:solidFill>
-                <a:srgbClr val="001D35"/>
-              </a:solidFill>
-              <a:latin typeface="Arial" panose="020B0604020202020204" pitchFamily="34" charset="0"/>
-              <a:ea typeface="Google Sans"/>
-              <a:cs typeface="Arial" panose="020B0604020202020204" pitchFamily="34" charset="0"/>
-            </a:endParaRPr>
-          </a:p>
-          <a:p>
-            <a:pPr marL="0" indent="0">
-              <a:spcBef>
-                <a:spcPct val="0"/>
-              </a:spcBef>
-              <a:spcAft>
-                <a:spcPts val="400"/>
-              </a:spcAft>
-            </a:pPr>
-            <a:r>
-              <a:rPr sz="1400" b="0" i="0">
-                <a:solidFill>
-                  <a:srgbClr val="001D35"/>
-                </a:solidFill>
-                <a:latin typeface="Arial" panose="020B0604020202020204" pitchFamily="34" charset="0"/>
-                <a:ea typeface="Google Sans"/>
-                <a:cs typeface="Arial" panose="020B0604020202020204" pitchFamily="34" charset="0"/>
-              </a:rPr>
-              <a:t>A solid understanding of linear algebra, calculus, probability, and programming skills (usually Python) are required to fully grasp deep learning concepts. </a:t>
-            </a:r>
-            <a:endParaRPr sz="1400" b="0" i="0">
-              <a:solidFill>
-                <a:srgbClr val="001D35"/>
-              </a:solidFill>
-              <a:latin typeface="Arial" panose="020B0604020202020204" pitchFamily="34" charset="0"/>
-              <a:ea typeface="Google Sans"/>
-              <a:cs typeface="Arial" panose="020B0604020202020204" pitchFamily="34" charset="0"/>
-            </a:endParaRPr>
-          </a:p>
-          <a:p>
-            <a:pPr marL="0" indent="0">
-              <a:spcBef>
-                <a:spcPct val="0"/>
-              </a:spcBef>
-              <a:spcAft>
-                <a:spcPts val="400"/>
-              </a:spcAft>
-              <a:buFont typeface="Arial" panose="020B0604020202020204"/>
-              <a:buChar char="•"/>
-            </a:pPr>
-            <a:r>
-              <a:rPr sz="1600" b="1" i="0">
-                <a:solidFill>
-                  <a:srgbClr val="001D35"/>
-                </a:solidFill>
-                <a:latin typeface="Arial" panose="020B0604020202020204" pitchFamily="34" charset="0"/>
-                <a:ea typeface="Google Sans"/>
-                <a:cs typeface="Arial" panose="020B0604020202020204" pitchFamily="34" charset="0"/>
-              </a:rPr>
-              <a:t>Hands-on Projects:</a:t>
-            </a:r>
-            <a:endParaRPr sz="1600" b="1" i="0">
-              <a:solidFill>
-                <a:srgbClr val="001D35"/>
-              </a:solidFill>
-              <a:latin typeface="Arial" panose="020B0604020202020204" pitchFamily="34" charset="0"/>
-              <a:ea typeface="Google Sans"/>
-              <a:cs typeface="Arial" panose="020B0604020202020204" pitchFamily="34" charset="0"/>
-            </a:endParaRPr>
-          </a:p>
-          <a:p>
-            <a:pPr marL="0" indent="0">
-              <a:spcBef>
-                <a:spcPct val="0"/>
-              </a:spcBef>
-              <a:spcAft>
-                <a:spcPts val="400"/>
-              </a:spcAft>
-            </a:pPr>
-            <a:r>
-              <a:rPr sz="1400" b="0" i="0">
-                <a:solidFill>
-                  <a:srgbClr val="001D35"/>
-                </a:solidFill>
-                <a:latin typeface="Arial" panose="020B0604020202020204" pitchFamily="34" charset="0"/>
-                <a:ea typeface="Google Sans"/>
-                <a:cs typeface="Arial" panose="020B0604020202020204" pitchFamily="34" charset="0"/>
-              </a:rPr>
-              <a:t>Implementing various deep learning models on real-world datasets is crucial for gaining practical experience. </a:t>
-            </a:r>
-            <a:endParaRPr sz="1400" b="0" i="0">
-              <a:solidFill>
-                <a:srgbClr val="001D35"/>
-              </a:solidFill>
-              <a:latin typeface="Arial" panose="020B0604020202020204" pitchFamily="34" charset="0"/>
-              <a:ea typeface="Google Sans"/>
-              <a:cs typeface="Arial" panose="020B0604020202020204" pitchFamily="34" charset="0"/>
-            </a:endParaRPr>
-          </a:p>
-          <a:p>
-            <a:pPr marL="0" indent="0">
-              <a:spcBef>
-                <a:spcPct val="0"/>
-              </a:spcBef>
-              <a:spcAft>
-                <a:spcPct val="0"/>
-              </a:spcAft>
-              <a:buFont typeface="Arial" panose="020B0604020202020204"/>
-              <a:buChar char="•"/>
-            </a:pPr>
-            <a:r>
-              <a:rPr sz="1600" b="1" i="0">
-                <a:solidFill>
-                  <a:srgbClr val="001D35"/>
-                </a:solidFill>
-                <a:latin typeface="Arial" panose="020B0604020202020204" pitchFamily="34" charset="0"/>
-                <a:ea typeface="Google Sans"/>
-                <a:cs typeface="Arial" panose="020B0604020202020204" pitchFamily="34" charset="0"/>
-              </a:rPr>
-              <a:t>Stay Updated:</a:t>
-            </a:r>
-            <a:endParaRPr sz="1600" b="1" i="0">
-              <a:solidFill>
-                <a:srgbClr val="001D35"/>
-              </a:solidFill>
-              <a:latin typeface="Arial" panose="020B0604020202020204" pitchFamily="34" charset="0"/>
-              <a:ea typeface="Google Sans"/>
-              <a:cs typeface="Arial" panose="020B0604020202020204" pitchFamily="34" charset="0"/>
-            </a:endParaRPr>
-          </a:p>
-          <a:p>
-            <a:pPr marL="0" indent="0">
-              <a:spcBef>
-                <a:spcPct val="0"/>
-              </a:spcBef>
-              <a:spcAft>
-                <a:spcPct val="0"/>
-              </a:spcAft>
-            </a:pPr>
-            <a:r>
-              <a:rPr sz="1400" b="0" i="0">
-                <a:solidFill>
-                  <a:srgbClr val="001D35"/>
-                </a:solidFill>
-                <a:latin typeface="Arial" panose="020B0604020202020204" pitchFamily="34" charset="0"/>
-                <a:ea typeface="Google Sans"/>
-                <a:cs typeface="Arial" panose="020B0604020202020204" pitchFamily="34" charset="0"/>
-              </a:rPr>
-              <a:t>Deep learning is rapidly evolving, so continuous learning about new research and techniques is important. </a:t>
-            </a:r>
-            <a:endParaRPr sz="1400" b="0" i="0">
-              <a:solidFill>
-                <a:srgbClr val="001D35"/>
-              </a:solidFill>
-              <a:latin typeface="Arial" panose="020B0604020202020204" pitchFamily="34" charset="0"/>
-              <a:ea typeface="Google Sans"/>
-              <a:cs typeface="Arial" panose="020B0604020202020204" pitchFamily="34" charset="0"/>
-            </a:endParaRPr>
-          </a:p>
-        </p:txBody>
-      </p:sp>
-      <p:sp>
-        <p:nvSpPr>
-          <p:cNvPr id="3" name="Text Box 2"/>
-          <p:cNvSpPr txBox="1"/>
-          <p:nvPr/>
-        </p:nvSpPr>
-        <p:spPr>
-          <a:xfrm>
-            <a:off x="78740" y="121285"/>
-            <a:ext cx="4832350" cy="6736715"/>
-          </a:xfrm>
-          <a:prstGeom prst="rect">
-            <a:avLst/>
-          </a:prstGeom>
-          <a:noFill/>
-        </p:spPr>
-        <p:txBody>
-          <a:bodyPr wrap="square" rtlCol="0" anchor="t">
-            <a:noAutofit/>
-          </a:bodyPr>
-          <a:p>
-            <a:pPr marL="0" indent="0">
-              <a:spcBef>
-                <a:spcPts val="1000"/>
-              </a:spcBef>
-              <a:spcAft>
-                <a:spcPts val="500"/>
-              </a:spcAft>
-            </a:pPr>
-            <a:r>
-              <a:rPr sz="1600" b="1">
-                <a:solidFill>
-                  <a:srgbClr val="FF0000"/>
-                </a:solidFill>
-                <a:effectLst>
-                  <a:outerShdw blurRad="38100" dist="38100" dir="2700000" algn="tl">
-                    <a:srgbClr val="000000">
-                      <a:alpha val="43137"/>
-                    </a:srgbClr>
-                  </a:outerShdw>
-                </a:effectLst>
-                <a:latin typeface="Arial" panose="020B0604020202020204" pitchFamily="34" charset="0"/>
-                <a:ea typeface="Google Sans"/>
-                <a:cs typeface="Arial" panose="020B0604020202020204" pitchFamily="34" charset="0"/>
-                <a:sym typeface="+mn-ea"/>
-              </a:rPr>
-              <a:t>Key components of a Deep Learning syllabus:</a:t>
-            </a:r>
-            <a:endParaRPr sz="1600" b="1" i="0">
-              <a:solidFill>
-                <a:srgbClr val="FF0000"/>
-              </a:solidFill>
-              <a:effectLst>
-                <a:outerShdw blurRad="38100" dist="38100" dir="2700000" algn="tl">
-                  <a:srgbClr val="000000">
-                    <a:alpha val="43137"/>
-                  </a:srgbClr>
-                </a:outerShdw>
-              </a:effectLst>
-              <a:latin typeface="Arial" panose="020B0604020202020204" pitchFamily="34" charset="0"/>
-              <a:ea typeface="Google Sans"/>
-              <a:cs typeface="Arial" panose="020B0604020202020204" pitchFamily="34" charset="0"/>
-            </a:endParaRPr>
-          </a:p>
-          <a:p>
-            <a:pPr marL="0" indent="0">
-              <a:spcBef>
-                <a:spcPts val="1000"/>
-              </a:spcBef>
-              <a:spcAft>
-                <a:spcPts val="500"/>
-              </a:spcAft>
-            </a:pPr>
-            <a:r>
-              <a:rPr sz="1600" b="1">
-                <a:solidFill>
-                  <a:srgbClr val="001D35"/>
-                </a:solidFill>
-                <a:latin typeface="Arial" panose="020B0604020202020204" pitchFamily="34" charset="0"/>
-                <a:ea typeface="Google Sans"/>
-                <a:cs typeface="Arial" panose="020B0604020202020204" pitchFamily="34" charset="0"/>
-                <a:sym typeface="+mn-ea"/>
-              </a:rPr>
-              <a:t>1. Fundamentals of Neural Networks:</a:t>
-            </a:r>
-            <a:endParaRPr sz="1600" b="1" i="0">
-              <a:solidFill>
-                <a:srgbClr val="001D35"/>
-              </a:solidFill>
-              <a:latin typeface="Arial" panose="020B0604020202020204" pitchFamily="34" charset="0"/>
-              <a:ea typeface="Google Sans"/>
-              <a:cs typeface="Arial" panose="020B0604020202020204" pitchFamily="34" charset="0"/>
-            </a:endParaRPr>
-          </a:p>
-          <a:p>
-            <a:pPr marL="457200" lvl="1" indent="0">
-              <a:spcBef>
-                <a:spcPct val="0"/>
-              </a:spcBef>
-              <a:spcAft>
-                <a:spcPts val="400"/>
-              </a:spcAft>
-              <a:buFont typeface="Arial" panose="020B0604020202020204"/>
-              <a:buChar char="•"/>
-            </a:pPr>
-            <a:r>
-              <a:rPr sz="1600">
-                <a:solidFill>
-                  <a:srgbClr val="001D35"/>
-                </a:solidFill>
-                <a:latin typeface="Arial" panose="020B0604020202020204" pitchFamily="34" charset="0"/>
-                <a:ea typeface="Google Sans"/>
-                <a:cs typeface="Arial" panose="020B0604020202020204" pitchFamily="34" charset="0"/>
-                <a:sym typeface="+mn-ea"/>
-              </a:rPr>
-              <a:t>Introduction to Artificial Neural Networks (ANNs)</a:t>
-            </a:r>
-            <a:endParaRPr sz="1600" b="0" i="0">
-              <a:solidFill>
-                <a:srgbClr val="001D35"/>
-              </a:solidFill>
-              <a:latin typeface="Arial" panose="020B0604020202020204" pitchFamily="34" charset="0"/>
-              <a:ea typeface="Google Sans"/>
-              <a:cs typeface="Arial" panose="020B0604020202020204" pitchFamily="34" charset="0"/>
-            </a:endParaRPr>
-          </a:p>
-          <a:p>
-            <a:pPr marL="457200" lvl="1" indent="0">
-              <a:spcBef>
-                <a:spcPct val="0"/>
-              </a:spcBef>
-              <a:spcAft>
-                <a:spcPts val="400"/>
-              </a:spcAft>
-              <a:buFont typeface="Arial" panose="020B0604020202020204"/>
-              <a:buChar char="•"/>
-            </a:pPr>
-            <a:r>
-              <a:rPr sz="1600">
-                <a:solidFill>
-                  <a:srgbClr val="001D35"/>
-                </a:solidFill>
-                <a:latin typeface="Arial" panose="020B0604020202020204" pitchFamily="34" charset="0"/>
-                <a:ea typeface="Google Sans"/>
-                <a:cs typeface="Arial" panose="020B0604020202020204" pitchFamily="34" charset="0"/>
-                <a:sym typeface="+mn-ea"/>
-              </a:rPr>
-              <a:t>Perceptron model</a:t>
-            </a:r>
-            <a:endParaRPr sz="1600" b="0" i="0">
-              <a:solidFill>
-                <a:srgbClr val="001D35"/>
-              </a:solidFill>
-              <a:latin typeface="Arial" panose="020B0604020202020204" pitchFamily="34" charset="0"/>
-              <a:ea typeface="Google Sans"/>
-              <a:cs typeface="Arial" panose="020B0604020202020204" pitchFamily="34" charset="0"/>
-            </a:endParaRPr>
-          </a:p>
-          <a:p>
-            <a:pPr marL="457200" lvl="1" indent="0">
-              <a:spcBef>
-                <a:spcPct val="0"/>
-              </a:spcBef>
-              <a:spcAft>
-                <a:spcPts val="400"/>
-              </a:spcAft>
-              <a:buFont typeface="Arial" panose="020B0604020202020204"/>
-              <a:buChar char="•"/>
-            </a:pPr>
-            <a:r>
-              <a:rPr sz="1600">
-                <a:solidFill>
-                  <a:srgbClr val="001D35"/>
-                </a:solidFill>
-                <a:latin typeface="Arial" panose="020B0604020202020204" pitchFamily="34" charset="0"/>
-                <a:ea typeface="Google Sans"/>
-                <a:cs typeface="Arial" panose="020B0604020202020204" pitchFamily="34" charset="0"/>
-                <a:sym typeface="+mn-ea"/>
-              </a:rPr>
-              <a:t>Activation functions (sigmoid, ReLU, tanh)</a:t>
-            </a:r>
-            <a:endParaRPr sz="1600" b="0" i="0">
-              <a:solidFill>
-                <a:srgbClr val="001D35"/>
-              </a:solidFill>
-              <a:latin typeface="Arial" panose="020B0604020202020204" pitchFamily="34" charset="0"/>
-              <a:ea typeface="Google Sans"/>
-              <a:cs typeface="Arial" panose="020B0604020202020204" pitchFamily="34" charset="0"/>
-            </a:endParaRPr>
-          </a:p>
-          <a:p>
-            <a:pPr marL="457200" lvl="1" indent="0">
-              <a:spcBef>
-                <a:spcPct val="0"/>
-              </a:spcBef>
-              <a:spcAft>
-                <a:spcPts val="400"/>
-              </a:spcAft>
-              <a:buFont typeface="Arial" panose="020B0604020202020204"/>
-              <a:buChar char="•"/>
-            </a:pPr>
-            <a:r>
-              <a:rPr sz="1600">
-                <a:solidFill>
-                  <a:srgbClr val="001D35"/>
-                </a:solidFill>
-                <a:latin typeface="Arial" panose="020B0604020202020204" pitchFamily="34" charset="0"/>
-                <a:ea typeface="Google Sans"/>
-                <a:cs typeface="Arial" panose="020B0604020202020204" pitchFamily="34" charset="0"/>
-                <a:sym typeface="+mn-ea"/>
-              </a:rPr>
-              <a:t>Backpropagation algorithm</a:t>
-            </a:r>
-            <a:endParaRPr sz="1600" b="0" i="0">
-              <a:solidFill>
-                <a:srgbClr val="001D35"/>
-              </a:solidFill>
-              <a:latin typeface="Arial" panose="020B0604020202020204" pitchFamily="34" charset="0"/>
-              <a:ea typeface="Google Sans"/>
-              <a:cs typeface="Arial" panose="020B0604020202020204" pitchFamily="34" charset="0"/>
-            </a:endParaRPr>
-          </a:p>
-          <a:p>
-            <a:pPr marL="457200" lvl="1" indent="0">
-              <a:spcBef>
-                <a:spcPct val="0"/>
-              </a:spcBef>
-              <a:spcAft>
-                <a:spcPct val="0"/>
-              </a:spcAft>
-              <a:buFont typeface="Arial" panose="020B0604020202020204"/>
-              <a:buChar char="•"/>
-            </a:pPr>
-            <a:r>
-              <a:rPr sz="1600">
-                <a:solidFill>
-                  <a:srgbClr val="001D35"/>
-                </a:solidFill>
-                <a:latin typeface="Arial" panose="020B0604020202020204" pitchFamily="34" charset="0"/>
-                <a:ea typeface="Google Sans"/>
-                <a:cs typeface="Arial" panose="020B0604020202020204" pitchFamily="34" charset="0"/>
-                <a:sym typeface="+mn-ea"/>
-              </a:rPr>
-              <a:t>Gradient descent optimization </a:t>
-            </a:r>
-            <a:endParaRPr sz="1600" b="0" i="0">
-              <a:solidFill>
-                <a:srgbClr val="001D35"/>
-              </a:solidFill>
-              <a:latin typeface="Arial" panose="020B0604020202020204" pitchFamily="34" charset="0"/>
-              <a:ea typeface="Google Sans"/>
-              <a:cs typeface="Arial" panose="020B0604020202020204" pitchFamily="34" charset="0"/>
-            </a:endParaRPr>
-          </a:p>
-          <a:p>
-            <a:pPr marL="0" indent="0">
-              <a:spcBef>
-                <a:spcPts val="1000"/>
-              </a:spcBef>
-              <a:spcAft>
-                <a:spcPts val="500"/>
-              </a:spcAft>
-            </a:pPr>
-            <a:r>
-              <a:rPr sz="1600" b="1">
-                <a:solidFill>
-                  <a:srgbClr val="001D35"/>
-                </a:solidFill>
-                <a:latin typeface="Arial" panose="020B0604020202020204" pitchFamily="34" charset="0"/>
-                <a:ea typeface="Google Sans"/>
-                <a:cs typeface="Arial" panose="020B0604020202020204" pitchFamily="34" charset="0"/>
-                <a:sym typeface="+mn-ea"/>
-              </a:rPr>
-              <a:t>2. Deep Learning Architectures:</a:t>
-            </a:r>
-            <a:endParaRPr sz="1600" b="1" i="0">
-              <a:solidFill>
-                <a:srgbClr val="001D35"/>
-              </a:solidFill>
-              <a:latin typeface="Arial" panose="020B0604020202020204" pitchFamily="34" charset="0"/>
-              <a:ea typeface="Google Sans"/>
-              <a:cs typeface="Arial" panose="020B0604020202020204" pitchFamily="34" charset="0"/>
-            </a:endParaRPr>
-          </a:p>
-          <a:p>
-            <a:pPr marL="457200" lvl="1" indent="0">
-              <a:spcBef>
-                <a:spcPct val="0"/>
-              </a:spcBef>
-              <a:spcAft>
-                <a:spcPts val="400"/>
-              </a:spcAft>
-              <a:buFont typeface="Arial" panose="020B0604020202020204"/>
-              <a:buChar char="•"/>
-            </a:pPr>
-            <a:r>
-              <a:rPr sz="1600">
-                <a:solidFill>
-                  <a:srgbClr val="001D35"/>
-                </a:solidFill>
-                <a:latin typeface="Arial" panose="020B0604020202020204" pitchFamily="34" charset="0"/>
-                <a:ea typeface="Google Sans"/>
-                <a:cs typeface="Arial" panose="020B0604020202020204" pitchFamily="34" charset="0"/>
-                <a:sym typeface="+mn-ea"/>
-              </a:rPr>
-              <a:t>Multi-Layer Perceptron (MLP)</a:t>
-            </a:r>
-            <a:endParaRPr sz="1600" b="0" i="0">
-              <a:solidFill>
-                <a:srgbClr val="001D35"/>
-              </a:solidFill>
-              <a:latin typeface="Arial" panose="020B0604020202020204" pitchFamily="34" charset="0"/>
-              <a:ea typeface="Google Sans"/>
-              <a:cs typeface="Arial" panose="020B0604020202020204" pitchFamily="34" charset="0"/>
-            </a:endParaRPr>
-          </a:p>
-          <a:p>
-            <a:pPr marL="457200" lvl="1" indent="0">
-              <a:spcBef>
-                <a:spcPct val="0"/>
-              </a:spcBef>
-              <a:spcAft>
-                <a:spcPts val="400"/>
-              </a:spcAft>
-              <a:buFont typeface="Arial" panose="020B0604020202020204"/>
-              <a:buChar char="•"/>
-            </a:pPr>
-            <a:r>
-              <a:rPr sz="1600">
-                <a:solidFill>
-                  <a:srgbClr val="001D35"/>
-                </a:solidFill>
-                <a:latin typeface="Arial" panose="020B0604020202020204" pitchFamily="34" charset="0"/>
-                <a:ea typeface="Google Sans"/>
-                <a:cs typeface="Arial" panose="020B0604020202020204" pitchFamily="34" charset="0"/>
-                <a:sym typeface="+mn-ea"/>
-              </a:rPr>
-              <a:t>Convolutional Neural Networks (CNNs)</a:t>
-            </a:r>
-            <a:endParaRPr sz="1600" b="0" i="0">
-              <a:solidFill>
-                <a:srgbClr val="001D35"/>
-              </a:solidFill>
-              <a:latin typeface="Arial" panose="020B0604020202020204" pitchFamily="34" charset="0"/>
-              <a:ea typeface="Google Sans"/>
-              <a:cs typeface="Arial" panose="020B0604020202020204" pitchFamily="34" charset="0"/>
-            </a:endParaRPr>
-          </a:p>
-          <a:p>
-            <a:pPr marL="457200" lvl="1" indent="0">
-              <a:spcBef>
-                <a:spcPct val="0"/>
-              </a:spcBef>
-              <a:spcAft>
-                <a:spcPts val="400"/>
-              </a:spcAft>
-              <a:buFont typeface="Arial" panose="020B0604020202020204"/>
-              <a:buChar char="•"/>
-            </a:pPr>
-            <a:r>
-              <a:rPr sz="1600">
-                <a:solidFill>
-                  <a:srgbClr val="001D35"/>
-                </a:solidFill>
-                <a:latin typeface="Arial" panose="020B0604020202020204" pitchFamily="34" charset="0"/>
-                <a:ea typeface="Google Sans"/>
-                <a:cs typeface="Arial" panose="020B0604020202020204" pitchFamily="34" charset="0"/>
-                <a:sym typeface="+mn-ea"/>
-              </a:rPr>
-              <a:t>Recurrent Neural Networks (RNNs)</a:t>
-            </a:r>
-            <a:endParaRPr sz="1600" b="0" i="0">
-              <a:solidFill>
-                <a:srgbClr val="001D35"/>
-              </a:solidFill>
-              <a:latin typeface="Arial" panose="020B0604020202020204" pitchFamily="34" charset="0"/>
-              <a:ea typeface="Google Sans"/>
-              <a:cs typeface="Arial" panose="020B0604020202020204" pitchFamily="34" charset="0"/>
-            </a:endParaRPr>
-          </a:p>
-          <a:p>
-            <a:pPr marL="457200" lvl="1" indent="0">
-              <a:spcBef>
-                <a:spcPct val="0"/>
-              </a:spcBef>
-              <a:spcAft>
-                <a:spcPts val="400"/>
-              </a:spcAft>
-              <a:buFont typeface="Arial" panose="020B0604020202020204"/>
-              <a:buChar char="•"/>
-            </a:pPr>
-            <a:r>
-              <a:rPr sz="1600">
-                <a:solidFill>
-                  <a:srgbClr val="001D35"/>
-                </a:solidFill>
-                <a:latin typeface="Arial" panose="020B0604020202020204" pitchFamily="34" charset="0"/>
-                <a:ea typeface="Google Sans"/>
-                <a:cs typeface="Arial" panose="020B0604020202020204" pitchFamily="34" charset="0"/>
-                <a:sym typeface="+mn-ea"/>
-              </a:rPr>
-              <a:t>Long Short-Term Memory (LSTM)</a:t>
-            </a:r>
-            <a:endParaRPr sz="1600" b="0" i="0">
-              <a:solidFill>
-                <a:srgbClr val="001D35"/>
-              </a:solidFill>
-              <a:latin typeface="Arial" panose="020B0604020202020204" pitchFamily="34" charset="0"/>
-              <a:ea typeface="Google Sans"/>
-              <a:cs typeface="Arial" panose="020B0604020202020204" pitchFamily="34" charset="0"/>
-            </a:endParaRPr>
-          </a:p>
-          <a:p>
-            <a:pPr marL="457200" lvl="1" indent="0">
-              <a:spcBef>
-                <a:spcPct val="0"/>
-              </a:spcBef>
-              <a:spcAft>
-                <a:spcPts val="400"/>
-              </a:spcAft>
-              <a:buFont typeface="Arial" panose="020B0604020202020204"/>
-              <a:buChar char="•"/>
-            </a:pPr>
-            <a:r>
-              <a:rPr sz="1600">
-                <a:solidFill>
-                  <a:srgbClr val="001D35"/>
-                </a:solidFill>
-                <a:latin typeface="Arial" panose="020B0604020202020204" pitchFamily="34" charset="0"/>
-                <a:ea typeface="Google Sans"/>
-                <a:cs typeface="Arial" panose="020B0604020202020204" pitchFamily="34" charset="0"/>
-                <a:sym typeface="+mn-ea"/>
-              </a:rPr>
-              <a:t>Generative Adversarial Networks (GANs)</a:t>
-            </a:r>
-            <a:endParaRPr sz="1600" b="0" i="0">
-              <a:solidFill>
-                <a:srgbClr val="001D35"/>
-              </a:solidFill>
-              <a:latin typeface="Arial" panose="020B0604020202020204" pitchFamily="34" charset="0"/>
-              <a:ea typeface="Google Sans"/>
-              <a:cs typeface="Arial" panose="020B0604020202020204" pitchFamily="34" charset="0"/>
-            </a:endParaRPr>
-          </a:p>
-          <a:p>
-            <a:pPr marL="457200" lvl="1" indent="0">
-              <a:spcBef>
-                <a:spcPct val="0"/>
-              </a:spcBef>
-              <a:spcAft>
-                <a:spcPct val="0"/>
-              </a:spcAft>
-              <a:buFont typeface="Arial" panose="020B0604020202020204"/>
-              <a:buChar char="•"/>
-            </a:pPr>
-            <a:r>
-              <a:rPr sz="1600">
-                <a:solidFill>
-                  <a:srgbClr val="001D35"/>
-                </a:solidFill>
-                <a:latin typeface="Arial" panose="020B0604020202020204" pitchFamily="34" charset="0"/>
-                <a:ea typeface="Google Sans"/>
-                <a:cs typeface="Arial" panose="020B0604020202020204" pitchFamily="34" charset="0"/>
-                <a:sym typeface="+mn-ea"/>
-              </a:rPr>
-              <a:t>Autoencoders </a:t>
-            </a:r>
-            <a:endParaRPr sz="1600" b="0" i="0">
-              <a:solidFill>
-                <a:srgbClr val="001D35"/>
-              </a:solidFill>
-              <a:latin typeface="Arial" panose="020B0604020202020204" pitchFamily="34" charset="0"/>
-              <a:ea typeface="Google Sans"/>
-              <a:cs typeface="Arial" panose="020B0604020202020204" pitchFamily="34" charset="0"/>
-            </a:endParaRPr>
-          </a:p>
-          <a:p>
-            <a:pPr marL="0" indent="0">
-              <a:lnSpc>
-                <a:spcPct val="90000"/>
-              </a:lnSpc>
-              <a:spcBef>
-                <a:spcPts val="1000"/>
-              </a:spcBef>
-              <a:spcAft>
-                <a:spcPts val="500"/>
-              </a:spcAft>
-            </a:pPr>
-            <a:r>
-              <a:rPr sz="1600" b="1">
-                <a:solidFill>
-                  <a:srgbClr val="001D35"/>
-                </a:solidFill>
-                <a:latin typeface="Arial" panose="020B0604020202020204" pitchFamily="34" charset="0"/>
-                <a:ea typeface="Google Sans"/>
-                <a:cs typeface="Arial" panose="020B0604020202020204" pitchFamily="34" charset="0"/>
-                <a:sym typeface="+mn-ea"/>
-              </a:rPr>
-              <a:t>3. Advanced Optimization Techniques:</a:t>
-            </a:r>
-            <a:endParaRPr sz="1600" b="1" i="0">
-              <a:solidFill>
-                <a:srgbClr val="001D35"/>
-              </a:solidFill>
-              <a:latin typeface="Arial" panose="020B0604020202020204" pitchFamily="34" charset="0"/>
-              <a:ea typeface="Google Sans"/>
-              <a:cs typeface="Arial" panose="020B0604020202020204" pitchFamily="34" charset="0"/>
-            </a:endParaRPr>
-          </a:p>
-          <a:p>
-            <a:pPr marL="0" indent="457200">
-              <a:lnSpc>
-                <a:spcPct val="90000"/>
-              </a:lnSpc>
-              <a:spcBef>
-                <a:spcPts val="500"/>
-              </a:spcBef>
-              <a:spcAft>
-                <a:spcPts val="1000"/>
-              </a:spcAft>
-            </a:pPr>
-            <a:r>
-              <a:rPr sz="1600">
-                <a:solidFill>
-                  <a:srgbClr val="001D35"/>
-                </a:solidFill>
-                <a:latin typeface="Arial" panose="020B0604020202020204" pitchFamily="34" charset="0"/>
-                <a:ea typeface="Google Sans"/>
-                <a:cs typeface="Arial" panose="020B0604020202020204" pitchFamily="34" charset="0"/>
-                <a:sym typeface="+mn-ea"/>
-              </a:rPr>
-              <a:t>Momentum, RMSprop, Adam optimizer, and Learning rate scheduling. </a:t>
-            </a:r>
-            <a:endParaRPr sz="1600">
-              <a:solidFill>
-                <a:srgbClr val="001D35"/>
-              </a:solidFill>
-              <a:latin typeface="Arial" panose="020B0604020202020204" pitchFamily="34" charset="0"/>
-              <a:ea typeface="Google Sans"/>
-              <a:cs typeface="Arial" panose="020B0604020202020204" pitchFamily="34" charset="0"/>
-              <a:sym typeface="+mn-ea"/>
-            </a:endParaRPr>
-          </a:p>
-          <a:p>
-            <a:pPr marL="0" indent="0">
-              <a:lnSpc>
-                <a:spcPct val="80000"/>
-              </a:lnSpc>
-              <a:spcBef>
-                <a:spcPts val="1000"/>
-              </a:spcBef>
-              <a:spcAft>
-                <a:spcPts val="500"/>
-              </a:spcAft>
-            </a:pPr>
-            <a:r>
-              <a:rPr sz="1600" b="1">
-                <a:solidFill>
-                  <a:srgbClr val="001D35"/>
-                </a:solidFill>
-                <a:latin typeface="Arial" panose="020B0604020202020204" pitchFamily="34" charset="0"/>
-                <a:ea typeface="Google Sans"/>
-                <a:cs typeface="Arial" panose="020B0604020202020204" pitchFamily="34" charset="0"/>
-                <a:sym typeface="+mn-ea"/>
-              </a:rPr>
-              <a:t>4. Practical Implementation with Libraries:</a:t>
-            </a:r>
-            <a:endParaRPr sz="1600" b="1" i="0">
-              <a:solidFill>
-                <a:srgbClr val="001D35"/>
-              </a:solidFill>
-              <a:latin typeface="Arial" panose="020B0604020202020204" pitchFamily="34" charset="0"/>
-              <a:ea typeface="Google Sans"/>
-              <a:cs typeface="Arial" panose="020B0604020202020204" pitchFamily="34" charset="0"/>
-            </a:endParaRPr>
-          </a:p>
-          <a:p>
-            <a:pPr marL="0" indent="0">
-              <a:lnSpc>
-                <a:spcPct val="80000"/>
-              </a:lnSpc>
-              <a:spcBef>
-                <a:spcPts val="500"/>
-              </a:spcBef>
-              <a:spcAft>
-                <a:spcPts val="1000"/>
-              </a:spcAft>
-            </a:pPr>
-            <a:r>
-              <a:rPr sz="1600">
-                <a:solidFill>
-                  <a:srgbClr val="001D35"/>
-                </a:solidFill>
-                <a:latin typeface="Arial" panose="020B0604020202020204" pitchFamily="34" charset="0"/>
-                <a:ea typeface="Google Sans"/>
-                <a:cs typeface="Arial" panose="020B0604020202020204" pitchFamily="34" charset="0"/>
-                <a:sym typeface="+mn-ea"/>
-              </a:rPr>
-              <a:t>TensorFlow, PyTorch, Keras, Data preprocessing and augmentation, and Model training and evaluation metrics. </a:t>
-            </a:r>
-            <a:endParaRPr sz="1600" b="0" i="0">
-              <a:solidFill>
-                <a:srgbClr val="001D35"/>
-              </a:solidFill>
-              <a:latin typeface="Arial" panose="020B0604020202020204" pitchFamily="34" charset="0"/>
-              <a:ea typeface="Google Sans"/>
-              <a:cs typeface="Arial" panose="020B0604020202020204" pitchFamily="34" charset="0"/>
-            </a:endParaRPr>
-          </a:p>
-          <a:p>
-            <a:pPr marL="0" indent="0">
-              <a:spcBef>
-                <a:spcPts val="500"/>
-              </a:spcBef>
-              <a:spcAft>
-                <a:spcPts val="1000"/>
-              </a:spcAft>
-            </a:pPr>
-            <a:endParaRPr lang="en-US" sz="1600">
-              <a:solidFill>
-                <a:srgbClr val="001D35"/>
-              </a:solidFill>
-              <a:latin typeface="Arial" panose="020B0604020202020204" pitchFamily="34" charset="0"/>
-              <a:ea typeface="Google Sans"/>
-              <a:cs typeface="Arial" panose="020B0604020202020204" pitchFamily="34" charset="0"/>
-              <a:sym typeface="+mn-ea"/>
-            </a:endParaRPr>
-          </a:p>
-        </p:txBody>
-      </p:sp>
-    </p:spTree>
-  </p:cSld>
-  <p:clrMapOvr>
-    <a:masterClrMapping/>
-  </p:clrMapOvr>
-</p:sld>
-</file>
-
-<file path=ppt/slides/slide8.xml><?xml version="1.0" encoding="utf-8"?>
-<p:sld xmlns:a="http://schemas.openxmlformats.org/drawingml/2006/main" xmlns:r="http://schemas.openxmlformats.org/officeDocument/2006/relationships" xmlns:p="http://schemas.openxmlformats.org/presentationml/2006/main">
-  <p:cSld>
-    <p:spTree>
-      <p:nvGrpSpPr>
-        <p:cNvPr id="1" name=""/>
-        <p:cNvGrpSpPr/>
-        <p:nvPr/>
-      </p:nvGrpSpPr>
-      <p:grpSpPr/>
-      <p:sp>
-        <p:nvSpPr>
-          <p:cNvPr id="2" name="Text Box 1"/>
-          <p:cNvSpPr txBox="1"/>
-          <p:nvPr/>
-        </p:nvSpPr>
-        <p:spPr>
-          <a:xfrm>
-            <a:off x="2671445" y="556895"/>
-            <a:ext cx="6096000" cy="768350"/>
-          </a:xfrm>
-          <a:prstGeom prst="rect">
-            <a:avLst/>
-          </a:prstGeom>
-          <a:noFill/>
-        </p:spPr>
-        <p:txBody>
-          <a:bodyPr wrap="square" rtlCol="0" anchor="t">
-            <a:spAutoFit/>
-          </a:bodyPr>
-          <a:p>
-            <a:r>
-              <a:rPr lang="en-IN" altLang="en-US" sz="4400" b="1">
-                <a:solidFill>
-                  <a:srgbClr val="FF0000"/>
-                </a:solidFill>
-                <a:effectLst>
-                  <a:outerShdw blurRad="38100" dist="38100" dir="2700000" algn="tl">
-                    <a:srgbClr val="000000">
-                      <a:alpha val="43137"/>
-                    </a:srgbClr>
-                  </a:outerShdw>
-                </a:effectLst>
-                <a:sym typeface="+mn-ea"/>
-              </a:rPr>
-              <a:t>Before Learn NLP</a:t>
-            </a:r>
-            <a:endParaRPr lang="en-IN" altLang="en-US" sz="4400" b="1">
-              <a:solidFill>
-                <a:srgbClr val="FF0000"/>
-              </a:solidFill>
-              <a:effectLst>
-                <a:outerShdw blurRad="38100" dist="38100" dir="2700000" algn="tl">
-                  <a:srgbClr val="000000">
-                    <a:alpha val="43137"/>
-                  </a:srgbClr>
-                </a:outerShdw>
-              </a:effectLst>
-              <a:sym typeface="+mn-ea"/>
-            </a:endParaRPr>
-          </a:p>
-        </p:txBody>
-      </p:sp>
-      <p:sp>
-        <p:nvSpPr>
-          <p:cNvPr id="3" name="Text Box 2"/>
-          <p:cNvSpPr txBox="1"/>
-          <p:nvPr/>
-        </p:nvSpPr>
-        <p:spPr>
-          <a:xfrm>
-            <a:off x="3486785" y="1430020"/>
-            <a:ext cx="5757545" cy="3433445"/>
-          </a:xfrm>
-          <a:prstGeom prst="rect">
-            <a:avLst/>
-          </a:prstGeom>
-          <a:noFill/>
-        </p:spPr>
-        <p:txBody>
-          <a:bodyPr wrap="square" rtlCol="0">
-            <a:spAutoFit/>
-          </a:bodyPr>
-          <a:p>
-            <a:r>
-              <a:rPr lang="en-IN" altLang="en-US"/>
-              <a:t>Machine Learning</a:t>
-            </a:r>
-            <a:endParaRPr lang="en-IN" altLang="en-US"/>
-          </a:p>
-          <a:p>
-            <a:r>
-              <a:rPr lang="en-IN" altLang="en-US"/>
-              <a:t>Deep Learning</a:t>
-            </a:r>
-            <a:endParaRPr lang="en-IN" altLang="en-US"/>
-          </a:p>
-          <a:p>
-            <a:pPr marL="0" indent="0">
-              <a:spcBef>
-                <a:spcPts val="1000"/>
-              </a:spcBef>
-              <a:spcAft>
-                <a:spcPts val="500"/>
-              </a:spcAft>
-            </a:pPr>
-            <a:r>
-              <a:rPr b="1">
-                <a:solidFill>
-                  <a:srgbClr val="001D35"/>
-                </a:solidFill>
-                <a:latin typeface="Arial" panose="020B0604020202020204" pitchFamily="34" charset="0"/>
-                <a:ea typeface="Google Sans"/>
-                <a:cs typeface="Arial" panose="020B0604020202020204" pitchFamily="34" charset="0"/>
-                <a:sym typeface="+mn-ea"/>
-              </a:rPr>
-              <a:t>1.</a:t>
-            </a:r>
-            <a:r>
-              <a:rPr sz="1400" b="1">
-                <a:solidFill>
-                  <a:srgbClr val="001D35"/>
-                </a:solidFill>
-                <a:latin typeface="Arial" panose="020B0604020202020204" pitchFamily="34" charset="0"/>
-                <a:ea typeface="Google Sans"/>
-                <a:cs typeface="Arial" panose="020B0604020202020204" pitchFamily="34" charset="0"/>
-                <a:sym typeface="+mn-ea"/>
-              </a:rPr>
-              <a:t> Fundamentals of Neural Networks:</a:t>
-            </a:r>
-            <a:endParaRPr sz="1400" b="1" i="0">
-              <a:solidFill>
-                <a:srgbClr val="001D35"/>
-              </a:solidFill>
-              <a:latin typeface="Arial" panose="020B0604020202020204" pitchFamily="34" charset="0"/>
-              <a:ea typeface="Google Sans"/>
-              <a:cs typeface="Arial" panose="020B0604020202020204" pitchFamily="34" charset="0"/>
-            </a:endParaRPr>
-          </a:p>
-          <a:p>
-            <a:pPr marL="457200" lvl="1" indent="0">
-              <a:spcBef>
-                <a:spcPct val="0"/>
-              </a:spcBef>
-              <a:spcAft>
-                <a:spcPts val="400"/>
-              </a:spcAft>
-              <a:buFont typeface="Arial" panose="020B0604020202020204"/>
-              <a:buChar char="•"/>
-            </a:pPr>
-            <a:r>
-              <a:rPr sz="1400">
-                <a:solidFill>
-                  <a:srgbClr val="001D35"/>
-                </a:solidFill>
-                <a:latin typeface="Arial" panose="020B0604020202020204" pitchFamily="34" charset="0"/>
-                <a:ea typeface="Google Sans"/>
-                <a:cs typeface="Arial" panose="020B0604020202020204" pitchFamily="34" charset="0"/>
-                <a:sym typeface="+mn-ea"/>
-              </a:rPr>
-              <a:t>Introduction to Artificial Neural Networks (ANNs)</a:t>
-            </a:r>
-            <a:endParaRPr sz="1400" b="0" i="0">
-              <a:solidFill>
-                <a:srgbClr val="001D35"/>
-              </a:solidFill>
-              <a:latin typeface="Arial" panose="020B0604020202020204" pitchFamily="34" charset="0"/>
-              <a:ea typeface="Google Sans"/>
-              <a:cs typeface="Arial" panose="020B0604020202020204" pitchFamily="34" charset="0"/>
-            </a:endParaRPr>
-          </a:p>
-          <a:p>
-            <a:pPr marL="457200" lvl="1" indent="0">
-              <a:spcBef>
-                <a:spcPct val="0"/>
-              </a:spcBef>
-              <a:spcAft>
-                <a:spcPts val="400"/>
-              </a:spcAft>
-              <a:buFont typeface="Arial" panose="020B0604020202020204"/>
-              <a:buChar char="•"/>
-            </a:pPr>
-            <a:r>
-              <a:rPr sz="1400">
-                <a:solidFill>
-                  <a:srgbClr val="001D35"/>
-                </a:solidFill>
-                <a:latin typeface="Arial" panose="020B0604020202020204" pitchFamily="34" charset="0"/>
-                <a:ea typeface="Google Sans"/>
-                <a:cs typeface="Arial" panose="020B0604020202020204" pitchFamily="34" charset="0"/>
-                <a:sym typeface="+mn-ea"/>
-              </a:rPr>
-              <a:t>Perceptron model</a:t>
-            </a:r>
-            <a:endParaRPr sz="1400" b="0" i="0">
-              <a:solidFill>
-                <a:srgbClr val="001D35"/>
-              </a:solidFill>
-              <a:latin typeface="Arial" panose="020B0604020202020204" pitchFamily="34" charset="0"/>
-              <a:ea typeface="Google Sans"/>
-              <a:cs typeface="Arial" panose="020B0604020202020204" pitchFamily="34" charset="0"/>
-            </a:endParaRPr>
-          </a:p>
-          <a:p>
-            <a:pPr marL="457200" lvl="1" indent="0">
-              <a:spcBef>
-                <a:spcPct val="0"/>
-              </a:spcBef>
-              <a:spcAft>
-                <a:spcPts val="400"/>
-              </a:spcAft>
-              <a:buFont typeface="Arial" panose="020B0604020202020204"/>
-              <a:buChar char="•"/>
-            </a:pPr>
-            <a:r>
-              <a:rPr sz="1400">
-                <a:solidFill>
-                  <a:srgbClr val="001D35"/>
-                </a:solidFill>
-                <a:latin typeface="Arial" panose="020B0604020202020204" pitchFamily="34" charset="0"/>
-                <a:ea typeface="Google Sans"/>
-                <a:cs typeface="Arial" panose="020B0604020202020204" pitchFamily="34" charset="0"/>
-                <a:sym typeface="+mn-ea"/>
-              </a:rPr>
-              <a:t>Activation functions (sigmoid, ReLU, tanh)</a:t>
-            </a:r>
-            <a:endParaRPr sz="1400" b="0" i="0">
-              <a:solidFill>
-                <a:srgbClr val="001D35"/>
-              </a:solidFill>
-              <a:latin typeface="Arial" panose="020B0604020202020204" pitchFamily="34" charset="0"/>
-              <a:ea typeface="Google Sans"/>
-              <a:cs typeface="Arial" panose="020B0604020202020204" pitchFamily="34" charset="0"/>
-            </a:endParaRPr>
-          </a:p>
-          <a:p>
-            <a:pPr marL="457200" lvl="1" indent="0">
-              <a:spcBef>
-                <a:spcPct val="0"/>
-              </a:spcBef>
-              <a:spcAft>
-                <a:spcPts val="400"/>
-              </a:spcAft>
-              <a:buFont typeface="Arial" panose="020B0604020202020204"/>
-              <a:buChar char="•"/>
-            </a:pPr>
-            <a:r>
-              <a:rPr sz="1400">
-                <a:solidFill>
-                  <a:srgbClr val="001D35"/>
-                </a:solidFill>
-                <a:latin typeface="Arial" panose="020B0604020202020204" pitchFamily="34" charset="0"/>
-                <a:ea typeface="Google Sans"/>
-                <a:cs typeface="Arial" panose="020B0604020202020204" pitchFamily="34" charset="0"/>
-                <a:sym typeface="+mn-ea"/>
-              </a:rPr>
-              <a:t>Backpropagation algorithm</a:t>
-            </a:r>
-            <a:endParaRPr sz="1400">
-              <a:solidFill>
-                <a:srgbClr val="001D35"/>
-              </a:solidFill>
-              <a:latin typeface="Arial" panose="020B0604020202020204" pitchFamily="34" charset="0"/>
-              <a:ea typeface="Google Sans"/>
-              <a:cs typeface="Arial" panose="020B0604020202020204" pitchFamily="34" charset="0"/>
-              <a:sym typeface="+mn-ea"/>
-            </a:endParaRPr>
-          </a:p>
-          <a:p>
-            <a:pPr marL="457200" lvl="1" indent="0">
-              <a:spcBef>
-                <a:spcPct val="0"/>
-              </a:spcBef>
-              <a:spcAft>
-                <a:spcPts val="400"/>
-              </a:spcAft>
-              <a:buFont typeface="Arial" panose="020B0604020202020204"/>
-              <a:buChar char="•"/>
-            </a:pPr>
-            <a:r>
-              <a:rPr lang="en-IN" sz="1400">
-                <a:solidFill>
-                  <a:srgbClr val="001D35"/>
-                </a:solidFill>
-                <a:latin typeface="Arial" panose="020B0604020202020204" pitchFamily="34" charset="0"/>
-                <a:ea typeface="Google Sans"/>
-                <a:cs typeface="Arial" panose="020B0604020202020204" pitchFamily="34" charset="0"/>
-                <a:sym typeface="+mn-ea"/>
-              </a:rPr>
-              <a:t>Loss Functions</a:t>
-            </a:r>
-            <a:endParaRPr sz="1400" b="0" i="0">
-              <a:solidFill>
-                <a:srgbClr val="001D35"/>
-              </a:solidFill>
-              <a:latin typeface="Arial" panose="020B0604020202020204" pitchFamily="34" charset="0"/>
-              <a:ea typeface="Google Sans"/>
-              <a:cs typeface="Arial" panose="020B0604020202020204" pitchFamily="34" charset="0"/>
-            </a:endParaRPr>
-          </a:p>
-          <a:p>
-            <a:pPr marL="457200" lvl="1" indent="0">
-              <a:spcBef>
-                <a:spcPct val="0"/>
-              </a:spcBef>
-              <a:spcAft>
-                <a:spcPct val="0"/>
-              </a:spcAft>
-              <a:buFont typeface="Arial" panose="020B0604020202020204"/>
-              <a:buChar char="•"/>
-            </a:pPr>
-            <a:r>
-              <a:rPr sz="1400">
-                <a:solidFill>
-                  <a:srgbClr val="001D35"/>
-                </a:solidFill>
-                <a:latin typeface="Arial" panose="020B0604020202020204" pitchFamily="34" charset="0"/>
-                <a:ea typeface="Google Sans"/>
-                <a:cs typeface="Arial" panose="020B0604020202020204" pitchFamily="34" charset="0"/>
-                <a:sym typeface="+mn-ea"/>
-              </a:rPr>
-              <a:t>Gradient descent optimization </a:t>
-            </a:r>
-            <a:endParaRPr sz="1400">
-              <a:solidFill>
-                <a:srgbClr val="001D35"/>
-              </a:solidFill>
-              <a:latin typeface="Arial" panose="020B0604020202020204" pitchFamily="34" charset="0"/>
-              <a:ea typeface="Google Sans"/>
-              <a:cs typeface="Arial" panose="020B0604020202020204" pitchFamily="34" charset="0"/>
-              <a:sym typeface="+mn-ea"/>
-            </a:endParaRPr>
-          </a:p>
-          <a:p>
-            <a:pPr marL="457200" lvl="1" indent="0">
-              <a:spcBef>
-                <a:spcPct val="0"/>
-              </a:spcBef>
-              <a:spcAft>
-                <a:spcPct val="0"/>
-              </a:spcAft>
-              <a:buFont typeface="Arial" panose="020B0604020202020204"/>
-              <a:buChar char="•"/>
-            </a:pPr>
-            <a:endParaRPr sz="1400" b="0" i="0">
-              <a:solidFill>
-                <a:srgbClr val="001D35"/>
-              </a:solidFill>
-              <a:latin typeface="Arial" panose="020B0604020202020204" pitchFamily="34" charset="0"/>
-              <a:ea typeface="Google Sans"/>
-              <a:cs typeface="Arial" panose="020B0604020202020204" pitchFamily="34" charset="0"/>
-            </a:endParaRPr>
-          </a:p>
-          <a:p>
-            <a:pPr indent="457200"/>
-            <a:endParaRPr lang="en-IN" altLang="en-US"/>
-          </a:p>
-          <a:p>
-            <a:endParaRPr lang="en-IN" altLang="en-US"/>
-          </a:p>
-        </p:txBody>
-      </p:sp>
-    </p:spTree>
-  </p:cSld>
-  <p:clrMapOvr>
-    <a:masterClrMapping/>
-  </p:clrMapOvr>
-</p:sld>
-</file>
-
-<file path=ppt/slides/slide9.xml><?xml version="1.0" encoding="utf-8"?>
-<p:sld xmlns:a="http://schemas.openxmlformats.org/drawingml/2006/main" xmlns:r="http://schemas.openxmlformats.org/officeDocument/2006/relationships" xmlns:p="http://schemas.openxmlformats.org/presentationml/2006/main">
-  <p:cSld>
-    <p:spTree>
-      <p:nvGrpSpPr>
-        <p:cNvPr id="1" name=""/>
-        <p:cNvGrpSpPr/>
-        <p:nvPr/>
-      </p:nvGrpSpPr>
-      <p:grpSpPr/>
-      <p:sp>
-        <p:nvSpPr>
-          <p:cNvPr id="2" name="Text Box 1"/>
-          <p:cNvSpPr txBox="1"/>
-          <p:nvPr/>
-        </p:nvSpPr>
-        <p:spPr>
-          <a:xfrm>
-            <a:off x="151765" y="3507740"/>
-            <a:ext cx="5568315" cy="3350260"/>
-          </a:xfrm>
-          <a:prstGeom prst="rect">
-            <a:avLst/>
-          </a:prstGeom>
-        </p:spPr>
-        <p:txBody>
-          <a:bodyPr wrap="square">
-            <a:noAutofit/>
-          </a:bodyPr>
-          <a:p>
-            <a:r>
-              <a:rPr b="1">
-                <a:solidFill>
-                  <a:srgbClr val="FF0000"/>
-                </a:solidFill>
-                <a:effectLst>
-                  <a:outerShdw blurRad="38100" dist="38100" dir="2700000" algn="tl">
-                    <a:srgbClr val="000000">
-                      <a:alpha val="43137"/>
-                    </a:srgbClr>
-                  </a:outerShdw>
-                </a:effectLst>
-              </a:rPr>
-              <a:t>Perceptron Model</a:t>
-            </a:r>
-            <a:endParaRPr b="1">
-              <a:solidFill>
-                <a:srgbClr val="FF0000"/>
-              </a:solidFill>
-              <a:effectLst>
-                <a:outerShdw blurRad="38100" dist="38100" dir="2700000" algn="tl">
-                  <a:srgbClr val="000000">
-                    <a:alpha val="43137"/>
-                  </a:srgbClr>
-                </a:outerShdw>
-              </a:effectLst>
-            </a:endParaRPr>
-          </a:p>
-          <a:p>
-            <a:r>
-              <a:t>The perceptron is the simplest form of an artificial neural network and serves as the building block of more advanced models.</a:t>
-            </a:r>
-          </a:p>
-          <a:p>
-            <a:pPr>
-              <a:buFont typeface="Arial" panose="020B0604020202020204"/>
-              <a:buChar char="•"/>
-            </a:pPr>
-            <a:r>
-              <a:rPr b="1"/>
-              <a:t>Components of a Perceptron:</a:t>
-            </a:r>
-            <a:endParaRPr b="1"/>
-          </a:p>
-          <a:p>
-            <a:pPr lvl="1">
-              <a:buFont typeface="Arial" panose="020B0604020202020204"/>
-              <a:buChar char="◦"/>
-            </a:pPr>
-            <a:r>
-              <a:rPr b="1"/>
-              <a:t>Inputs</a:t>
-            </a:r>
-            <a:r>
-              <a:t>: Feature values from the dataset.</a:t>
-            </a:r>
-          </a:p>
-          <a:p>
-            <a:pPr lvl="1">
-              <a:buFont typeface="Arial" panose="020B0604020202020204"/>
-              <a:buChar char="◦"/>
-            </a:pPr>
-            <a:r>
-              <a:rPr b="1"/>
-              <a:t>Weights</a:t>
-            </a:r>
-            <a:r>
-              <a:t>: Assigned to each input to signify importance.</a:t>
-            </a:r>
-          </a:p>
-          <a:p>
-            <a:pPr lvl="1">
-              <a:buFont typeface="Arial" panose="020B0604020202020204"/>
-              <a:buChar char="◦"/>
-            </a:pPr>
-            <a:r>
-              <a:rPr b="1"/>
-              <a:t>Summation </a:t>
-            </a:r>
-            <a:r>
-              <a:t>Function: Computes the weighted sum of inputs.</a:t>
-            </a:r>
-          </a:p>
-          <a:p>
-            <a:pPr lvl="1">
-              <a:buFont typeface="Arial" panose="020B0604020202020204"/>
-              <a:buChar char="◦"/>
-            </a:pPr>
-            <a:r>
-              <a:rPr b="1"/>
-              <a:t>Activation Function</a:t>
-            </a:r>
-            <a:r>
-              <a:t>: Applies a threshold to determine output.</a:t>
-            </a:r>
-          </a:p>
-          <a:p>
-            <a:pPr indent="0">
-              <a:buFont typeface="Arial" panose="020B0604020202020204"/>
-              <a:buNone/>
-            </a:pPr>
-          </a:p>
-        </p:txBody>
-      </p:sp>
-      <p:pic>
-        <p:nvPicPr>
-          <p:cNvPr id="3" name="Picture 2"/>
-          <p:cNvPicPr/>
-          <p:nvPr/>
-        </p:nvPicPr>
-        <p:blipFill>
-          <a:blip r:embed="rId1"/>
-          <a:stretch>
-            <a:fillRect/>
-          </a:stretch>
-        </p:blipFill>
-        <p:spPr>
-          <a:xfrm>
-            <a:off x="5619750" y="100965"/>
-            <a:ext cx="6424930" cy="5667375"/>
-          </a:xfrm>
-          <a:prstGeom prst="rect">
-            <a:avLst/>
-          </a:prstGeom>
-        </p:spPr>
-      </p:pic>
-      <p:sp>
-        <p:nvSpPr>
-          <p:cNvPr id="4" name="Text Box 3"/>
-          <p:cNvSpPr txBox="1"/>
-          <p:nvPr/>
-        </p:nvSpPr>
-        <p:spPr>
-          <a:xfrm>
-            <a:off x="5443855" y="6250305"/>
-            <a:ext cx="6096000" cy="368300"/>
-          </a:xfrm>
-          <a:prstGeom prst="rect">
-            <a:avLst/>
-          </a:prstGeom>
-          <a:noFill/>
-        </p:spPr>
-        <p:txBody>
-          <a:bodyPr wrap="square" rtlCol="0" anchor="t">
-            <a:spAutoFit/>
-          </a:bodyPr>
-          <a:p>
-            <a:r>
-              <a:rPr lang="en-US" altLang="en-US"/>
-              <a:t>https://s.mriquestions.com/what-is-a-neural-network.html</a:t>
-            </a:r>
-            <a:endParaRPr lang="en-US"/>
-          </a:p>
-        </p:txBody>
-      </p:sp>
-      <p:sp>
-        <p:nvSpPr>
-          <p:cNvPr id="6" name="Text Box 5"/>
-          <p:cNvSpPr txBox="1"/>
-          <p:nvPr/>
-        </p:nvSpPr>
-        <p:spPr>
-          <a:xfrm>
-            <a:off x="151765" y="100965"/>
-            <a:ext cx="5772785" cy="3307715"/>
-          </a:xfrm>
-          <a:prstGeom prst="rect">
-            <a:avLst/>
-          </a:prstGeom>
-        </p:spPr>
-        <p:txBody>
-          <a:bodyPr wrap="square">
-            <a:spAutoFit/>
-          </a:bodyPr>
-          <a:p>
-            <a:r>
-              <a:rPr sz="2900" b="1">
-                <a:solidFill>
-                  <a:srgbClr val="231F20"/>
-                </a:solidFill>
-                <a:latin typeface="RctvjbXddlcgHrcvdjHelveticaNeueLTStd-BdCn"/>
-                <a:ea typeface="RctvjbXddlcgHrcvdjHelveticaNeueLTStd-BdCn"/>
-              </a:rPr>
-              <a:t>Artificial Neural Network </a:t>
-            </a:r>
-            <a:endParaRPr sz="2900" b="1">
-              <a:solidFill>
-                <a:srgbClr val="231F20"/>
-              </a:solidFill>
-              <a:latin typeface="RctvjbXddlcgHrcvdjHelveticaNeueLTStd-BdCn"/>
-              <a:ea typeface="RctvjbXddlcgHrcvdjHelveticaNeueLTStd-BdCn"/>
-            </a:endParaRPr>
-          </a:p>
-          <a:p>
-            <a:pPr algn="just"/>
-            <a:r>
-              <a:rPr sz="2000">
-                <a:solidFill>
-                  <a:srgbClr val="231F20"/>
-                </a:solidFill>
-                <a:ea typeface="QkdyncPgkddySjtfmrUtopiaStd"/>
-                <a:cs typeface="+mn-lt"/>
-              </a:rPr>
-              <a:t>An </a:t>
-            </a:r>
-            <a:r>
-              <a:rPr sz="2000" i="1">
-                <a:solidFill>
-                  <a:srgbClr val="231F20"/>
-                </a:solidFill>
-                <a:ea typeface="CtdhkhGrqdxpFqrrvlUtopiaStd-Italic"/>
-                <a:cs typeface="+mn-lt"/>
-              </a:rPr>
-              <a:t>artificial neural network</a:t>
-            </a:r>
-            <a:r>
-              <a:rPr sz="2000">
-                <a:solidFill>
-                  <a:srgbClr val="231F20"/>
-                </a:solidFill>
-                <a:ea typeface="QkdyncPgkddySjtfmrUtopiaStd"/>
-                <a:cs typeface="+mn-lt"/>
-              </a:rPr>
-              <a:t> (ANN) is a</a:t>
-            </a:r>
-            <a:r>
-              <a:rPr lang="en-US" sz="2000">
-                <a:solidFill>
-                  <a:srgbClr val="231F20"/>
-                </a:solidFill>
-                <a:ea typeface="QkdyncPgkddySjtfmrUtopiaStd"/>
-                <a:cs typeface="+mn-lt"/>
-              </a:rPr>
-              <a:t> </a:t>
-            </a:r>
-            <a:r>
-              <a:rPr sz="2000">
-                <a:solidFill>
-                  <a:srgbClr val="231F20"/>
-                </a:solidFill>
-                <a:ea typeface="QkdyncPgkddySjtfmrUtopiaStd"/>
-                <a:cs typeface="+mn-lt"/>
-              </a:rPr>
-              <a:t>computational network (a system of nodes and the interconnection between nodes) inspired by biological neural networks, which are the complex networks of neurons in human brains (see Figure). </a:t>
-            </a:r>
-            <a:endParaRPr sz="2000">
-              <a:solidFill>
-                <a:srgbClr val="231F20"/>
-              </a:solidFill>
-              <a:ea typeface="QkdyncPgkddySjtfmrUtopiaStd"/>
-              <a:cs typeface="+mn-lt"/>
-            </a:endParaRPr>
-          </a:p>
-          <a:p>
-            <a:pPr algn="just"/>
-            <a:endParaRPr sz="2000">
-              <a:solidFill>
-                <a:srgbClr val="231F20"/>
-              </a:solidFill>
-              <a:ea typeface="QkdyncPgkddySjtfmrUtopiaStd"/>
-              <a:cs typeface="+mn-lt"/>
-            </a:endParaRPr>
-          </a:p>
-          <a:p>
-            <a:pPr algn="just"/>
-            <a:r>
-              <a:rPr sz="2000">
-                <a:solidFill>
-                  <a:srgbClr val="231F20"/>
-                </a:solidFill>
-                <a:ea typeface="QkdyncPgkddySjtfmrUtopiaStd"/>
-                <a:cs typeface="+mn-lt"/>
-              </a:rPr>
-              <a:t>The nodes created in the ANN are supposedly programmed to behave like actual neurons, and hence they are artificial neurons.</a:t>
-            </a:r>
-            <a:endParaRPr sz="2000">
-              <a:solidFill>
-                <a:srgbClr val="231F20"/>
-              </a:solidFill>
-              <a:ea typeface="QkdyncPgkddySjtfmrUtopiaStd"/>
-              <a:cs typeface="+mn-lt"/>
-            </a:endParaRPr>
-          </a:p>
-        </p:txBody>
-      </p:sp>
-      <p:sp>
-        <p:nvSpPr>
-          <p:cNvPr id="5" name="Text Box 4"/>
-          <p:cNvSpPr txBox="1"/>
-          <p:nvPr/>
-        </p:nvSpPr>
-        <p:spPr>
-          <a:xfrm>
-            <a:off x="8919210" y="2422525"/>
-            <a:ext cx="3273425" cy="1168400"/>
-          </a:xfrm>
-          <a:prstGeom prst="rect">
-            <a:avLst/>
-          </a:prstGeom>
-        </p:spPr>
-        <p:txBody>
-          <a:bodyPr wrap="square">
-            <a:spAutoFit/>
-          </a:bodyPr>
-          <a:p>
-            <a:pPr marL="25400" indent="0"/>
-            <a:r>
-              <a:rPr sz="1400" b="0" i="0">
-                <a:solidFill>
-                  <a:srgbClr val="000000"/>
-                </a:solidFill>
-                <a:latin typeface="Calibri" panose="020F0502020204030204" charset="0"/>
-                <a:ea typeface="Rubik"/>
-                <a:cs typeface="Calibri" panose="020F0502020204030204" charset="0"/>
-              </a:rPr>
-              <a:t>The Perceptron was invented in 1957 by Frank Rosenblatt at the Cornell Aeronautics Laboratory. Based on the first concepts of artificial neurons, he proposed the “</a:t>
-            </a:r>
-            <a:r>
-              <a:rPr sz="1400" b="0" i="1">
-                <a:solidFill>
-                  <a:srgbClr val="000000"/>
-                </a:solidFill>
-                <a:latin typeface="Calibri" panose="020F0502020204030204" charset="0"/>
-                <a:ea typeface="Rubik"/>
-                <a:cs typeface="Calibri" panose="020F0502020204030204" charset="0"/>
-              </a:rPr>
-              <a:t>Perceptron learning rule</a:t>
-            </a:r>
-            <a:r>
-              <a:rPr sz="1400" b="0" i="0">
-                <a:solidFill>
-                  <a:srgbClr val="000000"/>
-                </a:solidFill>
-                <a:latin typeface="Calibri" panose="020F0502020204030204" charset="0"/>
-                <a:ea typeface="Rubik"/>
-                <a:cs typeface="Calibri" panose="020F0502020204030204" charset="0"/>
-              </a:rPr>
-              <a:t>“.</a:t>
-            </a:r>
-            <a:endParaRPr sz="1400" b="0" i="0">
-              <a:solidFill>
-                <a:srgbClr val="000000"/>
-              </a:solidFill>
-              <a:latin typeface="Calibri" panose="020F0502020204030204" charset="0"/>
-              <a:ea typeface="Rubik"/>
-              <a:cs typeface="Calibri" panose="020F0502020204030204" charset="0"/>
-            </a:endParaRPr>
-          </a:p>
-        </p:txBody>
-      </p:sp>
-      <p:sp>
-        <p:nvSpPr>
-          <p:cNvPr id="7" name="Text Box 6"/>
-          <p:cNvSpPr txBox="1"/>
-          <p:nvPr/>
-        </p:nvSpPr>
-        <p:spPr>
-          <a:xfrm>
-            <a:off x="5619750" y="5855970"/>
-            <a:ext cx="6896100" cy="368300"/>
-          </a:xfrm>
-          <a:prstGeom prst="rect">
-            <a:avLst/>
-          </a:prstGeom>
-          <a:noFill/>
-        </p:spPr>
-        <p:txBody>
-          <a:bodyPr wrap="square" rtlCol="0" anchor="t">
-            <a:spAutoFit/>
-          </a:bodyPr>
-          <a:p>
-            <a:r>
-              <a:rPr lang="en-US" altLang="en-US"/>
-              <a:t>https://www.geeksforgeeks.org/neural-networks-a-beginners-guide/</a:t>
-            </a:r>
-            <a:endParaRPr lang="en-US"/>
-          </a:p>
-        </p:txBody>
-      </p:sp>
     </p:spTree>
   </p:cSld>
   <p:clrMapOvr>

--- a/9.Deep_learning/class_10_Text_Nltk_Spacy.pptx
+++ b/9.Deep_learning/class_10_Text_Nltk_Spacy.pptx
@@ -5,7 +5,7 @@
     <p:sldMasterId id="2147483648" r:id="rId1"/>
   </p:sldMasterIdLst>
   <p:notesMasterIdLst>
-    <p:notesMasterId r:id="rId27"/>
+    <p:notesMasterId r:id="rId29"/>
   </p:notesMasterIdLst>
   <p:sldIdLst>
     <p:sldId id="276" r:id="rId3"/>
@@ -16,22 +16,24 @@
     <p:sldId id="260" r:id="rId8"/>
     <p:sldId id="283" r:id="rId9"/>
     <p:sldId id="271" r:id="rId10"/>
-    <p:sldId id="400" r:id="rId11"/>
-    <p:sldId id="395" r:id="rId12"/>
-    <p:sldId id="398" r:id="rId13"/>
-    <p:sldId id="392" r:id="rId14"/>
-    <p:sldId id="401" r:id="rId15"/>
-    <p:sldId id="396" r:id="rId16"/>
-    <p:sldId id="402" r:id="rId17"/>
-    <p:sldId id="393" r:id="rId18"/>
-    <p:sldId id="272" r:id="rId19"/>
-    <p:sldId id="403" r:id="rId20"/>
-    <p:sldId id="394" r:id="rId21"/>
-    <p:sldId id="397" r:id="rId22"/>
-    <p:sldId id="404" r:id="rId23"/>
-    <p:sldId id="407" r:id="rId24"/>
-    <p:sldId id="406" r:id="rId25"/>
-    <p:sldId id="405" r:id="rId26"/>
+    <p:sldId id="408" r:id="rId11"/>
+    <p:sldId id="409" r:id="rId12"/>
+    <p:sldId id="400" r:id="rId13"/>
+    <p:sldId id="395" r:id="rId14"/>
+    <p:sldId id="398" r:id="rId15"/>
+    <p:sldId id="392" r:id="rId16"/>
+    <p:sldId id="401" r:id="rId17"/>
+    <p:sldId id="396" r:id="rId18"/>
+    <p:sldId id="402" r:id="rId19"/>
+    <p:sldId id="393" r:id="rId20"/>
+    <p:sldId id="272" r:id="rId21"/>
+    <p:sldId id="403" r:id="rId22"/>
+    <p:sldId id="411" r:id="rId23"/>
+    <p:sldId id="394" r:id="rId24"/>
+    <p:sldId id="397" r:id="rId25"/>
+    <p:sldId id="404" r:id="rId26"/>
+    <p:sldId id="407" r:id="rId27"/>
+    <p:sldId id="405" r:id="rId28"/>
   </p:sldIdLst>
   <p:sldSz cx="12192000" cy="6858000"/>
   <p:notesSz cx="6858000" cy="9144000"/>
@@ -3497,39 +3499,203 @@
       <p:grpSpPr/>
       <p:sp>
         <p:nvSpPr>
+          <p:cNvPr id="3" name="Text Box 2"/>
+          <p:cNvSpPr txBox="1"/>
+          <p:nvPr/>
+        </p:nvSpPr>
+        <p:spPr>
+          <a:xfrm>
+            <a:off x="998220" y="958850"/>
+            <a:ext cx="4599940" cy="4246245"/>
+          </a:xfrm>
+          <a:prstGeom prst="rect">
+            <a:avLst/>
+          </a:prstGeom>
+          <a:noFill/>
+        </p:spPr>
+        <p:txBody>
+          <a:bodyPr wrap="square" rtlCol="0">
+            <a:spAutoFit/>
+          </a:bodyPr>
+          <a:p>
+            <a:r>
+              <a:rPr lang="en-IN" altLang="en-US"/>
+              <a:t>Word embedding</a:t>
+            </a:r>
+            <a:endParaRPr lang="en-IN" altLang="en-US"/>
+          </a:p>
+          <a:p>
+            <a:r>
+              <a:rPr lang="en-IN" altLang="en-US"/>
+              <a:t>Word2vac</a:t>
+            </a:r>
+            <a:endParaRPr lang="en-IN" altLang="en-US"/>
+          </a:p>
+          <a:p>
+            <a:r>
+              <a:rPr lang="en-IN" altLang="en-US"/>
+              <a:t>Rnn </a:t>
+            </a:r>
+            <a:endParaRPr lang="en-IN" altLang="en-US"/>
+          </a:p>
+          <a:p>
+            <a:r>
+              <a:rPr lang="en-IN" altLang="en-US"/>
+              <a:t>LSTM</a:t>
+            </a:r>
+            <a:endParaRPr lang="en-IN" altLang="en-US"/>
+          </a:p>
+          <a:p>
+            <a:r>
+              <a:rPr lang="en-IN" altLang="en-US"/>
+              <a:t>GRU</a:t>
+            </a:r>
+            <a:endParaRPr lang="en-IN" altLang="en-US"/>
+          </a:p>
+          <a:p>
+            <a:r>
+              <a:rPr lang="en-IN" altLang="en-US"/>
+              <a:t>encoder decoder</a:t>
+            </a:r>
+            <a:endParaRPr lang="en-IN" altLang="en-US"/>
+          </a:p>
+          <a:p>
+            <a:r>
+              <a:rPr lang="en-IN" altLang="en-US"/>
+              <a:t>attentions</a:t>
+            </a:r>
+            <a:endParaRPr lang="en-IN" altLang="en-US"/>
+          </a:p>
+          <a:p>
+            <a:r>
+              <a:rPr lang="en-IN" altLang="en-US"/>
+              <a:t>self attentions</a:t>
+            </a:r>
+            <a:endParaRPr lang="en-IN" altLang="en-US"/>
+          </a:p>
+          <a:p>
+            <a:r>
+              <a:rPr lang="en-IN" altLang="en-US"/>
+              <a:t>transformer</a:t>
+            </a:r>
+            <a:endParaRPr lang="en-IN" altLang="en-US"/>
+          </a:p>
+          <a:p>
+            <a:r>
+              <a:rPr lang="en-IN" altLang="en-US"/>
+              <a:t>BERT &amp; GPT</a:t>
+            </a:r>
+            <a:endParaRPr lang="en-IN" altLang="en-US"/>
+          </a:p>
+          <a:p>
+            <a:endParaRPr lang="en-IN" altLang="en-US"/>
+          </a:p>
+          <a:p>
+            <a:r>
+              <a:rPr lang="en-IN" altLang="en-US"/>
+              <a:t>Introduction of Prompt Engineering</a:t>
+            </a:r>
+            <a:endParaRPr lang="en-IN" altLang="en-US"/>
+          </a:p>
+          <a:p>
+            <a:r>
+              <a:rPr lang="en-IN" altLang="en-US"/>
+              <a:t>Genrative AI</a:t>
+            </a:r>
+            <a:endParaRPr lang="en-IN" altLang="en-US"/>
+          </a:p>
+          <a:p>
+            <a:r>
+              <a:rPr lang="en-IN" altLang="en-US"/>
+              <a:t>LLM</a:t>
+            </a:r>
+            <a:endParaRPr lang="en-IN" altLang="en-US"/>
+          </a:p>
+          <a:p>
+            <a:r>
+              <a:rPr lang="en-IN" altLang="en-US"/>
+              <a:t>AGENT AI</a:t>
+            </a:r>
+            <a:endParaRPr lang="en-IN" altLang="en-US"/>
+          </a:p>
+        </p:txBody>
+      </p:sp>
+      <p:sp>
+        <p:nvSpPr>
+          <p:cNvPr id="4" name="Text Box 3"/>
+          <p:cNvSpPr txBox="1"/>
+          <p:nvPr/>
+        </p:nvSpPr>
+        <p:spPr>
+          <a:xfrm>
+            <a:off x="1134110" y="5615940"/>
+            <a:ext cx="2487930" cy="922020"/>
+          </a:xfrm>
+          <a:prstGeom prst="rect">
+            <a:avLst/>
+          </a:prstGeom>
+          <a:noFill/>
+        </p:spPr>
+        <p:txBody>
+          <a:bodyPr wrap="square" rtlCol="0">
+            <a:spAutoFit/>
+          </a:bodyPr>
+          <a:p>
+            <a:r>
+              <a:rPr lang="en-US" altLang="en-IN" b="1"/>
+              <a:t>Libraries</a:t>
+            </a:r>
+            <a:endParaRPr lang="en-IN" altLang="en-US"/>
+          </a:p>
+          <a:p>
+            <a:pPr marL="742950" lvl="1" indent="-285750">
+              <a:buFont typeface="Arial" panose="020B0604020202020204" pitchFamily="34" charset="0"/>
+              <a:buChar char="•"/>
+            </a:pPr>
+            <a:r>
+              <a:rPr lang="en-IN" altLang="en-US"/>
+              <a:t>NLTK</a:t>
+            </a:r>
+            <a:endParaRPr lang="en-IN" altLang="en-US"/>
+          </a:p>
+          <a:p>
+            <a:pPr marL="742950" lvl="1" indent="-285750">
+              <a:buFont typeface="Arial" panose="020B0604020202020204" pitchFamily="34" charset="0"/>
+              <a:buChar char="•"/>
+            </a:pPr>
+            <a:r>
+              <a:rPr lang="en-IN" altLang="en-US"/>
+              <a:t>SPACY</a:t>
+            </a:r>
+            <a:endParaRPr lang="en-IN" altLang="en-US"/>
+          </a:p>
+        </p:txBody>
+      </p:sp>
+      <p:sp>
+        <p:nvSpPr>
           <p:cNvPr id="2" name="Text Box 1"/>
           <p:cNvSpPr txBox="1"/>
           <p:nvPr/>
         </p:nvSpPr>
         <p:spPr>
           <a:xfrm>
-            <a:off x="728980" y="220980"/>
-            <a:ext cx="10231755" cy="3588385"/>
+            <a:off x="998220" y="190500"/>
+            <a:ext cx="9796145" cy="768350"/>
           </a:xfrm>
           <a:prstGeom prst="rect">
             <a:avLst/>
           </a:prstGeom>
-        </p:spPr>
-        <p:txBody>
-          <a:bodyPr>
-            <a:noAutofit/>
+          <a:noFill/>
+        </p:spPr>
+        <p:txBody>
+          <a:bodyPr wrap="square" rtlCol="0" anchor="t">
+            <a:spAutoFit/>
           </a:bodyPr>
           <a:p>
-            <a:pPr marL="0" indent="0">
-              <a:lnSpc>
-                <a:spcPct val="130000"/>
-              </a:lnSpc>
-              <a:spcBef>
-                <a:spcPct val="0"/>
-              </a:spcBef>
-              <a:spcAft>
-                <a:spcPct val="0"/>
-              </a:spcAft>
-            </a:pPr>
-            <a:r>
-              <a:rPr b="1" i="0">
-                <a:solidFill>
-                  <a:srgbClr val="334960"/>
+            <a:r>
+              <a:rPr lang="en-IN" altLang="en-US" sz="4400" b="1">
+                <a:solidFill>
+                  <a:srgbClr val="FF0000"/>
                 </a:solidFill>
                 <a:effectLst>
                   <a:outerShdw blurRad="38100" dist="38100" dir="2700000" algn="tl">
@@ -3538,15 +3704,29 @@
                     </a:srgbClr>
                   </a:outerShdw>
                 </a:effectLst>
-                <a:latin typeface="Arial" panose="020B0604020202020204" pitchFamily="34" charset="0"/>
-                <a:ea typeface="work-sans-regular"/>
-                <a:cs typeface="Arial" panose="020B0604020202020204" pitchFamily="34" charset="0"/>
-              </a:rPr>
-              <a:t>If we mathematically represent it contains the following terms:</a:t>
-            </a:r>
-            <a:endParaRPr b="1" i="0">
+                <a:sym typeface="+mn-ea"/>
+              </a:rPr>
+              <a:t>What we Learn in NLP</a:t>
+            </a:r>
+            <a:r>
+              <a:rPr lang="en-US" altLang="en-IN" sz="4400" b="1">
+                <a:solidFill>
+                  <a:srgbClr val="FF0000"/>
+                </a:solidFill>
+                <a:effectLst>
+                  <a:outerShdw blurRad="38100" dist="38100" dir="2700000" algn="tl">
+                    <a:srgbClr val="000000">
+                      <a:alpha val="43137"/>
+                    </a:srgbClr>
+                  </a:outerShdw>
+                </a:effectLst>
+                <a:sym typeface="+mn-ea"/>
+              </a:rPr>
+              <a:t> Advance </a:t>
+            </a:r>
+            <a:endParaRPr lang="en-US" altLang="en-IN" sz="4400" b="1">
               <a:solidFill>
-                <a:srgbClr val="334960"/>
+                <a:srgbClr val="FF0000"/>
               </a:solidFill>
               <a:effectLst>
                 <a:outerShdw blurRad="38100" dist="38100" dir="2700000" algn="tl">
@@ -3555,225 +3735,8 @@
                   </a:srgbClr>
                 </a:outerShdw>
               </a:effectLst>
-              <a:latin typeface="Arial" panose="020B0604020202020204" pitchFamily="34" charset="0"/>
-              <a:ea typeface="work-sans-regular"/>
-              <a:cs typeface="Arial" panose="020B0604020202020204" pitchFamily="34" charset="0"/>
-            </a:endParaRPr>
-          </a:p>
-          <a:p>
-            <a:pPr marL="0" indent="0">
-              <a:lnSpc>
-                <a:spcPct val="130000"/>
-              </a:lnSpc>
-              <a:spcBef>
-                <a:spcPct val="0"/>
-              </a:spcBef>
-              <a:spcAft>
-                <a:spcPct val="0"/>
-              </a:spcAft>
-            </a:pPr>
-            <a:endParaRPr b="1" i="0">
-              <a:solidFill>
-                <a:srgbClr val="334960"/>
-              </a:solidFill>
-              <a:effectLst>
-                <a:outerShdw blurRad="38100" dist="38100" dir="2700000" algn="tl">
-                  <a:srgbClr val="000000">
-                    <a:alpha val="43137"/>
-                  </a:srgbClr>
-                </a:outerShdw>
-              </a:effectLst>
-              <a:latin typeface="Arial" panose="020B0604020202020204" pitchFamily="34" charset="0"/>
-              <a:ea typeface="work-sans-regular"/>
-              <a:cs typeface="Arial" panose="020B0604020202020204" pitchFamily="34" charset="0"/>
-            </a:endParaRPr>
-          </a:p>
-          <a:p>
-            <a:pPr marL="558800" lvl="1" indent="0" algn="just">
-              <a:lnSpc>
-                <a:spcPct val="130000"/>
-              </a:lnSpc>
-              <a:spcBef>
-                <a:spcPts val="200"/>
-              </a:spcBef>
-              <a:spcAft>
-                <a:spcPct val="0"/>
-              </a:spcAft>
-              <a:buFont typeface="Arial" panose="020B0604020202020204"/>
-              <a:buChar char="•"/>
-            </a:pPr>
-            <a:r>
-              <a:rPr b="0" i="0">
-                <a:solidFill>
-                  <a:srgbClr val="334960"/>
-                </a:solidFill>
-                <a:latin typeface="Arial" panose="020B0604020202020204" pitchFamily="34" charset="0"/>
-                <a:ea typeface="work-sans-regular"/>
-                <a:cs typeface="Arial" panose="020B0604020202020204" pitchFamily="34" charset="0"/>
-              </a:rPr>
-              <a:t>NLP: NLP (Natural Language Processing) is in charge of processes such as decisions and actions.</a:t>
-            </a:r>
-            <a:endParaRPr b="0" i="0">
-              <a:solidFill>
-                <a:srgbClr val="334960"/>
-              </a:solidFill>
-              <a:latin typeface="Arial" panose="020B0604020202020204" pitchFamily="34" charset="0"/>
-              <a:ea typeface="work-sans-regular"/>
-              <a:cs typeface="Arial" panose="020B0604020202020204" pitchFamily="34" charset="0"/>
-            </a:endParaRPr>
-          </a:p>
-          <a:p>
-            <a:pPr marL="558800" lvl="1" indent="0" algn="just">
-              <a:lnSpc>
-                <a:spcPct val="130000"/>
-              </a:lnSpc>
-              <a:spcBef>
-                <a:spcPts val="200"/>
-              </a:spcBef>
-              <a:spcAft>
-                <a:spcPct val="0"/>
-              </a:spcAft>
-              <a:buFont typeface="Arial" panose="020B0604020202020204"/>
-              <a:buChar char="•"/>
-            </a:pPr>
-            <a:r>
-              <a:rPr b="0" i="0">
-                <a:solidFill>
-                  <a:srgbClr val="334960"/>
-                </a:solidFill>
-                <a:latin typeface="Arial" panose="020B0604020202020204" pitchFamily="34" charset="0"/>
-                <a:ea typeface="work-sans-regular"/>
-                <a:cs typeface="Arial" panose="020B0604020202020204" pitchFamily="34" charset="0"/>
-              </a:rPr>
-              <a:t>NLU: NLU (</a:t>
-            </a:r>
-            <a:r>
-              <a:rPr b="0" i="0">
-                <a:solidFill>
-                  <a:srgbClr val="1860D3"/>
-                </a:solidFill>
-                <a:latin typeface="Arial" panose="020B0604020202020204" pitchFamily="34" charset="0"/>
-                <a:ea typeface="work-sans-regular"/>
-                <a:cs typeface="Arial" panose="020B0604020202020204" pitchFamily="34" charset="0"/>
-                <a:hlinkClick r:id="rId1"/>
-              </a:rPr>
-              <a:t>Natural Language Understanding</a:t>
-            </a:r>
-            <a:r>
-              <a:rPr b="0" i="0">
-                <a:solidFill>
-                  <a:srgbClr val="334960"/>
-                </a:solidFill>
-                <a:latin typeface="Arial" panose="020B0604020202020204" pitchFamily="34" charset="0"/>
-                <a:ea typeface="work-sans-regular"/>
-                <a:cs typeface="Arial" panose="020B0604020202020204" pitchFamily="34" charset="0"/>
-              </a:rPr>
-              <a:t>) understands the meaning of the text.</a:t>
-            </a:r>
-            <a:endParaRPr b="0" i="0">
-              <a:solidFill>
-                <a:srgbClr val="334960"/>
-              </a:solidFill>
-              <a:latin typeface="Arial" panose="020B0604020202020204" pitchFamily="34" charset="0"/>
-              <a:ea typeface="work-sans-regular"/>
-              <a:cs typeface="Arial" panose="020B0604020202020204" pitchFamily="34" charset="0"/>
-            </a:endParaRPr>
-          </a:p>
-          <a:p>
-            <a:pPr marL="558800" lvl="1" indent="0" algn="just">
-              <a:lnSpc>
-                <a:spcPct val="130000"/>
-              </a:lnSpc>
-              <a:spcBef>
-                <a:spcPts val="200"/>
-              </a:spcBef>
-              <a:spcAft>
-                <a:spcPct val="0"/>
-              </a:spcAft>
-              <a:buFont typeface="Arial" panose="020B0604020202020204"/>
-              <a:buChar char="•"/>
-            </a:pPr>
-            <a:r>
-              <a:rPr b="0" i="0">
-                <a:solidFill>
-                  <a:srgbClr val="334960"/>
-                </a:solidFill>
-                <a:latin typeface="Arial" panose="020B0604020202020204" pitchFamily="34" charset="0"/>
-                <a:ea typeface="work-sans-regular"/>
-                <a:cs typeface="Arial" panose="020B0604020202020204" pitchFamily="34" charset="0"/>
-              </a:rPr>
-              <a:t>NLG: NLG (Natural Language Generation) creates the human language text from the structured data that the system generates to answer.</a:t>
-            </a:r>
-            <a:endParaRPr b="0" i="0">
-              <a:solidFill>
-                <a:srgbClr val="334960"/>
-              </a:solidFill>
-              <a:latin typeface="Arial" panose="020B0604020202020204" pitchFamily="34" charset="0"/>
-              <a:ea typeface="work-sans-regular"/>
-              <a:cs typeface="Arial" panose="020B0604020202020204" pitchFamily="34" charset="0"/>
-            </a:endParaRPr>
-          </a:p>
-        </p:txBody>
-      </p:sp>
-      <p:sp>
-        <p:nvSpPr>
-          <p:cNvPr id="3" name="Text Box 2"/>
-          <p:cNvSpPr txBox="1"/>
-          <p:nvPr/>
-        </p:nvSpPr>
-        <p:spPr>
-          <a:xfrm>
-            <a:off x="728980" y="6111240"/>
-            <a:ext cx="8198485" cy="368300"/>
-          </a:xfrm>
-          <a:prstGeom prst="rect">
-            <a:avLst/>
-          </a:prstGeom>
-          <a:noFill/>
-        </p:spPr>
-        <p:txBody>
-          <a:bodyPr wrap="square" rtlCol="0" anchor="t">
-            <a:spAutoFit/>
-          </a:bodyPr>
-          <a:p>
-            <a:r>
-              <a:rPr lang="en-US" altLang="en-US"/>
-              <a:t>https://www.xenonstack.com/blog/natural-language-processing</a:t>
-            </a:r>
-            <a:endParaRPr lang="en-US"/>
-          </a:p>
-        </p:txBody>
-      </p:sp>
-      <p:sp>
-        <p:nvSpPr>
-          <p:cNvPr id="4" name="Text Box 3"/>
-          <p:cNvSpPr txBox="1"/>
-          <p:nvPr/>
-        </p:nvSpPr>
-        <p:spPr>
-          <a:xfrm>
-            <a:off x="728980" y="5650230"/>
-            <a:ext cx="6096000" cy="368300"/>
-          </a:xfrm>
-          <a:prstGeom prst="rect">
-            <a:avLst/>
-          </a:prstGeom>
-          <a:noFill/>
-        </p:spPr>
-        <p:txBody>
-          <a:bodyPr wrap="square" rtlCol="0" anchor="t">
-            <a:spAutoFit/>
-          </a:bodyPr>
-          <a:p>
-            <a:r>
-              <a:rPr lang="en-US" altLang="en-US"/>
-              <a:t>https://www.tpointtech.com/nlp</a:t>
-            </a:r>
-            <a:r>
-              <a:rPr lang="en-IN" altLang="en-US"/>
-              <a:t>   --&gt; History</a:t>
-            </a:r>
-            <a:endParaRPr lang="en-IN" altLang="en-US"/>
+              <a:sym typeface="+mn-ea"/>
+            </a:endParaRPr>
           </a:p>
         </p:txBody>
       </p:sp>
@@ -3786,126 +3749,6 @@
 </file>
 
 <file path=ppt/slides/slide11.xml><?xml version="1.0" encoding="utf-8"?>
-<p:sld xmlns:a="http://schemas.openxmlformats.org/drawingml/2006/main" xmlns:r="http://schemas.openxmlformats.org/officeDocument/2006/relationships" xmlns:p="http://schemas.openxmlformats.org/presentationml/2006/main">
-  <p:cSld>
-    <p:spTree>
-      <p:nvGrpSpPr>
-        <p:cNvPr id="1" name=""/>
-        <p:cNvGrpSpPr/>
-        <p:nvPr/>
-      </p:nvGrpSpPr>
-      <p:grpSpPr/>
-      <p:sp>
-        <p:nvSpPr>
-          <p:cNvPr id="2" name="Text Box 1"/>
-          <p:cNvSpPr txBox="1"/>
-          <p:nvPr/>
-        </p:nvSpPr>
-        <p:spPr>
-          <a:xfrm>
-            <a:off x="4076065" y="89535"/>
-            <a:ext cx="7352665" cy="368300"/>
-          </a:xfrm>
-          <a:prstGeom prst="rect">
-            <a:avLst/>
-          </a:prstGeom>
-          <a:noFill/>
-        </p:spPr>
-        <p:txBody>
-          <a:bodyPr wrap="square" rtlCol="0" anchor="t">
-            <a:spAutoFit/>
-          </a:bodyPr>
-          <a:p>
-            <a:r>
-              <a:rPr lang="en-US" altLang="en-US"/>
-              <a:t>https://www.jaroeducation.com/blog/nlp-for-business-communications/</a:t>
-            </a:r>
-            <a:endParaRPr lang="en-US"/>
-          </a:p>
-        </p:txBody>
-      </p:sp>
-      <p:pic>
-        <p:nvPicPr>
-          <p:cNvPr id="3" name="Picture 2"/>
-          <p:cNvPicPr/>
-          <p:nvPr/>
-        </p:nvPicPr>
-        <p:blipFill>
-          <a:blip r:embed="rId1"/>
-          <a:stretch>
-            <a:fillRect/>
-          </a:stretch>
-        </p:blipFill>
-        <p:spPr>
-          <a:xfrm>
-            <a:off x="0" y="541020"/>
-            <a:ext cx="8299450" cy="5236210"/>
-          </a:xfrm>
-          <a:prstGeom prst="rect">
-            <a:avLst/>
-          </a:prstGeom>
-        </p:spPr>
-      </p:pic>
-      <p:sp>
-        <p:nvSpPr>
-          <p:cNvPr id="4" name="Text Box 3"/>
-          <p:cNvSpPr txBox="1"/>
-          <p:nvPr/>
-        </p:nvSpPr>
-        <p:spPr>
-          <a:xfrm>
-            <a:off x="1448435" y="6036310"/>
-            <a:ext cx="6096000" cy="368300"/>
-          </a:xfrm>
-          <a:prstGeom prst="rect">
-            <a:avLst/>
-          </a:prstGeom>
-          <a:noFill/>
-        </p:spPr>
-        <p:txBody>
-          <a:bodyPr wrap="square" rtlCol="0" anchor="t">
-            <a:spAutoFit/>
-          </a:bodyPr>
-          <a:p>
-            <a:r>
-              <a:rPr lang="en-US" altLang="en-US"/>
-              <a:t>https://appinventiv.com/blog/nlp-in-healthcare/</a:t>
-            </a:r>
-            <a:endParaRPr lang="en-US"/>
-          </a:p>
-        </p:txBody>
-      </p:sp>
-      <p:pic>
-        <p:nvPicPr>
-          <p:cNvPr id="6" name="Picture 5"/>
-          <p:cNvPicPr/>
-          <p:nvPr/>
-        </p:nvPicPr>
-        <p:blipFill>
-          <a:blip r:embed="rId2"/>
-          <a:stretch>
-            <a:fillRect/>
-          </a:stretch>
-        </p:blipFill>
-        <p:spPr>
-          <a:xfrm>
-            <a:off x="7316470" y="853440"/>
-            <a:ext cx="4725670" cy="5908040"/>
-          </a:xfrm>
-          <a:prstGeom prst="rect">
-            <a:avLst/>
-          </a:prstGeom>
-        </p:spPr>
-      </p:pic>
-    </p:spTree>
-  </p:cSld>
-  <p:clrMapOvr>
-    <a:masterClrMapping/>
-  </p:clrMapOvr>
-</p:sld>
-</file>
-
-<file path=ppt/slides/slide12.xml><?xml version="1.0" encoding="utf-8"?>
 <p:sld xmlns:a="http://schemas.openxmlformats.org/drawingml/2006/main" xmlns:r="http://schemas.openxmlformats.org/officeDocument/2006/relationships" xmlns:p="http://schemas.openxmlformats.org/presentationml/2006/main">
   <p:cSld>
     <p:spTree>
@@ -3929,14 +3772,252 @@
         </p:blipFill>
         <p:spPr>
           <a:xfrm>
-            <a:off x="895985" y="639445"/>
-            <a:ext cx="9024620" cy="5187315"/>
+            <a:off x="2556510" y="654050"/>
+            <a:ext cx="6777990" cy="6013450"/>
           </a:xfrm>
           <a:prstGeom prst="rect">
             <a:avLst/>
           </a:prstGeom>
         </p:spPr>
       </p:pic>
+    </p:spTree>
+  </p:cSld>
+  <p:clrMapOvr>
+    <a:masterClrMapping/>
+  </p:clrMapOvr>
+</p:sld>
+</file>
+
+<file path=ppt/slides/slide12.xml><?xml version="1.0" encoding="utf-8"?>
+<p:sld xmlns:a="http://schemas.openxmlformats.org/drawingml/2006/main" xmlns:r="http://schemas.openxmlformats.org/officeDocument/2006/relationships" xmlns:p="http://schemas.openxmlformats.org/presentationml/2006/main">
+  <p:cSld>
+    <p:spTree>
+      <p:nvGrpSpPr>
+        <p:cNvPr id="1" name=""/>
+        <p:cNvGrpSpPr/>
+        <p:nvPr/>
+      </p:nvGrpSpPr>
+      <p:grpSpPr/>
+      <p:sp>
+        <p:nvSpPr>
+          <p:cNvPr id="2" name="Text Box 1"/>
+          <p:cNvSpPr txBox="1"/>
+          <p:nvPr/>
+        </p:nvSpPr>
+        <p:spPr>
+          <a:xfrm>
+            <a:off x="728980" y="220980"/>
+            <a:ext cx="10231755" cy="3588385"/>
+          </a:xfrm>
+          <a:prstGeom prst="rect">
+            <a:avLst/>
+          </a:prstGeom>
+        </p:spPr>
+        <p:txBody>
+          <a:bodyPr>
+            <a:noAutofit/>
+          </a:bodyPr>
+          <a:p>
+            <a:pPr marL="0" indent="0">
+              <a:lnSpc>
+                <a:spcPct val="130000"/>
+              </a:lnSpc>
+              <a:spcBef>
+                <a:spcPct val="0"/>
+              </a:spcBef>
+              <a:spcAft>
+                <a:spcPct val="0"/>
+              </a:spcAft>
+            </a:pPr>
+            <a:r>
+              <a:rPr b="1" i="0">
+                <a:solidFill>
+                  <a:srgbClr val="334960"/>
+                </a:solidFill>
+                <a:effectLst>
+                  <a:outerShdw blurRad="38100" dist="38100" dir="2700000" algn="tl">
+                    <a:srgbClr val="000000">
+                      <a:alpha val="43137"/>
+                    </a:srgbClr>
+                  </a:outerShdw>
+                </a:effectLst>
+                <a:latin typeface="Arial" panose="020B0604020202020204" pitchFamily="34" charset="0"/>
+                <a:ea typeface="work-sans-regular"/>
+                <a:cs typeface="Arial" panose="020B0604020202020204" pitchFamily="34" charset="0"/>
+              </a:rPr>
+              <a:t>If we mathematically represent it contains the following terms:</a:t>
+            </a:r>
+            <a:endParaRPr b="1" i="0">
+              <a:solidFill>
+                <a:srgbClr val="334960"/>
+              </a:solidFill>
+              <a:effectLst>
+                <a:outerShdw blurRad="38100" dist="38100" dir="2700000" algn="tl">
+                  <a:srgbClr val="000000">
+                    <a:alpha val="43137"/>
+                  </a:srgbClr>
+                </a:outerShdw>
+              </a:effectLst>
+              <a:latin typeface="Arial" panose="020B0604020202020204" pitchFamily="34" charset="0"/>
+              <a:ea typeface="work-sans-regular"/>
+              <a:cs typeface="Arial" panose="020B0604020202020204" pitchFamily="34" charset="0"/>
+            </a:endParaRPr>
+          </a:p>
+          <a:p>
+            <a:pPr marL="0" indent="0">
+              <a:lnSpc>
+                <a:spcPct val="130000"/>
+              </a:lnSpc>
+              <a:spcBef>
+                <a:spcPct val="0"/>
+              </a:spcBef>
+              <a:spcAft>
+                <a:spcPct val="0"/>
+              </a:spcAft>
+            </a:pPr>
+            <a:endParaRPr b="1" i="0">
+              <a:solidFill>
+                <a:srgbClr val="334960"/>
+              </a:solidFill>
+              <a:effectLst>
+                <a:outerShdw blurRad="38100" dist="38100" dir="2700000" algn="tl">
+                  <a:srgbClr val="000000">
+                    <a:alpha val="43137"/>
+                  </a:srgbClr>
+                </a:outerShdw>
+              </a:effectLst>
+              <a:latin typeface="Arial" panose="020B0604020202020204" pitchFamily="34" charset="0"/>
+              <a:ea typeface="work-sans-regular"/>
+              <a:cs typeface="Arial" panose="020B0604020202020204" pitchFamily="34" charset="0"/>
+            </a:endParaRPr>
+          </a:p>
+          <a:p>
+            <a:pPr marL="558800" lvl="1" indent="0" algn="just">
+              <a:lnSpc>
+                <a:spcPct val="130000"/>
+              </a:lnSpc>
+              <a:spcBef>
+                <a:spcPts val="200"/>
+              </a:spcBef>
+              <a:spcAft>
+                <a:spcPct val="0"/>
+              </a:spcAft>
+              <a:buFont typeface="Arial" panose="020B0604020202020204"/>
+              <a:buChar char="•"/>
+            </a:pPr>
+            <a:r>
+              <a:rPr b="0" i="0">
+                <a:solidFill>
+                  <a:srgbClr val="334960"/>
+                </a:solidFill>
+                <a:latin typeface="Arial" panose="020B0604020202020204" pitchFamily="34" charset="0"/>
+                <a:ea typeface="work-sans-regular"/>
+                <a:cs typeface="Arial" panose="020B0604020202020204" pitchFamily="34" charset="0"/>
+              </a:rPr>
+              <a:t>NLP: NLP (Natural Language Processing) is in charge of processes such as decisions and actions.</a:t>
+            </a:r>
+            <a:endParaRPr b="0" i="0">
+              <a:solidFill>
+                <a:srgbClr val="334960"/>
+              </a:solidFill>
+              <a:latin typeface="Arial" panose="020B0604020202020204" pitchFamily="34" charset="0"/>
+              <a:ea typeface="work-sans-regular"/>
+              <a:cs typeface="Arial" panose="020B0604020202020204" pitchFamily="34" charset="0"/>
+            </a:endParaRPr>
+          </a:p>
+          <a:p>
+            <a:pPr marL="558800" lvl="1" indent="0" algn="just">
+              <a:lnSpc>
+                <a:spcPct val="130000"/>
+              </a:lnSpc>
+              <a:spcBef>
+                <a:spcPts val="200"/>
+              </a:spcBef>
+              <a:spcAft>
+                <a:spcPct val="0"/>
+              </a:spcAft>
+              <a:buFont typeface="Arial" panose="020B0604020202020204"/>
+              <a:buChar char="•"/>
+            </a:pPr>
+            <a:r>
+              <a:rPr b="0" i="0">
+                <a:solidFill>
+                  <a:srgbClr val="334960"/>
+                </a:solidFill>
+                <a:latin typeface="Arial" panose="020B0604020202020204" pitchFamily="34" charset="0"/>
+                <a:ea typeface="work-sans-regular"/>
+                <a:cs typeface="Arial" panose="020B0604020202020204" pitchFamily="34" charset="0"/>
+              </a:rPr>
+              <a:t>NLU: NLU (</a:t>
+            </a:r>
+            <a:r>
+              <a:rPr b="0" i="0">
+                <a:solidFill>
+                  <a:srgbClr val="1860D3"/>
+                </a:solidFill>
+                <a:latin typeface="Arial" panose="020B0604020202020204" pitchFamily="34" charset="0"/>
+                <a:ea typeface="work-sans-regular"/>
+                <a:cs typeface="Arial" panose="020B0604020202020204" pitchFamily="34" charset="0"/>
+                <a:hlinkClick r:id="rId1"/>
+              </a:rPr>
+              <a:t>Natural Language Understanding</a:t>
+            </a:r>
+            <a:r>
+              <a:rPr b="0" i="0">
+                <a:solidFill>
+                  <a:srgbClr val="334960"/>
+                </a:solidFill>
+                <a:latin typeface="Arial" panose="020B0604020202020204" pitchFamily="34" charset="0"/>
+                <a:ea typeface="work-sans-regular"/>
+                <a:cs typeface="Arial" panose="020B0604020202020204" pitchFamily="34" charset="0"/>
+              </a:rPr>
+              <a:t>) understands the meaning of the text.</a:t>
+            </a:r>
+            <a:endParaRPr b="0" i="0">
+              <a:solidFill>
+                <a:srgbClr val="334960"/>
+              </a:solidFill>
+              <a:latin typeface="Arial" panose="020B0604020202020204" pitchFamily="34" charset="0"/>
+              <a:ea typeface="work-sans-regular"/>
+              <a:cs typeface="Arial" panose="020B0604020202020204" pitchFamily="34" charset="0"/>
+            </a:endParaRPr>
+          </a:p>
+          <a:p>
+            <a:pPr marL="558800" lvl="1" indent="0" algn="just">
+              <a:lnSpc>
+                <a:spcPct val="130000"/>
+              </a:lnSpc>
+              <a:spcBef>
+                <a:spcPts val="200"/>
+              </a:spcBef>
+              <a:spcAft>
+                <a:spcPct val="0"/>
+              </a:spcAft>
+              <a:buFont typeface="Arial" panose="020B0604020202020204"/>
+              <a:buChar char="•"/>
+            </a:pPr>
+            <a:r>
+              <a:rPr b="0" i="0">
+                <a:solidFill>
+                  <a:srgbClr val="334960"/>
+                </a:solidFill>
+                <a:latin typeface="Arial" panose="020B0604020202020204" pitchFamily="34" charset="0"/>
+                <a:ea typeface="work-sans-regular"/>
+                <a:cs typeface="Arial" panose="020B0604020202020204" pitchFamily="34" charset="0"/>
+              </a:rPr>
+              <a:t>NLG: NLG (Natural Language Generation) creates the human language text from the structured data that the system generates to answer.</a:t>
+            </a:r>
+            <a:endParaRPr b="0" i="0">
+              <a:solidFill>
+                <a:srgbClr val="334960"/>
+              </a:solidFill>
+              <a:latin typeface="Arial" panose="020B0604020202020204" pitchFamily="34" charset="0"/>
+              <a:ea typeface="work-sans-regular"/>
+              <a:cs typeface="Arial" panose="020B0604020202020204" pitchFamily="34" charset="0"/>
+            </a:endParaRPr>
+          </a:p>
+        </p:txBody>
+      </p:sp>
       <p:sp>
         <p:nvSpPr>
           <p:cNvPr id="3" name="Text Box 2"/>
@@ -3945,8 +4026,8 @@
         </p:nvSpPr>
         <p:spPr>
           <a:xfrm>
-            <a:off x="895985" y="5951220"/>
-            <a:ext cx="9272270" cy="368300"/>
+            <a:off x="728980" y="6111240"/>
+            <a:ext cx="8198485" cy="368300"/>
           </a:xfrm>
           <a:prstGeom prst="rect">
             <a:avLst/>
@@ -3960,9 +4041,42 @@
           <a:p>
             <a:r>
               <a:rPr lang="en-US" altLang="en-US"/>
-              <a:t>https://www.jaroeducation.com/blog/nlp-for-business-communications/</a:t>
+              <a:t>https://www.xenonstack.com/blog/natural-language-processing</a:t>
             </a:r>
             <a:endParaRPr lang="en-US"/>
+          </a:p>
+        </p:txBody>
+      </p:sp>
+      <p:sp>
+        <p:nvSpPr>
+          <p:cNvPr id="4" name="Text Box 3"/>
+          <p:cNvSpPr txBox="1"/>
+          <p:nvPr/>
+        </p:nvSpPr>
+        <p:spPr>
+          <a:xfrm>
+            <a:off x="728980" y="5650230"/>
+            <a:ext cx="6096000" cy="368300"/>
+          </a:xfrm>
+          <a:prstGeom prst="rect">
+            <a:avLst/>
+          </a:prstGeom>
+          <a:noFill/>
+        </p:spPr>
+        <p:txBody>
+          <a:bodyPr wrap="square" rtlCol="0" anchor="t">
+            <a:spAutoFit/>
+          </a:bodyPr>
+          <a:p>
+            <a:r>
+              <a:rPr lang="en-US" altLang="en-US"/>
+              <a:t>https://www.tpointtech.com/nlp</a:t>
+            </a:r>
+            <a:r>
+              <a:rPr lang="en-IN" altLang="en-US"/>
+              <a:t>   --&gt; History</a:t>
+            </a:r>
+            <a:endParaRPr lang="en-IN" altLang="en-US"/>
           </a:p>
         </p:txBody>
       </p:sp>
@@ -3984,9 +4098,38 @@
         <p:nvPr/>
       </p:nvGrpSpPr>
       <p:grpSpPr/>
+      <p:sp>
+        <p:nvSpPr>
+          <p:cNvPr id="2" name="Text Box 1"/>
+          <p:cNvSpPr txBox="1"/>
+          <p:nvPr/>
+        </p:nvSpPr>
+        <p:spPr>
+          <a:xfrm>
+            <a:off x="4076065" y="89535"/>
+            <a:ext cx="7352665" cy="368300"/>
+          </a:xfrm>
+          <a:prstGeom prst="rect">
+            <a:avLst/>
+          </a:prstGeom>
+          <a:noFill/>
+        </p:spPr>
+        <p:txBody>
+          <a:bodyPr wrap="square" rtlCol="0" anchor="t">
+            <a:spAutoFit/>
+          </a:bodyPr>
+          <a:p>
+            <a:r>
+              <a:rPr lang="en-US" altLang="en-US"/>
+              <a:t>https://www.jaroeducation.com/blog/nlp-for-business-communications/</a:t>
+            </a:r>
+            <a:endParaRPr lang="en-US"/>
+          </a:p>
+        </p:txBody>
+      </p:sp>
       <p:pic>
         <p:nvPicPr>
-          <p:cNvPr id="2" name="Picture 1"/>
+          <p:cNvPr id="3" name="Picture 2"/>
           <p:cNvPicPr/>
           <p:nvPr/>
         </p:nvPicPr>
@@ -3998,8 +4141,59 @@
         </p:blipFill>
         <p:spPr>
           <a:xfrm>
-            <a:off x="2349500" y="565150"/>
-            <a:ext cx="6802755" cy="5242560"/>
+            <a:off x="0" y="541020"/>
+            <a:ext cx="8299450" cy="5236210"/>
+          </a:xfrm>
+          <a:prstGeom prst="rect">
+            <a:avLst/>
+          </a:prstGeom>
+        </p:spPr>
+      </p:pic>
+      <p:sp>
+        <p:nvSpPr>
+          <p:cNvPr id="4" name="Text Box 3"/>
+          <p:cNvSpPr txBox="1"/>
+          <p:nvPr/>
+        </p:nvSpPr>
+        <p:spPr>
+          <a:xfrm>
+            <a:off x="1448435" y="6036310"/>
+            <a:ext cx="6096000" cy="368300"/>
+          </a:xfrm>
+          <a:prstGeom prst="rect">
+            <a:avLst/>
+          </a:prstGeom>
+          <a:noFill/>
+        </p:spPr>
+        <p:txBody>
+          <a:bodyPr wrap="square" rtlCol="0" anchor="t">
+            <a:spAutoFit/>
+          </a:bodyPr>
+          <a:p>
+            <a:r>
+              <a:rPr lang="en-US" altLang="en-US"/>
+              <a:t>https://appinventiv.com/blog/nlp-in-healthcare/</a:t>
+            </a:r>
+            <a:endParaRPr lang="en-US"/>
+          </a:p>
+        </p:txBody>
+      </p:sp>
+      <p:pic>
+        <p:nvPicPr>
+          <p:cNvPr id="6" name="Picture 5"/>
+          <p:cNvPicPr/>
+          <p:nvPr/>
+        </p:nvPicPr>
+        <p:blipFill>
+          <a:blip r:embed="rId2"/>
+          <a:stretch>
+            <a:fillRect/>
+          </a:stretch>
+        </p:blipFill>
+        <p:spPr>
+          <a:xfrm>
+            <a:off x="7316470" y="853440"/>
+            <a:ext cx="4725670" cy="5908040"/>
           </a:xfrm>
           <a:prstGeom prst="rect">
             <a:avLst/>
@@ -4038,14 +4232,43 @@
         </p:blipFill>
         <p:spPr>
           <a:xfrm>
-            <a:off x="-190500" y="-190500"/>
-            <a:ext cx="12192000" cy="6858000"/>
+            <a:off x="895985" y="639445"/>
+            <a:ext cx="9024620" cy="5187315"/>
           </a:xfrm>
           <a:prstGeom prst="rect">
             <a:avLst/>
           </a:prstGeom>
         </p:spPr>
       </p:pic>
+      <p:sp>
+        <p:nvSpPr>
+          <p:cNvPr id="3" name="Text Box 2"/>
+          <p:cNvSpPr txBox="1"/>
+          <p:nvPr/>
+        </p:nvSpPr>
+        <p:spPr>
+          <a:xfrm>
+            <a:off x="895985" y="5951220"/>
+            <a:ext cx="9272270" cy="368300"/>
+          </a:xfrm>
+          <a:prstGeom prst="rect">
+            <a:avLst/>
+          </a:prstGeom>
+          <a:noFill/>
+        </p:spPr>
+        <p:txBody>
+          <a:bodyPr wrap="square" rtlCol="0" anchor="t">
+            <a:spAutoFit/>
+          </a:bodyPr>
+          <a:p>
+            <a:r>
+              <a:rPr lang="en-US" altLang="en-US"/>
+              <a:t>https://www.jaroeducation.com/blog/nlp-for-business-communications/</a:t>
+            </a:r>
+            <a:endParaRPr lang="en-US"/>
+          </a:p>
+        </p:txBody>
+      </p:sp>
     </p:spTree>
   </p:cSld>
   <p:clrMapOvr>
@@ -4078,43 +4301,14 @@
         </p:blipFill>
         <p:spPr>
           <a:xfrm>
-            <a:off x="292735" y="312420"/>
-            <a:ext cx="10333990" cy="5738495"/>
+            <a:off x="2349500" y="565150"/>
+            <a:ext cx="6802755" cy="5242560"/>
           </a:xfrm>
           <a:prstGeom prst="rect">
             <a:avLst/>
           </a:prstGeom>
         </p:spPr>
       </p:pic>
-      <p:sp>
-        <p:nvSpPr>
-          <p:cNvPr id="3" name="Text Box 2"/>
-          <p:cNvSpPr txBox="1"/>
-          <p:nvPr/>
-        </p:nvSpPr>
-        <p:spPr>
-          <a:xfrm>
-            <a:off x="1939925" y="6050915"/>
-            <a:ext cx="8198485" cy="368300"/>
-          </a:xfrm>
-          <a:prstGeom prst="rect">
-            <a:avLst/>
-          </a:prstGeom>
-          <a:noFill/>
-        </p:spPr>
-        <p:txBody>
-          <a:bodyPr wrap="square" rtlCol="0" anchor="t">
-            <a:spAutoFit/>
-          </a:bodyPr>
-          <a:p>
-            <a:r>
-              <a:rPr lang="en-US" altLang="en-US"/>
-              <a:t>https://mobidev.biz/blog/natural-language-processing-nlp-use-cases-business</a:t>
-            </a:r>
-            <a:endParaRPr lang="en-US"/>
-          </a:p>
-        </p:txBody>
-      </p:sp>
     </p:spTree>
   </p:cSld>
   <p:clrMapOvr>
@@ -4133,328 +4327,28 @@
         <p:nvPr/>
       </p:nvGrpSpPr>
       <p:grpSpPr/>
-      <p:sp>
-        <p:nvSpPr>
-          <p:cNvPr id="2" name="Text Box 1"/>
-          <p:cNvSpPr txBox="1"/>
+      <p:pic>
+        <p:nvPicPr>
+          <p:cNvPr id="2" name="Picture 1"/>
+          <p:cNvPicPr/>
           <p:nvPr/>
-        </p:nvSpPr>
-        <p:spPr>
-          <a:xfrm>
-            <a:off x="700405" y="309880"/>
-            <a:ext cx="8594090" cy="3607435"/>
+        </p:nvPicPr>
+        <p:blipFill>
+          <a:blip r:embed="rId1"/>
+          <a:stretch>
+            <a:fillRect/>
+          </a:stretch>
+        </p:blipFill>
+        <p:spPr>
+          <a:xfrm>
+            <a:off x="-190500" y="-190500"/>
+            <a:ext cx="12192000" cy="6858000"/>
           </a:xfrm>
           <a:prstGeom prst="rect">
             <a:avLst/>
           </a:prstGeom>
         </p:spPr>
-        <p:txBody>
-          <a:bodyPr wrap="square">
-            <a:spAutoFit/>
-          </a:bodyPr>
-          <a:p>
-            <a:pPr marL="0" indent="0"/>
-            <a:r>
-              <a:rPr sz="2000" b="1" i="0">
-                <a:solidFill>
-                  <a:srgbClr val="FF0000"/>
-                </a:solidFill>
-                <a:latin typeface="Arial" panose="020B0604020202020204" pitchFamily="34" charset="0"/>
-                <a:ea typeface="poppins"/>
-                <a:cs typeface="Arial" panose="020B0604020202020204" pitchFamily="34" charset="0"/>
-              </a:rPr>
-              <a:t>What are the 4 types of NLP?</a:t>
-            </a:r>
-            <a:endParaRPr sz="2000" b="1" i="0">
-              <a:solidFill>
-                <a:srgbClr val="FF0000"/>
-              </a:solidFill>
-              <a:latin typeface="Arial" panose="020B0604020202020204" pitchFamily="34" charset="0"/>
-              <a:ea typeface="poppins"/>
-              <a:cs typeface="Arial" panose="020B0604020202020204" pitchFamily="34" charset="0"/>
-            </a:endParaRPr>
-          </a:p>
-          <a:p>
-            <a:pPr marL="0" indent="0"/>
-            <a:endParaRPr sz="2000" b="1" i="0">
-              <a:solidFill>
-                <a:srgbClr val="FF0000"/>
-              </a:solidFill>
-              <a:latin typeface="Arial" panose="020B0604020202020204" pitchFamily="34" charset="0"/>
-              <a:ea typeface="poppins"/>
-              <a:cs typeface="Arial" panose="020B0604020202020204" pitchFamily="34" charset="0"/>
-            </a:endParaRPr>
-          </a:p>
-          <a:p>
-            <a:pPr marL="0" indent="0">
-              <a:spcBef>
-                <a:spcPct val="0"/>
-              </a:spcBef>
-              <a:spcAft>
-                <a:spcPts val="1500"/>
-              </a:spcAft>
-            </a:pPr>
-            <a:r>
-              <a:rPr sz="1600" b="0" i="0">
-                <a:solidFill>
-                  <a:srgbClr val="333333"/>
-                </a:solidFill>
-                <a:latin typeface="Arial" panose="020B0604020202020204" pitchFamily="34" charset="0"/>
-                <a:ea typeface="poppins"/>
-                <a:cs typeface="Arial" panose="020B0604020202020204" pitchFamily="34" charset="0"/>
-              </a:rPr>
-              <a:t>NLP techniques can be broadly categorized into these four types:</a:t>
-            </a:r>
-            <a:endParaRPr sz="1600" b="0" i="0">
-              <a:solidFill>
-                <a:srgbClr val="333333"/>
-              </a:solidFill>
-              <a:latin typeface="Arial" panose="020B0604020202020204" pitchFamily="34" charset="0"/>
-              <a:ea typeface="poppins"/>
-              <a:cs typeface="Arial" panose="020B0604020202020204" pitchFamily="34" charset="0"/>
-            </a:endParaRPr>
-          </a:p>
-          <a:p>
-            <a:pPr marL="133350" lvl="1" indent="0">
-              <a:spcBef>
-                <a:spcPct val="0"/>
-              </a:spcBef>
-              <a:spcAft>
-                <a:spcPct val="0"/>
-              </a:spcAft>
-              <a:buFont typeface="Arial" panose="020B0604020202020204"/>
-              <a:buChar char="◦"/>
-            </a:pPr>
-            <a:r>
-              <a:rPr sz="1600" b="1" i="0">
-                <a:solidFill>
-                  <a:srgbClr val="333333"/>
-                </a:solidFill>
-                <a:latin typeface="Arial" panose="020B0604020202020204" pitchFamily="34" charset="0"/>
-                <a:ea typeface="poppins"/>
-                <a:cs typeface="Arial" panose="020B0604020202020204" pitchFamily="34" charset="0"/>
-              </a:rPr>
-              <a:t>Morphological Processing:</a:t>
-            </a:r>
-            <a:r>
-              <a:rPr sz="1600" b="0" i="0">
-                <a:solidFill>
-                  <a:srgbClr val="333333"/>
-                </a:solidFill>
-                <a:latin typeface="Arial" panose="020B0604020202020204" pitchFamily="34" charset="0"/>
-                <a:ea typeface="poppins"/>
-                <a:cs typeface="Arial" panose="020B0604020202020204" pitchFamily="34" charset="0"/>
-              </a:rPr>
-              <a:t> Focuses on analyzing the structure of words, including prefixes and suffixes.</a:t>
-            </a:r>
-            <a:endParaRPr sz="1600" b="0" i="0">
-              <a:solidFill>
-                <a:srgbClr val="333333"/>
-              </a:solidFill>
-              <a:latin typeface="Arial" panose="020B0604020202020204" pitchFamily="34" charset="0"/>
-              <a:ea typeface="poppins"/>
-              <a:cs typeface="Arial" panose="020B0604020202020204" pitchFamily="34" charset="0"/>
-            </a:endParaRPr>
-          </a:p>
-          <a:p>
-            <a:pPr marL="133350" lvl="1" indent="0">
-              <a:spcBef>
-                <a:spcPct val="0"/>
-              </a:spcBef>
-              <a:spcAft>
-                <a:spcPct val="0"/>
-              </a:spcAft>
-              <a:buFont typeface="Arial" panose="020B0604020202020204"/>
-              <a:buNone/>
-            </a:pPr>
-            <a:endParaRPr sz="1600" b="0" i="0">
-              <a:solidFill>
-                <a:srgbClr val="333333"/>
-              </a:solidFill>
-              <a:latin typeface="Arial" panose="020B0604020202020204" pitchFamily="34" charset="0"/>
-              <a:ea typeface="poppins"/>
-              <a:cs typeface="Arial" panose="020B0604020202020204" pitchFamily="34" charset="0"/>
-            </a:endParaRPr>
-          </a:p>
-          <a:p>
-            <a:pPr marL="133350" lvl="1" indent="0">
-              <a:spcBef>
-                <a:spcPct val="0"/>
-              </a:spcBef>
-              <a:spcAft>
-                <a:spcPct val="0"/>
-              </a:spcAft>
-              <a:buFont typeface="Arial" panose="020B0604020202020204"/>
-              <a:buChar char="◦"/>
-            </a:pPr>
-            <a:r>
-              <a:rPr sz="1600" b="1" i="0">
-                <a:solidFill>
-                  <a:srgbClr val="333333"/>
-                </a:solidFill>
-                <a:latin typeface="Arial" panose="020B0604020202020204" pitchFamily="34" charset="0"/>
-                <a:ea typeface="poppins"/>
-                <a:cs typeface="Arial" panose="020B0604020202020204" pitchFamily="34" charset="0"/>
-              </a:rPr>
-              <a:t>Syntactic Analysis:</a:t>
-            </a:r>
-            <a:r>
-              <a:rPr sz="1600" b="0" i="0">
-                <a:solidFill>
-                  <a:srgbClr val="333333"/>
-                </a:solidFill>
-                <a:latin typeface="Arial" panose="020B0604020202020204" pitchFamily="34" charset="0"/>
-                <a:ea typeface="poppins"/>
-                <a:cs typeface="Arial" panose="020B0604020202020204" pitchFamily="34" charset="0"/>
-              </a:rPr>
-              <a:t> Examines sentence structure to ensure grammatical correctness.</a:t>
-            </a:r>
-            <a:endParaRPr sz="1600" b="0" i="0">
-              <a:solidFill>
-                <a:srgbClr val="333333"/>
-              </a:solidFill>
-              <a:latin typeface="Arial" panose="020B0604020202020204" pitchFamily="34" charset="0"/>
-              <a:ea typeface="poppins"/>
-              <a:cs typeface="Arial" panose="020B0604020202020204" pitchFamily="34" charset="0"/>
-            </a:endParaRPr>
-          </a:p>
-          <a:p>
-            <a:pPr marL="133350" lvl="1" indent="0">
-              <a:spcBef>
-                <a:spcPct val="0"/>
-              </a:spcBef>
-              <a:spcAft>
-                <a:spcPct val="0"/>
-              </a:spcAft>
-              <a:buFont typeface="Arial" panose="020B0604020202020204"/>
-              <a:buNone/>
-            </a:pPr>
-            <a:endParaRPr sz="1600" b="0" i="0">
-              <a:solidFill>
-                <a:srgbClr val="333333"/>
-              </a:solidFill>
-              <a:latin typeface="Arial" panose="020B0604020202020204" pitchFamily="34" charset="0"/>
-              <a:ea typeface="poppins"/>
-              <a:cs typeface="Arial" panose="020B0604020202020204" pitchFamily="34" charset="0"/>
-            </a:endParaRPr>
-          </a:p>
-          <a:p>
-            <a:pPr marL="133350" lvl="1" indent="0">
-              <a:spcBef>
-                <a:spcPct val="0"/>
-              </a:spcBef>
-              <a:spcAft>
-                <a:spcPct val="0"/>
-              </a:spcAft>
-              <a:buFont typeface="Arial" panose="020B0604020202020204"/>
-              <a:buChar char="◦"/>
-            </a:pPr>
-            <a:r>
-              <a:rPr sz="1600" b="1" i="0">
-                <a:solidFill>
-                  <a:srgbClr val="333333"/>
-                </a:solidFill>
-                <a:latin typeface="Arial" panose="020B0604020202020204" pitchFamily="34" charset="0"/>
-                <a:ea typeface="poppins"/>
-                <a:cs typeface="Arial" panose="020B0604020202020204" pitchFamily="34" charset="0"/>
-              </a:rPr>
-              <a:t>Semantic Analysis:</a:t>
-            </a:r>
-            <a:r>
-              <a:rPr sz="1600" b="0" i="0">
-                <a:solidFill>
-                  <a:srgbClr val="333333"/>
-                </a:solidFill>
-                <a:latin typeface="Arial" panose="020B0604020202020204" pitchFamily="34" charset="0"/>
-                <a:ea typeface="poppins"/>
-                <a:cs typeface="Arial" panose="020B0604020202020204" pitchFamily="34" charset="0"/>
-              </a:rPr>
-              <a:t> Studies meaning in text or speech, including context and word relationships</a:t>
-            </a:r>
-            <a:r>
-              <a:rPr lang="en-US" sz="1600" b="0" i="0">
-                <a:solidFill>
-                  <a:srgbClr val="333333"/>
-                </a:solidFill>
-                <a:latin typeface="Arial" panose="020B0604020202020204" pitchFamily="34" charset="0"/>
-                <a:ea typeface="poppins"/>
-                <a:cs typeface="Arial" panose="020B0604020202020204" pitchFamily="34" charset="0"/>
-              </a:rPr>
-              <a:t>.</a:t>
-            </a:r>
-            <a:endParaRPr lang="en-US" sz="1600" b="0" i="0">
-              <a:solidFill>
-                <a:srgbClr val="333333"/>
-              </a:solidFill>
-              <a:latin typeface="Arial" panose="020B0604020202020204" pitchFamily="34" charset="0"/>
-              <a:ea typeface="poppins"/>
-              <a:cs typeface="Arial" panose="020B0604020202020204" pitchFamily="34" charset="0"/>
-            </a:endParaRPr>
-          </a:p>
-          <a:p>
-            <a:pPr marL="133350" lvl="1" indent="0">
-              <a:spcBef>
-                <a:spcPct val="0"/>
-              </a:spcBef>
-              <a:spcAft>
-                <a:spcPct val="0"/>
-              </a:spcAft>
-              <a:buFont typeface="Arial" panose="020B0604020202020204"/>
-              <a:buNone/>
-            </a:pPr>
-            <a:endParaRPr sz="1600" b="0" i="0">
-              <a:solidFill>
-                <a:srgbClr val="333333"/>
-              </a:solidFill>
-              <a:latin typeface="Arial" panose="020B0604020202020204" pitchFamily="34" charset="0"/>
-              <a:ea typeface="poppins"/>
-              <a:cs typeface="Arial" panose="020B0604020202020204" pitchFamily="34" charset="0"/>
-            </a:endParaRPr>
-          </a:p>
-          <a:p>
-            <a:pPr marL="133350" lvl="1" indent="0">
-              <a:spcBef>
-                <a:spcPct val="0"/>
-              </a:spcBef>
-              <a:spcAft>
-                <a:spcPct val="0"/>
-              </a:spcAft>
-              <a:buFont typeface="Arial" panose="020B0604020202020204"/>
-              <a:buChar char="◦"/>
-            </a:pPr>
-            <a:r>
-              <a:rPr sz="1600" b="1" i="0">
-                <a:solidFill>
-                  <a:srgbClr val="333333"/>
-                </a:solidFill>
-                <a:latin typeface="Arial" panose="020B0604020202020204" pitchFamily="34" charset="0"/>
-                <a:ea typeface="poppins"/>
-                <a:cs typeface="Arial" panose="020B0604020202020204" pitchFamily="34" charset="0"/>
-              </a:rPr>
-              <a:t>Pragmatic Analysis:</a:t>
-            </a:r>
-            <a:r>
-              <a:rPr sz="1600" b="0" i="0">
-                <a:solidFill>
-                  <a:srgbClr val="333333"/>
-                </a:solidFill>
-                <a:latin typeface="Arial" panose="020B0604020202020204" pitchFamily="34" charset="0"/>
-                <a:ea typeface="poppins"/>
-                <a:cs typeface="Arial" panose="020B0604020202020204" pitchFamily="34" charset="0"/>
-              </a:rPr>
-              <a:t> Looks at the intended meaning behind words, considering tone, culture, and situational context.</a:t>
-            </a:r>
-            <a:endParaRPr sz="1600" b="0" i="0">
-              <a:solidFill>
-                <a:srgbClr val="333333"/>
-              </a:solidFill>
-              <a:latin typeface="Arial" panose="020B0604020202020204" pitchFamily="34" charset="0"/>
-              <a:ea typeface="poppins"/>
-              <a:cs typeface="Arial" panose="020B0604020202020204" pitchFamily="34" charset="0"/>
-            </a:endParaRPr>
-          </a:p>
-        </p:txBody>
-      </p:sp>
+      </p:pic>
     </p:spTree>
   </p:cSld>
   <p:clrMapOvr>
@@ -4487,14 +4381,43 @@
         </p:blipFill>
         <p:spPr>
           <a:xfrm>
-            <a:off x="1111250" y="139700"/>
-            <a:ext cx="9587865" cy="6527800"/>
+            <a:off x="292735" y="312420"/>
+            <a:ext cx="10333990" cy="5738495"/>
           </a:xfrm>
           <a:prstGeom prst="rect">
             <a:avLst/>
           </a:prstGeom>
         </p:spPr>
       </p:pic>
+      <p:sp>
+        <p:nvSpPr>
+          <p:cNvPr id="3" name="Text Box 2"/>
+          <p:cNvSpPr txBox="1"/>
+          <p:nvPr/>
+        </p:nvSpPr>
+        <p:spPr>
+          <a:xfrm>
+            <a:off x="1939925" y="6050915"/>
+            <a:ext cx="8198485" cy="368300"/>
+          </a:xfrm>
+          <a:prstGeom prst="rect">
+            <a:avLst/>
+          </a:prstGeom>
+          <a:noFill/>
+        </p:spPr>
+        <p:txBody>
+          <a:bodyPr wrap="square" rtlCol="0" anchor="t">
+            <a:spAutoFit/>
+          </a:bodyPr>
+          <a:p>
+            <a:r>
+              <a:rPr lang="en-US" altLang="en-US"/>
+              <a:t>https://mobidev.biz/blog/natural-language-processing-nlp-use-cases-business</a:t>
+            </a:r>
+            <a:endParaRPr lang="en-US"/>
+          </a:p>
+        </p:txBody>
+      </p:sp>
     </p:spTree>
   </p:cSld>
   <p:clrMapOvr>
@@ -4521,94 +4444,317 @@
         </p:nvSpPr>
         <p:spPr>
           <a:xfrm>
-            <a:off x="229235" y="94298"/>
-            <a:ext cx="5080000" cy="368300"/>
+            <a:off x="700405" y="309880"/>
+            <a:ext cx="8594090" cy="3607435"/>
           </a:xfrm>
           <a:prstGeom prst="rect">
             <a:avLst/>
           </a:prstGeom>
         </p:spPr>
         <p:txBody>
-          <a:bodyPr>
+          <a:bodyPr wrap="square">
             <a:spAutoFit/>
           </a:bodyPr>
           <a:p>
+            <a:pPr marL="0" indent="0"/>
+            <a:r>
+              <a:rPr sz="2000" b="1" i="0">
+                <a:solidFill>
+                  <a:srgbClr val="FF0000"/>
+                </a:solidFill>
+                <a:latin typeface="Arial" panose="020B0604020202020204" pitchFamily="34" charset="0"/>
+                <a:ea typeface="poppins"/>
+                <a:cs typeface="Arial" panose="020B0604020202020204" pitchFamily="34" charset="0"/>
+              </a:rPr>
+              <a:t>What are the 4 types of NLP?</a:t>
+            </a:r>
+            <a:endParaRPr sz="2000" b="1" i="0">
+              <a:solidFill>
+                <a:srgbClr val="FF0000"/>
+              </a:solidFill>
+              <a:latin typeface="Arial" panose="020B0604020202020204" pitchFamily="34" charset="0"/>
+              <a:ea typeface="poppins"/>
+              <a:cs typeface="Arial" panose="020B0604020202020204" pitchFamily="34" charset="0"/>
+            </a:endParaRPr>
+          </a:p>
+          <a:p>
+            <a:pPr marL="0" indent="0"/>
+            <a:endParaRPr sz="2000" b="1" i="0">
+              <a:solidFill>
+                <a:srgbClr val="FF0000"/>
+              </a:solidFill>
+              <a:latin typeface="Arial" panose="020B0604020202020204" pitchFamily="34" charset="0"/>
+              <a:ea typeface="poppins"/>
+              <a:cs typeface="Arial" panose="020B0604020202020204" pitchFamily="34" charset="0"/>
+            </a:endParaRPr>
+          </a:p>
+          <a:p>
             <a:pPr marL="0" indent="0">
               <a:spcBef>
                 <a:spcPct val="0"/>
               </a:spcBef>
               <a:spcAft>
-                <a:spcPts val="700"/>
+                <a:spcPts val="1500"/>
               </a:spcAft>
             </a:pPr>
             <a:r>
-              <a:rPr b="1" i="0">
-                <a:solidFill>
-                  <a:srgbClr val="111111"/>
-                </a:solidFill>
-                <a:latin typeface="poppins"/>
+              <a:rPr sz="1600" b="0" i="0">
+                <a:solidFill>
+                  <a:srgbClr val="333333"/>
+                </a:solidFill>
+                <a:latin typeface="Arial" panose="020B0604020202020204" pitchFamily="34" charset="0"/>
                 <a:ea typeface="poppins"/>
-              </a:rPr>
-              <a:t>Full Life Cycle of NLP Models</a:t>
-            </a:r>
-            <a:endParaRPr b="1" i="0">
+                <a:cs typeface="Arial" panose="020B0604020202020204" pitchFamily="34" charset="0"/>
+              </a:rPr>
+              <a:t>NLP techniques can be broadly categorized into these four types:</a:t>
+            </a:r>
+            <a:endParaRPr sz="1600" b="0" i="0">
               <a:solidFill>
-                <a:srgbClr val="111111"/>
+                <a:srgbClr val="333333"/>
               </a:solidFill>
-              <a:latin typeface="poppins"/>
+              <a:latin typeface="Arial" panose="020B0604020202020204" pitchFamily="34" charset="0"/>
               <a:ea typeface="poppins"/>
-            </a:endParaRPr>
-          </a:p>
-        </p:txBody>
-      </p:sp>
-      <p:pic>
-        <p:nvPicPr>
-          <p:cNvPr id="3" name="Picture 2"/>
-          <p:cNvPicPr/>
-          <p:nvPr/>
-        </p:nvPicPr>
-        <p:blipFill>
-          <a:blip r:embed="rId1"/>
-          <a:stretch>
-            <a:fillRect/>
-          </a:stretch>
-        </p:blipFill>
-        <p:spPr>
-          <a:xfrm>
-            <a:off x="229235" y="462915"/>
-            <a:ext cx="11163300" cy="5931535"/>
-          </a:xfrm>
-          <a:prstGeom prst="rect">
-            <a:avLst/>
-          </a:prstGeom>
-        </p:spPr>
-      </p:pic>
-      <p:sp>
-        <p:nvSpPr>
-          <p:cNvPr id="4" name="Text Box 3"/>
-          <p:cNvSpPr txBox="1"/>
-          <p:nvPr/>
-        </p:nvSpPr>
-        <p:spPr>
-          <a:xfrm>
-            <a:off x="466090" y="6395085"/>
-            <a:ext cx="6096000" cy="368300"/>
-          </a:xfrm>
-          <a:prstGeom prst="rect">
-            <a:avLst/>
-          </a:prstGeom>
-          <a:noFill/>
-        </p:spPr>
-        <p:txBody>
-          <a:bodyPr wrap="square" rtlCol="0" anchor="t">
-            <a:spAutoFit/>
-          </a:bodyPr>
-          <a:p>
-            <a:r>
-              <a:rPr lang="en-US" altLang="en-US"/>
-              <a:t>https://hyperight.com/full-life-cycle-of-nlp-models/</a:t>
-            </a:r>
-            <a:endParaRPr lang="en-US"/>
+              <a:cs typeface="Arial" panose="020B0604020202020204" pitchFamily="34" charset="0"/>
+            </a:endParaRPr>
+          </a:p>
+          <a:p>
+            <a:pPr marL="133350" lvl="1" indent="0">
+              <a:spcBef>
+                <a:spcPct val="0"/>
+              </a:spcBef>
+              <a:spcAft>
+                <a:spcPct val="0"/>
+              </a:spcAft>
+              <a:buFont typeface="Arial" panose="020B0604020202020204"/>
+              <a:buChar char="◦"/>
+            </a:pPr>
+            <a:r>
+              <a:rPr sz="1600" b="1" i="0">
+                <a:solidFill>
+                  <a:srgbClr val="333333"/>
+                </a:solidFill>
+                <a:latin typeface="Arial" panose="020B0604020202020204" pitchFamily="34" charset="0"/>
+                <a:ea typeface="poppins"/>
+                <a:cs typeface="Arial" panose="020B0604020202020204" pitchFamily="34" charset="0"/>
+              </a:rPr>
+              <a:t>Morphological Processing:</a:t>
+            </a:r>
+            <a:r>
+              <a:rPr sz="1600" b="0" i="0">
+                <a:solidFill>
+                  <a:srgbClr val="333333"/>
+                </a:solidFill>
+                <a:latin typeface="Arial" panose="020B0604020202020204" pitchFamily="34" charset="0"/>
+                <a:ea typeface="poppins"/>
+                <a:cs typeface="Arial" panose="020B0604020202020204" pitchFamily="34" charset="0"/>
+              </a:rPr>
+              <a:t> Focuses on analyzing the structure of words, including prefixes and suffixes.</a:t>
+            </a:r>
+            <a:endParaRPr sz="1600" b="0" i="0">
+              <a:solidFill>
+                <a:srgbClr val="333333"/>
+              </a:solidFill>
+              <a:latin typeface="Arial" panose="020B0604020202020204" pitchFamily="34" charset="0"/>
+              <a:ea typeface="poppins"/>
+              <a:cs typeface="Arial" panose="020B0604020202020204" pitchFamily="34" charset="0"/>
+            </a:endParaRPr>
+          </a:p>
+          <a:p>
+            <a:pPr marL="133350" lvl="1" indent="0">
+              <a:spcBef>
+                <a:spcPct val="0"/>
+              </a:spcBef>
+              <a:spcAft>
+                <a:spcPct val="0"/>
+              </a:spcAft>
+              <a:buFont typeface="Arial" panose="020B0604020202020204"/>
+              <a:buNone/>
+            </a:pPr>
+            <a:endParaRPr sz="1600" b="0" i="0">
+              <a:solidFill>
+                <a:srgbClr val="333333"/>
+              </a:solidFill>
+              <a:latin typeface="Arial" panose="020B0604020202020204" pitchFamily="34" charset="0"/>
+              <a:ea typeface="poppins"/>
+              <a:cs typeface="Arial" panose="020B0604020202020204" pitchFamily="34" charset="0"/>
+            </a:endParaRPr>
+          </a:p>
+          <a:p>
+            <a:pPr marL="133350" lvl="1" indent="0">
+              <a:spcBef>
+                <a:spcPct val="0"/>
+              </a:spcBef>
+              <a:spcAft>
+                <a:spcPct val="0"/>
+              </a:spcAft>
+              <a:buFont typeface="Arial" panose="020B0604020202020204"/>
+              <a:buChar char="◦"/>
+            </a:pPr>
+            <a:r>
+              <a:rPr sz="1600" b="1" i="0">
+                <a:solidFill>
+                  <a:srgbClr val="333333"/>
+                </a:solidFill>
+                <a:latin typeface="Arial" panose="020B0604020202020204" pitchFamily="34" charset="0"/>
+                <a:ea typeface="poppins"/>
+                <a:cs typeface="Arial" panose="020B0604020202020204" pitchFamily="34" charset="0"/>
+              </a:rPr>
+              <a:t>Syntactic Analysis:</a:t>
+            </a:r>
+            <a:r>
+              <a:rPr sz="1600" b="0" i="0">
+                <a:solidFill>
+                  <a:srgbClr val="333333"/>
+                </a:solidFill>
+                <a:latin typeface="Arial" panose="020B0604020202020204" pitchFamily="34" charset="0"/>
+                <a:ea typeface="poppins"/>
+                <a:cs typeface="Arial" panose="020B0604020202020204" pitchFamily="34" charset="0"/>
+              </a:rPr>
+              <a:t> Examines sentence structure to ensure grammatical correctness.</a:t>
+            </a:r>
+            <a:endParaRPr sz="1600" b="0" i="0">
+              <a:solidFill>
+                <a:srgbClr val="333333"/>
+              </a:solidFill>
+              <a:latin typeface="Arial" panose="020B0604020202020204" pitchFamily="34" charset="0"/>
+              <a:ea typeface="poppins"/>
+              <a:cs typeface="Arial" panose="020B0604020202020204" pitchFamily="34" charset="0"/>
+            </a:endParaRPr>
+          </a:p>
+          <a:p>
+            <a:pPr marL="133350" lvl="1" indent="0">
+              <a:spcBef>
+                <a:spcPct val="0"/>
+              </a:spcBef>
+              <a:spcAft>
+                <a:spcPct val="0"/>
+              </a:spcAft>
+              <a:buFont typeface="Arial" panose="020B0604020202020204"/>
+              <a:buNone/>
+            </a:pPr>
+            <a:endParaRPr sz="1600" b="0" i="0">
+              <a:solidFill>
+                <a:srgbClr val="333333"/>
+              </a:solidFill>
+              <a:latin typeface="Arial" panose="020B0604020202020204" pitchFamily="34" charset="0"/>
+              <a:ea typeface="poppins"/>
+              <a:cs typeface="Arial" panose="020B0604020202020204" pitchFamily="34" charset="0"/>
+            </a:endParaRPr>
+          </a:p>
+          <a:p>
+            <a:pPr marL="133350" lvl="1" indent="0">
+              <a:spcBef>
+                <a:spcPct val="0"/>
+              </a:spcBef>
+              <a:spcAft>
+                <a:spcPct val="0"/>
+              </a:spcAft>
+              <a:buFont typeface="Arial" panose="020B0604020202020204"/>
+              <a:buChar char="◦"/>
+            </a:pPr>
+            <a:r>
+              <a:rPr sz="1600" b="1" i="0">
+                <a:solidFill>
+                  <a:srgbClr val="333333"/>
+                </a:solidFill>
+                <a:latin typeface="Arial" panose="020B0604020202020204" pitchFamily="34" charset="0"/>
+                <a:ea typeface="poppins"/>
+                <a:cs typeface="Arial" panose="020B0604020202020204" pitchFamily="34" charset="0"/>
+              </a:rPr>
+              <a:t>Semantic Analysis:</a:t>
+            </a:r>
+            <a:r>
+              <a:rPr sz="1600" b="0" i="0">
+                <a:solidFill>
+                  <a:srgbClr val="333333"/>
+                </a:solidFill>
+                <a:latin typeface="Arial" panose="020B0604020202020204" pitchFamily="34" charset="0"/>
+                <a:ea typeface="poppins"/>
+                <a:cs typeface="Arial" panose="020B0604020202020204" pitchFamily="34" charset="0"/>
+              </a:rPr>
+              <a:t> Studies meaning in text or speech, including context and word relationships</a:t>
+            </a:r>
+            <a:r>
+              <a:rPr lang="en-US" sz="1600" b="0" i="0">
+                <a:solidFill>
+                  <a:srgbClr val="333333"/>
+                </a:solidFill>
+                <a:latin typeface="Arial" panose="020B0604020202020204" pitchFamily="34" charset="0"/>
+                <a:ea typeface="poppins"/>
+                <a:cs typeface="Arial" panose="020B0604020202020204" pitchFamily="34" charset="0"/>
+              </a:rPr>
+              <a:t>.</a:t>
+            </a:r>
+            <a:endParaRPr lang="en-US" sz="1600" b="0" i="0">
+              <a:solidFill>
+                <a:srgbClr val="333333"/>
+              </a:solidFill>
+              <a:latin typeface="Arial" panose="020B0604020202020204" pitchFamily="34" charset="0"/>
+              <a:ea typeface="poppins"/>
+              <a:cs typeface="Arial" panose="020B0604020202020204" pitchFamily="34" charset="0"/>
+            </a:endParaRPr>
+          </a:p>
+          <a:p>
+            <a:pPr marL="133350" lvl="1" indent="0">
+              <a:spcBef>
+                <a:spcPct val="0"/>
+              </a:spcBef>
+              <a:spcAft>
+                <a:spcPct val="0"/>
+              </a:spcAft>
+              <a:buFont typeface="Arial" panose="020B0604020202020204"/>
+              <a:buNone/>
+            </a:pPr>
+            <a:endParaRPr sz="1600" b="0" i="0">
+              <a:solidFill>
+                <a:srgbClr val="333333"/>
+              </a:solidFill>
+              <a:latin typeface="Arial" panose="020B0604020202020204" pitchFamily="34" charset="0"/>
+              <a:ea typeface="poppins"/>
+              <a:cs typeface="Arial" panose="020B0604020202020204" pitchFamily="34" charset="0"/>
+            </a:endParaRPr>
+          </a:p>
+          <a:p>
+            <a:pPr marL="133350" lvl="1" indent="0">
+              <a:spcBef>
+                <a:spcPct val="0"/>
+              </a:spcBef>
+              <a:spcAft>
+                <a:spcPct val="0"/>
+              </a:spcAft>
+              <a:buFont typeface="Arial" panose="020B0604020202020204"/>
+              <a:buChar char="◦"/>
+            </a:pPr>
+            <a:r>
+              <a:rPr sz="1600" b="1" i="0">
+                <a:solidFill>
+                  <a:srgbClr val="333333"/>
+                </a:solidFill>
+                <a:latin typeface="Arial" panose="020B0604020202020204" pitchFamily="34" charset="0"/>
+                <a:ea typeface="poppins"/>
+                <a:cs typeface="Arial" panose="020B0604020202020204" pitchFamily="34" charset="0"/>
+              </a:rPr>
+              <a:t>Pragmatic Analysis:</a:t>
+            </a:r>
+            <a:r>
+              <a:rPr sz="1600" b="0" i="0">
+                <a:solidFill>
+                  <a:srgbClr val="333333"/>
+                </a:solidFill>
+                <a:latin typeface="Arial" panose="020B0604020202020204" pitchFamily="34" charset="0"/>
+                <a:ea typeface="poppins"/>
+                <a:cs typeface="Arial" panose="020B0604020202020204" pitchFamily="34" charset="0"/>
+              </a:rPr>
+              <a:t> Looks at the intended meaning behind words, considering tone, culture, and situational context.</a:t>
+            </a:r>
+            <a:endParaRPr sz="1600" b="0" i="0">
+              <a:solidFill>
+                <a:srgbClr val="333333"/>
+              </a:solidFill>
+              <a:latin typeface="Arial" panose="020B0604020202020204" pitchFamily="34" charset="0"/>
+              <a:ea typeface="poppins"/>
+              <a:cs typeface="Arial" panose="020B0604020202020204" pitchFamily="34" charset="0"/>
+            </a:endParaRPr>
           </a:p>
         </p:txBody>
       </p:sp>
@@ -4644,8 +4790,8 @@
         </p:blipFill>
         <p:spPr>
           <a:xfrm>
-            <a:off x="572770" y="0"/>
-            <a:ext cx="11233785" cy="6858000"/>
+            <a:off x="1111250" y="255270"/>
+            <a:ext cx="9587865" cy="6527800"/>
           </a:xfrm>
           <a:prstGeom prst="rect">
             <a:avLst/>
@@ -4763,88 +4909,84 @@
       <p:grpSpPr/>
       <p:sp>
         <p:nvSpPr>
-          <p:cNvPr id="3" name="Text Box 2"/>
+          <p:cNvPr id="2" name="Text Box 1"/>
           <p:cNvSpPr txBox="1"/>
           <p:nvPr/>
         </p:nvSpPr>
         <p:spPr>
           <a:xfrm>
-            <a:off x="114300" y="4433570"/>
-            <a:ext cx="5430520" cy="645160"/>
+            <a:off x="229235" y="94298"/>
+            <a:ext cx="5080000" cy="368300"/>
           </a:xfrm>
           <a:prstGeom prst="rect">
             <a:avLst/>
           </a:prstGeom>
-          <a:noFill/>
-        </p:spPr>
-        <p:txBody>
-          <a:bodyPr wrap="square" rtlCol="0" anchor="t">
+        </p:spPr>
+        <p:txBody>
+          <a:bodyPr>
             <a:spAutoFit/>
           </a:bodyPr>
           <a:p>
-            <a:r>
-              <a:rPr lang="en-US" altLang="en-US"/>
-              <a:t>https://spotintelligence.com/2024/01/29/natural-language-processing-nlp-tools/</a:t>
-            </a:r>
-            <a:endParaRPr lang="en-US"/>
+            <a:pPr marL="0" indent="0">
+              <a:spcBef>
+                <a:spcPct val="0"/>
+              </a:spcBef>
+              <a:spcAft>
+                <a:spcPts val="700"/>
+              </a:spcAft>
+            </a:pPr>
+            <a:r>
+              <a:rPr b="1" i="0">
+                <a:solidFill>
+                  <a:srgbClr val="111111"/>
+                </a:solidFill>
+                <a:latin typeface="poppins"/>
+                <a:ea typeface="poppins"/>
+              </a:rPr>
+              <a:t>Full Life Cycle of NLP Models</a:t>
+            </a:r>
+            <a:endParaRPr b="1" i="0">
+              <a:solidFill>
+                <a:srgbClr val="111111"/>
+              </a:solidFill>
+              <a:latin typeface="poppins"/>
+              <a:ea typeface="poppins"/>
+            </a:endParaRPr>
           </a:p>
         </p:txBody>
       </p:sp>
       <p:pic>
         <p:nvPicPr>
-          <p:cNvPr id="4" name="Picture 3"/>
+          <p:cNvPr id="3" name="Picture 2"/>
           <p:cNvPicPr/>
           <p:nvPr/>
         </p:nvPicPr>
         <p:blipFill>
           <a:blip r:embed="rId1"/>
-          <a:srcRect l="8089" r="11546"/>
           <a:stretch>
             <a:fillRect/>
           </a:stretch>
         </p:blipFill>
         <p:spPr>
           <a:xfrm>
-            <a:off x="6936740" y="795655"/>
-            <a:ext cx="5255260" cy="4711065"/>
+            <a:off x="229235" y="462915"/>
+            <a:ext cx="11163300" cy="5931535"/>
           </a:xfrm>
           <a:prstGeom prst="rect">
             <a:avLst/>
           </a:prstGeom>
         </p:spPr>
       </p:pic>
-      <p:pic>
-        <p:nvPicPr>
-          <p:cNvPr id="2" name="Picture 1"/>
-          <p:cNvPicPr/>
-          <p:nvPr/>
-        </p:nvPicPr>
-        <p:blipFill>
-          <a:blip r:embed="rId2"/>
-          <a:stretch>
-            <a:fillRect/>
-          </a:stretch>
-        </p:blipFill>
-        <p:spPr>
-          <a:xfrm>
-            <a:off x="197485" y="598170"/>
-            <a:ext cx="6502400" cy="3657600"/>
-          </a:xfrm>
-          <a:prstGeom prst="rect">
-            <a:avLst/>
-          </a:prstGeom>
-        </p:spPr>
-      </p:pic>
-      <p:sp>
-        <p:nvSpPr>
-          <p:cNvPr id="5" name="Text Box 4"/>
+      <p:sp>
+        <p:nvSpPr>
+          <p:cNvPr id="4" name="Text Box 3"/>
           <p:cNvSpPr txBox="1"/>
           <p:nvPr/>
         </p:nvSpPr>
         <p:spPr>
           <a:xfrm>
-            <a:off x="7109460" y="5506720"/>
-            <a:ext cx="5082540" cy="645160"/>
+            <a:off x="466090" y="6395085"/>
+            <a:ext cx="6096000" cy="368300"/>
           </a:xfrm>
           <a:prstGeom prst="rect">
             <a:avLst/>
@@ -4858,7 +5000,7 @@
           <a:p>
             <a:r>
               <a:rPr lang="en-US" altLang="en-US"/>
-              <a:t>https://www.turing.com/kb/which-language-is-useful-for-nlp-and-why</a:t>
+              <a:t>https://hyperight.com/full-life-cycle-of-nlp-models/</a:t>
             </a:r>
             <a:endParaRPr lang="en-US"/>
           </a:p>
@@ -4890,8 +5032,8 @@
         </p:nvSpPr>
         <p:spPr>
           <a:xfrm>
-            <a:off x="2008505" y="6489700"/>
-            <a:ext cx="8986520" cy="368300"/>
+            <a:off x="217805" y="683895"/>
+            <a:ext cx="6096000" cy="368300"/>
           </a:xfrm>
           <a:prstGeom prst="rect">
             <a:avLst/>
@@ -4905,7 +5047,7 @@
           <a:p>
             <a:r>
               <a:rPr lang="en-US" altLang="en-US"/>
-              <a:t>https://www.freelancermap.com/blog/what-does-nlp-engineer-do/</a:t>
+              <a:t>https://routemobile.com/blog/how-do-nlp-chatbots-work/</a:t>
             </a:r>
             <a:endParaRPr lang="en-US"/>
           </a:p>
@@ -4925,14 +5067,66 @@
         </p:blipFill>
         <p:spPr>
           <a:xfrm>
-            <a:off x="1297940" y="208915"/>
-            <a:ext cx="8778875" cy="5532120"/>
+            <a:off x="217805" y="1314768"/>
+            <a:ext cx="5715000" cy="2867025"/>
           </a:xfrm>
           <a:prstGeom prst="rect">
             <a:avLst/>
           </a:prstGeom>
         </p:spPr>
       </p:pic>
+      <p:pic>
+        <p:nvPicPr>
+          <p:cNvPr id="5" name="Picture 4"/>
+          <p:cNvPicPr/>
+          <p:nvPr/>
+        </p:nvPicPr>
+        <p:blipFill>
+          <a:blip r:embed="rId2"/>
+          <a:srcRect l="18296" r="15613"/>
+          <a:stretch>
+            <a:fillRect/>
+          </a:stretch>
+        </p:blipFill>
+        <p:spPr>
+          <a:xfrm>
+            <a:off x="6314440" y="1191260"/>
+            <a:ext cx="5810885" cy="4940935"/>
+          </a:xfrm>
+          <a:prstGeom prst="rect">
+            <a:avLst/>
+          </a:prstGeom>
+        </p:spPr>
+      </p:pic>
+      <p:sp>
+        <p:nvSpPr>
+          <p:cNvPr id="6" name="Text Box 5"/>
+          <p:cNvSpPr txBox="1"/>
+          <p:nvPr/>
+        </p:nvSpPr>
+        <p:spPr>
+          <a:xfrm>
+            <a:off x="5932805" y="6132195"/>
+            <a:ext cx="6096000" cy="645160"/>
+          </a:xfrm>
+          <a:prstGeom prst="rect">
+            <a:avLst/>
+          </a:prstGeom>
+          <a:noFill/>
+        </p:spPr>
+        <p:txBody>
+          <a:bodyPr wrap="square" rtlCol="0" anchor="t">
+            <a:spAutoFit/>
+          </a:bodyPr>
+          <a:p>
+            <a:r>
+              <a:rPr lang="en-US" altLang="en-US"/>
+              <a:t>https://dac.digital/5-practical-applications-of-nlp-in-audio-processing/</a:t>
+            </a:r>
+            <a:endParaRPr lang="en-US"/>
+          </a:p>
+        </p:txBody>
+      </p:sp>
     </p:spTree>
   </p:cSld>
   <p:clrMapOvr>
@@ -4965,43 +5159,14 @@
         </p:blipFill>
         <p:spPr>
           <a:xfrm>
-            <a:off x="1562735" y="255905"/>
-            <a:ext cx="9066530" cy="5829300"/>
+            <a:off x="572770" y="129540"/>
+            <a:ext cx="11070590" cy="6598920"/>
           </a:xfrm>
           <a:prstGeom prst="rect">
             <a:avLst/>
           </a:prstGeom>
         </p:spPr>
       </p:pic>
-      <p:sp>
-        <p:nvSpPr>
-          <p:cNvPr id="3" name="Text Box 2"/>
-          <p:cNvSpPr txBox="1"/>
-          <p:nvPr/>
-        </p:nvSpPr>
-        <p:spPr>
-          <a:xfrm>
-            <a:off x="2099310" y="6212840"/>
-            <a:ext cx="8529955" cy="368300"/>
-          </a:xfrm>
-          <a:prstGeom prst="rect">
-            <a:avLst/>
-          </a:prstGeom>
-          <a:noFill/>
-        </p:spPr>
-        <p:txBody>
-          <a:bodyPr wrap="square" rtlCol="0" anchor="t">
-            <a:spAutoFit/>
-          </a:bodyPr>
-          <a:p>
-            <a:r>
-              <a:rPr lang="en-US" altLang="en-US"/>
-              <a:t>https://www.geeksforgeeks.org/natural-language-processing-nlp-job-roles/</a:t>
-            </a:r>
-            <a:endParaRPr lang="en-US"/>
-          </a:p>
-        </p:txBody>
-      </p:sp>
     </p:spTree>
   </p:cSld>
   <p:clrMapOvr>
@@ -5022,14 +5187,14 @@
       <p:grpSpPr/>
       <p:sp>
         <p:nvSpPr>
-          <p:cNvPr id="2" name="Text Box 1"/>
+          <p:cNvPr id="3" name="Text Box 2"/>
           <p:cNvSpPr txBox="1"/>
           <p:nvPr/>
         </p:nvSpPr>
         <p:spPr>
           <a:xfrm>
-            <a:off x="217805" y="683895"/>
-            <a:ext cx="6096000" cy="368300"/>
+            <a:off x="114300" y="4433570"/>
+            <a:ext cx="5430520" cy="645160"/>
           </a:xfrm>
           <a:prstGeom prst="rect">
             <a:avLst/>
@@ -5043,7 +5208,128 @@
           <a:p>
             <a:r>
               <a:rPr lang="en-US" altLang="en-US"/>
-              <a:t>https://routemobile.com/blog/how-do-nlp-chatbots-work/</a:t>
+              <a:t>https://spotintelligence.com/2024/01/29/natural-language-processing-nlp-tools/</a:t>
+            </a:r>
+            <a:endParaRPr lang="en-US"/>
+          </a:p>
+        </p:txBody>
+      </p:sp>
+      <p:pic>
+        <p:nvPicPr>
+          <p:cNvPr id="4" name="Picture 3"/>
+          <p:cNvPicPr/>
+          <p:nvPr/>
+        </p:nvPicPr>
+        <p:blipFill>
+          <a:blip r:embed="rId1"/>
+          <a:srcRect l="8089" r="11546"/>
+          <a:stretch>
+            <a:fillRect/>
+          </a:stretch>
+        </p:blipFill>
+        <p:spPr>
+          <a:xfrm>
+            <a:off x="6936740" y="795655"/>
+            <a:ext cx="5255260" cy="4711065"/>
+          </a:xfrm>
+          <a:prstGeom prst="rect">
+            <a:avLst/>
+          </a:prstGeom>
+        </p:spPr>
+      </p:pic>
+      <p:pic>
+        <p:nvPicPr>
+          <p:cNvPr id="2" name="Picture 1"/>
+          <p:cNvPicPr/>
+          <p:nvPr/>
+        </p:nvPicPr>
+        <p:blipFill>
+          <a:blip r:embed="rId2"/>
+          <a:stretch>
+            <a:fillRect/>
+          </a:stretch>
+        </p:blipFill>
+        <p:spPr>
+          <a:xfrm>
+            <a:off x="197485" y="598170"/>
+            <a:ext cx="6502400" cy="3657600"/>
+          </a:xfrm>
+          <a:prstGeom prst="rect">
+            <a:avLst/>
+          </a:prstGeom>
+        </p:spPr>
+      </p:pic>
+      <p:sp>
+        <p:nvSpPr>
+          <p:cNvPr id="5" name="Text Box 4"/>
+          <p:cNvSpPr txBox="1"/>
+          <p:nvPr/>
+        </p:nvSpPr>
+        <p:spPr>
+          <a:xfrm>
+            <a:off x="7109460" y="5506720"/>
+            <a:ext cx="5082540" cy="645160"/>
+          </a:xfrm>
+          <a:prstGeom prst="rect">
+            <a:avLst/>
+          </a:prstGeom>
+          <a:noFill/>
+        </p:spPr>
+        <p:txBody>
+          <a:bodyPr wrap="square" rtlCol="0" anchor="t">
+            <a:spAutoFit/>
+          </a:bodyPr>
+          <a:p>
+            <a:r>
+              <a:rPr lang="en-US" altLang="en-US"/>
+              <a:t>https://www.turing.com/kb/which-language-is-useful-for-nlp-and-why</a:t>
+            </a:r>
+            <a:endParaRPr lang="en-US"/>
+          </a:p>
+        </p:txBody>
+      </p:sp>
+    </p:spTree>
+  </p:cSld>
+  <p:clrMapOvr>
+    <a:masterClrMapping/>
+  </p:clrMapOvr>
+</p:sld>
+</file>
+
+<file path=ppt/slides/slide24.xml><?xml version="1.0" encoding="utf-8"?>
+<p:sld xmlns:a="http://schemas.openxmlformats.org/drawingml/2006/main" xmlns:r="http://schemas.openxmlformats.org/officeDocument/2006/relationships" xmlns:p="http://schemas.openxmlformats.org/presentationml/2006/main">
+  <p:cSld>
+    <p:spTree>
+      <p:nvGrpSpPr>
+        <p:cNvPr id="1" name=""/>
+        <p:cNvGrpSpPr/>
+        <p:nvPr/>
+      </p:nvGrpSpPr>
+      <p:grpSpPr/>
+      <p:sp>
+        <p:nvSpPr>
+          <p:cNvPr id="2" name="Text Box 1"/>
+          <p:cNvSpPr txBox="1"/>
+          <p:nvPr/>
+        </p:nvSpPr>
+        <p:spPr>
+          <a:xfrm>
+            <a:off x="2008505" y="6489700"/>
+            <a:ext cx="8986520" cy="368300"/>
+          </a:xfrm>
+          <a:prstGeom prst="rect">
+            <a:avLst/>
+          </a:prstGeom>
+          <a:noFill/>
+        </p:spPr>
+        <p:txBody>
+          <a:bodyPr wrap="square" rtlCol="0" anchor="t">
+            <a:spAutoFit/>
+          </a:bodyPr>
+          <a:p>
+            <a:r>
+              <a:rPr lang="en-US" altLang="en-US"/>
+              <a:t>https://www.freelancermap.com/blog/what-does-nlp-engineer-do/</a:t>
             </a:r>
             <a:endParaRPr lang="en-US"/>
           </a:p>
@@ -5063,66 +5349,14 @@
         </p:blipFill>
         <p:spPr>
           <a:xfrm>
-            <a:off x="217805" y="1314768"/>
-            <a:ext cx="5715000" cy="2867025"/>
+            <a:off x="1297940" y="208915"/>
+            <a:ext cx="8778875" cy="5532120"/>
           </a:xfrm>
           <a:prstGeom prst="rect">
             <a:avLst/>
           </a:prstGeom>
         </p:spPr>
       </p:pic>
-      <p:pic>
-        <p:nvPicPr>
-          <p:cNvPr id="5" name="Picture 4"/>
-          <p:cNvPicPr/>
-          <p:nvPr/>
-        </p:nvPicPr>
-        <p:blipFill>
-          <a:blip r:embed="rId2"/>
-          <a:srcRect l="18296" r="15613"/>
-          <a:stretch>
-            <a:fillRect/>
-          </a:stretch>
-        </p:blipFill>
-        <p:spPr>
-          <a:xfrm>
-            <a:off x="6314440" y="1191260"/>
-            <a:ext cx="5810885" cy="4940935"/>
-          </a:xfrm>
-          <a:prstGeom prst="rect">
-            <a:avLst/>
-          </a:prstGeom>
-        </p:spPr>
-      </p:pic>
-      <p:sp>
-        <p:nvSpPr>
-          <p:cNvPr id="6" name="Text Box 5"/>
-          <p:cNvSpPr txBox="1"/>
-          <p:nvPr/>
-        </p:nvSpPr>
-        <p:spPr>
-          <a:xfrm>
-            <a:off x="5932805" y="6132195"/>
-            <a:ext cx="6096000" cy="645160"/>
-          </a:xfrm>
-          <a:prstGeom prst="rect">
-            <a:avLst/>
-          </a:prstGeom>
-          <a:noFill/>
-        </p:spPr>
-        <p:txBody>
-          <a:bodyPr wrap="square" rtlCol="0" anchor="t">
-            <a:spAutoFit/>
-          </a:bodyPr>
-          <a:p>
-            <a:r>
-              <a:rPr lang="en-US" altLang="en-US"/>
-              <a:t>https://dac.digital/5-practical-applications-of-nlp-in-audio-processing/</a:t>
-            </a:r>
-            <a:endParaRPr lang="en-US"/>
-          </a:p>
-        </p:txBody>
-      </p:sp>
     </p:spTree>
   </p:cSld>
   <p:clrMapOvr>
@@ -5131,7 +5365,76 @@
 </p:sld>
 </file>
 
-<file path=ppt/slides/slide24.xml><?xml version="1.0" encoding="utf-8"?>
+<file path=ppt/slides/slide25.xml><?xml version="1.0" encoding="utf-8"?>
+<p:sld xmlns:a="http://schemas.openxmlformats.org/drawingml/2006/main" xmlns:r="http://schemas.openxmlformats.org/officeDocument/2006/relationships" xmlns:p="http://schemas.openxmlformats.org/presentationml/2006/main">
+  <p:cSld>
+    <p:spTree>
+      <p:nvGrpSpPr>
+        <p:cNvPr id="1" name=""/>
+        <p:cNvGrpSpPr/>
+        <p:nvPr/>
+      </p:nvGrpSpPr>
+      <p:grpSpPr/>
+      <p:pic>
+        <p:nvPicPr>
+          <p:cNvPr id="2" name="Picture 1"/>
+          <p:cNvPicPr/>
+          <p:nvPr/>
+        </p:nvPicPr>
+        <p:blipFill>
+          <a:blip r:embed="rId1"/>
+          <a:stretch>
+            <a:fillRect/>
+          </a:stretch>
+        </p:blipFill>
+        <p:spPr>
+          <a:xfrm>
+            <a:off x="1562735" y="255905"/>
+            <a:ext cx="9066530" cy="5829300"/>
+          </a:xfrm>
+          <a:prstGeom prst="rect">
+            <a:avLst/>
+          </a:prstGeom>
+        </p:spPr>
+      </p:pic>
+      <p:sp>
+        <p:nvSpPr>
+          <p:cNvPr id="3" name="Text Box 2"/>
+          <p:cNvSpPr txBox="1"/>
+          <p:nvPr/>
+        </p:nvSpPr>
+        <p:spPr>
+          <a:xfrm>
+            <a:off x="2099310" y="6212840"/>
+            <a:ext cx="8529955" cy="368300"/>
+          </a:xfrm>
+          <a:prstGeom prst="rect">
+            <a:avLst/>
+          </a:prstGeom>
+          <a:noFill/>
+        </p:spPr>
+        <p:txBody>
+          <a:bodyPr wrap="square" rtlCol="0" anchor="t">
+            <a:spAutoFit/>
+          </a:bodyPr>
+          <a:p>
+            <a:r>
+              <a:rPr lang="en-US" altLang="en-US"/>
+              <a:t>https://www.geeksforgeeks.org/natural-language-processing-nlp-job-roles/</a:t>
+            </a:r>
+            <a:endParaRPr lang="en-US"/>
+          </a:p>
+        </p:txBody>
+      </p:sp>
+    </p:spTree>
+  </p:cSld>
+  <p:clrMapOvr>
+    <a:masterClrMapping/>
+  </p:clrMapOvr>
+</p:sld>
+</file>
+
+<file path=ppt/slides/slide26.xml><?xml version="1.0" encoding="utf-8"?>
 <p:sld xmlns:a="http://schemas.openxmlformats.org/drawingml/2006/main" xmlns:r="http://schemas.openxmlformats.org/officeDocument/2006/relationships" xmlns:p="http://schemas.openxmlformats.org/presentationml/2006/main">
   <p:cSld>
     <p:spTree>
@@ -6619,180 +6922,6 @@
           </a:p>
         </p:txBody>
       </p:sp>
-      <p:sp>
-        <p:nvSpPr>
-          <p:cNvPr id="3" name="Text Box 2"/>
-          <p:cNvSpPr txBox="1"/>
-          <p:nvPr/>
-        </p:nvSpPr>
-        <p:spPr>
-          <a:xfrm>
-            <a:off x="998220" y="958850"/>
-            <a:ext cx="4599940" cy="4246245"/>
-          </a:xfrm>
-          <a:prstGeom prst="rect">
-            <a:avLst/>
-          </a:prstGeom>
-          <a:noFill/>
-        </p:spPr>
-        <p:txBody>
-          <a:bodyPr wrap="square" rtlCol="0">
-            <a:spAutoFit/>
-          </a:bodyPr>
-          <a:p>
-            <a:r>
-              <a:rPr lang="en-IN" altLang="en-US"/>
-              <a:t>Word embedding</a:t>
-            </a:r>
-            <a:endParaRPr lang="en-IN" altLang="en-US"/>
-          </a:p>
-          <a:p>
-            <a:r>
-              <a:rPr lang="en-IN" altLang="en-US"/>
-              <a:t>Word2vac</a:t>
-            </a:r>
-            <a:endParaRPr lang="en-IN" altLang="en-US"/>
-          </a:p>
-          <a:p>
-            <a:r>
-              <a:rPr lang="en-IN" altLang="en-US"/>
-              <a:t>Rnn </a:t>
-            </a:r>
-            <a:endParaRPr lang="en-IN" altLang="en-US"/>
-          </a:p>
-          <a:p>
-            <a:r>
-              <a:rPr lang="en-IN" altLang="en-US"/>
-              <a:t>LSTM</a:t>
-            </a:r>
-            <a:endParaRPr lang="en-IN" altLang="en-US"/>
-          </a:p>
-          <a:p>
-            <a:r>
-              <a:rPr lang="en-IN" altLang="en-US"/>
-              <a:t>GRU</a:t>
-            </a:r>
-            <a:endParaRPr lang="en-IN" altLang="en-US"/>
-          </a:p>
-          <a:p>
-            <a:r>
-              <a:rPr lang="en-IN" altLang="en-US"/>
-              <a:t>encoder decoder</a:t>
-            </a:r>
-            <a:endParaRPr lang="en-IN" altLang="en-US"/>
-          </a:p>
-          <a:p>
-            <a:r>
-              <a:rPr lang="en-IN" altLang="en-US"/>
-              <a:t>attentions</a:t>
-            </a:r>
-            <a:endParaRPr lang="en-IN" altLang="en-US"/>
-          </a:p>
-          <a:p>
-            <a:r>
-              <a:rPr lang="en-IN" altLang="en-US"/>
-              <a:t>self attentions</a:t>
-            </a:r>
-            <a:endParaRPr lang="en-IN" altLang="en-US"/>
-          </a:p>
-          <a:p>
-            <a:r>
-              <a:rPr lang="en-IN" altLang="en-US"/>
-              <a:t>transformer</a:t>
-            </a:r>
-            <a:endParaRPr lang="en-IN" altLang="en-US"/>
-          </a:p>
-          <a:p>
-            <a:r>
-              <a:rPr lang="en-IN" altLang="en-US"/>
-              <a:t>BERT &amp; GPT</a:t>
-            </a:r>
-            <a:endParaRPr lang="en-IN" altLang="en-US"/>
-          </a:p>
-          <a:p>
-            <a:endParaRPr lang="en-IN" altLang="en-US"/>
-          </a:p>
-          <a:p>
-            <a:r>
-              <a:rPr lang="en-IN" altLang="en-US"/>
-              <a:t>Introduction of Prompt Engineering</a:t>
-            </a:r>
-            <a:endParaRPr lang="en-IN" altLang="en-US"/>
-          </a:p>
-          <a:p>
-            <a:r>
-              <a:rPr lang="en-IN" altLang="en-US"/>
-              <a:t>Genrative AI</a:t>
-            </a:r>
-            <a:endParaRPr lang="en-IN" altLang="en-US"/>
-          </a:p>
-          <a:p>
-            <a:r>
-              <a:rPr lang="en-IN" altLang="en-US"/>
-              <a:t>LLM</a:t>
-            </a:r>
-            <a:endParaRPr lang="en-IN" altLang="en-US"/>
-          </a:p>
-          <a:p>
-            <a:r>
-              <a:rPr lang="en-IN" altLang="en-US"/>
-              <a:t>AGENT AI</a:t>
-            </a:r>
-            <a:endParaRPr lang="en-IN" altLang="en-US"/>
-          </a:p>
-        </p:txBody>
-      </p:sp>
-      <p:sp>
-        <p:nvSpPr>
-          <p:cNvPr id="4" name="Text Box 3"/>
-          <p:cNvSpPr txBox="1"/>
-          <p:nvPr/>
-        </p:nvSpPr>
-        <p:spPr>
-          <a:xfrm>
-            <a:off x="1134110" y="5615940"/>
-            <a:ext cx="2487930" cy="922020"/>
-          </a:xfrm>
-          <a:prstGeom prst="rect">
-            <a:avLst/>
-          </a:prstGeom>
-          <a:noFill/>
-        </p:spPr>
-        <p:txBody>
-          <a:bodyPr wrap="square" rtlCol="0">
-            <a:spAutoFit/>
-          </a:bodyPr>
-          <a:p>
-            <a:r>
-              <a:rPr lang="en-US" altLang="en-IN" b="1"/>
-              <a:t>Libraries</a:t>
-            </a:r>
-            <a:endParaRPr lang="en-IN" altLang="en-US"/>
-          </a:p>
-          <a:p>
-            <a:pPr marL="742950" lvl="1" indent="-285750">
-              <a:buFont typeface="Arial" panose="020B0604020202020204" pitchFamily="34" charset="0"/>
-              <a:buChar char="•"/>
-            </a:pPr>
-            <a:r>
-              <a:rPr lang="en-IN" altLang="en-US"/>
-              <a:t>NLTK</a:t>
-            </a:r>
-            <a:endParaRPr lang="en-IN" altLang="en-US"/>
-          </a:p>
-          <a:p>
-            <a:pPr marL="742950" lvl="1" indent="-285750">
-              <a:buFont typeface="Arial" panose="020B0604020202020204" pitchFamily="34" charset="0"/>
-              <a:buChar char="•"/>
-            </a:pPr>
-            <a:r>
-              <a:rPr lang="en-IN" altLang="en-US"/>
-              <a:t>SPACY</a:t>
-            </a:r>
-            <a:endParaRPr lang="en-IN" altLang="en-US"/>
-          </a:p>
-        </p:txBody>
-      </p:sp>
       <p:pic>
         <p:nvPicPr>
           <p:cNvPr id="6" name="Picture 5"/>
@@ -6807,7 +6936,7 @@
         </p:blipFill>
         <p:spPr>
           <a:xfrm>
-            <a:off x="6842760" y="1360170"/>
+            <a:off x="3355975" y="1360170"/>
             <a:ext cx="4189730" cy="3691255"/>
           </a:xfrm>
           <a:prstGeom prst="rect">
@@ -6833,28 +6962,1452 @@
         <p:nvPr/>
       </p:nvGrpSpPr>
       <p:grpSpPr/>
-      <p:pic>
-        <p:nvPicPr>
-          <p:cNvPr id="2" name="Picture 1"/>
-          <p:cNvPicPr/>
+      <p:sp>
+        <p:nvSpPr>
+          <p:cNvPr id="3" name="Text Box 2"/>
+          <p:cNvSpPr txBox="1"/>
           <p:nvPr/>
-        </p:nvPicPr>
-        <p:blipFill>
-          <a:blip r:embed="rId1"/>
-          <a:stretch>
-            <a:fillRect/>
-          </a:stretch>
-        </p:blipFill>
-        <p:spPr>
-          <a:xfrm>
-            <a:off x="2556510" y="654050"/>
-            <a:ext cx="6777990" cy="6013450"/>
+        </p:nvSpPr>
+        <p:spPr>
+          <a:xfrm>
+            <a:off x="240030" y="106045"/>
+            <a:ext cx="5069840" cy="2509520"/>
           </a:xfrm>
           <a:prstGeom prst="rect">
             <a:avLst/>
           </a:prstGeom>
         </p:spPr>
-      </p:pic>
+        <p:txBody>
+          <a:bodyPr wrap="square">
+            <a:spAutoFit/>
+          </a:bodyPr>
+          <a:p>
+            <a:pPr marL="0" indent="0">
+              <a:spcBef>
+                <a:spcPts val="1000"/>
+              </a:spcBef>
+              <a:spcAft>
+                <a:spcPts val="500"/>
+              </a:spcAft>
+            </a:pPr>
+            <a:r>
+              <a:rPr lang="en-US" sz="2500" b="0" i="0">
+                <a:solidFill>
+                  <a:srgbClr val="333333"/>
+                </a:solidFill>
+                <a:latin typeface="Tomorrow"/>
+                <a:ea typeface="Tomorrow"/>
+              </a:rPr>
+              <a:t>I</a:t>
+            </a:r>
+            <a:r>
+              <a:rPr sz="2500" b="0" i="0">
+                <a:solidFill>
+                  <a:srgbClr val="333333"/>
+                </a:solidFill>
+                <a:latin typeface="Tomorrow"/>
+                <a:ea typeface="Tomorrow"/>
+              </a:rPr>
+              <a:t>ntroduction to NLP  </a:t>
+            </a:r>
+            <a:endParaRPr sz="2500" b="0" i="0">
+              <a:solidFill>
+                <a:srgbClr val="333333"/>
+              </a:solidFill>
+              <a:latin typeface="Tomorrow"/>
+              <a:ea typeface="Tomorrow"/>
+            </a:endParaRPr>
+          </a:p>
+          <a:p>
+            <a:pPr marL="457200" lvl="1" indent="0">
+              <a:spcBef>
+                <a:spcPct val="0"/>
+              </a:spcBef>
+              <a:spcAft>
+                <a:spcPct val="0"/>
+              </a:spcAft>
+            </a:pPr>
+            <a:r>
+              <a:rPr sz="1600" b="0" i="0">
+                <a:solidFill>
+                  <a:srgbClr val="333333"/>
+                </a:solidFill>
+                <a:latin typeface="Tomorrow"/>
+                <a:ea typeface="Tomorrow"/>
+              </a:rPr>
+              <a:t>What is Natural Language Processing</a:t>
+            </a:r>
+            <a:endParaRPr sz="1600" b="0" i="0">
+              <a:solidFill>
+                <a:srgbClr val="333333"/>
+              </a:solidFill>
+              <a:latin typeface="Tomorrow"/>
+              <a:ea typeface="Tomorrow"/>
+            </a:endParaRPr>
+          </a:p>
+          <a:p>
+            <a:pPr marL="457200" lvl="1" indent="0">
+              <a:spcBef>
+                <a:spcPct val="0"/>
+              </a:spcBef>
+              <a:spcAft>
+                <a:spcPct val="0"/>
+              </a:spcAft>
+            </a:pPr>
+            <a:r>
+              <a:rPr sz="1600" b="0" i="0">
+                <a:solidFill>
+                  <a:srgbClr val="333333"/>
+                </a:solidFill>
+                <a:latin typeface="Tomorrow"/>
+                <a:ea typeface="Tomorrow"/>
+              </a:rPr>
+              <a:t>Uses of NLP</a:t>
+            </a:r>
+            <a:endParaRPr sz="1600" b="0" i="0">
+              <a:solidFill>
+                <a:srgbClr val="333333"/>
+              </a:solidFill>
+              <a:latin typeface="Tomorrow"/>
+              <a:ea typeface="Tomorrow"/>
+            </a:endParaRPr>
+          </a:p>
+          <a:p>
+            <a:pPr marL="457200" lvl="1" indent="0">
+              <a:spcBef>
+                <a:spcPct val="0"/>
+              </a:spcBef>
+              <a:spcAft>
+                <a:spcPct val="0"/>
+              </a:spcAft>
+            </a:pPr>
+            <a:r>
+              <a:rPr sz="1600" b="0" i="0">
+                <a:solidFill>
+                  <a:srgbClr val="333333"/>
+                </a:solidFill>
+                <a:latin typeface="Tomorrow"/>
+                <a:ea typeface="Tomorrow"/>
+              </a:rPr>
+              <a:t>Application of NLP</a:t>
+            </a:r>
+            <a:endParaRPr sz="1600" b="0" i="0">
+              <a:solidFill>
+                <a:srgbClr val="333333"/>
+              </a:solidFill>
+              <a:latin typeface="Tomorrow"/>
+              <a:ea typeface="Tomorrow"/>
+            </a:endParaRPr>
+          </a:p>
+          <a:p>
+            <a:pPr marL="457200" lvl="1" indent="0">
+              <a:spcBef>
+                <a:spcPct val="0"/>
+              </a:spcBef>
+              <a:spcAft>
+                <a:spcPct val="0"/>
+              </a:spcAft>
+            </a:pPr>
+            <a:r>
+              <a:rPr sz="1600" b="0" i="0">
+                <a:solidFill>
+                  <a:srgbClr val="333333"/>
+                </a:solidFill>
+                <a:latin typeface="Tomorrow"/>
+                <a:ea typeface="Tomorrow"/>
+              </a:rPr>
+              <a:t>Components of NLP</a:t>
+            </a:r>
+            <a:endParaRPr sz="1600" b="0" i="0">
+              <a:solidFill>
+                <a:srgbClr val="333333"/>
+              </a:solidFill>
+              <a:latin typeface="Tomorrow"/>
+              <a:ea typeface="Tomorrow"/>
+            </a:endParaRPr>
+          </a:p>
+          <a:p>
+            <a:pPr marL="457200" lvl="1" indent="0">
+              <a:spcBef>
+                <a:spcPct val="0"/>
+              </a:spcBef>
+              <a:spcAft>
+                <a:spcPct val="0"/>
+              </a:spcAft>
+            </a:pPr>
+            <a:r>
+              <a:rPr sz="1600" b="0" i="0">
+                <a:solidFill>
+                  <a:srgbClr val="333333"/>
+                </a:solidFill>
+                <a:latin typeface="Tomorrow"/>
+                <a:ea typeface="Tomorrow"/>
+              </a:rPr>
+              <a:t>Stages of NLP</a:t>
+            </a:r>
+            <a:endParaRPr sz="1600" b="0" i="0">
+              <a:solidFill>
+                <a:srgbClr val="333333"/>
+              </a:solidFill>
+              <a:latin typeface="Tomorrow"/>
+              <a:ea typeface="Tomorrow"/>
+            </a:endParaRPr>
+          </a:p>
+          <a:p>
+            <a:pPr marL="457200" lvl="1" indent="0">
+              <a:spcBef>
+                <a:spcPct val="0"/>
+              </a:spcBef>
+              <a:spcAft>
+                <a:spcPct val="0"/>
+              </a:spcAft>
+            </a:pPr>
+            <a:r>
+              <a:rPr sz="1600">
+                <a:solidFill>
+                  <a:srgbClr val="333333"/>
+                </a:solidFill>
+                <a:latin typeface="Tomorrow"/>
+                <a:ea typeface="Tomorrow"/>
+                <a:sym typeface="+mn-ea"/>
+              </a:rPr>
+              <a:t>Machine Translation</a:t>
+            </a:r>
+            <a:endParaRPr sz="1600" b="0" i="0">
+              <a:solidFill>
+                <a:srgbClr val="333333"/>
+              </a:solidFill>
+              <a:latin typeface="Tomorrow"/>
+              <a:ea typeface="Tomorrow"/>
+            </a:endParaRPr>
+          </a:p>
+          <a:p>
+            <a:pPr marL="457200" lvl="1" indent="0">
+              <a:spcBef>
+                <a:spcPct val="0"/>
+              </a:spcBef>
+              <a:spcAft>
+                <a:spcPct val="0"/>
+              </a:spcAft>
+            </a:pPr>
+            <a:r>
+              <a:rPr sz="1600">
+                <a:solidFill>
+                  <a:srgbClr val="333333"/>
+                </a:solidFill>
+                <a:latin typeface="Tomorrow"/>
+                <a:ea typeface="Tomorrow"/>
+                <a:sym typeface="+mn-ea"/>
+              </a:rPr>
+              <a:t>Introduction to LLM</a:t>
+            </a:r>
+            <a:endParaRPr sz="1600" b="0" i="0">
+              <a:solidFill>
+                <a:srgbClr val="333333"/>
+              </a:solidFill>
+              <a:latin typeface="Tomorrow"/>
+              <a:ea typeface="Tomorrow"/>
+            </a:endParaRPr>
+          </a:p>
+          <a:p>
+            <a:pPr marL="0" indent="0">
+              <a:spcBef>
+                <a:spcPct val="0"/>
+              </a:spcBef>
+              <a:spcAft>
+                <a:spcPct val="0"/>
+              </a:spcAft>
+            </a:pPr>
+            <a:endParaRPr sz="1600" b="0" i="0">
+              <a:solidFill>
+                <a:srgbClr val="333333"/>
+              </a:solidFill>
+              <a:latin typeface="Tomorrow"/>
+              <a:ea typeface="Tomorrow"/>
+            </a:endParaRPr>
+          </a:p>
+        </p:txBody>
+      </p:sp>
+      <p:sp>
+        <p:nvSpPr>
+          <p:cNvPr id="4" name="Text Box 3"/>
+          <p:cNvSpPr txBox="1"/>
+          <p:nvPr/>
+        </p:nvSpPr>
+        <p:spPr>
+          <a:xfrm>
+            <a:off x="407035" y="2247265"/>
+            <a:ext cx="5080000" cy="2616200"/>
+          </a:xfrm>
+          <a:prstGeom prst="rect">
+            <a:avLst/>
+          </a:prstGeom>
+        </p:spPr>
+        <p:txBody>
+          <a:bodyPr>
+            <a:noAutofit/>
+          </a:bodyPr>
+          <a:p>
+            <a:pPr marL="0" indent="0">
+              <a:spcBef>
+                <a:spcPts val="1000"/>
+              </a:spcBef>
+              <a:spcAft>
+                <a:spcPts val="500"/>
+              </a:spcAft>
+            </a:pPr>
+            <a:r>
+              <a:rPr sz="2500" b="0" i="0">
+                <a:solidFill>
+                  <a:srgbClr val="333333"/>
+                </a:solidFill>
+                <a:latin typeface="Tomorrow"/>
+                <a:ea typeface="Tomorrow"/>
+              </a:rPr>
+              <a:t>Text Preprocessing  </a:t>
+            </a:r>
+            <a:endParaRPr sz="2500" b="0" i="0">
+              <a:solidFill>
+                <a:srgbClr val="333333"/>
+              </a:solidFill>
+              <a:latin typeface="Tomorrow"/>
+              <a:ea typeface="Tomorrow"/>
+            </a:endParaRPr>
+          </a:p>
+          <a:p>
+            <a:pPr marL="457200" lvl="1" indent="0">
+              <a:spcBef>
+                <a:spcPct val="0"/>
+              </a:spcBef>
+              <a:spcAft>
+                <a:spcPct val="0"/>
+              </a:spcAft>
+            </a:pPr>
+            <a:r>
+              <a:rPr sz="1600" b="0" i="0">
+                <a:solidFill>
+                  <a:srgbClr val="333333"/>
+                </a:solidFill>
+                <a:latin typeface="Tomorrow"/>
+                <a:ea typeface="Tomorrow"/>
+              </a:rPr>
+              <a:t>Tokenization</a:t>
+            </a:r>
+            <a:endParaRPr sz="1600" b="0" i="0">
+              <a:solidFill>
+                <a:srgbClr val="333333"/>
+              </a:solidFill>
+              <a:latin typeface="Tomorrow"/>
+              <a:ea typeface="Tomorrow"/>
+            </a:endParaRPr>
+          </a:p>
+          <a:p>
+            <a:pPr marL="457200" lvl="1" indent="0">
+              <a:spcBef>
+                <a:spcPct val="0"/>
+              </a:spcBef>
+              <a:spcAft>
+                <a:spcPct val="0"/>
+              </a:spcAft>
+            </a:pPr>
+            <a:r>
+              <a:rPr sz="1600" b="0" i="0">
+                <a:solidFill>
+                  <a:srgbClr val="333333"/>
+                </a:solidFill>
+                <a:latin typeface="Tomorrow"/>
+                <a:ea typeface="Tomorrow"/>
+              </a:rPr>
+              <a:t>Non Alphabets Removal</a:t>
+            </a:r>
+            <a:endParaRPr sz="1600" b="0" i="0">
+              <a:solidFill>
+                <a:srgbClr val="333333"/>
+              </a:solidFill>
+              <a:latin typeface="Tomorrow"/>
+              <a:ea typeface="Tomorrow"/>
+            </a:endParaRPr>
+          </a:p>
+          <a:p>
+            <a:pPr marL="457200" lvl="1" indent="0">
+              <a:spcBef>
+                <a:spcPct val="0"/>
+              </a:spcBef>
+              <a:spcAft>
+                <a:spcPct val="0"/>
+              </a:spcAft>
+            </a:pPr>
+            <a:r>
+              <a:rPr sz="1600" b="0" i="0">
+                <a:solidFill>
+                  <a:srgbClr val="333333"/>
+                </a:solidFill>
+                <a:latin typeface="Tomorrow"/>
+                <a:ea typeface="Tomorrow"/>
+              </a:rPr>
+              <a:t>Stopwords Removal</a:t>
+            </a:r>
+            <a:endParaRPr sz="1600" b="0" i="0">
+              <a:solidFill>
+                <a:srgbClr val="333333"/>
+              </a:solidFill>
+              <a:latin typeface="Tomorrow"/>
+              <a:ea typeface="Tomorrow"/>
+            </a:endParaRPr>
+          </a:p>
+          <a:p>
+            <a:pPr marL="457200" lvl="1" indent="0">
+              <a:spcBef>
+                <a:spcPct val="0"/>
+              </a:spcBef>
+              <a:spcAft>
+                <a:spcPct val="0"/>
+              </a:spcAft>
+            </a:pPr>
+            <a:r>
+              <a:rPr sz="1600" b="0" i="0">
+                <a:solidFill>
+                  <a:srgbClr val="333333"/>
+                </a:solidFill>
+                <a:latin typeface="Tomorrow"/>
+                <a:ea typeface="Tomorrow"/>
+              </a:rPr>
+              <a:t>Bag of Words</a:t>
+            </a:r>
+            <a:endParaRPr sz="1600" b="0" i="0">
+              <a:solidFill>
+                <a:srgbClr val="333333"/>
+              </a:solidFill>
+              <a:latin typeface="Tomorrow"/>
+              <a:ea typeface="Tomorrow"/>
+            </a:endParaRPr>
+          </a:p>
+          <a:p>
+            <a:pPr marL="457200" lvl="1" indent="0">
+              <a:spcBef>
+                <a:spcPct val="0"/>
+              </a:spcBef>
+              <a:spcAft>
+                <a:spcPct val="0"/>
+              </a:spcAft>
+            </a:pPr>
+            <a:r>
+              <a:rPr sz="1600" b="0" i="0">
+                <a:solidFill>
+                  <a:srgbClr val="333333"/>
+                </a:solidFill>
+                <a:latin typeface="Tomorrow"/>
+                <a:ea typeface="Tomorrow"/>
+              </a:rPr>
+              <a:t>Stemming &amp; Lemmatization</a:t>
+            </a:r>
+            <a:endParaRPr sz="1600" b="0" i="0">
+              <a:solidFill>
+                <a:srgbClr val="333333"/>
+              </a:solidFill>
+              <a:latin typeface="Tomorrow"/>
+              <a:ea typeface="Tomorrow"/>
+            </a:endParaRPr>
+          </a:p>
+          <a:p>
+            <a:pPr marL="457200" lvl="1" indent="0">
+              <a:spcBef>
+                <a:spcPct val="0"/>
+              </a:spcBef>
+              <a:spcAft>
+                <a:spcPct val="0"/>
+              </a:spcAft>
+            </a:pPr>
+            <a:r>
+              <a:rPr sz="1600" b="0" i="0">
+                <a:solidFill>
+                  <a:srgbClr val="333333"/>
+                </a:solidFill>
+                <a:latin typeface="Tomorrow"/>
+                <a:ea typeface="Tomorrow"/>
+              </a:rPr>
+              <a:t>Part of Speech Taging</a:t>
+            </a:r>
+            <a:endParaRPr sz="1600" b="0" i="0">
+              <a:solidFill>
+                <a:srgbClr val="333333"/>
+              </a:solidFill>
+              <a:latin typeface="Tomorrow"/>
+              <a:ea typeface="Tomorrow"/>
+            </a:endParaRPr>
+          </a:p>
+          <a:p>
+            <a:pPr marL="457200" lvl="1" indent="0">
+              <a:spcBef>
+                <a:spcPct val="0"/>
+              </a:spcBef>
+              <a:spcAft>
+                <a:spcPct val="0"/>
+              </a:spcAft>
+            </a:pPr>
+            <a:r>
+              <a:rPr sz="1600" b="0" i="0">
+                <a:solidFill>
+                  <a:srgbClr val="333333"/>
+                </a:solidFill>
+                <a:latin typeface="Tomorrow"/>
+                <a:ea typeface="Tomorrow"/>
+              </a:rPr>
+              <a:t>Name Entity Recognition</a:t>
+            </a:r>
+            <a:endParaRPr sz="1600" b="0" i="0">
+              <a:solidFill>
+                <a:srgbClr val="333333"/>
+              </a:solidFill>
+              <a:latin typeface="Tomorrow"/>
+              <a:ea typeface="Tomorrow"/>
+            </a:endParaRPr>
+          </a:p>
+          <a:p>
+            <a:pPr marL="457200" lvl="1" indent="0">
+              <a:spcBef>
+                <a:spcPct val="0"/>
+              </a:spcBef>
+              <a:spcAft>
+                <a:spcPct val="0"/>
+              </a:spcAft>
+            </a:pPr>
+            <a:r>
+              <a:rPr sz="1600" b="0" i="0">
+                <a:solidFill>
+                  <a:srgbClr val="333333"/>
+                </a:solidFill>
+                <a:latin typeface="Tomorrow"/>
+                <a:ea typeface="Tomorrow"/>
+              </a:rPr>
+              <a:t>Text Visualization</a:t>
+            </a:r>
+            <a:endParaRPr sz="1600" b="0" i="0">
+              <a:solidFill>
+                <a:srgbClr val="333333"/>
+              </a:solidFill>
+              <a:latin typeface="Tomorrow"/>
+              <a:ea typeface="Tomorrow"/>
+            </a:endParaRPr>
+          </a:p>
+          <a:p>
+            <a:pPr marL="457200" lvl="1" indent="0">
+              <a:spcBef>
+                <a:spcPct val="0"/>
+              </a:spcBef>
+              <a:spcAft>
+                <a:spcPct val="0"/>
+              </a:spcAft>
+            </a:pPr>
+            <a:r>
+              <a:rPr sz="1600" b="0" i="0">
+                <a:solidFill>
+                  <a:srgbClr val="333333"/>
+                </a:solidFill>
+                <a:latin typeface="Tomorrow"/>
+                <a:ea typeface="Tomorrow"/>
+              </a:rPr>
+              <a:t>Assignment</a:t>
+            </a:r>
+            <a:endParaRPr sz="1600" b="0" i="0">
+              <a:solidFill>
+                <a:srgbClr val="333333"/>
+              </a:solidFill>
+              <a:latin typeface="Tomorrow"/>
+              <a:ea typeface="Tomorrow"/>
+            </a:endParaRPr>
+          </a:p>
+        </p:txBody>
+      </p:sp>
+      <p:sp>
+        <p:nvSpPr>
+          <p:cNvPr id="5" name="Text Box 4"/>
+          <p:cNvSpPr txBox="1"/>
+          <p:nvPr/>
+        </p:nvSpPr>
+        <p:spPr>
+          <a:xfrm>
+            <a:off x="514350" y="4863465"/>
+            <a:ext cx="4276090" cy="2017395"/>
+          </a:xfrm>
+          <a:prstGeom prst="rect">
+            <a:avLst/>
+          </a:prstGeom>
+        </p:spPr>
+        <p:txBody>
+          <a:bodyPr wrap="square">
+            <a:spAutoFit/>
+          </a:bodyPr>
+          <a:p>
+            <a:pPr marL="0" indent="0">
+              <a:spcBef>
+                <a:spcPts val="1000"/>
+              </a:spcBef>
+              <a:spcAft>
+                <a:spcPts val="500"/>
+              </a:spcAft>
+            </a:pPr>
+            <a:r>
+              <a:rPr sz="2500" b="0" i="0">
+                <a:solidFill>
+                  <a:srgbClr val="333333"/>
+                </a:solidFill>
+                <a:latin typeface="Tomorrow"/>
+                <a:ea typeface="Tomorrow"/>
+              </a:rPr>
+              <a:t>Text Classification  </a:t>
+            </a:r>
+            <a:endParaRPr sz="2500" b="0" i="0">
+              <a:solidFill>
+                <a:srgbClr val="333333"/>
+              </a:solidFill>
+              <a:latin typeface="Tomorrow"/>
+              <a:ea typeface="Tomorrow"/>
+            </a:endParaRPr>
+          </a:p>
+          <a:p>
+            <a:pPr marL="0" indent="0">
+              <a:spcBef>
+                <a:spcPct val="0"/>
+              </a:spcBef>
+              <a:spcAft>
+                <a:spcPct val="0"/>
+              </a:spcAft>
+            </a:pPr>
+            <a:r>
+              <a:rPr sz="1600" b="0" i="0">
+                <a:solidFill>
+                  <a:srgbClr val="333333"/>
+                </a:solidFill>
+                <a:latin typeface="Tomorrow"/>
+                <a:ea typeface="Tomorrow"/>
+              </a:rPr>
+              <a:t>CountVectorization</a:t>
+            </a:r>
+            <a:r>
+              <a:rPr lang="en-US" sz="1600" b="0" i="0">
+                <a:solidFill>
+                  <a:srgbClr val="333333"/>
+                </a:solidFill>
+                <a:latin typeface="Tomorrow"/>
+                <a:ea typeface="Tomorrow"/>
+              </a:rPr>
+              <a:t>/</a:t>
+            </a:r>
+            <a:r>
+              <a:rPr sz="1600">
+                <a:solidFill>
+                  <a:srgbClr val="333333"/>
+                </a:solidFill>
+                <a:latin typeface="Tomorrow"/>
+                <a:ea typeface="Tomorrow"/>
+                <a:sym typeface="+mn-ea"/>
+              </a:rPr>
+              <a:t>Text Vecorization </a:t>
+            </a:r>
+            <a:endParaRPr sz="1600" b="0" i="0">
+              <a:solidFill>
+                <a:srgbClr val="333333"/>
+              </a:solidFill>
+              <a:latin typeface="Tomorrow"/>
+              <a:ea typeface="Tomorrow"/>
+            </a:endParaRPr>
+          </a:p>
+          <a:p>
+            <a:pPr marL="0" indent="0">
+              <a:spcBef>
+                <a:spcPct val="0"/>
+              </a:spcBef>
+              <a:spcAft>
+                <a:spcPct val="0"/>
+              </a:spcAft>
+            </a:pPr>
+            <a:r>
+              <a:rPr sz="1600" b="0" i="0">
+                <a:solidFill>
+                  <a:srgbClr val="333333"/>
+                </a:solidFill>
+                <a:latin typeface="Tomorrow"/>
+                <a:ea typeface="Tomorrow"/>
+              </a:rPr>
+              <a:t>Text Classification with ML</a:t>
+            </a:r>
+            <a:endParaRPr sz="1600" b="0" i="0">
+              <a:solidFill>
+                <a:srgbClr val="333333"/>
+              </a:solidFill>
+              <a:latin typeface="Tomorrow"/>
+              <a:ea typeface="Tomorrow"/>
+            </a:endParaRPr>
+          </a:p>
+          <a:p>
+            <a:pPr marL="0" indent="0">
+              <a:spcBef>
+                <a:spcPct val="0"/>
+              </a:spcBef>
+              <a:spcAft>
+                <a:spcPct val="0"/>
+              </a:spcAft>
+            </a:pPr>
+            <a:r>
+              <a:rPr sz="1600" b="0" i="0">
+                <a:solidFill>
+                  <a:srgbClr val="333333"/>
+                </a:solidFill>
+                <a:latin typeface="Tomorrow"/>
+                <a:ea typeface="Tomorrow"/>
+              </a:rPr>
+              <a:t>TFIDF Vectorization</a:t>
+            </a:r>
+            <a:endParaRPr sz="1600" b="0" i="0">
+              <a:solidFill>
+                <a:srgbClr val="333333"/>
+              </a:solidFill>
+              <a:latin typeface="Tomorrow"/>
+              <a:ea typeface="Tomorrow"/>
+            </a:endParaRPr>
+          </a:p>
+          <a:p>
+            <a:pPr marL="0" indent="0">
+              <a:spcBef>
+                <a:spcPct val="0"/>
+              </a:spcBef>
+              <a:spcAft>
+                <a:spcPct val="0"/>
+              </a:spcAft>
+            </a:pPr>
+            <a:r>
+              <a:rPr sz="1600" b="0" i="0">
+                <a:solidFill>
+                  <a:srgbClr val="333333"/>
+                </a:solidFill>
+                <a:latin typeface="Tomorrow"/>
+                <a:ea typeface="Tomorrow"/>
+              </a:rPr>
+              <a:t>Text Classification with ANN</a:t>
+            </a:r>
+            <a:endParaRPr sz="1600" b="0" i="0">
+              <a:solidFill>
+                <a:srgbClr val="333333"/>
+              </a:solidFill>
+              <a:latin typeface="Tomorrow"/>
+              <a:ea typeface="Tomorrow"/>
+            </a:endParaRPr>
+          </a:p>
+          <a:p>
+            <a:pPr marL="0" indent="0">
+              <a:spcBef>
+                <a:spcPct val="0"/>
+              </a:spcBef>
+              <a:spcAft>
+                <a:spcPct val="0"/>
+              </a:spcAft>
+            </a:pPr>
+            <a:r>
+              <a:rPr sz="1600">
+                <a:solidFill>
+                  <a:srgbClr val="333333"/>
+                </a:solidFill>
+                <a:latin typeface="Tomorrow"/>
+                <a:ea typeface="Tomorrow"/>
+                <a:sym typeface="+mn-ea"/>
+              </a:rPr>
+              <a:t>Embedding Layer in Natural Language</a:t>
+            </a:r>
+            <a:endParaRPr sz="1600" b="0" i="0">
+              <a:solidFill>
+                <a:srgbClr val="333333"/>
+              </a:solidFill>
+              <a:latin typeface="Tomorrow"/>
+              <a:ea typeface="Tomorrow"/>
+            </a:endParaRPr>
+          </a:p>
+          <a:p>
+            <a:pPr marL="0" indent="0">
+              <a:spcBef>
+                <a:spcPct val="0"/>
+              </a:spcBef>
+              <a:spcAft>
+                <a:spcPct val="0"/>
+              </a:spcAft>
+            </a:pPr>
+            <a:r>
+              <a:rPr sz="1600" b="0" i="0">
+                <a:solidFill>
+                  <a:srgbClr val="333333"/>
+                </a:solidFill>
+                <a:latin typeface="Tomorrow"/>
+                <a:ea typeface="Tomorrow"/>
+              </a:rPr>
+              <a:t>Assignment</a:t>
+            </a:r>
+            <a:endParaRPr sz="1600" b="0" i="0">
+              <a:solidFill>
+                <a:srgbClr val="333333"/>
+              </a:solidFill>
+              <a:latin typeface="Tomorrow"/>
+              <a:ea typeface="Tomorrow"/>
+            </a:endParaRPr>
+          </a:p>
+        </p:txBody>
+      </p:sp>
+      <p:sp>
+        <p:nvSpPr>
+          <p:cNvPr id="6" name="Text Box 5"/>
+          <p:cNvSpPr txBox="1"/>
+          <p:nvPr/>
+        </p:nvSpPr>
+        <p:spPr>
+          <a:xfrm>
+            <a:off x="6316980" y="261620"/>
+            <a:ext cx="4850765" cy="1771015"/>
+          </a:xfrm>
+          <a:prstGeom prst="rect">
+            <a:avLst/>
+          </a:prstGeom>
+        </p:spPr>
+        <p:txBody>
+          <a:bodyPr wrap="square">
+            <a:spAutoFit/>
+          </a:bodyPr>
+          <a:p>
+            <a:pPr marL="0" indent="0">
+              <a:spcBef>
+                <a:spcPts val="1000"/>
+              </a:spcBef>
+              <a:spcAft>
+                <a:spcPts val="500"/>
+              </a:spcAft>
+            </a:pPr>
+            <a:r>
+              <a:rPr sz="2500" b="0" i="0">
+                <a:solidFill>
+                  <a:srgbClr val="333333"/>
+                </a:solidFill>
+                <a:latin typeface="Tomorrow"/>
+                <a:ea typeface="Tomorrow"/>
+              </a:rPr>
+              <a:t>Sentiment Analysis  </a:t>
+            </a:r>
+            <a:endParaRPr sz="2500" b="0" i="0">
+              <a:solidFill>
+                <a:srgbClr val="333333"/>
+              </a:solidFill>
+              <a:latin typeface="Tomorrow"/>
+              <a:ea typeface="Tomorrow"/>
+            </a:endParaRPr>
+          </a:p>
+          <a:p>
+            <a:pPr marL="457200" lvl="1" indent="0">
+              <a:spcBef>
+                <a:spcPct val="0"/>
+              </a:spcBef>
+              <a:spcAft>
+                <a:spcPct val="0"/>
+              </a:spcAft>
+            </a:pPr>
+            <a:r>
+              <a:rPr sz="1600" b="0" i="0">
+                <a:solidFill>
+                  <a:srgbClr val="333333"/>
+                </a:solidFill>
+                <a:latin typeface="Tomorrow"/>
+                <a:ea typeface="Tomorrow"/>
+              </a:rPr>
+              <a:t>What is Sentiment Analysis</a:t>
+            </a:r>
+            <a:endParaRPr sz="1600" b="0" i="0">
+              <a:solidFill>
+                <a:srgbClr val="333333"/>
+              </a:solidFill>
+              <a:latin typeface="Tomorrow"/>
+              <a:ea typeface="Tomorrow"/>
+            </a:endParaRPr>
+          </a:p>
+          <a:p>
+            <a:pPr marL="457200" lvl="1" indent="0">
+              <a:spcBef>
+                <a:spcPct val="0"/>
+              </a:spcBef>
+              <a:spcAft>
+                <a:spcPct val="0"/>
+              </a:spcAft>
+            </a:pPr>
+            <a:r>
+              <a:rPr sz="1600" b="0" i="0">
+                <a:solidFill>
+                  <a:srgbClr val="333333"/>
+                </a:solidFill>
+                <a:latin typeface="Tomorrow"/>
+                <a:ea typeface="Tomorrow"/>
+              </a:rPr>
+              <a:t>Challenges in Sentiment Analysis</a:t>
+            </a:r>
+            <a:endParaRPr sz="1600" b="0" i="0">
+              <a:solidFill>
+                <a:srgbClr val="333333"/>
+              </a:solidFill>
+              <a:latin typeface="Tomorrow"/>
+              <a:ea typeface="Tomorrow"/>
+            </a:endParaRPr>
+          </a:p>
+          <a:p>
+            <a:pPr marL="457200" lvl="1" indent="0">
+              <a:spcBef>
+                <a:spcPct val="0"/>
+              </a:spcBef>
+              <a:spcAft>
+                <a:spcPct val="0"/>
+              </a:spcAft>
+            </a:pPr>
+            <a:r>
+              <a:rPr sz="1600" b="0" i="0">
+                <a:solidFill>
+                  <a:srgbClr val="333333"/>
+                </a:solidFill>
+                <a:latin typeface="Tomorrow"/>
+                <a:ea typeface="Tomorrow"/>
+              </a:rPr>
+              <a:t>Handling Emoticons</a:t>
+            </a:r>
+            <a:endParaRPr sz="1600" b="0" i="0">
+              <a:solidFill>
+                <a:srgbClr val="333333"/>
+              </a:solidFill>
+              <a:latin typeface="Tomorrow"/>
+              <a:ea typeface="Tomorrow"/>
+            </a:endParaRPr>
+          </a:p>
+          <a:p>
+            <a:pPr marL="457200" lvl="1" indent="0">
+              <a:spcBef>
+                <a:spcPct val="0"/>
+              </a:spcBef>
+              <a:spcAft>
+                <a:spcPct val="0"/>
+              </a:spcAft>
+            </a:pPr>
+            <a:r>
+              <a:rPr sz="1600" b="0" i="0">
+                <a:solidFill>
+                  <a:srgbClr val="333333"/>
+                </a:solidFill>
+                <a:latin typeface="Tomorrow"/>
+                <a:ea typeface="Tomorrow"/>
+              </a:rPr>
+              <a:t>Sentiment Analysis with ANN</a:t>
+            </a:r>
+            <a:endParaRPr sz="1600" b="0" i="0">
+              <a:solidFill>
+                <a:srgbClr val="333333"/>
+              </a:solidFill>
+              <a:latin typeface="Tomorrow"/>
+              <a:ea typeface="Tomorrow"/>
+            </a:endParaRPr>
+          </a:p>
+          <a:p>
+            <a:pPr marL="457200" lvl="1" indent="0">
+              <a:spcBef>
+                <a:spcPct val="0"/>
+              </a:spcBef>
+              <a:spcAft>
+                <a:spcPct val="0"/>
+              </a:spcAft>
+            </a:pPr>
+            <a:r>
+              <a:rPr sz="1600" b="0" i="0">
+                <a:solidFill>
+                  <a:srgbClr val="333333"/>
+                </a:solidFill>
+                <a:latin typeface="Tomorrow"/>
+                <a:ea typeface="Tomorrow"/>
+              </a:rPr>
+              <a:t>Assignment</a:t>
+            </a:r>
+            <a:endParaRPr sz="1600" b="0" i="0">
+              <a:solidFill>
+                <a:srgbClr val="333333"/>
+              </a:solidFill>
+              <a:latin typeface="Tomorrow"/>
+              <a:ea typeface="Tomorrow"/>
+            </a:endParaRPr>
+          </a:p>
+        </p:txBody>
+      </p:sp>
+      <p:sp>
+        <p:nvSpPr>
+          <p:cNvPr id="7" name="Text Box 6"/>
+          <p:cNvSpPr txBox="1"/>
+          <p:nvPr/>
+        </p:nvSpPr>
+        <p:spPr>
+          <a:xfrm>
+            <a:off x="6316980" y="1885315"/>
+            <a:ext cx="4954905" cy="3002280"/>
+          </a:xfrm>
+          <a:prstGeom prst="rect">
+            <a:avLst/>
+          </a:prstGeom>
+        </p:spPr>
+        <p:txBody>
+          <a:bodyPr wrap="square">
+            <a:spAutoFit/>
+          </a:bodyPr>
+          <a:p>
+            <a:pPr marL="0" indent="0">
+              <a:spcBef>
+                <a:spcPts val="1000"/>
+              </a:spcBef>
+              <a:spcAft>
+                <a:spcPts val="500"/>
+              </a:spcAft>
+            </a:pPr>
+            <a:r>
+              <a:rPr sz="2500" b="0" i="0">
+                <a:solidFill>
+                  <a:srgbClr val="333333"/>
+                </a:solidFill>
+                <a:latin typeface="Tomorrow"/>
+                <a:ea typeface="Tomorrow"/>
+              </a:rPr>
+              <a:t>Sequence Model  </a:t>
+            </a:r>
+            <a:endParaRPr sz="2500" b="0" i="0">
+              <a:solidFill>
+                <a:srgbClr val="333333"/>
+              </a:solidFill>
+              <a:latin typeface="Tomorrow"/>
+              <a:ea typeface="Tomorrow"/>
+            </a:endParaRPr>
+          </a:p>
+          <a:p>
+            <a:pPr marL="457200" lvl="1" indent="0">
+              <a:spcBef>
+                <a:spcPct val="0"/>
+              </a:spcBef>
+              <a:spcAft>
+                <a:spcPct val="0"/>
+              </a:spcAft>
+            </a:pPr>
+            <a:r>
+              <a:rPr sz="1600" b="0" i="0">
+                <a:solidFill>
+                  <a:srgbClr val="333333"/>
+                </a:solidFill>
+                <a:latin typeface="Tomorrow"/>
+                <a:ea typeface="Tomorrow"/>
+              </a:rPr>
+              <a:t>Sequential Data</a:t>
+            </a:r>
+            <a:endParaRPr sz="1600" b="0" i="0">
+              <a:solidFill>
+                <a:srgbClr val="333333"/>
+              </a:solidFill>
+              <a:latin typeface="Tomorrow"/>
+              <a:ea typeface="Tomorrow"/>
+            </a:endParaRPr>
+          </a:p>
+          <a:p>
+            <a:pPr marL="457200" lvl="1" indent="0">
+              <a:spcBef>
+                <a:spcPct val="0"/>
+              </a:spcBef>
+              <a:spcAft>
+                <a:spcPct val="0"/>
+              </a:spcAft>
+            </a:pPr>
+            <a:r>
+              <a:rPr sz="1600" b="0" i="0">
+                <a:solidFill>
+                  <a:srgbClr val="333333"/>
+                </a:solidFill>
+                <a:latin typeface="Tomorrow"/>
+                <a:ea typeface="Tomorrow"/>
+              </a:rPr>
+              <a:t>Recurrent Neural Network</a:t>
+            </a:r>
+            <a:endParaRPr sz="1600" b="0" i="0">
+              <a:solidFill>
+                <a:srgbClr val="333333"/>
+              </a:solidFill>
+              <a:latin typeface="Tomorrow"/>
+              <a:ea typeface="Tomorrow"/>
+            </a:endParaRPr>
+          </a:p>
+          <a:p>
+            <a:pPr marL="457200" lvl="1" indent="0">
+              <a:spcBef>
+                <a:spcPct val="0"/>
+              </a:spcBef>
+              <a:spcAft>
+                <a:spcPct val="0"/>
+              </a:spcAft>
+            </a:pPr>
+            <a:r>
+              <a:rPr sz="1600" b="0" i="0">
+                <a:solidFill>
+                  <a:srgbClr val="333333"/>
+                </a:solidFill>
+                <a:latin typeface="Tomorrow"/>
+                <a:ea typeface="Tomorrow"/>
+              </a:rPr>
+              <a:t>Multi-layer &amp; Bi-directional RNN</a:t>
+            </a:r>
+            <a:endParaRPr sz="1600" b="0" i="0">
+              <a:solidFill>
+                <a:srgbClr val="333333"/>
+              </a:solidFill>
+              <a:latin typeface="Tomorrow"/>
+              <a:ea typeface="Tomorrow"/>
+            </a:endParaRPr>
+          </a:p>
+          <a:p>
+            <a:pPr marL="457200" lvl="1" indent="0">
+              <a:spcBef>
+                <a:spcPct val="0"/>
+              </a:spcBef>
+              <a:spcAft>
+                <a:spcPct val="0"/>
+              </a:spcAft>
+            </a:pPr>
+            <a:r>
+              <a:rPr sz="1600" b="0" i="0">
+                <a:solidFill>
+                  <a:srgbClr val="333333"/>
+                </a:solidFill>
+                <a:latin typeface="Tomorrow"/>
+                <a:ea typeface="Tomorrow"/>
+              </a:rPr>
+              <a:t>Architecture of RNN</a:t>
+            </a:r>
+            <a:endParaRPr sz="1600" b="0" i="0">
+              <a:solidFill>
+                <a:srgbClr val="333333"/>
+              </a:solidFill>
+              <a:latin typeface="Tomorrow"/>
+              <a:ea typeface="Tomorrow"/>
+            </a:endParaRPr>
+          </a:p>
+          <a:p>
+            <a:pPr marL="457200" lvl="1" indent="0">
+              <a:spcBef>
+                <a:spcPct val="0"/>
+              </a:spcBef>
+              <a:spcAft>
+                <a:spcPct val="0"/>
+              </a:spcAft>
+            </a:pPr>
+            <a:r>
+              <a:rPr sz="1600" b="0" i="0">
+                <a:solidFill>
+                  <a:srgbClr val="333333"/>
+                </a:solidFill>
+                <a:latin typeface="Tomorrow"/>
+                <a:ea typeface="Tomorrow"/>
+              </a:rPr>
+              <a:t>Vanishing Gradient Problem in RNN</a:t>
+            </a:r>
+            <a:endParaRPr sz="1600" b="0" i="0">
+              <a:solidFill>
+                <a:srgbClr val="333333"/>
+              </a:solidFill>
+              <a:latin typeface="Tomorrow"/>
+              <a:ea typeface="Tomorrow"/>
+            </a:endParaRPr>
+          </a:p>
+          <a:p>
+            <a:pPr marL="457200" lvl="1" indent="0">
+              <a:spcBef>
+                <a:spcPct val="0"/>
+              </a:spcBef>
+              <a:spcAft>
+                <a:spcPct val="0"/>
+              </a:spcAft>
+            </a:pPr>
+            <a:r>
+              <a:rPr sz="1600" b="0" i="0">
+                <a:solidFill>
+                  <a:srgbClr val="333333"/>
+                </a:solidFill>
+                <a:latin typeface="Tomorrow"/>
+                <a:ea typeface="Tomorrow"/>
+              </a:rPr>
+              <a:t>Long Short Term Memory</a:t>
+            </a:r>
+            <a:endParaRPr sz="1600" b="0" i="0">
+              <a:solidFill>
+                <a:srgbClr val="333333"/>
+              </a:solidFill>
+              <a:latin typeface="Tomorrow"/>
+              <a:ea typeface="Tomorrow"/>
+            </a:endParaRPr>
+          </a:p>
+          <a:p>
+            <a:pPr marL="457200" lvl="1" indent="0">
+              <a:spcBef>
+                <a:spcPct val="0"/>
+              </a:spcBef>
+              <a:spcAft>
+                <a:spcPct val="0"/>
+              </a:spcAft>
+            </a:pPr>
+            <a:r>
+              <a:rPr sz="1600" b="0" i="0">
+                <a:solidFill>
+                  <a:srgbClr val="333333"/>
+                </a:solidFill>
+                <a:latin typeface="Tomorrow"/>
+                <a:ea typeface="Tomorrow"/>
+              </a:rPr>
+              <a:t>Multi-layer &amp; Bi-directional LSTM</a:t>
+            </a:r>
+            <a:endParaRPr sz="1600" b="0" i="0">
+              <a:solidFill>
+                <a:srgbClr val="333333"/>
+              </a:solidFill>
+              <a:latin typeface="Tomorrow"/>
+              <a:ea typeface="Tomorrow"/>
+            </a:endParaRPr>
+          </a:p>
+          <a:p>
+            <a:pPr marL="457200" lvl="1" indent="0">
+              <a:spcBef>
+                <a:spcPct val="0"/>
+              </a:spcBef>
+              <a:spcAft>
+                <a:spcPct val="0"/>
+              </a:spcAft>
+            </a:pPr>
+            <a:r>
+              <a:rPr sz="1600" b="0" i="0">
+                <a:solidFill>
+                  <a:srgbClr val="333333"/>
+                </a:solidFill>
+                <a:latin typeface="Tomorrow"/>
+                <a:ea typeface="Tomorrow"/>
+              </a:rPr>
+              <a:t>Gated Recurrent Unit</a:t>
+            </a:r>
+            <a:endParaRPr sz="1600" b="0" i="0">
+              <a:solidFill>
+                <a:srgbClr val="333333"/>
+              </a:solidFill>
+              <a:latin typeface="Tomorrow"/>
+              <a:ea typeface="Tomorrow"/>
+            </a:endParaRPr>
+          </a:p>
+          <a:p>
+            <a:pPr marL="457200" lvl="1" indent="0">
+              <a:spcBef>
+                <a:spcPct val="0"/>
+              </a:spcBef>
+              <a:spcAft>
+                <a:spcPct val="0"/>
+              </a:spcAft>
+            </a:pPr>
+            <a:r>
+              <a:rPr sz="1600" b="0" i="0">
+                <a:solidFill>
+                  <a:srgbClr val="333333"/>
+                </a:solidFill>
+                <a:latin typeface="Tomorrow"/>
+                <a:ea typeface="Tomorrow"/>
+              </a:rPr>
+              <a:t>Multi-layer &amp; Bi-directional GRU</a:t>
+            </a:r>
+            <a:endParaRPr sz="1600" b="0" i="0">
+              <a:solidFill>
+                <a:srgbClr val="333333"/>
+              </a:solidFill>
+              <a:latin typeface="Tomorrow"/>
+              <a:ea typeface="Tomorrow"/>
+            </a:endParaRPr>
+          </a:p>
+          <a:p>
+            <a:pPr marL="457200" lvl="1" indent="0">
+              <a:spcBef>
+                <a:spcPct val="0"/>
+              </a:spcBef>
+              <a:spcAft>
+                <a:spcPct val="0"/>
+              </a:spcAft>
+            </a:pPr>
+            <a:r>
+              <a:rPr sz="1600" b="0" i="0">
+                <a:solidFill>
+                  <a:srgbClr val="333333"/>
+                </a:solidFill>
+                <a:latin typeface="Tomorrow"/>
+                <a:ea typeface="Tomorrow"/>
+              </a:rPr>
+              <a:t>Assignment</a:t>
+            </a:r>
+            <a:endParaRPr sz="1600" b="0" i="0">
+              <a:solidFill>
+                <a:srgbClr val="333333"/>
+              </a:solidFill>
+              <a:latin typeface="Tomorrow"/>
+              <a:ea typeface="Tomorrow"/>
+            </a:endParaRPr>
+          </a:p>
+        </p:txBody>
+      </p:sp>
+      <p:sp>
+        <p:nvSpPr>
+          <p:cNvPr id="8" name="Text Box 7"/>
+          <p:cNvSpPr txBox="1"/>
+          <p:nvPr/>
+        </p:nvSpPr>
+        <p:spPr>
+          <a:xfrm>
+            <a:off x="5937885" y="4863148"/>
+            <a:ext cx="5080000" cy="1524635"/>
+          </a:xfrm>
+          <a:prstGeom prst="rect">
+            <a:avLst/>
+          </a:prstGeom>
+        </p:spPr>
+        <p:txBody>
+          <a:bodyPr>
+            <a:spAutoFit/>
+          </a:bodyPr>
+          <a:p>
+            <a:pPr marL="0" indent="0">
+              <a:spcBef>
+                <a:spcPts val="1000"/>
+              </a:spcBef>
+              <a:spcAft>
+                <a:spcPts val="500"/>
+              </a:spcAft>
+            </a:pPr>
+            <a:r>
+              <a:rPr sz="2500" b="0" i="0">
+                <a:solidFill>
+                  <a:srgbClr val="333333"/>
+                </a:solidFill>
+                <a:latin typeface="Tomorrow"/>
+                <a:ea typeface="Tomorrow"/>
+              </a:rPr>
+              <a:t>Transformers Based Models  </a:t>
+            </a:r>
+            <a:endParaRPr sz="2500" b="0" i="0">
+              <a:solidFill>
+                <a:srgbClr val="333333"/>
+              </a:solidFill>
+              <a:latin typeface="Tomorrow"/>
+              <a:ea typeface="Tomorrow"/>
+            </a:endParaRPr>
+          </a:p>
+          <a:p>
+            <a:pPr marL="457200" lvl="1" indent="0">
+              <a:spcBef>
+                <a:spcPct val="0"/>
+              </a:spcBef>
+              <a:spcAft>
+                <a:spcPct val="0"/>
+              </a:spcAft>
+            </a:pPr>
+            <a:r>
+              <a:rPr sz="1600" b="0" i="0">
+                <a:solidFill>
+                  <a:srgbClr val="333333"/>
+                </a:solidFill>
+                <a:latin typeface="Tomorrow"/>
+                <a:ea typeface="Tomorrow"/>
+              </a:rPr>
+              <a:t>Sequence to Sequence Model</a:t>
+            </a:r>
+            <a:endParaRPr sz="1600" b="0" i="0">
+              <a:solidFill>
+                <a:srgbClr val="333333"/>
+              </a:solidFill>
+              <a:latin typeface="Tomorrow"/>
+              <a:ea typeface="Tomorrow"/>
+            </a:endParaRPr>
+          </a:p>
+          <a:p>
+            <a:pPr marL="457200" lvl="1" indent="0">
+              <a:spcBef>
+                <a:spcPct val="0"/>
+              </a:spcBef>
+              <a:spcAft>
+                <a:spcPct val="0"/>
+              </a:spcAft>
+            </a:pPr>
+            <a:r>
+              <a:rPr sz="1600" b="0" i="0">
+                <a:solidFill>
+                  <a:srgbClr val="333333"/>
+                </a:solidFill>
+                <a:latin typeface="Tomorrow"/>
+                <a:ea typeface="Tomorrow"/>
+              </a:rPr>
+              <a:t>Attention Machanism</a:t>
+            </a:r>
+            <a:endParaRPr sz="1600" b="0" i="0">
+              <a:solidFill>
+                <a:srgbClr val="333333"/>
+              </a:solidFill>
+              <a:latin typeface="Tomorrow"/>
+              <a:ea typeface="Tomorrow"/>
+            </a:endParaRPr>
+          </a:p>
+          <a:p>
+            <a:pPr marL="457200" lvl="1" indent="0">
+              <a:spcBef>
+                <a:spcPct val="0"/>
+              </a:spcBef>
+              <a:spcAft>
+                <a:spcPct val="0"/>
+              </a:spcAft>
+            </a:pPr>
+            <a:r>
+              <a:rPr sz="1600" b="0" i="0">
+                <a:solidFill>
+                  <a:srgbClr val="333333"/>
+                </a:solidFill>
+                <a:latin typeface="Tomorrow"/>
+                <a:ea typeface="Tomorrow"/>
+              </a:rPr>
+              <a:t>Transformers</a:t>
+            </a:r>
+            <a:endParaRPr sz="1600" b="0" i="0">
+              <a:solidFill>
+                <a:srgbClr val="333333"/>
+              </a:solidFill>
+              <a:latin typeface="Tomorrow"/>
+              <a:ea typeface="Tomorrow"/>
+            </a:endParaRPr>
+          </a:p>
+          <a:p>
+            <a:pPr marL="457200" lvl="1" indent="0">
+              <a:spcBef>
+                <a:spcPct val="0"/>
+              </a:spcBef>
+              <a:spcAft>
+                <a:spcPct val="0"/>
+              </a:spcAft>
+            </a:pPr>
+            <a:r>
+              <a:rPr sz="1600" b="0" i="0">
+                <a:solidFill>
+                  <a:srgbClr val="333333"/>
+                </a:solidFill>
+                <a:latin typeface="Tomorrow"/>
+                <a:ea typeface="Tomorrow"/>
+              </a:rPr>
+              <a:t>Face Hugging Transformers</a:t>
+            </a:r>
+            <a:endParaRPr sz="1600" b="0" i="0">
+              <a:solidFill>
+                <a:srgbClr val="333333"/>
+              </a:solidFill>
+              <a:latin typeface="Tomorrow"/>
+              <a:ea typeface="Tomorrow"/>
+            </a:endParaRPr>
+          </a:p>
+        </p:txBody>
+      </p:sp>
     </p:spTree>
   </p:cSld>
   <p:clrMapOvr>
